--- a/resources/presentations/CMAPP2 .pptx
+++ b/resources/presentations/CMAPP2 .pptx
@@ -41,7 +41,7 @@
       </p:grpSpPr>
       <p:sp>
         <p:nvSpPr>
-          <p:cNvPr id="9" name="PlaceHolder 1"/>
+          <p:cNvPr id="8" name="PlaceHolder 1"/>
           <p:cNvSpPr>
             <a:spLocks noGrp="1"/>
           </p:cNvSpPr>
@@ -52,7 +52,7 @@
         <p:spPr>
           <a:xfrm>
             <a:off x="3291480" y="11003760"/>
-            <a:ext cx="37305360" cy="5497200"/>
+            <a:ext cx="37305000" cy="5496840"/>
           </a:xfrm>
           <a:prstGeom prst="rect">
             <a:avLst/>
@@ -81,7 +81,7 @@
       </p:sp>
       <p:sp>
         <p:nvSpPr>
-          <p:cNvPr id="10" name="PlaceHolder 2"/>
+          <p:cNvPr id="9" name="PlaceHolder 2"/>
           <p:cNvSpPr>
             <a:spLocks noGrp="1"/>
           </p:cNvSpPr>
@@ -153,7 +153,7 @@
         <p:txBody>
           <a:bodyPr/>
           <a:p>
-            <a:fld id="{66D8702B-8AA5-48E0-8B0C-19B022886146}" type="slidenum">
+            <a:fld id="{8F403A0C-F787-4C5D-BE05-63020E4FD672}" type="slidenum">
               <a:t>&lt;#&gt;</a:t>
             </a:fld>
           </a:p>
@@ -236,7 +236,7 @@
         <p:txBody>
           <a:bodyPr/>
           <a:p>
-            <a:fld id="{D9F98146-2B8F-4B8D-8A59-0C8D04D2C10E}" type="slidenum">
+            <a:fld id="{EF1C7B19-F6B4-4DDA-9724-1E34DE5B028D}" type="slidenum">
               <a:t>&lt;#&gt;</a:t>
             </a:fld>
           </a:p>
@@ -319,7 +319,7 @@
         <p:txBody>
           <a:bodyPr/>
           <a:p>
-            <a:fld id="{36CB0877-3000-4BF7-A57A-40DDECA3724C}" type="slidenum">
+            <a:fld id="{D08318F2-C77B-4FFC-8279-DA3B29BAB17B}" type="slidenum">
               <a:t>&lt;#&gt;</a:t>
             </a:fld>
           </a:p>
@@ -402,7 +402,7 @@
         <p:txBody>
           <a:bodyPr/>
           <a:p>
-            <a:fld id="{7792224C-7250-4FA6-9598-DC7025314B51}" type="slidenum">
+            <a:fld id="{3765FBB0-A4C2-4904-92BE-83FA28FAA40E}" type="slidenum">
               <a:t>&lt;#&gt;</a:t>
             </a:fld>
           </a:p>
@@ -485,7 +485,7 @@
         <p:txBody>
           <a:bodyPr/>
           <a:p>
-            <a:fld id="{2AF97CD9-EBBB-4F88-80DC-D701D168B442}" type="slidenum">
+            <a:fld id="{C162F76F-102D-48C7-9730-3D64F3328354}" type="slidenum">
               <a:t>&lt;#&gt;</a:t>
             </a:fld>
           </a:p>
@@ -536,7 +536,7 @@
       </p:grpSpPr>
       <p:sp>
         <p:nvSpPr>
-          <p:cNvPr id="34" name="PlaceHolder 1"/>
+          <p:cNvPr id="33" name="PlaceHolder 1"/>
           <p:cNvSpPr>
             <a:spLocks noGrp="1"/>
           </p:cNvSpPr>
@@ -547,7 +547,7 @@
         <p:spPr>
           <a:xfrm>
             <a:off x="3291480" y="11003760"/>
-            <a:ext cx="37305360" cy="5497200"/>
+            <a:ext cx="37305000" cy="5496840"/>
           </a:xfrm>
           <a:prstGeom prst="rect">
             <a:avLst/>
@@ -576,7 +576,7 @@
       </p:sp>
       <p:sp>
         <p:nvSpPr>
-          <p:cNvPr id="35" name="PlaceHolder 2"/>
+          <p:cNvPr id="34" name="PlaceHolder 2"/>
           <p:cNvSpPr>
             <a:spLocks noGrp="1"/>
           </p:cNvSpPr>
@@ -651,7 +651,7 @@
         <p:txBody>
           <a:bodyPr/>
           <a:p>
-            <a:fld id="{A39CEFF6-FD0F-4FCD-83DA-86010CE3ECAF}" type="slidenum">
+            <a:fld id="{8120C4C4-F44F-40C7-871D-1B37F84020E4}" type="slidenum">
               <a:t>&lt;#&gt;</a:t>
             </a:fld>
           </a:p>
@@ -734,7 +734,7 @@
         <p:txBody>
           <a:bodyPr/>
           <a:p>
-            <a:fld id="{7426AB3C-AD74-4A3A-94B6-1328F7D68EF7}" type="slidenum">
+            <a:fld id="{33ACDFE5-2EF0-4AAE-A4B1-86267DD6C858}" type="slidenum">
               <a:t>&lt;#&gt;</a:t>
             </a:fld>
           </a:p>
@@ -785,7 +785,7 @@
       </p:grpSpPr>
       <p:sp>
         <p:nvSpPr>
-          <p:cNvPr id="53" name="PlaceHolder 1"/>
+          <p:cNvPr id="52" name="PlaceHolder 1"/>
           <p:cNvSpPr>
             <a:spLocks noGrp="1"/>
           </p:cNvSpPr>
@@ -796,7 +796,7 @@
         <p:spPr>
           <a:xfrm>
             <a:off x="3291480" y="11003760"/>
-            <a:ext cx="37305360" cy="5497200"/>
+            <a:ext cx="37305000" cy="5496840"/>
           </a:xfrm>
           <a:prstGeom prst="rect">
             <a:avLst/>
@@ -825,7 +825,7 @@
       </p:sp>
       <p:sp>
         <p:nvSpPr>
-          <p:cNvPr id="54" name="PlaceHolder 2"/>
+          <p:cNvPr id="53" name="PlaceHolder 2"/>
           <p:cNvSpPr>
             <a:spLocks noGrp="1"/>
           </p:cNvSpPr>
@@ -868,7 +868,7 @@
       </p:sp>
       <p:sp>
         <p:nvSpPr>
-          <p:cNvPr id="55" name="PlaceHolder 3"/>
+          <p:cNvPr id="54" name="PlaceHolder 3"/>
           <p:cNvSpPr>
             <a:spLocks noGrp="1"/>
           </p:cNvSpPr>
@@ -943,7 +943,7 @@
         <p:txBody>
           <a:bodyPr/>
           <a:p>
-            <a:fld id="{F5754077-C694-4B35-A7C3-385678FCF664}" type="slidenum">
+            <a:fld id="{D507A98C-D979-4DE0-BA17-A32B1A9CEAD1}" type="slidenum">
               <a:t>&lt;#&gt;</a:t>
             </a:fld>
           </a:p>
@@ -1026,7 +1026,7 @@
         <p:txBody>
           <a:bodyPr/>
           <a:p>
-            <a:fld id="{77DB8B1D-98F3-4071-9F78-81C78D2533F2}" type="slidenum">
+            <a:fld id="{DDF2051F-49C9-4C9B-8A8C-42D044698F7C}" type="slidenum">
               <a:t>&lt;#&gt;</a:t>
             </a:fld>
           </a:p>
@@ -1077,7 +1077,7 @@
       </p:grpSpPr>
       <p:sp>
         <p:nvSpPr>
-          <p:cNvPr id="71" name="PlaceHolder 1"/>
+          <p:cNvPr id="70" name="PlaceHolder 1"/>
           <p:cNvSpPr>
             <a:spLocks noGrp="1"/>
           </p:cNvSpPr>
@@ -1088,7 +1088,7 @@
         <p:spPr>
           <a:xfrm>
             <a:off x="3291480" y="11003760"/>
-            <a:ext cx="37305360" cy="5497200"/>
+            <a:ext cx="37305000" cy="5496840"/>
           </a:xfrm>
           <a:prstGeom prst="rect">
             <a:avLst/>
@@ -1149,7 +1149,7 @@
         <p:txBody>
           <a:bodyPr/>
           <a:p>
-            <a:fld id="{BA748196-D7A3-4FF6-85DA-15DAB0A18808}" type="slidenum">
+            <a:fld id="{0202AA7D-8A2A-4013-AA1C-27933F9E4F91}" type="slidenum">
               <a:t>&lt;#&gt;</a:t>
             </a:fld>
           </a:p>
@@ -1232,7 +1232,7 @@
         <p:txBody>
           <a:bodyPr/>
           <a:p>
-            <a:fld id="{8A5574BC-B3E6-4F70-8202-975CA102D293}" type="slidenum">
+            <a:fld id="{311BF964-B8EB-4FC6-A66F-2401AA2FD3F4}" type="slidenum">
               <a:t>&lt;#&gt;</a:t>
             </a:fld>
           </a:p>
@@ -1300,8 +1300,8 @@
         </p:blipFill>
         <p:spPr>
           <a:xfrm rot="16200000">
-            <a:off x="-11071440" y="16462080"/>
-            <a:ext cx="14271840" cy="3934080"/>
+            <a:off x="-11071080" y="16462440"/>
+            <a:ext cx="14271480" cy="3933720"/>
           </a:xfrm>
           <a:prstGeom prst="rect">
             <a:avLst/>
@@ -1323,8 +1323,8 @@
         </p:blipFill>
         <p:spPr>
           <a:xfrm rot="5400000">
-            <a:off x="40693680" y="16459200"/>
-            <a:ext cx="14271840" cy="3934080"/>
+            <a:off x="40694040" y="16459200"/>
+            <a:ext cx="14271480" cy="3933720"/>
           </a:xfrm>
           <a:prstGeom prst="rect">
             <a:avLst/>
@@ -1347,7 +1347,7 @@
         <p:spPr>
           <a:xfrm>
             <a:off x="6946920" y="33426360"/>
-            <a:ext cx="29994480" cy="1445040"/>
+            <a:ext cx="29994120" cy="1444680"/>
           </a:xfrm>
           <a:prstGeom prst="rect">
             <a:avLst/>
@@ -1366,7 +1366,7 @@
         <p:spPr>
           <a:xfrm>
             <a:off x="6946920" y="33998040"/>
-            <a:ext cx="21942720" cy="1267200"/>
+            <a:ext cx="21942360" cy="1266840"/>
           </a:xfrm>
           <a:prstGeom prst="rect">
             <a:avLst/>
@@ -1432,7 +1432,7 @@
         <p:spPr>
           <a:xfrm>
             <a:off x="3291480" y="11003760"/>
-            <a:ext cx="37305360" cy="5497200"/>
+            <a:ext cx="37305000" cy="5496840"/>
           </a:xfrm>
           <a:prstGeom prst="rect">
             <a:avLst/>
@@ -1481,7 +1481,7 @@
         <p:spPr>
           <a:xfrm>
             <a:off x="14994360" y="29977560"/>
-            <a:ext cx="13899240" cy="2283120"/>
+            <a:ext cx="13898880" cy="2282760"/>
           </a:xfrm>
           <a:prstGeom prst="rect">
             <a:avLst/>
@@ -1553,7 +1553,7 @@
         <p:spPr>
           <a:xfrm>
             <a:off x="31453560" y="29977560"/>
-            <a:ext cx="10241640" cy="2283120"/>
+            <a:ext cx="10241280" cy="2282760"/>
           </a:xfrm>
           <a:prstGeom prst="rect">
             <a:avLst/>
@@ -1595,7 +1595,7 @@
                 <a:tab algn="l" pos="0"/>
               </a:tabLst>
             </a:pPr>
-            <a:fld id="{A6AC71EF-4EED-474C-BCD1-F18AFA32481E}" type="slidenum">
+            <a:fld id="{B67DBF86-C8EB-48F0-9B64-F6BE316C811C}" type="slidenum">
               <a:rPr b="0" lang="en-US" sz="5030" spc="-1" strike="noStrike">
                 <a:solidFill>
                   <a:schemeClr val="dk1"/>
@@ -1627,7 +1627,7 @@
         <p:spPr>
           <a:xfrm>
             <a:off x="2192760" y="29977560"/>
-            <a:ext cx="10241640" cy="2283120"/>
+            <a:ext cx="10241280" cy="2282760"/>
           </a:xfrm>
           <a:prstGeom prst="rect">
             <a:avLst/>
@@ -1670,231 +1670,6 @@
                 <a:srgbClr val="000000"/>
               </a:solidFill>
               <a:latin typeface="Times New Roman"/>
-            </a:endParaRPr>
-          </a:p>
-        </p:txBody>
-      </p:sp>
-      <p:sp>
-        <p:nvSpPr>
-          <p:cNvPr id="8" name="PlaceHolder 5"/>
-          <p:cNvSpPr>
-            <a:spLocks noGrp="1"/>
-          </p:cNvSpPr>
-          <p:nvPr>
-            <p:ph type="body"/>
-          </p:nvPr>
-        </p:nvSpPr>
-        <p:spPr>
-          <a:xfrm>
-            <a:off x="2194560" y="7702560"/>
-            <a:ext cx="39501720" cy="19092240"/>
-          </a:xfrm>
-          <a:prstGeom prst="rect">
-            <a:avLst/>
-          </a:prstGeom>
-          <a:noFill/>
-          <a:ln w="0">
-            <a:noFill/>
-          </a:ln>
-        </p:spPr>
-        <p:txBody>
-          <a:bodyPr lIns="0" rIns="0" tIns="0" bIns="0" anchor="t">
-            <a:normAutofit/>
-          </a:bodyPr>
-          <a:p>
-            <a:pPr marL="432000" indent="-324000">
-              <a:spcBef>
-                <a:spcPts val="1417"/>
-              </a:spcBef>
-              <a:buClr>
-                <a:srgbClr val="000000"/>
-              </a:buClr>
-              <a:buSzPct val="45000"/>
-              <a:buFont typeface="Wingdings" charset="2"/>
-              <a:buChar char=""/>
-            </a:pPr>
-            <a:r>
-              <a:rPr b="0" lang="en-US" sz="3200" spc="-1" strike="noStrike">
-                <a:solidFill>
-                  <a:srgbClr val="000000"/>
-                </a:solidFill>
-                <a:latin typeface="Arial"/>
-              </a:rPr>
-              <a:t>Click to edit the outline text format</a:t>
-            </a:r>
-            <a:endParaRPr b="0" lang="en-US" sz="3200" spc="-1" strike="noStrike">
-              <a:solidFill>
-                <a:srgbClr val="000000"/>
-              </a:solidFill>
-              <a:latin typeface="Arial"/>
-            </a:endParaRPr>
-          </a:p>
-          <a:p>
-            <a:pPr lvl="1" marL="864000" indent="-324000">
-              <a:spcBef>
-                <a:spcPts val="1134"/>
-              </a:spcBef>
-              <a:buClr>
-                <a:srgbClr val="000000"/>
-              </a:buClr>
-              <a:buSzPct val="75000"/>
-              <a:buFont typeface="Symbol" charset="2"/>
-              <a:buChar char=""/>
-            </a:pPr>
-            <a:r>
-              <a:rPr b="0" lang="en-US" sz="2800" spc="-1" strike="noStrike">
-                <a:solidFill>
-                  <a:srgbClr val="000000"/>
-                </a:solidFill>
-                <a:latin typeface="Arial"/>
-              </a:rPr>
-              <a:t>Second Outline Level</a:t>
-            </a:r>
-            <a:endParaRPr b="0" lang="en-US" sz="2800" spc="-1" strike="noStrike">
-              <a:solidFill>
-                <a:srgbClr val="000000"/>
-              </a:solidFill>
-              <a:latin typeface="Arial"/>
-            </a:endParaRPr>
-          </a:p>
-          <a:p>
-            <a:pPr lvl="2" marL="1296000" indent="-288000">
-              <a:spcBef>
-                <a:spcPts val="850"/>
-              </a:spcBef>
-              <a:buClr>
-                <a:srgbClr val="000000"/>
-              </a:buClr>
-              <a:buSzPct val="45000"/>
-              <a:buFont typeface="Wingdings" charset="2"/>
-              <a:buChar char=""/>
-            </a:pPr>
-            <a:r>
-              <a:rPr b="0" lang="en-US" sz="2400" spc="-1" strike="noStrike">
-                <a:solidFill>
-                  <a:srgbClr val="000000"/>
-                </a:solidFill>
-                <a:latin typeface="Arial"/>
-              </a:rPr>
-              <a:t>Third Outline Level</a:t>
-            </a:r>
-            <a:endParaRPr b="0" lang="en-US" sz="2400" spc="-1" strike="noStrike">
-              <a:solidFill>
-                <a:srgbClr val="000000"/>
-              </a:solidFill>
-              <a:latin typeface="Arial"/>
-            </a:endParaRPr>
-          </a:p>
-          <a:p>
-            <a:pPr lvl="3" marL="1728000" indent="-216000">
-              <a:spcBef>
-                <a:spcPts val="567"/>
-              </a:spcBef>
-              <a:buClr>
-                <a:srgbClr val="000000"/>
-              </a:buClr>
-              <a:buSzPct val="75000"/>
-              <a:buFont typeface="Symbol" charset="2"/>
-              <a:buChar char=""/>
-            </a:pPr>
-            <a:r>
-              <a:rPr b="0" lang="en-US" sz="2000" spc="-1" strike="noStrike">
-                <a:solidFill>
-                  <a:srgbClr val="000000"/>
-                </a:solidFill>
-                <a:latin typeface="Arial"/>
-              </a:rPr>
-              <a:t>Fourth Outline Level</a:t>
-            </a:r>
-            <a:endParaRPr b="0" lang="en-US" sz="2000" spc="-1" strike="noStrike">
-              <a:solidFill>
-                <a:srgbClr val="000000"/>
-              </a:solidFill>
-              <a:latin typeface="Arial"/>
-            </a:endParaRPr>
-          </a:p>
-          <a:p>
-            <a:pPr lvl="4" marL="2160000" indent="-216000">
-              <a:spcBef>
-                <a:spcPts val="283"/>
-              </a:spcBef>
-              <a:buClr>
-                <a:srgbClr val="000000"/>
-              </a:buClr>
-              <a:buSzPct val="45000"/>
-              <a:buFont typeface="Wingdings" charset="2"/>
-              <a:buChar char=""/>
-            </a:pPr>
-            <a:r>
-              <a:rPr b="0" lang="en-US" sz="2000" spc="-1" strike="noStrike">
-                <a:solidFill>
-                  <a:srgbClr val="000000"/>
-                </a:solidFill>
-                <a:latin typeface="Arial"/>
-              </a:rPr>
-              <a:t>Fifth Outline Level</a:t>
-            </a:r>
-            <a:endParaRPr b="0" lang="en-US" sz="2000" spc="-1" strike="noStrike">
-              <a:solidFill>
-                <a:srgbClr val="000000"/>
-              </a:solidFill>
-              <a:latin typeface="Arial"/>
-            </a:endParaRPr>
-          </a:p>
-          <a:p>
-            <a:pPr lvl="5" marL="2592000" indent="-216000">
-              <a:spcBef>
-                <a:spcPts val="283"/>
-              </a:spcBef>
-              <a:buClr>
-                <a:srgbClr val="000000"/>
-              </a:buClr>
-              <a:buSzPct val="45000"/>
-              <a:buFont typeface="Wingdings" charset="2"/>
-              <a:buChar char=""/>
-            </a:pPr>
-            <a:r>
-              <a:rPr b="0" lang="en-US" sz="2000" spc="-1" strike="noStrike">
-                <a:solidFill>
-                  <a:srgbClr val="000000"/>
-                </a:solidFill>
-                <a:latin typeface="Arial"/>
-              </a:rPr>
-              <a:t>Sixth Outline Level</a:t>
-            </a:r>
-            <a:endParaRPr b="0" lang="en-US" sz="2000" spc="-1" strike="noStrike">
-              <a:solidFill>
-                <a:srgbClr val="000000"/>
-              </a:solidFill>
-              <a:latin typeface="Arial"/>
-            </a:endParaRPr>
-          </a:p>
-          <a:p>
-            <a:pPr lvl="6" marL="3024000" indent="-216000">
-              <a:spcBef>
-                <a:spcPts val="283"/>
-              </a:spcBef>
-              <a:buClr>
-                <a:srgbClr val="000000"/>
-              </a:buClr>
-              <a:buSzPct val="45000"/>
-              <a:buFont typeface="Wingdings" charset="2"/>
-              <a:buChar char=""/>
-            </a:pPr>
-            <a:r>
-              <a:rPr b="0" lang="en-US" sz="2000" spc="-1" strike="noStrike">
-                <a:solidFill>
-                  <a:srgbClr val="000000"/>
-                </a:solidFill>
-                <a:latin typeface="Arial"/>
-              </a:rPr>
-              <a:t>Seventh Outline Level</a:t>
-            </a:r>
-            <a:endParaRPr b="0" lang="en-US" sz="2000" spc="-1" strike="noStrike">
-              <a:solidFill>
-                <a:srgbClr val="000000"/>
-              </a:solidFill>
-              <a:latin typeface="Arial"/>
             </a:endParaRPr>
           </a:p>
         </p:txBody>
@@ -1934,7 +1709,7 @@
       </p:grpSpPr>
       <p:pic>
         <p:nvPicPr>
-          <p:cNvPr id="79" name="New picture" descr=""/>
+          <p:cNvPr id="78" name="New picture" descr=""/>
           <p:cNvPicPr/>
           <p:nvPr/>
         </p:nvPicPr>
@@ -1944,8 +1719,31 @@
         </p:blipFill>
         <p:spPr>
           <a:xfrm rot="16200000">
-            <a:off x="-11071440" y="16462080"/>
-            <a:ext cx="14271840" cy="3934080"/>
+            <a:off x="-11071080" y="16462440"/>
+            <a:ext cx="14271480" cy="3933720"/>
+          </a:xfrm>
+          <a:prstGeom prst="rect">
+            <a:avLst/>
+          </a:prstGeom>
+          <a:ln w="0">
+            <a:noFill/>
+          </a:ln>
+        </p:spPr>
+      </p:pic>
+      <p:pic>
+        <p:nvPicPr>
+          <p:cNvPr id="79" name="New picture" descr=""/>
+          <p:cNvPicPr/>
+          <p:nvPr/>
+        </p:nvPicPr>
+        <p:blipFill>
+          <a:blip r:embed="rId3"/>
+          <a:stretch/>
+        </p:blipFill>
+        <p:spPr>
+          <a:xfrm rot="5400000">
+            <a:off x="40694040" y="16459200"/>
+            <a:ext cx="14271480" cy="3933720"/>
           </a:xfrm>
           <a:prstGeom prst="rect">
             <a:avLst/>
@@ -1962,36 +1760,13 @@
           <p:nvPr/>
         </p:nvPicPr>
         <p:blipFill>
-          <a:blip r:embed="rId3"/>
-          <a:stretch/>
-        </p:blipFill>
-        <p:spPr>
-          <a:xfrm rot="5400000">
-            <a:off x="40693680" y="16459200"/>
-            <a:ext cx="14271840" cy="3934080"/>
-          </a:xfrm>
-          <a:prstGeom prst="rect">
-            <a:avLst/>
-          </a:prstGeom>
-          <a:ln w="0">
-            <a:noFill/>
-          </a:ln>
-        </p:spPr>
-      </p:pic>
-      <p:pic>
-        <p:nvPicPr>
-          <p:cNvPr id="81" name="New picture" descr=""/>
-          <p:cNvPicPr/>
-          <p:nvPr/>
-        </p:nvPicPr>
-        <p:blipFill>
           <a:blip r:embed="rId4"/>
           <a:stretch/>
         </p:blipFill>
         <p:spPr>
           <a:xfrm>
             <a:off x="6946920" y="33426360"/>
-            <a:ext cx="29994480" cy="1445040"/>
+            <a:ext cx="29994120" cy="1444680"/>
           </a:xfrm>
           <a:prstGeom prst="rect">
             <a:avLst/>
@@ -2003,14 +1778,14 @@
       </p:pic>
       <p:sp>
         <p:nvSpPr>
-          <p:cNvPr id="82" name="New shape"/>
+          <p:cNvPr id="81" name="New shape"/>
           <p:cNvSpPr/>
           <p:nvPr/>
         </p:nvSpPr>
         <p:spPr>
           <a:xfrm>
             <a:off x="6946920" y="33998040"/>
-            <a:ext cx="21942720" cy="1267200"/>
+            <a:ext cx="21942360" cy="1266840"/>
           </a:xfrm>
           <a:prstGeom prst="rect">
             <a:avLst/>
@@ -2065,7 +1840,7 @@
       </p:sp>
       <p:sp>
         <p:nvSpPr>
-          <p:cNvPr id="83" name="PlaceHolder 1"/>
+          <p:cNvPr id="82" name="PlaceHolder 1"/>
           <p:cNvSpPr>
             <a:spLocks noGrp="1"/>
           </p:cNvSpPr>
@@ -2076,7 +1851,7 @@
         <p:spPr>
           <a:xfrm>
             <a:off x="14994360" y="29977560"/>
-            <a:ext cx="13899240" cy="2283120"/>
+            <a:ext cx="13898880" cy="2282760"/>
           </a:xfrm>
           <a:prstGeom prst="rect">
             <a:avLst/>
@@ -2137,7 +1912,7 @@
       </p:sp>
       <p:sp>
         <p:nvSpPr>
-          <p:cNvPr id="84" name="PlaceHolder 2"/>
+          <p:cNvPr id="83" name="PlaceHolder 2"/>
           <p:cNvSpPr>
             <a:spLocks noGrp="1"/>
           </p:cNvSpPr>
@@ -2148,7 +1923,7 @@
         <p:spPr>
           <a:xfrm>
             <a:off x="31453560" y="29977560"/>
-            <a:ext cx="10241640" cy="2283120"/>
+            <a:ext cx="10241280" cy="2282760"/>
           </a:xfrm>
           <a:prstGeom prst="rect">
             <a:avLst/>
@@ -2190,7 +1965,7 @@
                 <a:tab algn="l" pos="0"/>
               </a:tabLst>
             </a:pPr>
-            <a:fld id="{43C0731F-E25E-415B-A39E-DA9877842C3B}" type="slidenum">
+            <a:fld id="{8FCC567E-F8C3-4BA1-93C3-679968D0087B}" type="slidenum">
               <a:rPr b="0" lang="en-US" sz="5030" spc="-1" strike="noStrike">
                 <a:solidFill>
                   <a:schemeClr val="dk1"/>
@@ -2211,7 +1986,7 @@
       </p:sp>
       <p:sp>
         <p:nvSpPr>
-          <p:cNvPr id="85" name="PlaceHolder 3"/>
+          <p:cNvPr id="84" name="PlaceHolder 3"/>
           <p:cNvSpPr>
             <a:spLocks noGrp="1"/>
           </p:cNvSpPr>
@@ -2222,7 +1997,7 @@
         <p:spPr>
           <a:xfrm>
             <a:off x="2192760" y="29977560"/>
-            <a:ext cx="10241640" cy="2283120"/>
+            <a:ext cx="10241280" cy="2282760"/>
           </a:xfrm>
           <a:prstGeom prst="rect">
             <a:avLst/>
@@ -2304,7 +2079,7 @@
       </p:grpSpPr>
       <p:pic>
         <p:nvPicPr>
-          <p:cNvPr id="86" name="New picture" descr=""/>
+          <p:cNvPr id="85" name="New picture" descr=""/>
           <p:cNvPicPr/>
           <p:nvPr/>
         </p:nvPicPr>
@@ -2314,8 +2089,31 @@
         </p:blipFill>
         <p:spPr>
           <a:xfrm rot="16200000">
-            <a:off x="-11071440" y="16462080"/>
-            <a:ext cx="14271840" cy="3934080"/>
+            <a:off x="-11071080" y="16462440"/>
+            <a:ext cx="14271480" cy="3933720"/>
+          </a:xfrm>
+          <a:prstGeom prst="rect">
+            <a:avLst/>
+          </a:prstGeom>
+          <a:ln w="0">
+            <a:noFill/>
+          </a:ln>
+        </p:spPr>
+      </p:pic>
+      <p:pic>
+        <p:nvPicPr>
+          <p:cNvPr id="86" name="New picture" descr=""/>
+          <p:cNvPicPr/>
+          <p:nvPr/>
+        </p:nvPicPr>
+        <p:blipFill>
+          <a:blip r:embed="rId3"/>
+          <a:stretch/>
+        </p:blipFill>
+        <p:spPr>
+          <a:xfrm rot="5400000">
+            <a:off x="40694040" y="16459200"/>
+            <a:ext cx="14271480" cy="3933720"/>
           </a:xfrm>
           <a:prstGeom prst="rect">
             <a:avLst/>
@@ -2332,36 +2130,13 @@
           <p:nvPr/>
         </p:nvPicPr>
         <p:blipFill>
-          <a:blip r:embed="rId3"/>
-          <a:stretch/>
-        </p:blipFill>
-        <p:spPr>
-          <a:xfrm rot="5400000">
-            <a:off x="40693680" y="16459200"/>
-            <a:ext cx="14271840" cy="3934080"/>
-          </a:xfrm>
-          <a:prstGeom prst="rect">
-            <a:avLst/>
-          </a:prstGeom>
-          <a:ln w="0">
-            <a:noFill/>
-          </a:ln>
-        </p:spPr>
-      </p:pic>
-      <p:pic>
-        <p:nvPicPr>
-          <p:cNvPr id="88" name="New picture" descr=""/>
-          <p:cNvPicPr/>
-          <p:nvPr/>
-        </p:nvPicPr>
-        <p:blipFill>
           <a:blip r:embed="rId4"/>
           <a:stretch/>
         </p:blipFill>
         <p:spPr>
           <a:xfrm>
             <a:off x="6946920" y="33426360"/>
-            <a:ext cx="29994480" cy="1445040"/>
+            <a:ext cx="29994120" cy="1444680"/>
           </a:xfrm>
           <a:prstGeom prst="rect">
             <a:avLst/>
@@ -2373,14 +2148,14 @@
       </p:pic>
       <p:sp>
         <p:nvSpPr>
-          <p:cNvPr id="89" name="New shape"/>
+          <p:cNvPr id="88" name="New shape"/>
           <p:cNvSpPr/>
           <p:nvPr/>
         </p:nvSpPr>
         <p:spPr>
           <a:xfrm>
             <a:off x="6946920" y="33998040"/>
-            <a:ext cx="21942720" cy="1267200"/>
+            <a:ext cx="21942360" cy="1266840"/>
           </a:xfrm>
           <a:prstGeom prst="rect">
             <a:avLst/>
@@ -2435,7 +2210,7 @@
       </p:sp>
       <p:sp>
         <p:nvSpPr>
-          <p:cNvPr id="90" name="PlaceHolder 1"/>
+          <p:cNvPr id="89" name="PlaceHolder 1"/>
           <p:cNvSpPr>
             <a:spLocks noGrp="1"/>
           </p:cNvSpPr>
@@ -2446,7 +2221,7 @@
         <p:spPr>
           <a:xfrm>
             <a:off x="14994360" y="29977560"/>
-            <a:ext cx="13899240" cy="2283120"/>
+            <a:ext cx="13898880" cy="2282760"/>
           </a:xfrm>
           <a:prstGeom prst="rect">
             <a:avLst/>
@@ -2507,7 +2282,7 @@
       </p:sp>
       <p:sp>
         <p:nvSpPr>
-          <p:cNvPr id="91" name="PlaceHolder 2"/>
+          <p:cNvPr id="90" name="PlaceHolder 2"/>
           <p:cNvSpPr>
             <a:spLocks noGrp="1"/>
           </p:cNvSpPr>
@@ -2518,7 +2293,7 @@
         <p:spPr>
           <a:xfrm>
             <a:off x="31453560" y="29977560"/>
-            <a:ext cx="10241640" cy="2283120"/>
+            <a:ext cx="10241280" cy="2282760"/>
           </a:xfrm>
           <a:prstGeom prst="rect">
             <a:avLst/>
@@ -2560,7 +2335,7 @@
                 <a:tab algn="l" pos="0"/>
               </a:tabLst>
             </a:pPr>
-            <a:fld id="{2B56676E-CD29-473A-AEE3-6177919E7D02}" type="slidenum">
+            <a:fld id="{C8BB9A49-5FCB-4D2A-8486-3C01DE044A35}" type="slidenum">
               <a:rPr b="0" lang="en-US" sz="5030" spc="-1" strike="noStrike">
                 <a:solidFill>
                   <a:schemeClr val="dk1"/>
@@ -2581,7 +2356,7 @@
       </p:sp>
       <p:sp>
         <p:nvSpPr>
-          <p:cNvPr id="92" name="PlaceHolder 3"/>
+          <p:cNvPr id="91" name="PlaceHolder 3"/>
           <p:cNvSpPr>
             <a:spLocks noGrp="1"/>
           </p:cNvSpPr>
@@ -2592,7 +2367,7 @@
         <p:spPr>
           <a:xfrm>
             <a:off x="2192760" y="29977560"/>
-            <a:ext cx="10241640" cy="2283120"/>
+            <a:ext cx="10241280" cy="2282760"/>
           </a:xfrm>
           <a:prstGeom prst="rect">
             <a:avLst/>
@@ -2674,7 +2449,7 @@
       </p:grpSpPr>
       <p:pic>
         <p:nvPicPr>
-          <p:cNvPr id="11" name="New picture" descr=""/>
+          <p:cNvPr id="10" name="New picture" descr=""/>
           <p:cNvPicPr/>
           <p:nvPr/>
         </p:nvPicPr>
@@ -2684,8 +2459,31 @@
         </p:blipFill>
         <p:spPr>
           <a:xfrm rot="16200000">
-            <a:off x="-11071440" y="16462080"/>
-            <a:ext cx="14271840" cy="3934080"/>
+            <a:off x="-11071080" y="16462440"/>
+            <a:ext cx="14271480" cy="3933720"/>
+          </a:xfrm>
+          <a:prstGeom prst="rect">
+            <a:avLst/>
+          </a:prstGeom>
+          <a:ln w="0">
+            <a:noFill/>
+          </a:ln>
+        </p:spPr>
+      </p:pic>
+      <p:pic>
+        <p:nvPicPr>
+          <p:cNvPr id="11" name="New picture" descr=""/>
+          <p:cNvPicPr/>
+          <p:nvPr/>
+        </p:nvPicPr>
+        <p:blipFill>
+          <a:blip r:embed="rId3"/>
+          <a:stretch/>
+        </p:blipFill>
+        <p:spPr>
+          <a:xfrm rot="5400000">
+            <a:off x="40694040" y="16459200"/>
+            <a:ext cx="14271480" cy="3933720"/>
           </a:xfrm>
           <a:prstGeom prst="rect">
             <a:avLst/>
@@ -2702,36 +2500,13 @@
           <p:nvPr/>
         </p:nvPicPr>
         <p:blipFill>
-          <a:blip r:embed="rId3"/>
-          <a:stretch/>
-        </p:blipFill>
-        <p:spPr>
-          <a:xfrm rot="5400000">
-            <a:off x="40693680" y="16459200"/>
-            <a:ext cx="14271840" cy="3934080"/>
-          </a:xfrm>
-          <a:prstGeom prst="rect">
-            <a:avLst/>
-          </a:prstGeom>
-          <a:ln w="0">
-            <a:noFill/>
-          </a:ln>
-        </p:spPr>
-      </p:pic>
-      <p:pic>
-        <p:nvPicPr>
-          <p:cNvPr id="13" name="New picture" descr=""/>
-          <p:cNvPicPr/>
-          <p:nvPr/>
-        </p:nvPicPr>
-        <p:blipFill>
           <a:blip r:embed="rId4"/>
           <a:stretch/>
         </p:blipFill>
         <p:spPr>
           <a:xfrm>
             <a:off x="6946920" y="33426360"/>
-            <a:ext cx="29994480" cy="1445040"/>
+            <a:ext cx="29994120" cy="1444680"/>
           </a:xfrm>
           <a:prstGeom prst="rect">
             <a:avLst/>
@@ -2743,14 +2518,14 @@
       </p:pic>
       <p:sp>
         <p:nvSpPr>
-          <p:cNvPr id="14" name="New shape"/>
+          <p:cNvPr id="13" name="New shape"/>
           <p:cNvSpPr/>
           <p:nvPr/>
         </p:nvSpPr>
         <p:spPr>
           <a:xfrm>
             <a:off x="6946920" y="33998040"/>
-            <a:ext cx="21942720" cy="1267200"/>
+            <a:ext cx="21942360" cy="1266840"/>
           </a:xfrm>
           <a:prstGeom prst="rect">
             <a:avLst/>
@@ -2805,7 +2580,7 @@
       </p:sp>
       <p:sp>
         <p:nvSpPr>
-          <p:cNvPr id="15" name="PlaceHolder 1"/>
+          <p:cNvPr id="14" name="PlaceHolder 1"/>
           <p:cNvSpPr>
             <a:spLocks noGrp="1"/>
           </p:cNvSpPr>
@@ -2816,7 +2591,7 @@
         <p:spPr>
           <a:xfrm>
             <a:off x="14994360" y="29977560"/>
-            <a:ext cx="13899240" cy="2283120"/>
+            <a:ext cx="13898880" cy="2282760"/>
           </a:xfrm>
           <a:prstGeom prst="rect">
             <a:avLst/>
@@ -2877,7 +2652,7 @@
       </p:sp>
       <p:sp>
         <p:nvSpPr>
-          <p:cNvPr id="16" name="PlaceHolder 2"/>
+          <p:cNvPr id="15" name="PlaceHolder 2"/>
           <p:cNvSpPr>
             <a:spLocks noGrp="1"/>
           </p:cNvSpPr>
@@ -2888,7 +2663,7 @@
         <p:spPr>
           <a:xfrm>
             <a:off x="31453560" y="29977560"/>
-            <a:ext cx="10241640" cy="2283120"/>
+            <a:ext cx="10241280" cy="2282760"/>
           </a:xfrm>
           <a:prstGeom prst="rect">
             <a:avLst/>
@@ -2930,7 +2705,7 @@
                 <a:tab algn="l" pos="0"/>
               </a:tabLst>
             </a:pPr>
-            <a:fld id="{07B65205-CB6A-4D6C-8C64-BA1FEBCD7C3D}" type="slidenum">
+            <a:fld id="{B3062A53-665A-4330-BEA7-71614D7E3CA0}" type="slidenum">
               <a:rPr b="0" lang="en-US" sz="5030" spc="-1" strike="noStrike">
                 <a:solidFill>
                   <a:schemeClr val="dk1"/>
@@ -2951,7 +2726,7 @@
       </p:sp>
       <p:sp>
         <p:nvSpPr>
-          <p:cNvPr id="17" name="PlaceHolder 3"/>
+          <p:cNvPr id="16" name="PlaceHolder 3"/>
           <p:cNvSpPr>
             <a:spLocks noGrp="1"/>
           </p:cNvSpPr>
@@ -2962,7 +2737,7 @@
         <p:spPr>
           <a:xfrm>
             <a:off x="2192760" y="29977560"/>
-            <a:ext cx="10241640" cy="2283120"/>
+            <a:ext cx="10241280" cy="2282760"/>
           </a:xfrm>
           <a:prstGeom prst="rect">
             <a:avLst/>
@@ -3044,7 +2819,7 @@
       </p:grpSpPr>
       <p:pic>
         <p:nvPicPr>
-          <p:cNvPr id="18" name="New picture" descr=""/>
+          <p:cNvPr id="17" name="New picture" descr=""/>
           <p:cNvPicPr/>
           <p:nvPr/>
         </p:nvPicPr>
@@ -3054,8 +2829,31 @@
         </p:blipFill>
         <p:spPr>
           <a:xfrm rot="16200000">
-            <a:off x="-11071440" y="16462080"/>
-            <a:ext cx="14271840" cy="3934080"/>
+            <a:off x="-11071080" y="16462440"/>
+            <a:ext cx="14271480" cy="3933720"/>
+          </a:xfrm>
+          <a:prstGeom prst="rect">
+            <a:avLst/>
+          </a:prstGeom>
+          <a:ln w="0">
+            <a:noFill/>
+          </a:ln>
+        </p:spPr>
+      </p:pic>
+      <p:pic>
+        <p:nvPicPr>
+          <p:cNvPr id="18" name="New picture" descr=""/>
+          <p:cNvPicPr/>
+          <p:nvPr/>
+        </p:nvPicPr>
+        <p:blipFill>
+          <a:blip r:embed="rId3"/>
+          <a:stretch/>
+        </p:blipFill>
+        <p:spPr>
+          <a:xfrm rot="5400000">
+            <a:off x="40694040" y="16459200"/>
+            <a:ext cx="14271480" cy="3933720"/>
           </a:xfrm>
           <a:prstGeom prst="rect">
             <a:avLst/>
@@ -3072,36 +2870,13 @@
           <p:nvPr/>
         </p:nvPicPr>
         <p:blipFill>
-          <a:blip r:embed="rId3"/>
-          <a:stretch/>
-        </p:blipFill>
-        <p:spPr>
-          <a:xfrm rot="5400000">
-            <a:off x="40693680" y="16459200"/>
-            <a:ext cx="14271840" cy="3934080"/>
-          </a:xfrm>
-          <a:prstGeom prst="rect">
-            <a:avLst/>
-          </a:prstGeom>
-          <a:ln w="0">
-            <a:noFill/>
-          </a:ln>
-        </p:spPr>
-      </p:pic>
-      <p:pic>
-        <p:nvPicPr>
-          <p:cNvPr id="20" name="New picture" descr=""/>
-          <p:cNvPicPr/>
-          <p:nvPr/>
-        </p:nvPicPr>
-        <p:blipFill>
           <a:blip r:embed="rId4"/>
           <a:stretch/>
         </p:blipFill>
         <p:spPr>
           <a:xfrm>
             <a:off x="6946920" y="33426360"/>
-            <a:ext cx="29994480" cy="1445040"/>
+            <a:ext cx="29994120" cy="1444680"/>
           </a:xfrm>
           <a:prstGeom prst="rect">
             <a:avLst/>
@@ -3113,14 +2888,14 @@
       </p:pic>
       <p:sp>
         <p:nvSpPr>
-          <p:cNvPr id="21" name="New shape"/>
+          <p:cNvPr id="20" name="New shape"/>
           <p:cNvSpPr/>
           <p:nvPr/>
         </p:nvSpPr>
         <p:spPr>
           <a:xfrm>
             <a:off x="6946920" y="33998040"/>
-            <a:ext cx="21942720" cy="1267200"/>
+            <a:ext cx="21942360" cy="1266840"/>
           </a:xfrm>
           <a:prstGeom prst="rect">
             <a:avLst/>
@@ -3175,7 +2950,7 @@
       </p:sp>
       <p:sp>
         <p:nvSpPr>
-          <p:cNvPr id="22" name="PlaceHolder 1"/>
+          <p:cNvPr id="21" name="PlaceHolder 1"/>
           <p:cNvSpPr>
             <a:spLocks noGrp="1"/>
           </p:cNvSpPr>
@@ -3186,7 +2961,7 @@
         <p:spPr>
           <a:xfrm>
             <a:off x="14994360" y="29977560"/>
-            <a:ext cx="13899240" cy="2283120"/>
+            <a:ext cx="13898880" cy="2282760"/>
           </a:xfrm>
           <a:prstGeom prst="rect">
             <a:avLst/>
@@ -3247,7 +3022,7 @@
       </p:sp>
       <p:sp>
         <p:nvSpPr>
-          <p:cNvPr id="23" name="PlaceHolder 2"/>
+          <p:cNvPr id="22" name="PlaceHolder 2"/>
           <p:cNvSpPr>
             <a:spLocks noGrp="1"/>
           </p:cNvSpPr>
@@ -3258,7 +3033,7 @@
         <p:spPr>
           <a:xfrm>
             <a:off x="31453560" y="29977560"/>
-            <a:ext cx="10241640" cy="2283120"/>
+            <a:ext cx="10241280" cy="2282760"/>
           </a:xfrm>
           <a:prstGeom prst="rect">
             <a:avLst/>
@@ -3300,7 +3075,7 @@
                 <a:tab algn="l" pos="0"/>
               </a:tabLst>
             </a:pPr>
-            <a:fld id="{F0C01375-904B-410B-87B9-E68103B8F79B}" type="slidenum">
+            <a:fld id="{AF5845F3-39C3-4E99-B25B-ADBFA481C4DB}" type="slidenum">
               <a:rPr b="0" lang="en-US" sz="5030" spc="-1" strike="noStrike">
                 <a:solidFill>
                   <a:schemeClr val="dk1"/>
@@ -3321,7 +3096,7 @@
       </p:sp>
       <p:sp>
         <p:nvSpPr>
-          <p:cNvPr id="24" name="PlaceHolder 3"/>
+          <p:cNvPr id="23" name="PlaceHolder 3"/>
           <p:cNvSpPr>
             <a:spLocks noGrp="1"/>
           </p:cNvSpPr>
@@ -3332,7 +3107,7 @@
         <p:spPr>
           <a:xfrm>
             <a:off x="2192760" y="29977560"/>
-            <a:ext cx="10241640" cy="2283120"/>
+            <a:ext cx="10241280" cy="2282760"/>
           </a:xfrm>
           <a:prstGeom prst="rect">
             <a:avLst/>
@@ -3414,7 +3189,7 @@
       </p:grpSpPr>
       <p:pic>
         <p:nvPicPr>
-          <p:cNvPr id="25" name="New picture" descr=""/>
+          <p:cNvPr id="24" name="New picture" descr=""/>
           <p:cNvPicPr/>
           <p:nvPr/>
         </p:nvPicPr>
@@ -3424,8 +3199,31 @@
         </p:blipFill>
         <p:spPr>
           <a:xfrm rot="16200000">
-            <a:off x="-11071440" y="16462080"/>
-            <a:ext cx="14271840" cy="3934080"/>
+            <a:off x="-11071080" y="16462440"/>
+            <a:ext cx="14271480" cy="3933720"/>
+          </a:xfrm>
+          <a:prstGeom prst="rect">
+            <a:avLst/>
+          </a:prstGeom>
+          <a:ln w="0">
+            <a:noFill/>
+          </a:ln>
+        </p:spPr>
+      </p:pic>
+      <p:pic>
+        <p:nvPicPr>
+          <p:cNvPr id="25" name="New picture" descr=""/>
+          <p:cNvPicPr/>
+          <p:nvPr/>
+        </p:nvPicPr>
+        <p:blipFill>
+          <a:blip r:embed="rId3"/>
+          <a:stretch/>
+        </p:blipFill>
+        <p:spPr>
+          <a:xfrm rot="5400000">
+            <a:off x="40694040" y="16459200"/>
+            <a:ext cx="14271480" cy="3933720"/>
           </a:xfrm>
           <a:prstGeom prst="rect">
             <a:avLst/>
@@ -3442,36 +3240,13 @@
           <p:nvPr/>
         </p:nvPicPr>
         <p:blipFill>
-          <a:blip r:embed="rId3"/>
-          <a:stretch/>
-        </p:blipFill>
-        <p:spPr>
-          <a:xfrm rot="5400000">
-            <a:off x="40693680" y="16459200"/>
-            <a:ext cx="14271840" cy="3934080"/>
-          </a:xfrm>
-          <a:prstGeom prst="rect">
-            <a:avLst/>
-          </a:prstGeom>
-          <a:ln w="0">
-            <a:noFill/>
-          </a:ln>
-        </p:spPr>
-      </p:pic>
-      <p:pic>
-        <p:nvPicPr>
-          <p:cNvPr id="27" name="New picture" descr=""/>
-          <p:cNvPicPr/>
-          <p:nvPr/>
-        </p:nvPicPr>
-        <p:blipFill>
           <a:blip r:embed="rId4"/>
           <a:stretch/>
         </p:blipFill>
         <p:spPr>
           <a:xfrm>
             <a:off x="6946920" y="33426360"/>
-            <a:ext cx="29994480" cy="1445040"/>
+            <a:ext cx="29994120" cy="1444680"/>
           </a:xfrm>
           <a:prstGeom prst="rect">
             <a:avLst/>
@@ -3483,14 +3258,14 @@
       </p:pic>
       <p:sp>
         <p:nvSpPr>
-          <p:cNvPr id="28" name="New shape"/>
+          <p:cNvPr id="27" name="New shape"/>
           <p:cNvSpPr/>
           <p:nvPr/>
         </p:nvSpPr>
         <p:spPr>
           <a:xfrm>
             <a:off x="6946920" y="33998040"/>
-            <a:ext cx="21942720" cy="1267200"/>
+            <a:ext cx="21942360" cy="1266840"/>
           </a:xfrm>
           <a:prstGeom prst="rect">
             <a:avLst/>
@@ -3545,7 +3320,7 @@
       </p:sp>
       <p:sp>
         <p:nvSpPr>
-          <p:cNvPr id="29" name="PlaceHolder 1"/>
+          <p:cNvPr id="28" name="PlaceHolder 1"/>
           <p:cNvSpPr>
             <a:spLocks noGrp="1"/>
           </p:cNvSpPr>
@@ -3556,7 +3331,7 @@
         <p:spPr>
           <a:xfrm>
             <a:off x="3291480" y="11003760"/>
-            <a:ext cx="37305360" cy="5497200"/>
+            <a:ext cx="37305000" cy="5496840"/>
           </a:xfrm>
           <a:prstGeom prst="rect">
             <a:avLst/>
@@ -3594,7 +3369,7 @@
       </p:sp>
       <p:sp>
         <p:nvSpPr>
-          <p:cNvPr id="30" name="PlaceHolder 2"/>
+          <p:cNvPr id="29" name="PlaceHolder 2"/>
           <p:cNvSpPr>
             <a:spLocks noGrp="1"/>
           </p:cNvSpPr>
@@ -3819,7 +3594,7 @@
       </p:sp>
       <p:sp>
         <p:nvSpPr>
-          <p:cNvPr id="31" name="PlaceHolder 3"/>
+          <p:cNvPr id="30" name="PlaceHolder 3"/>
           <p:cNvSpPr>
             <a:spLocks noGrp="1"/>
           </p:cNvSpPr>
@@ -3830,7 +3605,7 @@
         <p:spPr>
           <a:xfrm>
             <a:off x="14994360" y="29977560"/>
-            <a:ext cx="13899240" cy="2283120"/>
+            <a:ext cx="13898880" cy="2282760"/>
           </a:xfrm>
           <a:prstGeom prst="rect">
             <a:avLst/>
@@ -3891,7 +3666,7 @@
       </p:sp>
       <p:sp>
         <p:nvSpPr>
-          <p:cNvPr id="32" name="PlaceHolder 4"/>
+          <p:cNvPr id="31" name="PlaceHolder 4"/>
           <p:cNvSpPr>
             <a:spLocks noGrp="1"/>
           </p:cNvSpPr>
@@ -3902,7 +3677,7 @@
         <p:spPr>
           <a:xfrm>
             <a:off x="31453560" y="29977560"/>
-            <a:ext cx="10241640" cy="2283120"/>
+            <a:ext cx="10241280" cy="2282760"/>
           </a:xfrm>
           <a:prstGeom prst="rect">
             <a:avLst/>
@@ -3944,7 +3719,7 @@
                 <a:tab algn="l" pos="0"/>
               </a:tabLst>
             </a:pPr>
-            <a:fld id="{DB0859D3-2E39-4EE1-AFB0-E9D322C48EC6}" type="slidenum">
+            <a:fld id="{960A353C-AE08-4808-95D9-18FC154E9BAA}" type="slidenum">
               <a:rPr b="0" lang="en-US" sz="5030" spc="-1" strike="noStrike">
                 <a:solidFill>
                   <a:schemeClr val="dk1"/>
@@ -3965,7 +3740,7 @@
       </p:sp>
       <p:sp>
         <p:nvSpPr>
-          <p:cNvPr id="33" name="PlaceHolder 5"/>
+          <p:cNvPr id="32" name="PlaceHolder 5"/>
           <p:cNvSpPr>
             <a:spLocks noGrp="1"/>
           </p:cNvSpPr>
@@ -3976,7 +3751,7 @@
         <p:spPr>
           <a:xfrm>
             <a:off x="2192760" y="29977560"/>
-            <a:ext cx="10241640" cy="2283120"/>
+            <a:ext cx="10241280" cy="2282760"/>
           </a:xfrm>
           <a:prstGeom prst="rect">
             <a:avLst/>
@@ -4058,7 +3833,7 @@
       </p:grpSpPr>
       <p:pic>
         <p:nvPicPr>
-          <p:cNvPr id="36" name="New picture" descr=""/>
+          <p:cNvPr id="35" name="New picture" descr=""/>
           <p:cNvPicPr/>
           <p:nvPr/>
         </p:nvPicPr>
@@ -4068,8 +3843,31 @@
         </p:blipFill>
         <p:spPr>
           <a:xfrm rot="16200000">
-            <a:off x="-11071440" y="16462080"/>
-            <a:ext cx="14271840" cy="3934080"/>
+            <a:off x="-11071080" y="16462440"/>
+            <a:ext cx="14271480" cy="3933720"/>
+          </a:xfrm>
+          <a:prstGeom prst="rect">
+            <a:avLst/>
+          </a:prstGeom>
+          <a:ln w="0">
+            <a:noFill/>
+          </a:ln>
+        </p:spPr>
+      </p:pic>
+      <p:pic>
+        <p:nvPicPr>
+          <p:cNvPr id="36" name="New picture" descr=""/>
+          <p:cNvPicPr/>
+          <p:nvPr/>
+        </p:nvPicPr>
+        <p:blipFill>
+          <a:blip r:embed="rId3"/>
+          <a:stretch/>
+        </p:blipFill>
+        <p:spPr>
+          <a:xfrm rot="5400000">
+            <a:off x="40694040" y="16459200"/>
+            <a:ext cx="14271480" cy="3933720"/>
           </a:xfrm>
           <a:prstGeom prst="rect">
             <a:avLst/>
@@ -4086,36 +3884,13 @@
           <p:nvPr/>
         </p:nvPicPr>
         <p:blipFill>
-          <a:blip r:embed="rId3"/>
-          <a:stretch/>
-        </p:blipFill>
-        <p:spPr>
-          <a:xfrm rot="5400000">
-            <a:off x="40693680" y="16459200"/>
-            <a:ext cx="14271840" cy="3934080"/>
-          </a:xfrm>
-          <a:prstGeom prst="rect">
-            <a:avLst/>
-          </a:prstGeom>
-          <a:ln w="0">
-            <a:noFill/>
-          </a:ln>
-        </p:spPr>
-      </p:pic>
-      <p:pic>
-        <p:nvPicPr>
-          <p:cNvPr id="38" name="New picture" descr=""/>
-          <p:cNvPicPr/>
-          <p:nvPr/>
-        </p:nvPicPr>
-        <p:blipFill>
           <a:blip r:embed="rId4"/>
           <a:stretch/>
         </p:blipFill>
         <p:spPr>
           <a:xfrm>
             <a:off x="6946920" y="33426360"/>
-            <a:ext cx="29994480" cy="1445040"/>
+            <a:ext cx="29994120" cy="1444680"/>
           </a:xfrm>
           <a:prstGeom prst="rect">
             <a:avLst/>
@@ -4127,14 +3902,14 @@
       </p:pic>
       <p:sp>
         <p:nvSpPr>
-          <p:cNvPr id="39" name="New shape"/>
+          <p:cNvPr id="38" name="New shape"/>
           <p:cNvSpPr/>
           <p:nvPr/>
         </p:nvSpPr>
         <p:spPr>
           <a:xfrm>
             <a:off x="6946920" y="33998040"/>
-            <a:ext cx="21942720" cy="1267200"/>
+            <a:ext cx="21942360" cy="1266840"/>
           </a:xfrm>
           <a:prstGeom prst="rect">
             <a:avLst/>
@@ -4189,7 +3964,7 @@
       </p:sp>
       <p:sp>
         <p:nvSpPr>
-          <p:cNvPr id="40" name="PlaceHolder 1"/>
+          <p:cNvPr id="39" name="PlaceHolder 1"/>
           <p:cNvSpPr>
             <a:spLocks noGrp="1"/>
           </p:cNvSpPr>
@@ -4200,7 +3975,7 @@
         <p:spPr>
           <a:xfrm>
             <a:off x="14994360" y="29977560"/>
-            <a:ext cx="13899240" cy="2283120"/>
+            <a:ext cx="13898880" cy="2282760"/>
           </a:xfrm>
           <a:prstGeom prst="rect">
             <a:avLst/>
@@ -4261,7 +4036,7 @@
       </p:sp>
       <p:sp>
         <p:nvSpPr>
-          <p:cNvPr id="41" name="PlaceHolder 2"/>
+          <p:cNvPr id="40" name="PlaceHolder 2"/>
           <p:cNvSpPr>
             <a:spLocks noGrp="1"/>
           </p:cNvSpPr>
@@ -4272,7 +4047,7 @@
         <p:spPr>
           <a:xfrm>
             <a:off x="31453560" y="29977560"/>
-            <a:ext cx="10241640" cy="2283120"/>
+            <a:ext cx="10241280" cy="2282760"/>
           </a:xfrm>
           <a:prstGeom prst="rect">
             <a:avLst/>
@@ -4314,7 +4089,7 @@
                 <a:tab algn="l" pos="0"/>
               </a:tabLst>
             </a:pPr>
-            <a:fld id="{DDB79448-34FD-4F35-888E-5D356EE08E37}" type="slidenum">
+            <a:fld id="{55A60139-FE0A-4D81-AC0B-7AD6390B4E76}" type="slidenum">
               <a:rPr b="0" lang="en-US" sz="5030" spc="-1" strike="noStrike">
                 <a:solidFill>
                   <a:schemeClr val="dk1"/>
@@ -4335,7 +4110,7 @@
       </p:sp>
       <p:sp>
         <p:nvSpPr>
-          <p:cNvPr id="42" name="PlaceHolder 3"/>
+          <p:cNvPr id="41" name="PlaceHolder 3"/>
           <p:cNvSpPr>
             <a:spLocks noGrp="1"/>
           </p:cNvSpPr>
@@ -4346,7 +4121,7 @@
         <p:spPr>
           <a:xfrm>
             <a:off x="2192760" y="29977560"/>
-            <a:ext cx="10241640" cy="2283120"/>
+            <a:ext cx="10241280" cy="2282760"/>
           </a:xfrm>
           <a:prstGeom prst="rect">
             <a:avLst/>
@@ -4428,7 +4203,7 @@
       </p:grpSpPr>
       <p:pic>
         <p:nvPicPr>
-          <p:cNvPr id="43" name="New picture" descr=""/>
+          <p:cNvPr id="42" name="New picture" descr=""/>
           <p:cNvPicPr/>
           <p:nvPr/>
         </p:nvPicPr>
@@ -4438,8 +4213,31 @@
         </p:blipFill>
         <p:spPr>
           <a:xfrm rot="16200000">
-            <a:off x="-11071440" y="16462080"/>
-            <a:ext cx="14271840" cy="3934080"/>
+            <a:off x="-11071080" y="16462440"/>
+            <a:ext cx="14271480" cy="3933720"/>
+          </a:xfrm>
+          <a:prstGeom prst="rect">
+            <a:avLst/>
+          </a:prstGeom>
+          <a:ln w="0">
+            <a:noFill/>
+          </a:ln>
+        </p:spPr>
+      </p:pic>
+      <p:pic>
+        <p:nvPicPr>
+          <p:cNvPr id="43" name="New picture" descr=""/>
+          <p:cNvPicPr/>
+          <p:nvPr/>
+        </p:nvPicPr>
+        <p:blipFill>
+          <a:blip r:embed="rId3"/>
+          <a:stretch/>
+        </p:blipFill>
+        <p:spPr>
+          <a:xfrm rot="5400000">
+            <a:off x="40694040" y="16459200"/>
+            <a:ext cx="14271480" cy="3933720"/>
           </a:xfrm>
           <a:prstGeom prst="rect">
             <a:avLst/>
@@ -4456,36 +4254,13 @@
           <p:nvPr/>
         </p:nvPicPr>
         <p:blipFill>
-          <a:blip r:embed="rId3"/>
-          <a:stretch/>
-        </p:blipFill>
-        <p:spPr>
-          <a:xfrm rot="5400000">
-            <a:off x="40693680" y="16459200"/>
-            <a:ext cx="14271840" cy="3934080"/>
-          </a:xfrm>
-          <a:prstGeom prst="rect">
-            <a:avLst/>
-          </a:prstGeom>
-          <a:ln w="0">
-            <a:noFill/>
-          </a:ln>
-        </p:spPr>
-      </p:pic>
-      <p:pic>
-        <p:nvPicPr>
-          <p:cNvPr id="45" name="New picture" descr=""/>
-          <p:cNvPicPr/>
-          <p:nvPr/>
-        </p:nvPicPr>
-        <p:blipFill>
           <a:blip r:embed="rId4"/>
           <a:stretch/>
         </p:blipFill>
         <p:spPr>
           <a:xfrm>
             <a:off x="6946920" y="33426360"/>
-            <a:ext cx="29994480" cy="1445040"/>
+            <a:ext cx="29994120" cy="1444680"/>
           </a:xfrm>
           <a:prstGeom prst="rect">
             <a:avLst/>
@@ -4497,14 +4272,14 @@
       </p:pic>
       <p:sp>
         <p:nvSpPr>
-          <p:cNvPr id="46" name="New shape"/>
+          <p:cNvPr id="45" name="New shape"/>
           <p:cNvSpPr/>
           <p:nvPr/>
         </p:nvSpPr>
         <p:spPr>
           <a:xfrm>
             <a:off x="6946920" y="33998040"/>
-            <a:ext cx="21942720" cy="1267200"/>
+            <a:ext cx="21942360" cy="1266840"/>
           </a:xfrm>
           <a:prstGeom prst="rect">
             <a:avLst/>
@@ -4559,7 +4334,7 @@
       </p:sp>
       <p:sp>
         <p:nvSpPr>
-          <p:cNvPr id="47" name="PlaceHolder 1"/>
+          <p:cNvPr id="46" name="PlaceHolder 1"/>
           <p:cNvSpPr>
             <a:spLocks noGrp="1"/>
           </p:cNvSpPr>
@@ -4570,7 +4345,7 @@
         <p:spPr>
           <a:xfrm>
             <a:off x="3291480" y="11003760"/>
-            <a:ext cx="37305360" cy="5497200"/>
+            <a:ext cx="37305000" cy="5496840"/>
           </a:xfrm>
           <a:prstGeom prst="rect">
             <a:avLst/>
@@ -4608,7 +4383,7 @@
       </p:sp>
       <p:sp>
         <p:nvSpPr>
-          <p:cNvPr id="48" name="PlaceHolder 2"/>
+          <p:cNvPr id="47" name="PlaceHolder 2"/>
           <p:cNvSpPr>
             <a:spLocks noGrp="1"/>
           </p:cNvSpPr>
@@ -4833,7 +4608,7 @@
       </p:sp>
       <p:sp>
         <p:nvSpPr>
-          <p:cNvPr id="49" name="PlaceHolder 3"/>
+          <p:cNvPr id="48" name="PlaceHolder 3"/>
           <p:cNvSpPr>
             <a:spLocks noGrp="1"/>
           </p:cNvSpPr>
@@ -5058,7 +4833,7 @@
       </p:sp>
       <p:sp>
         <p:nvSpPr>
-          <p:cNvPr id="50" name="PlaceHolder 4"/>
+          <p:cNvPr id="49" name="PlaceHolder 4"/>
           <p:cNvSpPr>
             <a:spLocks noGrp="1"/>
           </p:cNvSpPr>
@@ -5069,7 +4844,7 @@
         <p:spPr>
           <a:xfrm>
             <a:off x="14994360" y="29977560"/>
-            <a:ext cx="13899240" cy="2283120"/>
+            <a:ext cx="13898880" cy="2282760"/>
           </a:xfrm>
           <a:prstGeom prst="rect">
             <a:avLst/>
@@ -5130,7 +4905,7 @@
       </p:sp>
       <p:sp>
         <p:nvSpPr>
-          <p:cNvPr id="51" name="PlaceHolder 5"/>
+          <p:cNvPr id="50" name="PlaceHolder 5"/>
           <p:cNvSpPr>
             <a:spLocks noGrp="1"/>
           </p:cNvSpPr>
@@ -5141,7 +4916,7 @@
         <p:spPr>
           <a:xfrm>
             <a:off x="31453560" y="29977560"/>
-            <a:ext cx="10241640" cy="2283120"/>
+            <a:ext cx="10241280" cy="2282760"/>
           </a:xfrm>
           <a:prstGeom prst="rect">
             <a:avLst/>
@@ -5183,7 +4958,7 @@
                 <a:tab algn="l" pos="0"/>
               </a:tabLst>
             </a:pPr>
-            <a:fld id="{EB4B9591-867E-4E9F-A17A-13E695FB5F4B}" type="slidenum">
+            <a:fld id="{FDC27962-C259-4EEE-B8A2-BFDF7E4C4DFD}" type="slidenum">
               <a:rPr b="0" lang="en-US" sz="5030" spc="-1" strike="noStrike">
                 <a:solidFill>
                   <a:schemeClr val="dk1"/>
@@ -5204,7 +4979,7 @@
       </p:sp>
       <p:sp>
         <p:nvSpPr>
-          <p:cNvPr id="52" name="PlaceHolder 6"/>
+          <p:cNvPr id="51" name="PlaceHolder 6"/>
           <p:cNvSpPr>
             <a:spLocks noGrp="1"/>
           </p:cNvSpPr>
@@ -5215,7 +4990,7 @@
         <p:spPr>
           <a:xfrm>
             <a:off x="2192760" y="29977560"/>
-            <a:ext cx="10241640" cy="2283120"/>
+            <a:ext cx="10241280" cy="2282760"/>
           </a:xfrm>
           <a:prstGeom prst="rect">
             <a:avLst/>
@@ -5297,7 +5072,7 @@
       </p:grpSpPr>
       <p:pic>
         <p:nvPicPr>
-          <p:cNvPr id="56" name="New picture" descr=""/>
+          <p:cNvPr id="55" name="New picture" descr=""/>
           <p:cNvPicPr/>
           <p:nvPr/>
         </p:nvPicPr>
@@ -5307,8 +5082,31 @@
         </p:blipFill>
         <p:spPr>
           <a:xfrm rot="16200000">
-            <a:off x="-11071440" y="16462080"/>
-            <a:ext cx="14271840" cy="3934080"/>
+            <a:off x="-11071080" y="16462440"/>
+            <a:ext cx="14271480" cy="3933720"/>
+          </a:xfrm>
+          <a:prstGeom prst="rect">
+            <a:avLst/>
+          </a:prstGeom>
+          <a:ln w="0">
+            <a:noFill/>
+          </a:ln>
+        </p:spPr>
+      </p:pic>
+      <p:pic>
+        <p:nvPicPr>
+          <p:cNvPr id="56" name="New picture" descr=""/>
+          <p:cNvPicPr/>
+          <p:nvPr/>
+        </p:nvPicPr>
+        <p:blipFill>
+          <a:blip r:embed="rId3"/>
+          <a:stretch/>
+        </p:blipFill>
+        <p:spPr>
+          <a:xfrm rot="5400000">
+            <a:off x="40694040" y="16459200"/>
+            <a:ext cx="14271480" cy="3933720"/>
           </a:xfrm>
           <a:prstGeom prst="rect">
             <a:avLst/>
@@ -5325,36 +5123,13 @@
           <p:nvPr/>
         </p:nvPicPr>
         <p:blipFill>
-          <a:blip r:embed="rId3"/>
-          <a:stretch/>
-        </p:blipFill>
-        <p:spPr>
-          <a:xfrm rot="5400000">
-            <a:off x="40693680" y="16459200"/>
-            <a:ext cx="14271840" cy="3934080"/>
-          </a:xfrm>
-          <a:prstGeom prst="rect">
-            <a:avLst/>
-          </a:prstGeom>
-          <a:ln w="0">
-            <a:noFill/>
-          </a:ln>
-        </p:spPr>
-      </p:pic>
-      <p:pic>
-        <p:nvPicPr>
-          <p:cNvPr id="58" name="New picture" descr=""/>
-          <p:cNvPicPr/>
-          <p:nvPr/>
-        </p:nvPicPr>
-        <p:blipFill>
           <a:blip r:embed="rId4"/>
           <a:stretch/>
         </p:blipFill>
         <p:spPr>
           <a:xfrm>
             <a:off x="6946920" y="33426360"/>
-            <a:ext cx="29994480" cy="1445040"/>
+            <a:ext cx="29994120" cy="1444680"/>
           </a:xfrm>
           <a:prstGeom prst="rect">
             <a:avLst/>
@@ -5366,14 +5141,14 @@
       </p:pic>
       <p:sp>
         <p:nvSpPr>
-          <p:cNvPr id="59" name="New shape"/>
+          <p:cNvPr id="58" name="New shape"/>
           <p:cNvSpPr/>
           <p:nvPr/>
         </p:nvSpPr>
         <p:spPr>
           <a:xfrm>
             <a:off x="6946920" y="33998040"/>
-            <a:ext cx="21942720" cy="1267200"/>
+            <a:ext cx="21942360" cy="1266840"/>
           </a:xfrm>
           <a:prstGeom prst="rect">
             <a:avLst/>
@@ -5428,7 +5203,7 @@
       </p:sp>
       <p:sp>
         <p:nvSpPr>
-          <p:cNvPr id="60" name="PlaceHolder 1"/>
+          <p:cNvPr id="59" name="PlaceHolder 1"/>
           <p:cNvSpPr>
             <a:spLocks noGrp="1"/>
           </p:cNvSpPr>
@@ -5439,7 +5214,7 @@
         <p:spPr>
           <a:xfrm>
             <a:off x="14994360" y="29977560"/>
-            <a:ext cx="13899240" cy="2283120"/>
+            <a:ext cx="13898880" cy="2282760"/>
           </a:xfrm>
           <a:prstGeom prst="rect">
             <a:avLst/>
@@ -5500,7 +5275,7 @@
       </p:sp>
       <p:sp>
         <p:nvSpPr>
-          <p:cNvPr id="61" name="PlaceHolder 2"/>
+          <p:cNvPr id="60" name="PlaceHolder 2"/>
           <p:cNvSpPr>
             <a:spLocks noGrp="1"/>
           </p:cNvSpPr>
@@ -5511,7 +5286,7 @@
         <p:spPr>
           <a:xfrm>
             <a:off x="31453560" y="29977560"/>
-            <a:ext cx="10241640" cy="2283120"/>
+            <a:ext cx="10241280" cy="2282760"/>
           </a:xfrm>
           <a:prstGeom prst="rect">
             <a:avLst/>
@@ -5553,7 +5328,7 @@
                 <a:tab algn="l" pos="0"/>
               </a:tabLst>
             </a:pPr>
-            <a:fld id="{A8053A49-6968-4653-BAE5-618DEA0F4F50}" type="slidenum">
+            <a:fld id="{D6EB4018-170F-4CF0-B29E-3381E38749FD}" type="slidenum">
               <a:rPr b="0" lang="en-US" sz="5030" spc="-1" strike="noStrike">
                 <a:solidFill>
                   <a:schemeClr val="dk1"/>
@@ -5574,7 +5349,7 @@
       </p:sp>
       <p:sp>
         <p:nvSpPr>
-          <p:cNvPr id="62" name="PlaceHolder 3"/>
+          <p:cNvPr id="61" name="PlaceHolder 3"/>
           <p:cNvSpPr>
             <a:spLocks noGrp="1"/>
           </p:cNvSpPr>
@@ -5585,7 +5360,7 @@
         <p:spPr>
           <a:xfrm>
             <a:off x="2192760" y="29977560"/>
-            <a:ext cx="10241640" cy="2283120"/>
+            <a:ext cx="10241280" cy="2282760"/>
           </a:xfrm>
           <a:prstGeom prst="rect">
             <a:avLst/>
@@ -5667,7 +5442,7 @@
       </p:grpSpPr>
       <p:pic>
         <p:nvPicPr>
-          <p:cNvPr id="63" name="New picture" descr=""/>
+          <p:cNvPr id="62" name="New picture" descr=""/>
           <p:cNvPicPr/>
           <p:nvPr/>
         </p:nvPicPr>
@@ -5677,8 +5452,31 @@
         </p:blipFill>
         <p:spPr>
           <a:xfrm rot="16200000">
-            <a:off x="-11071440" y="16462080"/>
-            <a:ext cx="14271840" cy="3934080"/>
+            <a:off x="-11071080" y="16462440"/>
+            <a:ext cx="14271480" cy="3933720"/>
+          </a:xfrm>
+          <a:prstGeom prst="rect">
+            <a:avLst/>
+          </a:prstGeom>
+          <a:ln w="0">
+            <a:noFill/>
+          </a:ln>
+        </p:spPr>
+      </p:pic>
+      <p:pic>
+        <p:nvPicPr>
+          <p:cNvPr id="63" name="New picture" descr=""/>
+          <p:cNvPicPr/>
+          <p:nvPr/>
+        </p:nvPicPr>
+        <p:blipFill>
+          <a:blip r:embed="rId3"/>
+          <a:stretch/>
+        </p:blipFill>
+        <p:spPr>
+          <a:xfrm rot="5400000">
+            <a:off x="40694040" y="16459200"/>
+            <a:ext cx="14271480" cy="3933720"/>
           </a:xfrm>
           <a:prstGeom prst="rect">
             <a:avLst/>
@@ -5695,36 +5493,13 @@
           <p:nvPr/>
         </p:nvPicPr>
         <p:blipFill>
-          <a:blip r:embed="rId3"/>
-          <a:stretch/>
-        </p:blipFill>
-        <p:spPr>
-          <a:xfrm rot="5400000">
-            <a:off x="40693680" y="16459200"/>
-            <a:ext cx="14271840" cy="3934080"/>
-          </a:xfrm>
-          <a:prstGeom prst="rect">
-            <a:avLst/>
-          </a:prstGeom>
-          <a:ln w="0">
-            <a:noFill/>
-          </a:ln>
-        </p:spPr>
-      </p:pic>
-      <p:pic>
-        <p:nvPicPr>
-          <p:cNvPr id="65" name="New picture" descr=""/>
-          <p:cNvPicPr/>
-          <p:nvPr/>
-        </p:nvPicPr>
-        <p:blipFill>
           <a:blip r:embed="rId4"/>
           <a:stretch/>
         </p:blipFill>
         <p:spPr>
           <a:xfrm>
             <a:off x="6946920" y="33426360"/>
-            <a:ext cx="29994480" cy="1445040"/>
+            <a:ext cx="29994120" cy="1444680"/>
           </a:xfrm>
           <a:prstGeom prst="rect">
             <a:avLst/>
@@ -5736,14 +5511,14 @@
       </p:pic>
       <p:sp>
         <p:nvSpPr>
-          <p:cNvPr id="66" name="New shape"/>
+          <p:cNvPr id="65" name="New shape"/>
           <p:cNvSpPr/>
           <p:nvPr/>
         </p:nvSpPr>
         <p:spPr>
           <a:xfrm>
             <a:off x="6946920" y="33998040"/>
-            <a:ext cx="21942720" cy="1267200"/>
+            <a:ext cx="21942360" cy="1266840"/>
           </a:xfrm>
           <a:prstGeom prst="rect">
             <a:avLst/>
@@ -5798,7 +5573,7 @@
       </p:sp>
       <p:sp>
         <p:nvSpPr>
-          <p:cNvPr id="67" name="PlaceHolder 1"/>
+          <p:cNvPr id="66" name="PlaceHolder 1"/>
           <p:cNvSpPr>
             <a:spLocks noGrp="1"/>
           </p:cNvSpPr>
@@ -5809,7 +5584,7 @@
         <p:spPr>
           <a:xfrm>
             <a:off x="3291480" y="11003760"/>
-            <a:ext cx="37305360" cy="5497200"/>
+            <a:ext cx="37305000" cy="5496840"/>
           </a:xfrm>
           <a:prstGeom prst="rect">
             <a:avLst/>
@@ -5847,7 +5622,7 @@
       </p:sp>
       <p:sp>
         <p:nvSpPr>
-          <p:cNvPr id="68" name="PlaceHolder 2"/>
+          <p:cNvPr id="67" name="PlaceHolder 2"/>
           <p:cNvSpPr>
             <a:spLocks noGrp="1"/>
           </p:cNvSpPr>
@@ -5858,7 +5633,7 @@
         <p:spPr>
           <a:xfrm>
             <a:off x="14994360" y="29977560"/>
-            <a:ext cx="13899240" cy="2283120"/>
+            <a:ext cx="13898880" cy="2282760"/>
           </a:xfrm>
           <a:prstGeom prst="rect">
             <a:avLst/>
@@ -5919,7 +5694,7 @@
       </p:sp>
       <p:sp>
         <p:nvSpPr>
-          <p:cNvPr id="69" name="PlaceHolder 3"/>
+          <p:cNvPr id="68" name="PlaceHolder 3"/>
           <p:cNvSpPr>
             <a:spLocks noGrp="1"/>
           </p:cNvSpPr>
@@ -5930,7 +5705,7 @@
         <p:spPr>
           <a:xfrm>
             <a:off x="31453560" y="29977560"/>
-            <a:ext cx="10241640" cy="2283120"/>
+            <a:ext cx="10241280" cy="2282760"/>
           </a:xfrm>
           <a:prstGeom prst="rect">
             <a:avLst/>
@@ -5972,7 +5747,7 @@
                 <a:tab algn="l" pos="0"/>
               </a:tabLst>
             </a:pPr>
-            <a:fld id="{83B89204-6352-4183-A8CD-85745C8F525E}" type="slidenum">
+            <a:fld id="{EABF28A0-E6F3-4236-8701-9BD18C411139}" type="slidenum">
               <a:rPr b="0" lang="en-US" sz="5030" spc="-1" strike="noStrike">
                 <a:solidFill>
                   <a:schemeClr val="dk1"/>
@@ -5993,7 +5768,7 @@
       </p:sp>
       <p:sp>
         <p:nvSpPr>
-          <p:cNvPr id="70" name="PlaceHolder 4"/>
+          <p:cNvPr id="69" name="PlaceHolder 4"/>
           <p:cNvSpPr>
             <a:spLocks noGrp="1"/>
           </p:cNvSpPr>
@@ -6004,7 +5779,7 @@
         <p:spPr>
           <a:xfrm>
             <a:off x="2192760" y="29977560"/>
-            <a:ext cx="10241640" cy="2283120"/>
+            <a:ext cx="10241280" cy="2282760"/>
           </a:xfrm>
           <a:prstGeom prst="rect">
             <a:avLst/>
@@ -6086,7 +5861,7 @@
       </p:grpSpPr>
       <p:pic>
         <p:nvPicPr>
-          <p:cNvPr id="72" name="New picture" descr=""/>
+          <p:cNvPr id="71" name="New picture" descr=""/>
           <p:cNvPicPr/>
           <p:nvPr/>
         </p:nvPicPr>
@@ -6096,8 +5871,31 @@
         </p:blipFill>
         <p:spPr>
           <a:xfrm rot="16200000">
-            <a:off x="-11071440" y="16462080"/>
-            <a:ext cx="14271840" cy="3934080"/>
+            <a:off x="-11071080" y="16462440"/>
+            <a:ext cx="14271480" cy="3933720"/>
+          </a:xfrm>
+          <a:prstGeom prst="rect">
+            <a:avLst/>
+          </a:prstGeom>
+          <a:ln w="0">
+            <a:noFill/>
+          </a:ln>
+        </p:spPr>
+      </p:pic>
+      <p:pic>
+        <p:nvPicPr>
+          <p:cNvPr id="72" name="New picture" descr=""/>
+          <p:cNvPicPr/>
+          <p:nvPr/>
+        </p:nvPicPr>
+        <p:blipFill>
+          <a:blip r:embed="rId3"/>
+          <a:stretch/>
+        </p:blipFill>
+        <p:spPr>
+          <a:xfrm rot="5400000">
+            <a:off x="40694040" y="16459200"/>
+            <a:ext cx="14271480" cy="3933720"/>
           </a:xfrm>
           <a:prstGeom prst="rect">
             <a:avLst/>
@@ -6114,36 +5912,13 @@
           <p:nvPr/>
         </p:nvPicPr>
         <p:blipFill>
-          <a:blip r:embed="rId3"/>
-          <a:stretch/>
-        </p:blipFill>
-        <p:spPr>
-          <a:xfrm rot="5400000">
-            <a:off x="40693680" y="16459200"/>
-            <a:ext cx="14271840" cy="3934080"/>
-          </a:xfrm>
-          <a:prstGeom prst="rect">
-            <a:avLst/>
-          </a:prstGeom>
-          <a:ln w="0">
-            <a:noFill/>
-          </a:ln>
-        </p:spPr>
-      </p:pic>
-      <p:pic>
-        <p:nvPicPr>
-          <p:cNvPr id="74" name="New picture" descr=""/>
-          <p:cNvPicPr/>
-          <p:nvPr/>
-        </p:nvPicPr>
-        <p:blipFill>
           <a:blip r:embed="rId4"/>
           <a:stretch/>
         </p:blipFill>
         <p:spPr>
           <a:xfrm>
             <a:off x="6946920" y="33426360"/>
-            <a:ext cx="29994480" cy="1445040"/>
+            <a:ext cx="29994120" cy="1444680"/>
           </a:xfrm>
           <a:prstGeom prst="rect">
             <a:avLst/>
@@ -6155,14 +5930,14 @@
       </p:pic>
       <p:sp>
         <p:nvSpPr>
-          <p:cNvPr id="75" name="New shape"/>
+          <p:cNvPr id="74" name="New shape"/>
           <p:cNvSpPr/>
           <p:nvPr/>
         </p:nvSpPr>
         <p:spPr>
           <a:xfrm>
             <a:off x="6946920" y="33998040"/>
-            <a:ext cx="21942720" cy="1267200"/>
+            <a:ext cx="21942360" cy="1266840"/>
           </a:xfrm>
           <a:prstGeom prst="rect">
             <a:avLst/>
@@ -6217,7 +5992,7 @@
       </p:sp>
       <p:sp>
         <p:nvSpPr>
-          <p:cNvPr id="76" name="PlaceHolder 1"/>
+          <p:cNvPr id="75" name="PlaceHolder 1"/>
           <p:cNvSpPr>
             <a:spLocks noGrp="1"/>
           </p:cNvSpPr>
@@ -6228,7 +6003,7 @@
         <p:spPr>
           <a:xfrm>
             <a:off x="14994360" y="29977560"/>
-            <a:ext cx="13899240" cy="2283120"/>
+            <a:ext cx="13898880" cy="2282760"/>
           </a:xfrm>
           <a:prstGeom prst="rect">
             <a:avLst/>
@@ -6289,7 +6064,7 @@
       </p:sp>
       <p:sp>
         <p:nvSpPr>
-          <p:cNvPr id="77" name="PlaceHolder 2"/>
+          <p:cNvPr id="76" name="PlaceHolder 2"/>
           <p:cNvSpPr>
             <a:spLocks noGrp="1"/>
           </p:cNvSpPr>
@@ -6300,7 +6075,7 @@
         <p:spPr>
           <a:xfrm>
             <a:off x="31453560" y="29977560"/>
-            <a:ext cx="10241640" cy="2283120"/>
+            <a:ext cx="10241280" cy="2282760"/>
           </a:xfrm>
           <a:prstGeom prst="rect">
             <a:avLst/>
@@ -6342,7 +6117,7 @@
                 <a:tab algn="l" pos="0"/>
               </a:tabLst>
             </a:pPr>
-            <a:fld id="{39FF7A25-8725-4F79-9399-42D9DE201154}" type="slidenum">
+            <a:fld id="{45699DAD-FE76-4642-9C50-91D2A1F55193}" type="slidenum">
               <a:rPr b="0" lang="en-US" sz="5030" spc="-1" strike="noStrike">
                 <a:solidFill>
                   <a:schemeClr val="dk1"/>
@@ -6363,7 +6138,7 @@
       </p:sp>
       <p:sp>
         <p:nvSpPr>
-          <p:cNvPr id="78" name="PlaceHolder 3"/>
+          <p:cNvPr id="77" name="PlaceHolder 3"/>
           <p:cNvSpPr>
             <a:spLocks noGrp="1"/>
           </p:cNvSpPr>
@@ -6374,7 +6149,7 @@
         <p:spPr>
           <a:xfrm>
             <a:off x="2192760" y="29977560"/>
-            <a:ext cx="10241640" cy="2283120"/>
+            <a:ext cx="10241280" cy="2282760"/>
           </a:xfrm>
           <a:prstGeom prst="rect">
             <a:avLst/>
@@ -6449,14 +6224,14 @@
       </p:grpSpPr>
       <p:sp>
         <p:nvSpPr>
-          <p:cNvPr id="93" name=""/>
+          <p:cNvPr id="92" name=""/>
           <p:cNvSpPr/>
           <p:nvPr/>
         </p:nvSpPr>
         <p:spPr>
           <a:xfrm>
             <a:off x="33147000" y="16651800"/>
-            <a:ext cx="10285560" cy="14785560"/>
+            <a:ext cx="10285200" cy="14785200"/>
           </a:xfrm>
           <a:prstGeom prst="rect">
             <a:avLst/>
@@ -6499,14 +6274,14 @@
       </p:sp>
       <p:sp>
         <p:nvSpPr>
-          <p:cNvPr id="94" name=""/>
+          <p:cNvPr id="93" name=""/>
           <p:cNvSpPr/>
           <p:nvPr/>
         </p:nvSpPr>
         <p:spPr>
           <a:xfrm>
             <a:off x="22174200" y="5558400"/>
-            <a:ext cx="10514160" cy="25986960"/>
+            <a:ext cx="10513800" cy="25986600"/>
           </a:xfrm>
           <a:prstGeom prst="rect">
             <a:avLst/>
@@ -6549,14 +6324,14 @@
       </p:sp>
       <p:sp>
         <p:nvSpPr>
-          <p:cNvPr id="95" name=""/>
+          <p:cNvPr id="94" name=""/>
           <p:cNvSpPr/>
           <p:nvPr/>
         </p:nvSpPr>
         <p:spPr>
           <a:xfrm>
             <a:off x="33147000" y="6413400"/>
-            <a:ext cx="10164960" cy="10200960"/>
+            <a:ext cx="10164600" cy="10200600"/>
           </a:xfrm>
           <a:prstGeom prst="rect">
             <a:avLst/>
@@ -6599,14 +6374,14 @@
       </p:sp>
       <p:sp>
         <p:nvSpPr>
-          <p:cNvPr id="96" name=""/>
+          <p:cNvPr id="95" name=""/>
           <p:cNvSpPr/>
           <p:nvPr/>
         </p:nvSpPr>
         <p:spPr>
           <a:xfrm>
             <a:off x="11201400" y="5558400"/>
-            <a:ext cx="10514160" cy="25986960"/>
+            <a:ext cx="10513800" cy="25986600"/>
           </a:xfrm>
           <a:prstGeom prst="rect">
             <a:avLst/>
@@ -6649,14 +6424,14 @@
       </p:sp>
       <p:sp>
         <p:nvSpPr>
-          <p:cNvPr id="97" name=""/>
+          <p:cNvPr id="96" name=""/>
           <p:cNvSpPr/>
           <p:nvPr/>
         </p:nvSpPr>
         <p:spPr>
           <a:xfrm>
             <a:off x="577800" y="5558400"/>
-            <a:ext cx="10164960" cy="11585160"/>
+            <a:ext cx="10164600" cy="11584800"/>
           </a:xfrm>
           <a:prstGeom prst="rect">
             <a:avLst/>
@@ -6699,14 +6474,14 @@
       </p:sp>
       <p:sp>
         <p:nvSpPr>
-          <p:cNvPr id="98" name="Rectangle 6"/>
+          <p:cNvPr id="97" name="Rectangle 6"/>
           <p:cNvSpPr/>
           <p:nvPr/>
         </p:nvSpPr>
         <p:spPr>
           <a:xfrm>
             <a:off x="0" y="3240"/>
-            <a:ext cx="43888320" cy="5252040"/>
+            <a:ext cx="43887960" cy="5251680"/>
           </a:xfrm>
           <a:prstGeom prst="rect">
             <a:avLst/>
@@ -6746,14 +6521,14 @@
       </p:sp>
       <p:sp>
         <p:nvSpPr>
-          <p:cNvPr id="99" name="TextBox 19"/>
+          <p:cNvPr id="98" name="TextBox 19"/>
           <p:cNvSpPr/>
           <p:nvPr/>
         </p:nvSpPr>
         <p:spPr>
           <a:xfrm>
             <a:off x="609480" y="6666480"/>
-            <a:ext cx="9598320" cy="10059840"/>
+            <a:ext cx="9597960" cy="10059840"/>
           </a:xfrm>
           <a:prstGeom prst="rect">
             <a:avLst/>
@@ -6967,14 +6742,14 @@
       </p:sp>
       <p:sp>
         <p:nvSpPr>
-          <p:cNvPr id="100" name="Text Placeholder 5"/>
+          <p:cNvPr id="99" name="Text Placeholder 5"/>
           <p:cNvSpPr/>
           <p:nvPr/>
         </p:nvSpPr>
         <p:spPr>
           <a:xfrm>
             <a:off x="7543800" y="410400"/>
-            <a:ext cx="28801080" cy="2934720"/>
+            <a:ext cx="28800720" cy="2934360"/>
           </a:xfrm>
           <a:prstGeom prst="rect">
             <a:avLst/>
@@ -7027,14 +6802,14 @@
       </p:sp>
       <p:sp>
         <p:nvSpPr>
-          <p:cNvPr id="101" name="Text Placeholder 5"/>
+          <p:cNvPr id="100" name="Text Placeholder 5"/>
           <p:cNvSpPr/>
           <p:nvPr/>
         </p:nvSpPr>
         <p:spPr>
           <a:xfrm>
-            <a:off x="851040" y="3321000"/>
-            <a:ext cx="36573120" cy="2600640"/>
+            <a:off x="1175040" y="3321000"/>
+            <a:ext cx="36572760" cy="2600640"/>
           </a:xfrm>
           <a:prstGeom prst="rect">
             <a:avLst/>
@@ -7145,14 +6920,14 @@
       </p:sp>
       <p:sp>
         <p:nvSpPr>
-          <p:cNvPr id="102" name="TextBox 19"/>
+          <p:cNvPr id="101" name="TextBox 19"/>
           <p:cNvSpPr/>
           <p:nvPr/>
         </p:nvSpPr>
         <p:spPr>
           <a:xfrm>
             <a:off x="11633040" y="6666480"/>
-            <a:ext cx="9598320" cy="19400040"/>
+            <a:ext cx="9597960" cy="19400040"/>
           </a:xfrm>
           <a:prstGeom prst="rect">
             <a:avLst/>
@@ -7685,14 +7460,14 @@
       </p:sp>
       <p:sp>
         <p:nvSpPr>
-          <p:cNvPr id="103" name="TextBox 19"/>
+          <p:cNvPr id="102" name="TextBox 19"/>
           <p:cNvSpPr/>
           <p:nvPr/>
         </p:nvSpPr>
         <p:spPr>
           <a:xfrm>
             <a:off x="22656960" y="6666480"/>
-            <a:ext cx="9598320" cy="23777640"/>
+            <a:ext cx="9597960" cy="23777640"/>
           </a:xfrm>
           <a:prstGeom prst="rect">
             <a:avLst/>
@@ -8459,14 +8234,14 @@
       </p:sp>
       <p:sp>
         <p:nvSpPr>
-          <p:cNvPr id="104" name="TextBox 19"/>
+          <p:cNvPr id="103" name="TextBox 19"/>
           <p:cNvSpPr/>
           <p:nvPr/>
         </p:nvSpPr>
         <p:spPr>
           <a:xfrm>
             <a:off x="33604200" y="21673440"/>
-            <a:ext cx="9598320" cy="1698840"/>
+            <a:ext cx="9597960" cy="1698840"/>
           </a:xfrm>
           <a:prstGeom prst="rect">
             <a:avLst/>
@@ -8518,14 +8293,14 @@
       </p:sp>
       <p:sp>
         <p:nvSpPr>
-          <p:cNvPr id="105" name="TextBox 19"/>
+          <p:cNvPr id="104" name="TextBox 19"/>
           <p:cNvSpPr/>
           <p:nvPr/>
         </p:nvSpPr>
         <p:spPr>
           <a:xfrm>
             <a:off x="33256440" y="6746760"/>
-            <a:ext cx="9598320" cy="1553040"/>
+            <a:ext cx="9597960" cy="1065240"/>
           </a:xfrm>
           <a:prstGeom prst="rect">
             <a:avLst/>
@@ -8570,7 +8345,7 @@
                 <a:latin typeface="Open Sans"/>
                 <a:ea typeface="Open Sans"/>
               </a:rPr>
-              <a:t>In order to further protect state-of-the-art TEEs, Keystone is extended to include secure memory protocols in the gem5 simulation environment</a:t>
+              <a:t>Quantum circuit generation with diffusion models resembles image generation</a:t>
             </a:r>
             <a:endParaRPr b="0" lang="en-US" sz="3200" spc="-1" strike="noStrike">
               <a:solidFill>
@@ -8583,14 +8358,14 @@
       </p:sp>
       <p:sp>
         <p:nvSpPr>
-          <p:cNvPr id="106" name="TextBox 19"/>
+          <p:cNvPr id="105" name="TextBox 19"/>
           <p:cNvSpPr/>
           <p:nvPr/>
         </p:nvSpPr>
         <p:spPr>
           <a:xfrm>
             <a:off x="-4036320" y="9446400"/>
-            <a:ext cx="9598320" cy="6917400"/>
+            <a:ext cx="9597960" cy="6917040"/>
           </a:xfrm>
           <a:prstGeom prst="rect">
             <a:avLst/>
@@ -8631,14 +8406,14 @@
       </p:sp>
       <p:sp>
         <p:nvSpPr>
-          <p:cNvPr id="107" name="Rectangle 6"/>
+          <p:cNvPr id="106" name="Rectangle 6"/>
           <p:cNvSpPr/>
           <p:nvPr/>
         </p:nvSpPr>
         <p:spPr>
           <a:xfrm>
             <a:off x="0" y="32004000"/>
-            <a:ext cx="43888320" cy="911520"/>
+            <a:ext cx="43887960" cy="911160"/>
           </a:xfrm>
           <a:prstGeom prst="rect">
             <a:avLst/>
@@ -8678,7 +8453,7 @@
       </p:sp>
       <p:pic>
         <p:nvPicPr>
-          <p:cNvPr id="108" name="" descr=""/>
+          <p:cNvPr id="107" name="" descr=""/>
           <p:cNvPicPr/>
           <p:nvPr/>
         </p:nvPicPr>
@@ -8690,7 +8465,7 @@
         <p:spPr>
           <a:xfrm>
             <a:off x="12141000" y="16847640"/>
-            <a:ext cx="9142560" cy="7068960"/>
+            <a:ext cx="9142200" cy="7068600"/>
           </a:xfrm>
           <a:prstGeom prst="rect">
             <a:avLst/>
@@ -8702,338 +8477,14 @@
       </p:pic>
       <p:sp>
         <p:nvSpPr>
-          <p:cNvPr id="109" name=""/>
+          <p:cNvPr id="108" name=""/>
           <p:cNvSpPr/>
           <p:nvPr/>
         </p:nvSpPr>
         <p:spPr>
           <a:xfrm>
-            <a:off x="36307440" y="8807400"/>
-            <a:ext cx="3476160" cy="3085920"/>
-          </a:xfrm>
-          <a:prstGeom prst="ellipse">
-            <a:avLst/>
-          </a:prstGeom>
-          <a:noFill/>
-          <a:ln w="38160">
-            <a:solidFill>
-              <a:srgbClr val="3465a4"/>
-            </a:solidFill>
-            <a:round/>
-          </a:ln>
-        </p:spPr>
-        <p:style>
-          <a:lnRef idx="0"/>
-          <a:fillRef idx="0"/>
-          <a:effectRef idx="0"/>
-          <a:fontRef idx="minor"/>
-        </p:style>
-        <p:txBody>
-          <a:bodyPr lIns="108720" rIns="108720" tIns="63720" bIns="63720" anchor="ctr">
-            <a:noAutofit/>
-          </a:bodyPr>
-          <a:p>
-            <a:pPr algn="ctr">
-              <a:lnSpc>
-                <a:spcPct val="100000"/>
-              </a:lnSpc>
-            </a:pPr>
-            <a:r>
-              <a:rPr b="0" lang="en-US" sz="3200" spc="-1" strike="noStrike">
-                <a:solidFill>
-                  <a:srgbClr val="000000"/>
-                </a:solidFill>
-                <a:latin typeface="Arial"/>
-                <a:ea typeface="Arial"/>
-              </a:rPr>
-              <a:t>Study Keystone class structures</a:t>
-            </a:r>
-            <a:endParaRPr b="0" lang="en-US" sz="3200" spc="-1" strike="noStrike">
-              <a:solidFill>
-                <a:srgbClr val="000000"/>
-              </a:solidFill>
-              <a:latin typeface="Arial"/>
-            </a:endParaRPr>
-          </a:p>
-        </p:txBody>
-      </p:sp>
-      <p:sp>
-        <p:nvSpPr>
-          <p:cNvPr id="110" name=""/>
-          <p:cNvSpPr/>
-          <p:nvPr/>
-        </p:nvSpPr>
-        <p:spPr>
-          <a:xfrm>
-            <a:off x="39434040" y="13049280"/>
-            <a:ext cx="3529800" cy="3035880"/>
-          </a:xfrm>
-          <a:prstGeom prst="ellipse">
-            <a:avLst/>
-          </a:prstGeom>
-          <a:noFill/>
-          <a:ln w="38160">
-            <a:solidFill>
-              <a:srgbClr val="069a2e"/>
-            </a:solidFill>
-            <a:round/>
-          </a:ln>
-        </p:spPr>
-        <p:style>
-          <a:lnRef idx="0"/>
-          <a:fillRef idx="0"/>
-          <a:effectRef idx="0"/>
-          <a:fontRef idx="minor"/>
-        </p:style>
-        <p:txBody>
-          <a:bodyPr lIns="108720" rIns="108720" tIns="63720" bIns="63720" anchor="ctr">
-            <a:noAutofit/>
-          </a:bodyPr>
-          <a:p>
-            <a:pPr algn="ctr">
-              <a:lnSpc>
-                <a:spcPct val="100000"/>
-              </a:lnSpc>
-            </a:pPr>
-            <a:r>
-              <a:rPr b="0" lang="en-US" sz="3200" spc="-1" strike="noStrike">
-                <a:solidFill>
-                  <a:srgbClr val="000000"/>
-                </a:solidFill>
-                <a:latin typeface="Arial"/>
-                <a:ea typeface="Arial"/>
-              </a:rPr>
-              <a:t>Implement design</a:t>
-            </a:r>
-            <a:endParaRPr b="0" lang="en-US" sz="3200" spc="-1" strike="noStrike">
-              <a:solidFill>
-                <a:srgbClr val="000000"/>
-              </a:solidFill>
-              <a:latin typeface="Arial"/>
-            </a:endParaRPr>
-          </a:p>
-        </p:txBody>
-      </p:sp>
-      <p:sp>
-        <p:nvSpPr>
-          <p:cNvPr id="111" name=""/>
-          <p:cNvSpPr/>
-          <p:nvPr/>
-        </p:nvSpPr>
-        <p:spPr>
-          <a:xfrm>
-            <a:off x="33700680" y="13188240"/>
-            <a:ext cx="3237840" cy="2896920"/>
-          </a:xfrm>
-          <a:prstGeom prst="ellipse">
-            <a:avLst/>
-          </a:prstGeom>
-          <a:noFill/>
-          <a:ln w="38160">
-            <a:solidFill>
-              <a:srgbClr val="ea7500"/>
-            </a:solidFill>
-            <a:round/>
-          </a:ln>
-        </p:spPr>
-        <p:style>
-          <a:lnRef idx="0"/>
-          <a:fillRef idx="0"/>
-          <a:effectRef idx="0"/>
-          <a:fontRef idx="minor"/>
-        </p:style>
-        <p:txBody>
-          <a:bodyPr lIns="109080" rIns="109080" tIns="64080" bIns="64080" anchor="ctr">
-            <a:noAutofit/>
-          </a:bodyPr>
-          <a:p>
-            <a:pPr algn="ctr">
-              <a:lnSpc>
-                <a:spcPct val="100000"/>
-              </a:lnSpc>
-            </a:pPr>
-            <a:r>
-              <a:rPr b="0" lang="en-US" sz="3200" spc="-1" strike="noStrike">
-                <a:solidFill>
-                  <a:srgbClr val="000000"/>
-                </a:solidFill>
-                <a:latin typeface="Arial"/>
-                <a:ea typeface="Arial"/>
-              </a:rPr>
-              <a:t>Benchmark</a:t>
-            </a:r>
-            <a:endParaRPr b="0" lang="en-US" sz="3200" spc="-1" strike="noStrike">
-              <a:solidFill>
-                <a:srgbClr val="000000"/>
-              </a:solidFill>
-              <a:latin typeface="Arial"/>
-            </a:endParaRPr>
-          </a:p>
-        </p:txBody>
-      </p:sp>
-      <p:sp>
-        <p:nvSpPr>
-          <p:cNvPr id="112" name=""/>
-          <p:cNvSpPr/>
-          <p:nvPr/>
-        </p:nvSpPr>
-        <p:spPr>
-          <a:xfrm rot="3166200">
-            <a:off x="38732040" y="12114360"/>
-            <a:ext cx="1541160" cy="880200"/>
-          </a:xfrm>
-          <a:prstGeom prst="rightArrow">
-            <a:avLst>
-              <a:gd name="adj1" fmla="val 50000"/>
-              <a:gd name="adj2" fmla="val 43750"/>
-            </a:avLst>
-          </a:prstGeom>
-          <a:noFill/>
-          <a:ln w="38160">
-            <a:solidFill>
-              <a:srgbClr val="000000"/>
-            </a:solidFill>
-            <a:round/>
-          </a:ln>
-        </p:spPr>
-        <p:style>
-          <a:lnRef idx="0"/>
-          <a:fillRef idx="0"/>
-          <a:effectRef idx="0"/>
-          <a:fontRef idx="minor"/>
-        </p:style>
-        <p:txBody>
-          <a:bodyPr lIns="108720" rIns="108720" tIns="63720" bIns="63720" anchor="ctr">
-            <a:noAutofit/>
-          </a:bodyPr>
-          <a:p>
-            <a:pPr>
-              <a:lnSpc>
-                <a:spcPct val="100000"/>
-              </a:lnSpc>
-            </a:pPr>
-            <a:endParaRPr b="0" lang="en-US" sz="1800" spc="-1" strike="noStrike">
-              <a:solidFill>
-                <a:srgbClr val="000000"/>
-              </a:solidFill>
-              <a:latin typeface="Arial"/>
-              <a:ea typeface="Arial"/>
-            </a:endParaRPr>
-          </a:p>
-        </p:txBody>
-      </p:sp>
-      <p:sp>
-        <p:nvSpPr>
-          <p:cNvPr id="113" name=""/>
-          <p:cNvSpPr/>
-          <p:nvPr/>
-        </p:nvSpPr>
-        <p:spPr>
-          <a:xfrm rot="18804600">
-            <a:off x="35894880" y="12049200"/>
-            <a:ext cx="1541880" cy="879840"/>
-          </a:xfrm>
-          <a:prstGeom prst="rightArrow">
-            <a:avLst>
-              <a:gd name="adj1" fmla="val 50000"/>
-              <a:gd name="adj2" fmla="val 43750"/>
-            </a:avLst>
-          </a:prstGeom>
-          <a:noFill/>
-          <a:ln w="38160">
-            <a:solidFill>
-              <a:srgbClr val="000000"/>
-            </a:solidFill>
-            <a:round/>
-          </a:ln>
-        </p:spPr>
-        <p:style>
-          <a:lnRef idx="0"/>
-          <a:fillRef idx="0"/>
-          <a:effectRef idx="0"/>
-          <a:fontRef idx="minor"/>
-        </p:style>
-        <p:txBody>
-          <a:bodyPr lIns="108720" rIns="108720" tIns="63720" bIns="63720" anchor="ctr">
-            <a:noAutofit/>
-          </a:bodyPr>
-          <a:p>
-            <a:pPr>
-              <a:lnSpc>
-                <a:spcPct val="100000"/>
-              </a:lnSpc>
-            </a:pPr>
-            <a:endParaRPr b="0" lang="en-US" sz="1800" spc="-1" strike="noStrike">
-              <a:solidFill>
-                <a:srgbClr val="000000"/>
-              </a:solidFill>
-              <a:latin typeface="Arial"/>
-              <a:ea typeface="Arial"/>
-            </a:endParaRPr>
-          </a:p>
-        </p:txBody>
-      </p:sp>
-      <p:sp>
-        <p:nvSpPr>
-          <p:cNvPr id="114" name=""/>
-          <p:cNvSpPr/>
-          <p:nvPr/>
-        </p:nvSpPr>
-        <p:spPr>
-          <a:xfrm rot="10800000">
-            <a:off x="37351440" y="13581360"/>
-            <a:ext cx="1541880" cy="879480"/>
-          </a:xfrm>
-          <a:prstGeom prst="rightArrow">
-            <a:avLst>
-              <a:gd name="adj1" fmla="val 50000"/>
-              <a:gd name="adj2" fmla="val 43750"/>
-            </a:avLst>
-          </a:prstGeom>
-          <a:noFill/>
-          <a:ln w="38160">
-            <a:solidFill>
-              <a:srgbClr val="000000"/>
-            </a:solidFill>
-            <a:round/>
-          </a:ln>
-        </p:spPr>
-        <p:style>
-          <a:lnRef idx="0"/>
-          <a:fillRef idx="0"/>
-          <a:effectRef idx="0"/>
-          <a:fontRef idx="minor"/>
-        </p:style>
-        <p:txBody>
-          <a:bodyPr lIns="108720" rIns="108720" tIns="63720" bIns="63720" anchor="ctr">
-            <a:noAutofit/>
-          </a:bodyPr>
-          <a:p>
-            <a:pPr>
-              <a:lnSpc>
-                <a:spcPct val="100000"/>
-              </a:lnSpc>
-            </a:pPr>
-            <a:endParaRPr b="0" lang="en-US" sz="1800" spc="-1" strike="noStrike">
-              <a:solidFill>
-                <a:srgbClr val="000000"/>
-              </a:solidFill>
-              <a:latin typeface="Arial"/>
-              <a:ea typeface="Arial"/>
-            </a:endParaRPr>
-          </a:p>
-        </p:txBody>
-      </p:sp>
-      <p:sp>
-        <p:nvSpPr>
-          <p:cNvPr id="115" name=""/>
-          <p:cNvSpPr/>
-          <p:nvPr/>
-        </p:nvSpPr>
-        <p:spPr>
-          <a:xfrm>
             <a:off x="34829280" y="18384120"/>
-            <a:ext cx="2603160" cy="2776680"/>
+            <a:ext cx="2602800" cy="2776320"/>
           </a:xfrm>
           <a:prstGeom prst="rect">
             <a:avLst/>
@@ -9084,14 +8535,14 @@
       </p:sp>
       <p:sp>
         <p:nvSpPr>
-          <p:cNvPr id="116" name=""/>
+          <p:cNvPr id="109" name=""/>
           <p:cNvSpPr/>
           <p:nvPr/>
         </p:nvSpPr>
         <p:spPr>
           <a:xfrm>
             <a:off x="39151080" y="18384120"/>
-            <a:ext cx="2603160" cy="2776680"/>
+            <a:ext cx="2602800" cy="2776320"/>
           </a:xfrm>
           <a:prstGeom prst="rect">
             <a:avLst/>
@@ -9142,14 +8593,14 @@
       </p:sp>
       <p:sp>
         <p:nvSpPr>
-          <p:cNvPr id="117" name=""/>
+          <p:cNvPr id="110" name=""/>
           <p:cNvSpPr/>
           <p:nvPr/>
         </p:nvSpPr>
         <p:spPr>
           <a:xfrm>
             <a:off x="37785240" y="18685800"/>
-            <a:ext cx="1206000" cy="515160"/>
+            <a:ext cx="1205640" cy="514800"/>
           </a:xfrm>
           <a:prstGeom prst="rightArrow">
             <a:avLst>
@@ -9193,14 +8644,14 @@
       </p:sp>
       <p:sp>
         <p:nvSpPr>
-          <p:cNvPr id="118" name=""/>
+          <p:cNvPr id="111" name=""/>
           <p:cNvSpPr/>
           <p:nvPr/>
         </p:nvSpPr>
         <p:spPr>
           <a:xfrm rot="10800000">
-            <a:off x="37674720" y="20155680"/>
-            <a:ext cx="1213560" cy="519120"/>
+            <a:off x="37675080" y="20156040"/>
+            <a:ext cx="1213200" cy="518760"/>
           </a:xfrm>
           <a:prstGeom prst="rightArrow">
             <a:avLst>
@@ -9244,14 +8695,14 @@
       </p:sp>
       <p:sp>
         <p:nvSpPr>
-          <p:cNvPr id="119" name=""/>
+          <p:cNvPr id="112" name=""/>
           <p:cNvSpPr/>
           <p:nvPr/>
         </p:nvSpPr>
         <p:spPr>
           <a:xfrm>
             <a:off x="11765160" y="26814960"/>
-            <a:ext cx="1754640" cy="750240"/>
+            <a:ext cx="1754280" cy="749880"/>
           </a:xfrm>
           <a:prstGeom prst="rect">
             <a:avLst/>
@@ -9321,14 +8772,14 @@
       </p:sp>
       <p:sp>
         <p:nvSpPr>
-          <p:cNvPr id="120" name=""/>
+          <p:cNvPr id="113" name=""/>
           <p:cNvSpPr/>
           <p:nvPr/>
         </p:nvSpPr>
         <p:spPr>
           <a:xfrm>
             <a:off x="13557600" y="26263800"/>
-            <a:ext cx="2632680" cy="2133360"/>
+            <a:ext cx="2632320" cy="2133000"/>
           </a:xfrm>
           <a:prstGeom prst="rect">
             <a:avLst/>
@@ -9379,14 +8830,14 @@
       </p:sp>
       <p:sp>
         <p:nvSpPr>
-          <p:cNvPr id="121" name=""/>
+          <p:cNvPr id="114" name=""/>
           <p:cNvSpPr/>
           <p:nvPr/>
         </p:nvSpPr>
         <p:spPr>
           <a:xfrm>
             <a:off x="13649400" y="26832240"/>
-            <a:ext cx="876600" cy="643320"/>
+            <a:ext cx="876240" cy="642960"/>
           </a:xfrm>
           <a:prstGeom prst="rect">
             <a:avLst/>
@@ -9437,14 +8888,14 @@
       </p:sp>
       <p:sp>
         <p:nvSpPr>
-          <p:cNvPr id="122" name=""/>
+          <p:cNvPr id="115" name=""/>
           <p:cNvSpPr/>
           <p:nvPr/>
         </p:nvSpPr>
         <p:spPr>
           <a:xfrm>
             <a:off x="15216840" y="26832240"/>
-            <a:ext cx="876240" cy="643320"/>
+            <a:ext cx="875880" cy="642960"/>
           </a:xfrm>
           <a:prstGeom prst="rect">
             <a:avLst/>
@@ -9495,14 +8946,14 @@
       </p:sp>
       <p:sp>
         <p:nvSpPr>
-          <p:cNvPr id="123" name=""/>
+          <p:cNvPr id="116" name=""/>
           <p:cNvSpPr/>
           <p:nvPr/>
         </p:nvSpPr>
         <p:spPr>
           <a:xfrm>
             <a:off x="11981160" y="27756000"/>
-            <a:ext cx="1506600" cy="749520"/>
+            <a:ext cx="1506240" cy="749160"/>
           </a:xfrm>
           <a:prstGeom prst="rect">
             <a:avLst/>
@@ -9572,14 +9023,14 @@
       </p:sp>
       <p:sp>
         <p:nvSpPr>
-          <p:cNvPr id="124" name=""/>
+          <p:cNvPr id="117" name=""/>
           <p:cNvSpPr/>
           <p:nvPr/>
         </p:nvSpPr>
         <p:spPr>
           <a:xfrm>
             <a:off x="11729160" y="28591920"/>
-            <a:ext cx="1749240" cy="750240"/>
+            <a:ext cx="1748880" cy="749880"/>
           </a:xfrm>
           <a:prstGeom prst="rect">
             <a:avLst/>
@@ -9649,14 +9100,14 @@
       </p:sp>
       <p:sp>
         <p:nvSpPr>
-          <p:cNvPr id="125" name=""/>
+          <p:cNvPr id="118" name=""/>
           <p:cNvSpPr/>
           <p:nvPr/>
         </p:nvSpPr>
         <p:spPr>
           <a:xfrm>
             <a:off x="13741560" y="27700560"/>
-            <a:ext cx="2248560" cy="643320"/>
+            <a:ext cx="2248200" cy="642960"/>
           </a:xfrm>
           <a:prstGeom prst="rect">
             <a:avLst/>
@@ -9740,22 +9191,22 @@
       </p:sp>
       <p:sp>
         <p:nvSpPr>
-          <p:cNvPr id="126" name=""/>
+          <p:cNvPr id="119" name=""/>
           <p:cNvSpPr/>
           <p:nvPr/>
         </p:nvSpPr>
         <p:spPr>
           <a:xfrm>
             <a:off x="16418520" y="26263800"/>
-            <a:ext cx="2339640" cy="2133360"/>
+            <a:ext cx="2339280" cy="2133000"/>
           </a:xfrm>
           <a:custGeom>
             <a:avLst/>
             <a:gdLst>
-              <a:gd name="textAreaLeft" fmla="*/ 113760 w 2339640"/>
-              <a:gd name="textAreaRight" fmla="*/ 2226960 w 2339640"/>
-              <a:gd name="textAreaTop" fmla="*/ 97560 h 2133360"/>
-              <a:gd name="textAreaBottom" fmla="*/ 2036880 h 2133360"/>
+              <a:gd name="textAreaLeft" fmla="*/ 113760 w 2339280"/>
+              <a:gd name="textAreaRight" fmla="*/ 2226960 w 2339280"/>
+              <a:gd name="textAreaTop" fmla="*/ 97560 h 2133000"/>
+              <a:gd name="textAreaBottom" fmla="*/ 2036880 h 2133000"/>
             </a:gdLst>
             <a:ahLst/>
             <a:rect l="textAreaLeft" t="textAreaTop" r="textAreaRight" b="textAreaBottom"/>
@@ -9827,14 +9278,14 @@
       </p:sp>
       <p:sp>
         <p:nvSpPr>
-          <p:cNvPr id="127" name=""/>
+          <p:cNvPr id="120" name=""/>
           <p:cNvSpPr/>
           <p:nvPr/>
         </p:nvSpPr>
         <p:spPr>
           <a:xfrm>
             <a:off x="16641360" y="26832240"/>
-            <a:ext cx="1915920" cy="643320"/>
+            <a:ext cx="1915560" cy="642960"/>
           </a:xfrm>
           <a:prstGeom prst="rect">
             <a:avLst/>
@@ -9885,14 +9336,14 @@
       </p:sp>
       <p:sp>
         <p:nvSpPr>
-          <p:cNvPr id="128" name=""/>
+          <p:cNvPr id="121" name=""/>
           <p:cNvSpPr/>
           <p:nvPr/>
         </p:nvSpPr>
         <p:spPr>
           <a:xfrm>
             <a:off x="16549560" y="27688320"/>
-            <a:ext cx="2116440" cy="537120"/>
+            <a:ext cx="2116080" cy="536760"/>
           </a:xfrm>
           <a:prstGeom prst="rect">
             <a:avLst/>
@@ -9943,22 +9394,22 @@
       </p:sp>
       <p:sp>
         <p:nvSpPr>
-          <p:cNvPr id="129" name=""/>
+          <p:cNvPr id="122" name=""/>
           <p:cNvSpPr/>
           <p:nvPr/>
         </p:nvSpPr>
         <p:spPr>
           <a:xfrm>
             <a:off x="19004400" y="26264160"/>
-            <a:ext cx="1789200" cy="2133000"/>
+            <a:ext cx="1788840" cy="2132640"/>
           </a:xfrm>
           <a:custGeom>
             <a:avLst/>
             <a:gdLst>
-              <a:gd name="textAreaLeft" fmla="*/ 86760 w 1789200"/>
-              <a:gd name="textAreaRight" fmla="*/ 1703520 w 1789200"/>
-              <a:gd name="textAreaTop" fmla="*/ 74520 h 2133000"/>
-              <a:gd name="textAreaBottom" fmla="*/ 2059560 h 2133000"/>
+              <a:gd name="textAreaLeft" fmla="*/ 86760 w 1788840"/>
+              <a:gd name="textAreaRight" fmla="*/ 1703520 w 1788840"/>
+              <a:gd name="textAreaTop" fmla="*/ 74520 h 2132640"/>
+              <a:gd name="textAreaBottom" fmla="*/ 2059560 h 2132640"/>
             </a:gdLst>
             <a:ahLst/>
             <a:rect l="textAreaLeft" t="textAreaTop" r="textAreaRight" b="textAreaBottom"/>
@@ -10030,14 +9481,14 @@
       </p:sp>
       <p:sp>
         <p:nvSpPr>
-          <p:cNvPr id="130" name=""/>
+          <p:cNvPr id="123" name=""/>
           <p:cNvSpPr/>
           <p:nvPr/>
         </p:nvSpPr>
         <p:spPr>
           <a:xfrm>
             <a:off x="19196280" y="26832960"/>
-            <a:ext cx="1345680" cy="642960"/>
+            <a:ext cx="1345320" cy="642600"/>
           </a:xfrm>
           <a:prstGeom prst="rect">
             <a:avLst/>
@@ -10088,14 +9539,14 @@
       </p:sp>
       <p:sp>
         <p:nvSpPr>
-          <p:cNvPr id="131" name=""/>
+          <p:cNvPr id="124" name=""/>
           <p:cNvSpPr/>
           <p:nvPr/>
         </p:nvSpPr>
         <p:spPr>
           <a:xfrm>
             <a:off x="19117440" y="27688680"/>
-            <a:ext cx="1424520" cy="537120"/>
+            <a:ext cx="1424160" cy="536760"/>
           </a:xfrm>
           <a:prstGeom prst="rect">
             <a:avLst/>
@@ -10146,7 +9597,7 @@
       </p:sp>
       <p:sp>
         <p:nvSpPr>
-          <p:cNvPr id="132" name=""/>
+          <p:cNvPr id="125" name=""/>
           <p:cNvSpPr/>
           <p:nvPr/>
         </p:nvSpPr>
@@ -10189,7 +9640,7 @@
       </p:sp>
       <p:sp>
         <p:nvSpPr>
-          <p:cNvPr id="133" name=""/>
+          <p:cNvPr id="126" name=""/>
           <p:cNvSpPr/>
           <p:nvPr/>
         </p:nvSpPr>
@@ -10232,14 +9683,14 @@
       </p:sp>
       <p:sp>
         <p:nvSpPr>
-          <p:cNvPr id="134" name=""/>
+          <p:cNvPr id="127" name=""/>
           <p:cNvSpPr/>
           <p:nvPr/>
         </p:nvSpPr>
         <p:spPr>
           <a:xfrm>
             <a:off x="13472280" y="28638360"/>
-            <a:ext cx="7477560" cy="1469520"/>
+            <a:ext cx="7477200" cy="1469160"/>
           </a:xfrm>
           <a:prstGeom prst="roundRect">
             <a:avLst>
@@ -10284,14 +9735,14 @@
       </p:sp>
       <p:sp>
         <p:nvSpPr>
-          <p:cNvPr id="135" name=""/>
+          <p:cNvPr id="128" name=""/>
           <p:cNvSpPr/>
           <p:nvPr/>
         </p:nvSpPr>
         <p:spPr>
           <a:xfrm>
             <a:off x="13557960" y="28752840"/>
-            <a:ext cx="7269840" cy="498960"/>
+            <a:ext cx="7269480" cy="498600"/>
           </a:xfrm>
           <a:prstGeom prst="rect">
             <a:avLst/>
@@ -10342,14 +9793,14 @@
       </p:sp>
       <p:sp>
         <p:nvSpPr>
-          <p:cNvPr id="136" name=""/>
+          <p:cNvPr id="129" name=""/>
           <p:cNvSpPr/>
           <p:nvPr/>
         </p:nvSpPr>
         <p:spPr>
           <a:xfrm>
             <a:off x="11981160" y="29352240"/>
-            <a:ext cx="1502280" cy="749880"/>
+            <a:ext cx="1501920" cy="749520"/>
           </a:xfrm>
           <a:prstGeom prst="rect">
             <a:avLst/>
@@ -10396,14 +9847,14 @@
       </p:sp>
       <p:sp>
         <p:nvSpPr>
-          <p:cNvPr id="137" name=""/>
+          <p:cNvPr id="130" name=""/>
           <p:cNvSpPr/>
           <p:nvPr/>
         </p:nvSpPr>
         <p:spPr>
           <a:xfrm>
             <a:off x="13552200" y="29386080"/>
-            <a:ext cx="7246440" cy="615960"/>
+            <a:ext cx="7246080" cy="615600"/>
           </a:xfrm>
           <a:prstGeom prst="rect">
             <a:avLst/>
@@ -10445,14 +9896,14 @@
       </p:sp>
       <p:sp>
         <p:nvSpPr>
-          <p:cNvPr id="138" name=""/>
+          <p:cNvPr id="131" name=""/>
           <p:cNvSpPr/>
           <p:nvPr/>
         </p:nvSpPr>
         <p:spPr>
           <a:xfrm>
             <a:off x="13633200" y="29481120"/>
-            <a:ext cx="1932480" cy="441360"/>
+            <a:ext cx="1932120" cy="441000"/>
           </a:xfrm>
           <a:prstGeom prst="rect">
             <a:avLst/>
@@ -10503,14 +9954,14 @@
       </p:sp>
       <p:sp>
         <p:nvSpPr>
-          <p:cNvPr id="139" name=""/>
+          <p:cNvPr id="132" name=""/>
           <p:cNvSpPr/>
           <p:nvPr/>
         </p:nvSpPr>
         <p:spPr>
           <a:xfrm>
             <a:off x="15697440" y="29481120"/>
-            <a:ext cx="2982960" cy="441360"/>
+            <a:ext cx="2982600" cy="441000"/>
           </a:xfrm>
           <a:prstGeom prst="rect">
             <a:avLst/>
@@ -10561,14 +10012,14 @@
       </p:sp>
       <p:sp>
         <p:nvSpPr>
-          <p:cNvPr id="140" name=""/>
+          <p:cNvPr id="133" name=""/>
           <p:cNvSpPr/>
           <p:nvPr/>
         </p:nvSpPr>
         <p:spPr>
           <a:xfrm>
             <a:off x="18806400" y="29482200"/>
-            <a:ext cx="1933200" cy="441000"/>
+            <a:ext cx="1932840" cy="440640"/>
           </a:xfrm>
           <a:prstGeom prst="rect">
             <a:avLst/>
@@ -10619,14 +10070,14 @@
       </p:sp>
       <p:sp>
         <p:nvSpPr>
-          <p:cNvPr id="141" name=""/>
+          <p:cNvPr id="134" name=""/>
           <p:cNvSpPr/>
           <p:nvPr/>
         </p:nvSpPr>
         <p:spPr>
           <a:xfrm>
             <a:off x="33809400" y="23801400"/>
-            <a:ext cx="5256000" cy="2512800"/>
+            <a:ext cx="5255640" cy="2512440"/>
           </a:xfrm>
           <a:prstGeom prst="roundRect">
             <a:avLst>
@@ -10679,14 +10130,14 @@
       </p:sp>
       <p:sp>
         <p:nvSpPr>
-          <p:cNvPr id="142" name=""/>
+          <p:cNvPr id="135" name=""/>
           <p:cNvSpPr/>
           <p:nvPr/>
         </p:nvSpPr>
         <p:spPr>
           <a:xfrm>
             <a:off x="39421080" y="23801400"/>
-            <a:ext cx="3655800" cy="2512800"/>
+            <a:ext cx="3655440" cy="2512440"/>
           </a:xfrm>
           <a:prstGeom prst="roundRect">
             <a:avLst>
@@ -10739,14 +10190,14 @@
       </p:sp>
       <p:sp>
         <p:nvSpPr>
-          <p:cNvPr id="143" name=""/>
+          <p:cNvPr id="136" name=""/>
           <p:cNvSpPr/>
           <p:nvPr/>
         </p:nvSpPr>
         <p:spPr>
           <a:xfrm>
             <a:off x="34302600" y="24859800"/>
-            <a:ext cx="2055600" cy="1141200"/>
+            <a:ext cx="2055240" cy="1140840"/>
           </a:xfrm>
           <a:prstGeom prst="rect">
             <a:avLst/>
@@ -10797,14 +10248,14 @@
       </p:sp>
       <p:sp>
         <p:nvSpPr>
-          <p:cNvPr id="144" name=""/>
+          <p:cNvPr id="137" name=""/>
           <p:cNvSpPr/>
           <p:nvPr/>
         </p:nvSpPr>
         <p:spPr>
           <a:xfrm>
             <a:off x="36750600" y="24859800"/>
-            <a:ext cx="2055600" cy="1141200"/>
+            <a:ext cx="2055240" cy="1140840"/>
           </a:xfrm>
           <a:prstGeom prst="rect">
             <a:avLst/>
@@ -10855,14 +10306,14 @@
       </p:sp>
       <p:sp>
         <p:nvSpPr>
-          <p:cNvPr id="145" name=""/>
+          <p:cNvPr id="138" name=""/>
           <p:cNvSpPr/>
           <p:nvPr/>
         </p:nvSpPr>
         <p:spPr>
           <a:xfrm>
             <a:off x="40242600" y="24859800"/>
-            <a:ext cx="2055600" cy="1141200"/>
+            <a:ext cx="2055240" cy="1140840"/>
           </a:xfrm>
           <a:prstGeom prst="rect">
             <a:avLst/>
@@ -10913,14 +10364,14 @@
       </p:sp>
       <p:sp>
         <p:nvSpPr>
-          <p:cNvPr id="146" name=""/>
+          <p:cNvPr id="139" name=""/>
           <p:cNvSpPr/>
           <p:nvPr/>
         </p:nvSpPr>
         <p:spPr>
           <a:xfrm rot="5382000">
-            <a:off x="33724800" y="27770760"/>
-            <a:ext cx="3306960" cy="1770480"/>
+            <a:off x="33725160" y="27770400"/>
+            <a:ext cx="3306600" cy="1770120"/>
           </a:xfrm>
           <a:prstGeom prst="rightArrow">
             <a:avLst>
@@ -10974,7 +10425,7 @@
       </p:sp>
       <p:sp>
         <p:nvSpPr>
-          <p:cNvPr id="147" name=""/>
+          <p:cNvPr id="140" name=""/>
           <p:cNvSpPr/>
           <p:nvPr/>
         </p:nvSpPr>
@@ -11015,14 +10466,14 @@
       </p:sp>
       <p:sp>
         <p:nvSpPr>
-          <p:cNvPr id="148" name=""/>
+          <p:cNvPr id="141" name=""/>
           <p:cNvSpPr/>
           <p:nvPr/>
         </p:nvSpPr>
         <p:spPr>
           <a:xfrm>
             <a:off x="37132200" y="26928000"/>
-            <a:ext cx="4494600" cy="750240"/>
+            <a:ext cx="4494240" cy="749880"/>
           </a:xfrm>
           <a:prstGeom prst="rect">
             <a:avLst/>
@@ -11073,7 +10524,7 @@
       </p:sp>
       <p:sp>
         <p:nvSpPr>
-          <p:cNvPr id="149" name=""/>
+          <p:cNvPr id="142" name=""/>
           <p:cNvSpPr/>
           <p:nvPr/>
         </p:nvSpPr>
@@ -11114,14 +10565,14 @@
       </p:sp>
       <p:sp>
         <p:nvSpPr>
-          <p:cNvPr id="150" name=""/>
+          <p:cNvPr id="143" name=""/>
           <p:cNvSpPr/>
           <p:nvPr/>
         </p:nvSpPr>
         <p:spPr>
           <a:xfrm>
             <a:off x="37132200" y="28152000"/>
-            <a:ext cx="4494600" cy="750240"/>
+            <a:ext cx="4494240" cy="749880"/>
           </a:xfrm>
           <a:prstGeom prst="rect">
             <a:avLst/>
@@ -11172,7 +10623,7 @@
       </p:sp>
       <p:sp>
         <p:nvSpPr>
-          <p:cNvPr id="151" name=""/>
+          <p:cNvPr id="144" name=""/>
           <p:cNvSpPr/>
           <p:nvPr/>
         </p:nvSpPr>
@@ -11213,14 +10664,14 @@
       </p:sp>
       <p:sp>
         <p:nvSpPr>
-          <p:cNvPr id="152" name=""/>
+          <p:cNvPr id="145" name=""/>
           <p:cNvSpPr/>
           <p:nvPr/>
         </p:nvSpPr>
         <p:spPr>
           <a:xfrm>
             <a:off x="37132200" y="29484000"/>
-            <a:ext cx="4494600" cy="750240"/>
+            <a:ext cx="4494240" cy="749880"/>
           </a:xfrm>
           <a:prstGeom prst="rect">
             <a:avLst/>
@@ -11271,14 +10722,14 @@
       </p:sp>
       <p:sp>
         <p:nvSpPr>
-          <p:cNvPr id="153" name=""/>
+          <p:cNvPr id="146" name=""/>
           <p:cNvSpPr/>
           <p:nvPr/>
         </p:nvSpPr>
         <p:spPr>
           <a:xfrm>
             <a:off x="12115800" y="9637200"/>
-            <a:ext cx="8456400" cy="1907280"/>
+            <a:ext cx="8456040" cy="1906920"/>
           </a:xfrm>
           <a:prstGeom prst="roundRect">
             <a:avLst>
@@ -11331,14 +10782,14 @@
       </p:sp>
       <p:sp>
         <p:nvSpPr>
-          <p:cNvPr id="154" name=""/>
+          <p:cNvPr id="147" name=""/>
           <p:cNvSpPr/>
           <p:nvPr/>
         </p:nvSpPr>
         <p:spPr>
           <a:xfrm>
             <a:off x="12585600" y="10290960"/>
-            <a:ext cx="1877760" cy="952920"/>
+            <a:ext cx="1877400" cy="952560"/>
           </a:xfrm>
           <a:prstGeom prst="rect">
             <a:avLst/>
@@ -11389,14 +10840,14 @@
       </p:sp>
       <p:sp>
         <p:nvSpPr>
-          <p:cNvPr id="155" name=""/>
+          <p:cNvPr id="148" name=""/>
           <p:cNvSpPr/>
           <p:nvPr/>
         </p:nvSpPr>
         <p:spPr>
           <a:xfrm>
             <a:off x="15434640" y="10290960"/>
-            <a:ext cx="1877760" cy="952920"/>
+            <a:ext cx="1877400" cy="952560"/>
           </a:xfrm>
           <a:prstGeom prst="rect">
             <a:avLst/>
@@ -11447,14 +10898,14 @@
       </p:sp>
       <p:sp>
         <p:nvSpPr>
-          <p:cNvPr id="156" name=""/>
+          <p:cNvPr id="149" name=""/>
           <p:cNvSpPr/>
           <p:nvPr/>
         </p:nvSpPr>
         <p:spPr>
           <a:xfrm>
             <a:off x="18357840" y="10290960"/>
-            <a:ext cx="1877760" cy="952920"/>
+            <a:ext cx="1877400" cy="952560"/>
           </a:xfrm>
           <a:prstGeom prst="rect">
             <a:avLst/>
@@ -11505,14 +10956,14 @@
       </p:sp>
       <p:sp>
         <p:nvSpPr>
-          <p:cNvPr id="157" name=""/>
+          <p:cNvPr id="150" name=""/>
           <p:cNvSpPr/>
           <p:nvPr/>
         </p:nvSpPr>
         <p:spPr>
           <a:xfrm>
             <a:off x="14317200" y="13941720"/>
-            <a:ext cx="4227840" cy="1135440"/>
+            <a:ext cx="4227480" cy="1135080"/>
           </a:xfrm>
           <a:prstGeom prst="roundRect">
             <a:avLst>
@@ -11565,7 +11016,7 @@
       </p:sp>
       <p:sp>
         <p:nvSpPr>
-          <p:cNvPr id="158" name=""/>
+          <p:cNvPr id="151" name=""/>
           <p:cNvSpPr/>
           <p:nvPr/>
         </p:nvSpPr>
@@ -11608,14 +11059,14 @@
       </p:sp>
       <p:sp>
         <p:nvSpPr>
-          <p:cNvPr id="159" name=""/>
+          <p:cNvPr id="152" name=""/>
           <p:cNvSpPr/>
           <p:nvPr/>
         </p:nvSpPr>
         <p:spPr>
           <a:xfrm>
             <a:off x="15294240" y="12261960"/>
-            <a:ext cx="2099520" cy="952920"/>
+            <a:ext cx="2099160" cy="952560"/>
           </a:xfrm>
           <a:prstGeom prst="rect">
             <a:avLst/>
@@ -11666,7 +11117,7 @@
       </p:sp>
       <p:sp>
         <p:nvSpPr>
-          <p:cNvPr id="160" name=""/>
+          <p:cNvPr id="153" name=""/>
           <p:cNvSpPr/>
           <p:nvPr/>
         </p:nvSpPr>
@@ -11709,7 +11160,7 @@
       </p:sp>
       <p:sp>
         <p:nvSpPr>
-          <p:cNvPr id="161" name=""/>
+          <p:cNvPr id="154" name=""/>
           <p:cNvSpPr/>
           <p:nvPr/>
         </p:nvSpPr>
@@ -11752,7 +11203,7 @@
       </p:sp>
       <p:sp>
         <p:nvSpPr>
-          <p:cNvPr id="162" name=""/>
+          <p:cNvPr id="155" name=""/>
           <p:cNvSpPr/>
           <p:nvPr/>
         </p:nvSpPr>
@@ -11795,14 +11246,14 @@
       </p:sp>
       <p:sp>
         <p:nvSpPr>
-          <p:cNvPr id="163" name=""/>
+          <p:cNvPr id="156" name=""/>
           <p:cNvSpPr/>
           <p:nvPr/>
         </p:nvSpPr>
         <p:spPr>
           <a:xfrm>
             <a:off x="615960" y="5558400"/>
-            <a:ext cx="10126800" cy="840960"/>
+            <a:ext cx="10126440" cy="840600"/>
           </a:xfrm>
           <a:prstGeom prst="rect">
             <a:avLst/>
@@ -11853,14 +11304,14 @@
       </p:sp>
       <p:sp>
         <p:nvSpPr>
-          <p:cNvPr id="164" name=""/>
+          <p:cNvPr id="157" name=""/>
           <p:cNvSpPr/>
           <p:nvPr/>
         </p:nvSpPr>
         <p:spPr>
           <a:xfrm>
             <a:off x="11230920" y="5558400"/>
-            <a:ext cx="10484640" cy="840960"/>
+            <a:ext cx="10484280" cy="840600"/>
           </a:xfrm>
           <a:prstGeom prst="rect">
             <a:avLst/>
@@ -11898,7 +11349,7 @@
                 <a:latin typeface="Bree Serif"/>
                 <a:ea typeface="Arial"/>
               </a:rPr>
-              <a:t>Keystone</a:t>
+              <a:t>CFD</a:t>
             </a:r>
             <a:endParaRPr b="0" lang="en-US" sz="4600" spc="-1" strike="noStrike">
               <a:solidFill>
@@ -11911,14 +11362,14 @@
       </p:sp>
       <p:sp>
         <p:nvSpPr>
-          <p:cNvPr id="165" name=""/>
+          <p:cNvPr id="158" name=""/>
           <p:cNvSpPr/>
           <p:nvPr/>
         </p:nvSpPr>
         <p:spPr>
           <a:xfrm>
             <a:off x="33147000" y="5571000"/>
-            <a:ext cx="10126800" cy="840960"/>
+            <a:ext cx="10126440" cy="840600"/>
           </a:xfrm>
           <a:prstGeom prst="rect">
             <a:avLst/>
@@ -11956,7 +11407,7 @@
                 <a:latin typeface="Bree Serif"/>
                 <a:ea typeface="Arial"/>
               </a:rPr>
-              <a:t>Workflow</a:t>
+              <a:t>Large-Language Models</a:t>
             </a:r>
             <a:endParaRPr b="0" lang="en-US" sz="4800" spc="-1" strike="noStrike">
               <a:solidFill>
@@ -11969,14 +11420,14 @@
       </p:sp>
       <p:sp>
         <p:nvSpPr>
-          <p:cNvPr id="166" name=""/>
+          <p:cNvPr id="159" name=""/>
           <p:cNvSpPr/>
           <p:nvPr/>
         </p:nvSpPr>
         <p:spPr>
           <a:xfrm>
             <a:off x="22213440" y="5558400"/>
-            <a:ext cx="10474920" cy="840960"/>
+            <a:ext cx="10474560" cy="840600"/>
           </a:xfrm>
           <a:prstGeom prst="rect">
             <a:avLst/>
@@ -12014,7 +11465,7 @@
                 <a:latin typeface="Bree Serif"/>
                 <a:ea typeface="Arial"/>
               </a:rPr>
-              <a:t>gem5</a:t>
+              <a:t>CUDA-Q</a:t>
             </a:r>
             <a:endParaRPr b="0" lang="en-US" sz="4800" spc="-1" strike="noStrike">
               <a:solidFill>
@@ -12027,14 +11478,14 @@
       </p:sp>
       <p:sp>
         <p:nvSpPr>
-          <p:cNvPr id="167" name=""/>
+          <p:cNvPr id="160" name=""/>
           <p:cNvSpPr/>
           <p:nvPr/>
         </p:nvSpPr>
         <p:spPr>
           <a:xfrm>
             <a:off x="33187320" y="16618320"/>
-            <a:ext cx="10182960" cy="835920"/>
+            <a:ext cx="10182600" cy="835560"/>
           </a:xfrm>
           <a:prstGeom prst="rect">
             <a:avLst/>
@@ -12085,7 +11536,7 @@
       </p:sp>
       <p:pic>
         <p:nvPicPr>
-          <p:cNvPr id="168" name="" descr=""/>
+          <p:cNvPr id="161" name="" descr=""/>
           <p:cNvPicPr/>
           <p:nvPr/>
         </p:nvPicPr>
@@ -12095,8 +11546,8 @@
         </p:blipFill>
         <p:spPr>
           <a:xfrm>
-            <a:off x="33832800" y="3477600"/>
-            <a:ext cx="10238760" cy="1759680"/>
+            <a:off x="196560" y="4114800"/>
+            <a:ext cx="6815520" cy="1171080"/>
           </a:xfrm>
           <a:prstGeom prst="rect">
             <a:avLst/>
@@ -12108,7 +11559,7 @@
       </p:pic>
       <p:pic>
         <p:nvPicPr>
-          <p:cNvPr id="169" name="" descr=""/>
+          <p:cNvPr id="162" name="" descr=""/>
           <p:cNvPicPr/>
           <p:nvPr/>
         </p:nvPicPr>
@@ -12119,7 +11570,7 @@
         <p:spPr>
           <a:xfrm>
             <a:off x="23545800" y="12994200"/>
-            <a:ext cx="8228160" cy="13981320"/>
+            <a:ext cx="8227800" cy="13980960"/>
           </a:xfrm>
           <a:prstGeom prst="rect">
             <a:avLst/>
@@ -12131,14 +11582,14 @@
       </p:pic>
       <p:sp>
         <p:nvSpPr>
-          <p:cNvPr id="170" name=""/>
+          <p:cNvPr id="163" name=""/>
           <p:cNvSpPr/>
           <p:nvPr/>
         </p:nvSpPr>
         <p:spPr>
           <a:xfrm>
             <a:off x="577800" y="17602200"/>
-            <a:ext cx="10164960" cy="13943160"/>
+            <a:ext cx="10164600" cy="13942800"/>
           </a:xfrm>
           <a:prstGeom prst="rect">
             <a:avLst/>
@@ -12447,14 +11898,14 @@
       </p:sp>
       <p:sp>
         <p:nvSpPr>
-          <p:cNvPr id="171" name=""/>
+          <p:cNvPr id="164" name=""/>
           <p:cNvSpPr/>
           <p:nvPr/>
         </p:nvSpPr>
         <p:spPr>
           <a:xfrm>
             <a:off x="579960" y="17087400"/>
-            <a:ext cx="10162800" cy="840960"/>
+            <a:ext cx="10162440" cy="840600"/>
           </a:xfrm>
           <a:prstGeom prst="rect">
             <a:avLst/>
@@ -12506,14 +11957,14 @@
       </p:sp>
       <p:sp>
         <p:nvSpPr>
-          <p:cNvPr id="172" name=""/>
+          <p:cNvPr id="165" name=""/>
           <p:cNvSpPr/>
           <p:nvPr/>
         </p:nvSpPr>
         <p:spPr>
           <a:xfrm>
             <a:off x="615960" y="25367400"/>
-            <a:ext cx="10126800" cy="840960"/>
+            <a:ext cx="10126440" cy="840600"/>
           </a:xfrm>
           <a:prstGeom prst="rect">
             <a:avLst/>
@@ -12564,7 +12015,7 @@
       </p:sp>
       <p:sp>
         <p:nvSpPr>
-          <p:cNvPr id="173" name=""/>
+          <p:cNvPr id="166" name=""/>
           <p:cNvSpPr/>
           <p:nvPr/>
         </p:nvSpPr>
@@ -12606,14 +12057,14 @@
       </p:sp>
       <p:sp>
         <p:nvSpPr>
-          <p:cNvPr id="174" name=""/>
+          <p:cNvPr id="167" name=""/>
           <p:cNvSpPr/>
           <p:nvPr/>
         </p:nvSpPr>
         <p:spPr>
           <a:xfrm>
             <a:off x="16232400" y="30632400"/>
-            <a:ext cx="1827720" cy="684720"/>
+            <a:ext cx="1827360" cy="684360"/>
           </a:xfrm>
           <a:prstGeom prst="roundRect">
             <a:avLst>
@@ -12665,7 +12116,7 @@
       </p:sp>
       <p:sp>
         <p:nvSpPr>
-          <p:cNvPr id="175" name=""/>
+          <p:cNvPr id="168" name=""/>
           <p:cNvSpPr/>
           <p:nvPr/>
         </p:nvSpPr>
@@ -12708,14 +12159,14 @@
       </p:sp>
       <p:sp>
         <p:nvSpPr>
-          <p:cNvPr id="176" name=""/>
-          <p:cNvSpPr txBox="1"/>
+          <p:cNvPr id="169" name=""/>
+          <p:cNvSpPr/>
           <p:nvPr/>
         </p:nvSpPr>
         <p:spPr>
           <a:xfrm>
-            <a:off x="27421200" y="2971800"/>
-            <a:ext cx="4800600" cy="1828800"/>
+            <a:off x="27781200" y="2971800"/>
+            <a:ext cx="4800240" cy="1828440"/>
           </a:xfrm>
           <a:prstGeom prst="rect">
             <a:avLst/>
@@ -12725,6 +12176,12 @@
             <a:noFill/>
           </a:ln>
         </p:spPr>
+        <p:style>
+          <a:lnRef idx="0"/>
+          <a:fillRef idx="0"/>
+          <a:effectRef idx="0"/>
+          <a:fontRef idx="minor"/>
+        </p:style>
         <p:txBody>
           <a:bodyPr lIns="90000" rIns="90000" tIns="45000" bIns="45000" anchor="t">
             <a:noAutofit/>
@@ -12762,14 +12219,14 @@
       </p:sp>
       <p:sp>
         <p:nvSpPr>
-          <p:cNvPr id="177" name=""/>
-          <p:cNvSpPr txBox="1"/>
+          <p:cNvPr id="170" name=""/>
+          <p:cNvSpPr/>
           <p:nvPr/>
         </p:nvSpPr>
         <p:spPr>
           <a:xfrm>
-            <a:off x="19545480" y="2971800"/>
-            <a:ext cx="4800600" cy="1828800"/>
+            <a:off x="19905480" y="2971800"/>
+            <a:ext cx="4800240" cy="1828440"/>
           </a:xfrm>
           <a:prstGeom prst="rect">
             <a:avLst/>
@@ -12779,6 +12236,12 @@
             <a:noFill/>
           </a:ln>
         </p:spPr>
+        <p:style>
+          <a:lnRef idx="0"/>
+          <a:fillRef idx="0"/>
+          <a:effectRef idx="0"/>
+          <a:fontRef idx="minor"/>
+        </p:style>
         <p:txBody>
           <a:bodyPr lIns="90000" rIns="90000" tIns="45000" bIns="45000" anchor="t">
             <a:noAutofit/>
@@ -12816,14 +12279,14 @@
       </p:sp>
       <p:sp>
         <p:nvSpPr>
-          <p:cNvPr id="178" name=""/>
-          <p:cNvSpPr txBox="1"/>
+          <p:cNvPr id="171" name=""/>
+          <p:cNvSpPr/>
           <p:nvPr/>
         </p:nvSpPr>
         <p:spPr>
           <a:xfrm>
-            <a:off x="9421920" y="2971800"/>
-            <a:ext cx="4800600" cy="1828800"/>
+            <a:off x="9781920" y="2971800"/>
+            <a:ext cx="4800240" cy="1828440"/>
           </a:xfrm>
           <a:prstGeom prst="rect">
             <a:avLst/>
@@ -12833,6 +12296,12 @@
             <a:noFill/>
           </a:ln>
         </p:spPr>
+        <p:style>
+          <a:lnRef idx="0"/>
+          <a:fillRef idx="0"/>
+          <a:effectRef idx="0"/>
+          <a:fontRef idx="minor"/>
+        </p:style>
         <p:txBody>
           <a:bodyPr lIns="90000" rIns="90000" tIns="45000" bIns="45000" anchor="t">
             <a:noAutofit/>
@@ -12868,6 +12337,29 @@
           </a:p>
         </p:txBody>
       </p:sp>
+      <p:pic>
+        <p:nvPicPr>
+          <p:cNvPr id="172" name="" descr=""/>
+          <p:cNvPicPr/>
+          <p:nvPr/>
+        </p:nvPicPr>
+        <p:blipFill>
+          <a:blip r:embed="rId4"/>
+          <a:stretch/>
+        </p:blipFill>
+        <p:spPr>
+          <a:xfrm>
+            <a:off x="38032200" y="3559320"/>
+            <a:ext cx="4952520" cy="1535040"/>
+          </a:xfrm>
+          <a:prstGeom prst="rect">
+            <a:avLst/>
+          </a:prstGeom>
+          <a:ln w="0">
+            <a:noFill/>
+          </a:ln>
+        </p:spPr>
+      </p:pic>
     </p:spTree>
   </p:cSld>
   <mc:AlternateContent>

--- a/resources/presentations/CMAPP2 .pptx
+++ b/resources/presentations/CMAPP2 .pptx
@@ -41,7 +41,7 @@
       </p:grpSpPr>
       <p:sp>
         <p:nvSpPr>
-          <p:cNvPr id="8" name="PlaceHolder 1"/>
+          <p:cNvPr id="9" name="PlaceHolder 1"/>
           <p:cNvSpPr>
             <a:spLocks noGrp="1"/>
           </p:cNvSpPr>
@@ -52,7 +52,7 @@
         <p:spPr>
           <a:xfrm>
             <a:off x="3291480" y="11003760"/>
-            <a:ext cx="37305000" cy="5496840"/>
+            <a:ext cx="37304280" cy="5496120"/>
           </a:xfrm>
           <a:prstGeom prst="rect">
             <a:avLst/>
@@ -81,7 +81,7 @@
       </p:sp>
       <p:sp>
         <p:nvSpPr>
-          <p:cNvPr id="9" name="PlaceHolder 2"/>
+          <p:cNvPr id="10" name="PlaceHolder 2"/>
           <p:cNvSpPr>
             <a:spLocks noGrp="1"/>
           </p:cNvSpPr>
@@ -153,7 +153,7 @@
         <p:txBody>
           <a:bodyPr/>
           <a:p>
-            <a:fld id="{8F403A0C-F787-4C5D-BE05-63020E4FD672}" type="slidenum">
+            <a:fld id="{9B9245B1-FF26-4BFE-BF37-3DF6FE0BAF16}" type="slidenum">
               <a:t>&lt;#&gt;</a:t>
             </a:fld>
           </a:p>
@@ -236,7 +236,7 @@
         <p:txBody>
           <a:bodyPr/>
           <a:p>
-            <a:fld id="{EF1C7B19-F6B4-4DDA-9724-1E34DE5B028D}" type="slidenum">
+            <a:fld id="{6BF1F61C-89FD-49EA-B826-12C5FFCF920F}" type="slidenum">
               <a:t>&lt;#&gt;</a:t>
             </a:fld>
           </a:p>
@@ -319,7 +319,7 @@
         <p:txBody>
           <a:bodyPr/>
           <a:p>
-            <a:fld id="{D08318F2-C77B-4FFC-8279-DA3B29BAB17B}" type="slidenum">
+            <a:fld id="{DA52C2ED-AFDE-469D-AB13-96B40C9FBAC8}" type="slidenum">
               <a:t>&lt;#&gt;</a:t>
             </a:fld>
           </a:p>
@@ -402,7 +402,7 @@
         <p:txBody>
           <a:bodyPr/>
           <a:p>
-            <a:fld id="{3765FBB0-A4C2-4904-92BE-83FA28FAA40E}" type="slidenum">
+            <a:fld id="{B09B3E5D-6CAA-4500-B666-A8CF5A5F9B33}" type="slidenum">
               <a:t>&lt;#&gt;</a:t>
             </a:fld>
           </a:p>
@@ -485,7 +485,7 @@
         <p:txBody>
           <a:bodyPr/>
           <a:p>
-            <a:fld id="{C162F76F-102D-48C7-9730-3D64F3328354}" type="slidenum">
+            <a:fld id="{93A6A70A-2CEE-4AFA-90CE-3FAC0286CEE1}" type="slidenum">
               <a:t>&lt;#&gt;</a:t>
             </a:fld>
           </a:p>
@@ -536,7 +536,7 @@
       </p:grpSpPr>
       <p:sp>
         <p:nvSpPr>
-          <p:cNvPr id="33" name="PlaceHolder 1"/>
+          <p:cNvPr id="34" name="PlaceHolder 1"/>
           <p:cNvSpPr>
             <a:spLocks noGrp="1"/>
           </p:cNvSpPr>
@@ -547,7 +547,7 @@
         <p:spPr>
           <a:xfrm>
             <a:off x="3291480" y="11003760"/>
-            <a:ext cx="37305000" cy="5496840"/>
+            <a:ext cx="37304280" cy="5496120"/>
           </a:xfrm>
           <a:prstGeom prst="rect">
             <a:avLst/>
@@ -576,7 +576,7 @@
       </p:sp>
       <p:sp>
         <p:nvSpPr>
-          <p:cNvPr id="34" name="PlaceHolder 2"/>
+          <p:cNvPr id="35" name="PlaceHolder 2"/>
           <p:cNvSpPr>
             <a:spLocks noGrp="1"/>
           </p:cNvSpPr>
@@ -651,7 +651,7 @@
         <p:txBody>
           <a:bodyPr/>
           <a:p>
-            <a:fld id="{8120C4C4-F44F-40C7-871D-1B37F84020E4}" type="slidenum">
+            <a:fld id="{20021683-DF7C-4481-9A7B-6A00E98C3F0C}" type="slidenum">
               <a:t>&lt;#&gt;</a:t>
             </a:fld>
           </a:p>
@@ -734,7 +734,7 @@
         <p:txBody>
           <a:bodyPr/>
           <a:p>
-            <a:fld id="{33ACDFE5-2EF0-4AAE-A4B1-86267DD6C858}" type="slidenum">
+            <a:fld id="{5E01BBA5-D0BC-45D9-B70C-8B8CCDE63BCB}" type="slidenum">
               <a:t>&lt;#&gt;</a:t>
             </a:fld>
           </a:p>
@@ -785,7 +785,7 @@
       </p:grpSpPr>
       <p:sp>
         <p:nvSpPr>
-          <p:cNvPr id="52" name="PlaceHolder 1"/>
+          <p:cNvPr id="53" name="PlaceHolder 1"/>
           <p:cNvSpPr>
             <a:spLocks noGrp="1"/>
           </p:cNvSpPr>
@@ -796,7 +796,7 @@
         <p:spPr>
           <a:xfrm>
             <a:off x="3291480" y="11003760"/>
-            <a:ext cx="37305000" cy="5496840"/>
+            <a:ext cx="37304280" cy="5496120"/>
           </a:xfrm>
           <a:prstGeom prst="rect">
             <a:avLst/>
@@ -825,7 +825,7 @@
       </p:sp>
       <p:sp>
         <p:nvSpPr>
-          <p:cNvPr id="53" name="PlaceHolder 2"/>
+          <p:cNvPr id="54" name="PlaceHolder 2"/>
           <p:cNvSpPr>
             <a:spLocks noGrp="1"/>
           </p:cNvSpPr>
@@ -868,7 +868,7 @@
       </p:sp>
       <p:sp>
         <p:nvSpPr>
-          <p:cNvPr id="54" name="PlaceHolder 3"/>
+          <p:cNvPr id="55" name="PlaceHolder 3"/>
           <p:cNvSpPr>
             <a:spLocks noGrp="1"/>
           </p:cNvSpPr>
@@ -943,7 +943,7 @@
         <p:txBody>
           <a:bodyPr/>
           <a:p>
-            <a:fld id="{D507A98C-D979-4DE0-BA17-A32B1A9CEAD1}" type="slidenum">
+            <a:fld id="{18CC7BF0-BB0C-4462-83C5-5034A936EC86}" type="slidenum">
               <a:t>&lt;#&gt;</a:t>
             </a:fld>
           </a:p>
@@ -1026,7 +1026,7 @@
         <p:txBody>
           <a:bodyPr/>
           <a:p>
-            <a:fld id="{DDF2051F-49C9-4C9B-8A8C-42D044698F7C}" type="slidenum">
+            <a:fld id="{AD4C656A-97B1-4C7D-B9A9-7941912C8FBF}" type="slidenum">
               <a:t>&lt;#&gt;</a:t>
             </a:fld>
           </a:p>
@@ -1077,7 +1077,7 @@
       </p:grpSpPr>
       <p:sp>
         <p:nvSpPr>
-          <p:cNvPr id="70" name="PlaceHolder 1"/>
+          <p:cNvPr id="71" name="PlaceHolder 1"/>
           <p:cNvSpPr>
             <a:spLocks noGrp="1"/>
           </p:cNvSpPr>
@@ -1088,7 +1088,7 @@
         <p:spPr>
           <a:xfrm>
             <a:off x="3291480" y="11003760"/>
-            <a:ext cx="37305000" cy="5496840"/>
+            <a:ext cx="37304280" cy="5496120"/>
           </a:xfrm>
           <a:prstGeom prst="rect">
             <a:avLst/>
@@ -1149,7 +1149,7 @@
         <p:txBody>
           <a:bodyPr/>
           <a:p>
-            <a:fld id="{0202AA7D-8A2A-4013-AA1C-27933F9E4F91}" type="slidenum">
+            <a:fld id="{473D393C-C0DE-4666-B103-D1C9A8EBA54C}" type="slidenum">
               <a:t>&lt;#&gt;</a:t>
             </a:fld>
           </a:p>
@@ -1232,7 +1232,7 @@
         <p:txBody>
           <a:bodyPr/>
           <a:p>
-            <a:fld id="{311BF964-B8EB-4FC6-A66F-2401AA2FD3F4}" type="slidenum">
+            <a:fld id="{BE4B89BA-A7DB-40B9-8578-122B151DF0C3}" type="slidenum">
               <a:t>&lt;#&gt;</a:t>
             </a:fld>
           </a:p>
@@ -1300,8 +1300,8 @@
         </p:blipFill>
         <p:spPr>
           <a:xfrm rot="16200000">
-            <a:off x="-11071080" y="16462440"/>
-            <a:ext cx="14271480" cy="3933720"/>
+            <a:off x="-11070360" y="16463160"/>
+            <a:ext cx="14270760" cy="3933000"/>
           </a:xfrm>
           <a:prstGeom prst="rect">
             <a:avLst/>
@@ -1323,8 +1323,8 @@
         </p:blipFill>
         <p:spPr>
           <a:xfrm rot="5400000">
-            <a:off x="40694040" y="16459200"/>
-            <a:ext cx="14271480" cy="3933720"/>
+            <a:off x="40694760" y="16459200"/>
+            <a:ext cx="14270760" cy="3933000"/>
           </a:xfrm>
           <a:prstGeom prst="rect">
             <a:avLst/>
@@ -1347,7 +1347,7 @@
         <p:spPr>
           <a:xfrm>
             <a:off x="6946920" y="33426360"/>
-            <a:ext cx="29994120" cy="1444680"/>
+            <a:ext cx="29993400" cy="1443960"/>
           </a:xfrm>
           <a:prstGeom prst="rect">
             <a:avLst/>
@@ -1366,7 +1366,7 @@
         <p:spPr>
           <a:xfrm>
             <a:off x="6946920" y="33998040"/>
-            <a:ext cx="21942360" cy="1266840"/>
+            <a:ext cx="21941640" cy="1266120"/>
           </a:xfrm>
           <a:prstGeom prst="rect">
             <a:avLst/>
@@ -1432,7 +1432,7 @@
         <p:spPr>
           <a:xfrm>
             <a:off x="3291480" y="11003760"/>
-            <a:ext cx="37305000" cy="5496840"/>
+            <a:ext cx="37304280" cy="5496120"/>
           </a:xfrm>
           <a:prstGeom prst="rect">
             <a:avLst/>
@@ -1481,7 +1481,7 @@
         <p:spPr>
           <a:xfrm>
             <a:off x="14994360" y="29977560"/>
-            <a:ext cx="13898880" cy="2282760"/>
+            <a:ext cx="13898160" cy="2282040"/>
           </a:xfrm>
           <a:prstGeom prst="rect">
             <a:avLst/>
@@ -1553,7 +1553,7 @@
         <p:spPr>
           <a:xfrm>
             <a:off x="31453560" y="29977560"/>
-            <a:ext cx="10241280" cy="2282760"/>
+            <a:ext cx="10240560" cy="2282040"/>
           </a:xfrm>
           <a:prstGeom prst="rect">
             <a:avLst/>
@@ -1595,7 +1595,7 @@
                 <a:tab algn="l" pos="0"/>
               </a:tabLst>
             </a:pPr>
-            <a:fld id="{B67DBF86-C8EB-48F0-9B64-F6BE316C811C}" type="slidenum">
+            <a:fld id="{20DC07E3-EBCD-4E00-8CB1-1788C9D3A2E3}" type="slidenum">
               <a:rPr b="0" lang="en-US" sz="5030" spc="-1" strike="noStrike">
                 <a:solidFill>
                   <a:schemeClr val="dk1"/>
@@ -1627,7 +1627,7 @@
         <p:spPr>
           <a:xfrm>
             <a:off x="2192760" y="29977560"/>
-            <a:ext cx="10241280" cy="2282760"/>
+            <a:ext cx="10240560" cy="2282040"/>
           </a:xfrm>
           <a:prstGeom prst="rect">
             <a:avLst/>
@@ -1670,6 +1670,231 @@
                 <a:srgbClr val="000000"/>
               </a:solidFill>
               <a:latin typeface="Times New Roman"/>
+            </a:endParaRPr>
+          </a:p>
+        </p:txBody>
+      </p:sp>
+      <p:sp>
+        <p:nvSpPr>
+          <p:cNvPr id="8" name="PlaceHolder 5"/>
+          <p:cNvSpPr>
+            <a:spLocks noGrp="1"/>
+          </p:cNvSpPr>
+          <p:nvPr>
+            <p:ph type="body"/>
+          </p:nvPr>
+        </p:nvSpPr>
+        <p:spPr>
+          <a:xfrm>
+            <a:off x="2194560" y="7702560"/>
+            <a:ext cx="39501720" cy="19092240"/>
+          </a:xfrm>
+          <a:prstGeom prst="rect">
+            <a:avLst/>
+          </a:prstGeom>
+          <a:noFill/>
+          <a:ln w="0">
+            <a:noFill/>
+          </a:ln>
+        </p:spPr>
+        <p:txBody>
+          <a:bodyPr lIns="0" rIns="0" tIns="0" bIns="0" anchor="t">
+            <a:normAutofit/>
+          </a:bodyPr>
+          <a:p>
+            <a:pPr marL="432000" indent="-324000">
+              <a:spcBef>
+                <a:spcPts val="1417"/>
+              </a:spcBef>
+              <a:buClr>
+                <a:srgbClr val="000000"/>
+              </a:buClr>
+              <a:buSzPct val="45000"/>
+              <a:buFont typeface="Wingdings" charset="2"/>
+              <a:buChar char=""/>
+            </a:pPr>
+            <a:r>
+              <a:rPr b="0" lang="en-US" sz="3200" spc="-1" strike="noStrike">
+                <a:solidFill>
+                  <a:srgbClr val="000000"/>
+                </a:solidFill>
+                <a:latin typeface="Arial"/>
+              </a:rPr>
+              <a:t>Click to edit the outline text format</a:t>
+            </a:r>
+            <a:endParaRPr b="0" lang="en-US" sz="3200" spc="-1" strike="noStrike">
+              <a:solidFill>
+                <a:srgbClr val="000000"/>
+              </a:solidFill>
+              <a:latin typeface="Arial"/>
+            </a:endParaRPr>
+          </a:p>
+          <a:p>
+            <a:pPr lvl="1" marL="864000" indent="-324000">
+              <a:spcBef>
+                <a:spcPts val="1134"/>
+              </a:spcBef>
+              <a:buClr>
+                <a:srgbClr val="000000"/>
+              </a:buClr>
+              <a:buSzPct val="75000"/>
+              <a:buFont typeface="Symbol" charset="2"/>
+              <a:buChar char=""/>
+            </a:pPr>
+            <a:r>
+              <a:rPr b="0" lang="en-US" sz="2800" spc="-1" strike="noStrike">
+                <a:solidFill>
+                  <a:srgbClr val="000000"/>
+                </a:solidFill>
+                <a:latin typeface="Arial"/>
+              </a:rPr>
+              <a:t>Second Outline Level</a:t>
+            </a:r>
+            <a:endParaRPr b="0" lang="en-US" sz="2800" spc="-1" strike="noStrike">
+              <a:solidFill>
+                <a:srgbClr val="000000"/>
+              </a:solidFill>
+              <a:latin typeface="Arial"/>
+            </a:endParaRPr>
+          </a:p>
+          <a:p>
+            <a:pPr lvl="2" marL="1296000" indent="-288000">
+              <a:spcBef>
+                <a:spcPts val="850"/>
+              </a:spcBef>
+              <a:buClr>
+                <a:srgbClr val="000000"/>
+              </a:buClr>
+              <a:buSzPct val="45000"/>
+              <a:buFont typeface="Wingdings" charset="2"/>
+              <a:buChar char=""/>
+            </a:pPr>
+            <a:r>
+              <a:rPr b="0" lang="en-US" sz="2400" spc="-1" strike="noStrike">
+                <a:solidFill>
+                  <a:srgbClr val="000000"/>
+                </a:solidFill>
+                <a:latin typeface="Arial"/>
+              </a:rPr>
+              <a:t>Third Outline Level</a:t>
+            </a:r>
+            <a:endParaRPr b="0" lang="en-US" sz="2400" spc="-1" strike="noStrike">
+              <a:solidFill>
+                <a:srgbClr val="000000"/>
+              </a:solidFill>
+              <a:latin typeface="Arial"/>
+            </a:endParaRPr>
+          </a:p>
+          <a:p>
+            <a:pPr lvl="3" marL="1728000" indent="-216000">
+              <a:spcBef>
+                <a:spcPts val="567"/>
+              </a:spcBef>
+              <a:buClr>
+                <a:srgbClr val="000000"/>
+              </a:buClr>
+              <a:buSzPct val="75000"/>
+              <a:buFont typeface="Symbol" charset="2"/>
+              <a:buChar char=""/>
+            </a:pPr>
+            <a:r>
+              <a:rPr b="0" lang="en-US" sz="2000" spc="-1" strike="noStrike">
+                <a:solidFill>
+                  <a:srgbClr val="000000"/>
+                </a:solidFill>
+                <a:latin typeface="Arial"/>
+              </a:rPr>
+              <a:t>Fourth Outline Level</a:t>
+            </a:r>
+            <a:endParaRPr b="0" lang="en-US" sz="2000" spc="-1" strike="noStrike">
+              <a:solidFill>
+                <a:srgbClr val="000000"/>
+              </a:solidFill>
+              <a:latin typeface="Arial"/>
+            </a:endParaRPr>
+          </a:p>
+          <a:p>
+            <a:pPr lvl="4" marL="2160000" indent="-216000">
+              <a:spcBef>
+                <a:spcPts val="283"/>
+              </a:spcBef>
+              <a:buClr>
+                <a:srgbClr val="000000"/>
+              </a:buClr>
+              <a:buSzPct val="45000"/>
+              <a:buFont typeface="Wingdings" charset="2"/>
+              <a:buChar char=""/>
+            </a:pPr>
+            <a:r>
+              <a:rPr b="0" lang="en-US" sz="2000" spc="-1" strike="noStrike">
+                <a:solidFill>
+                  <a:srgbClr val="000000"/>
+                </a:solidFill>
+                <a:latin typeface="Arial"/>
+              </a:rPr>
+              <a:t>Fifth Outline Level</a:t>
+            </a:r>
+            <a:endParaRPr b="0" lang="en-US" sz="2000" spc="-1" strike="noStrike">
+              <a:solidFill>
+                <a:srgbClr val="000000"/>
+              </a:solidFill>
+              <a:latin typeface="Arial"/>
+            </a:endParaRPr>
+          </a:p>
+          <a:p>
+            <a:pPr lvl="5" marL="2592000" indent="-216000">
+              <a:spcBef>
+                <a:spcPts val="283"/>
+              </a:spcBef>
+              <a:buClr>
+                <a:srgbClr val="000000"/>
+              </a:buClr>
+              <a:buSzPct val="45000"/>
+              <a:buFont typeface="Wingdings" charset="2"/>
+              <a:buChar char=""/>
+            </a:pPr>
+            <a:r>
+              <a:rPr b="0" lang="en-US" sz="2000" spc="-1" strike="noStrike">
+                <a:solidFill>
+                  <a:srgbClr val="000000"/>
+                </a:solidFill>
+                <a:latin typeface="Arial"/>
+              </a:rPr>
+              <a:t>Sixth Outline Level</a:t>
+            </a:r>
+            <a:endParaRPr b="0" lang="en-US" sz="2000" spc="-1" strike="noStrike">
+              <a:solidFill>
+                <a:srgbClr val="000000"/>
+              </a:solidFill>
+              <a:latin typeface="Arial"/>
+            </a:endParaRPr>
+          </a:p>
+          <a:p>
+            <a:pPr lvl="6" marL="3024000" indent="-216000">
+              <a:spcBef>
+                <a:spcPts val="283"/>
+              </a:spcBef>
+              <a:buClr>
+                <a:srgbClr val="000000"/>
+              </a:buClr>
+              <a:buSzPct val="45000"/>
+              <a:buFont typeface="Wingdings" charset="2"/>
+              <a:buChar char=""/>
+            </a:pPr>
+            <a:r>
+              <a:rPr b="0" lang="en-US" sz="2000" spc="-1" strike="noStrike">
+                <a:solidFill>
+                  <a:srgbClr val="000000"/>
+                </a:solidFill>
+                <a:latin typeface="Arial"/>
+              </a:rPr>
+              <a:t>Seventh Outline Level</a:t>
+            </a:r>
+            <a:endParaRPr b="0" lang="en-US" sz="2000" spc="-1" strike="noStrike">
+              <a:solidFill>
+                <a:srgbClr val="000000"/>
+              </a:solidFill>
+              <a:latin typeface="Arial"/>
             </a:endParaRPr>
           </a:p>
         </p:txBody>
@@ -1709,7 +1934,7 @@
       </p:grpSpPr>
       <p:pic>
         <p:nvPicPr>
-          <p:cNvPr id="78" name="New picture" descr=""/>
+          <p:cNvPr id="79" name="New picture" descr=""/>
           <p:cNvPicPr/>
           <p:nvPr/>
         </p:nvPicPr>
@@ -1719,31 +1944,8 @@
         </p:blipFill>
         <p:spPr>
           <a:xfrm rot="16200000">
-            <a:off x="-11071080" y="16462440"/>
-            <a:ext cx="14271480" cy="3933720"/>
-          </a:xfrm>
-          <a:prstGeom prst="rect">
-            <a:avLst/>
-          </a:prstGeom>
-          <a:ln w="0">
-            <a:noFill/>
-          </a:ln>
-        </p:spPr>
-      </p:pic>
-      <p:pic>
-        <p:nvPicPr>
-          <p:cNvPr id="79" name="New picture" descr=""/>
-          <p:cNvPicPr/>
-          <p:nvPr/>
-        </p:nvPicPr>
-        <p:blipFill>
-          <a:blip r:embed="rId3"/>
-          <a:stretch/>
-        </p:blipFill>
-        <p:spPr>
-          <a:xfrm rot="5400000">
-            <a:off x="40694040" y="16459200"/>
-            <a:ext cx="14271480" cy="3933720"/>
+            <a:off x="-11070360" y="16463160"/>
+            <a:ext cx="14270760" cy="3933000"/>
           </a:xfrm>
           <a:prstGeom prst="rect">
             <a:avLst/>
@@ -1760,13 +1962,36 @@
           <p:nvPr/>
         </p:nvPicPr>
         <p:blipFill>
+          <a:blip r:embed="rId3"/>
+          <a:stretch/>
+        </p:blipFill>
+        <p:spPr>
+          <a:xfrm rot="5400000">
+            <a:off x="40694760" y="16459200"/>
+            <a:ext cx="14270760" cy="3933000"/>
+          </a:xfrm>
+          <a:prstGeom prst="rect">
+            <a:avLst/>
+          </a:prstGeom>
+          <a:ln w="0">
+            <a:noFill/>
+          </a:ln>
+        </p:spPr>
+      </p:pic>
+      <p:pic>
+        <p:nvPicPr>
+          <p:cNvPr id="81" name="New picture" descr=""/>
+          <p:cNvPicPr/>
+          <p:nvPr/>
+        </p:nvPicPr>
+        <p:blipFill>
           <a:blip r:embed="rId4"/>
           <a:stretch/>
         </p:blipFill>
         <p:spPr>
           <a:xfrm>
             <a:off x="6946920" y="33426360"/>
-            <a:ext cx="29994120" cy="1444680"/>
+            <a:ext cx="29993400" cy="1443960"/>
           </a:xfrm>
           <a:prstGeom prst="rect">
             <a:avLst/>
@@ -1778,14 +2003,14 @@
       </p:pic>
       <p:sp>
         <p:nvSpPr>
-          <p:cNvPr id="81" name="New shape"/>
+          <p:cNvPr id="82" name="New shape"/>
           <p:cNvSpPr/>
           <p:nvPr/>
         </p:nvSpPr>
         <p:spPr>
           <a:xfrm>
             <a:off x="6946920" y="33998040"/>
-            <a:ext cx="21942360" cy="1266840"/>
+            <a:ext cx="21941640" cy="1266120"/>
           </a:xfrm>
           <a:prstGeom prst="rect">
             <a:avLst/>
@@ -1840,7 +2065,7 @@
       </p:sp>
       <p:sp>
         <p:nvSpPr>
-          <p:cNvPr id="82" name="PlaceHolder 1"/>
+          <p:cNvPr id="83" name="PlaceHolder 1"/>
           <p:cNvSpPr>
             <a:spLocks noGrp="1"/>
           </p:cNvSpPr>
@@ -1851,7 +2076,7 @@
         <p:spPr>
           <a:xfrm>
             <a:off x="14994360" y="29977560"/>
-            <a:ext cx="13898880" cy="2282760"/>
+            <a:ext cx="13898160" cy="2282040"/>
           </a:xfrm>
           <a:prstGeom prst="rect">
             <a:avLst/>
@@ -1912,7 +2137,7 @@
       </p:sp>
       <p:sp>
         <p:nvSpPr>
-          <p:cNvPr id="83" name="PlaceHolder 2"/>
+          <p:cNvPr id="84" name="PlaceHolder 2"/>
           <p:cNvSpPr>
             <a:spLocks noGrp="1"/>
           </p:cNvSpPr>
@@ -1923,7 +2148,7 @@
         <p:spPr>
           <a:xfrm>
             <a:off x="31453560" y="29977560"/>
-            <a:ext cx="10241280" cy="2282760"/>
+            <a:ext cx="10240560" cy="2282040"/>
           </a:xfrm>
           <a:prstGeom prst="rect">
             <a:avLst/>
@@ -1965,7 +2190,7 @@
                 <a:tab algn="l" pos="0"/>
               </a:tabLst>
             </a:pPr>
-            <a:fld id="{8FCC567E-F8C3-4BA1-93C3-679968D0087B}" type="slidenum">
+            <a:fld id="{A1E6A5B8-868B-4EFB-A2F7-5ECA7EDC39E2}" type="slidenum">
               <a:rPr b="0" lang="en-US" sz="5030" spc="-1" strike="noStrike">
                 <a:solidFill>
                   <a:schemeClr val="dk1"/>
@@ -1986,7 +2211,7 @@
       </p:sp>
       <p:sp>
         <p:nvSpPr>
-          <p:cNvPr id="84" name="PlaceHolder 3"/>
+          <p:cNvPr id="85" name="PlaceHolder 3"/>
           <p:cNvSpPr>
             <a:spLocks noGrp="1"/>
           </p:cNvSpPr>
@@ -1997,7 +2222,7 @@
         <p:spPr>
           <a:xfrm>
             <a:off x="2192760" y="29977560"/>
-            <a:ext cx="10241280" cy="2282760"/>
+            <a:ext cx="10240560" cy="2282040"/>
           </a:xfrm>
           <a:prstGeom prst="rect">
             <a:avLst/>
@@ -2079,7 +2304,7 @@
       </p:grpSpPr>
       <p:pic>
         <p:nvPicPr>
-          <p:cNvPr id="85" name="New picture" descr=""/>
+          <p:cNvPr id="86" name="New picture" descr=""/>
           <p:cNvPicPr/>
           <p:nvPr/>
         </p:nvPicPr>
@@ -2089,31 +2314,8 @@
         </p:blipFill>
         <p:spPr>
           <a:xfrm rot="16200000">
-            <a:off x="-11071080" y="16462440"/>
-            <a:ext cx="14271480" cy="3933720"/>
-          </a:xfrm>
-          <a:prstGeom prst="rect">
-            <a:avLst/>
-          </a:prstGeom>
-          <a:ln w="0">
-            <a:noFill/>
-          </a:ln>
-        </p:spPr>
-      </p:pic>
-      <p:pic>
-        <p:nvPicPr>
-          <p:cNvPr id="86" name="New picture" descr=""/>
-          <p:cNvPicPr/>
-          <p:nvPr/>
-        </p:nvPicPr>
-        <p:blipFill>
-          <a:blip r:embed="rId3"/>
-          <a:stretch/>
-        </p:blipFill>
-        <p:spPr>
-          <a:xfrm rot="5400000">
-            <a:off x="40694040" y="16459200"/>
-            <a:ext cx="14271480" cy="3933720"/>
+            <a:off x="-11070360" y="16463160"/>
+            <a:ext cx="14270760" cy="3933000"/>
           </a:xfrm>
           <a:prstGeom prst="rect">
             <a:avLst/>
@@ -2130,13 +2332,36 @@
           <p:nvPr/>
         </p:nvPicPr>
         <p:blipFill>
+          <a:blip r:embed="rId3"/>
+          <a:stretch/>
+        </p:blipFill>
+        <p:spPr>
+          <a:xfrm rot="5400000">
+            <a:off x="40694760" y="16459200"/>
+            <a:ext cx="14270760" cy="3933000"/>
+          </a:xfrm>
+          <a:prstGeom prst="rect">
+            <a:avLst/>
+          </a:prstGeom>
+          <a:ln w="0">
+            <a:noFill/>
+          </a:ln>
+        </p:spPr>
+      </p:pic>
+      <p:pic>
+        <p:nvPicPr>
+          <p:cNvPr id="88" name="New picture" descr=""/>
+          <p:cNvPicPr/>
+          <p:nvPr/>
+        </p:nvPicPr>
+        <p:blipFill>
           <a:blip r:embed="rId4"/>
           <a:stretch/>
         </p:blipFill>
         <p:spPr>
           <a:xfrm>
             <a:off x="6946920" y="33426360"/>
-            <a:ext cx="29994120" cy="1444680"/>
+            <a:ext cx="29993400" cy="1443960"/>
           </a:xfrm>
           <a:prstGeom prst="rect">
             <a:avLst/>
@@ -2148,14 +2373,14 @@
       </p:pic>
       <p:sp>
         <p:nvSpPr>
-          <p:cNvPr id="88" name="New shape"/>
+          <p:cNvPr id="89" name="New shape"/>
           <p:cNvSpPr/>
           <p:nvPr/>
         </p:nvSpPr>
         <p:spPr>
           <a:xfrm>
             <a:off x="6946920" y="33998040"/>
-            <a:ext cx="21942360" cy="1266840"/>
+            <a:ext cx="21941640" cy="1266120"/>
           </a:xfrm>
           <a:prstGeom prst="rect">
             <a:avLst/>
@@ -2210,7 +2435,7 @@
       </p:sp>
       <p:sp>
         <p:nvSpPr>
-          <p:cNvPr id="89" name="PlaceHolder 1"/>
+          <p:cNvPr id="90" name="PlaceHolder 1"/>
           <p:cNvSpPr>
             <a:spLocks noGrp="1"/>
           </p:cNvSpPr>
@@ -2221,7 +2446,7 @@
         <p:spPr>
           <a:xfrm>
             <a:off x="14994360" y="29977560"/>
-            <a:ext cx="13898880" cy="2282760"/>
+            <a:ext cx="13898160" cy="2282040"/>
           </a:xfrm>
           <a:prstGeom prst="rect">
             <a:avLst/>
@@ -2282,7 +2507,7 @@
       </p:sp>
       <p:sp>
         <p:nvSpPr>
-          <p:cNvPr id="90" name="PlaceHolder 2"/>
+          <p:cNvPr id="91" name="PlaceHolder 2"/>
           <p:cNvSpPr>
             <a:spLocks noGrp="1"/>
           </p:cNvSpPr>
@@ -2293,7 +2518,7 @@
         <p:spPr>
           <a:xfrm>
             <a:off x="31453560" y="29977560"/>
-            <a:ext cx="10241280" cy="2282760"/>
+            <a:ext cx="10240560" cy="2282040"/>
           </a:xfrm>
           <a:prstGeom prst="rect">
             <a:avLst/>
@@ -2335,7 +2560,7 @@
                 <a:tab algn="l" pos="0"/>
               </a:tabLst>
             </a:pPr>
-            <a:fld id="{C8BB9A49-5FCB-4D2A-8486-3C01DE044A35}" type="slidenum">
+            <a:fld id="{E61E00FB-5F12-4113-B7F4-A6FE346FC57D}" type="slidenum">
               <a:rPr b="0" lang="en-US" sz="5030" spc="-1" strike="noStrike">
                 <a:solidFill>
                   <a:schemeClr val="dk1"/>
@@ -2356,7 +2581,7 @@
       </p:sp>
       <p:sp>
         <p:nvSpPr>
-          <p:cNvPr id="91" name="PlaceHolder 3"/>
+          <p:cNvPr id="92" name="PlaceHolder 3"/>
           <p:cNvSpPr>
             <a:spLocks noGrp="1"/>
           </p:cNvSpPr>
@@ -2367,7 +2592,7 @@
         <p:spPr>
           <a:xfrm>
             <a:off x="2192760" y="29977560"/>
-            <a:ext cx="10241280" cy="2282760"/>
+            <a:ext cx="10240560" cy="2282040"/>
           </a:xfrm>
           <a:prstGeom prst="rect">
             <a:avLst/>
@@ -2449,7 +2674,7 @@
       </p:grpSpPr>
       <p:pic>
         <p:nvPicPr>
-          <p:cNvPr id="10" name="New picture" descr=""/>
+          <p:cNvPr id="11" name="New picture" descr=""/>
           <p:cNvPicPr/>
           <p:nvPr/>
         </p:nvPicPr>
@@ -2459,31 +2684,8 @@
         </p:blipFill>
         <p:spPr>
           <a:xfrm rot="16200000">
-            <a:off x="-11071080" y="16462440"/>
-            <a:ext cx="14271480" cy="3933720"/>
-          </a:xfrm>
-          <a:prstGeom prst="rect">
-            <a:avLst/>
-          </a:prstGeom>
-          <a:ln w="0">
-            <a:noFill/>
-          </a:ln>
-        </p:spPr>
-      </p:pic>
-      <p:pic>
-        <p:nvPicPr>
-          <p:cNvPr id="11" name="New picture" descr=""/>
-          <p:cNvPicPr/>
-          <p:nvPr/>
-        </p:nvPicPr>
-        <p:blipFill>
-          <a:blip r:embed="rId3"/>
-          <a:stretch/>
-        </p:blipFill>
-        <p:spPr>
-          <a:xfrm rot="5400000">
-            <a:off x="40694040" y="16459200"/>
-            <a:ext cx="14271480" cy="3933720"/>
+            <a:off x="-11070360" y="16463160"/>
+            <a:ext cx="14270760" cy="3933000"/>
           </a:xfrm>
           <a:prstGeom prst="rect">
             <a:avLst/>
@@ -2500,13 +2702,36 @@
           <p:nvPr/>
         </p:nvPicPr>
         <p:blipFill>
+          <a:blip r:embed="rId3"/>
+          <a:stretch/>
+        </p:blipFill>
+        <p:spPr>
+          <a:xfrm rot="5400000">
+            <a:off x="40694760" y="16459200"/>
+            <a:ext cx="14270760" cy="3933000"/>
+          </a:xfrm>
+          <a:prstGeom prst="rect">
+            <a:avLst/>
+          </a:prstGeom>
+          <a:ln w="0">
+            <a:noFill/>
+          </a:ln>
+        </p:spPr>
+      </p:pic>
+      <p:pic>
+        <p:nvPicPr>
+          <p:cNvPr id="13" name="New picture" descr=""/>
+          <p:cNvPicPr/>
+          <p:nvPr/>
+        </p:nvPicPr>
+        <p:blipFill>
           <a:blip r:embed="rId4"/>
           <a:stretch/>
         </p:blipFill>
         <p:spPr>
           <a:xfrm>
             <a:off x="6946920" y="33426360"/>
-            <a:ext cx="29994120" cy="1444680"/>
+            <a:ext cx="29993400" cy="1443960"/>
           </a:xfrm>
           <a:prstGeom prst="rect">
             <a:avLst/>
@@ -2518,14 +2743,14 @@
       </p:pic>
       <p:sp>
         <p:nvSpPr>
-          <p:cNvPr id="13" name="New shape"/>
+          <p:cNvPr id="14" name="New shape"/>
           <p:cNvSpPr/>
           <p:nvPr/>
         </p:nvSpPr>
         <p:spPr>
           <a:xfrm>
             <a:off x="6946920" y="33998040"/>
-            <a:ext cx="21942360" cy="1266840"/>
+            <a:ext cx="21941640" cy="1266120"/>
           </a:xfrm>
           <a:prstGeom prst="rect">
             <a:avLst/>
@@ -2580,7 +2805,7 @@
       </p:sp>
       <p:sp>
         <p:nvSpPr>
-          <p:cNvPr id="14" name="PlaceHolder 1"/>
+          <p:cNvPr id="15" name="PlaceHolder 1"/>
           <p:cNvSpPr>
             <a:spLocks noGrp="1"/>
           </p:cNvSpPr>
@@ -2591,7 +2816,7 @@
         <p:spPr>
           <a:xfrm>
             <a:off x="14994360" y="29977560"/>
-            <a:ext cx="13898880" cy="2282760"/>
+            <a:ext cx="13898160" cy="2282040"/>
           </a:xfrm>
           <a:prstGeom prst="rect">
             <a:avLst/>
@@ -2652,7 +2877,7 @@
       </p:sp>
       <p:sp>
         <p:nvSpPr>
-          <p:cNvPr id="15" name="PlaceHolder 2"/>
+          <p:cNvPr id="16" name="PlaceHolder 2"/>
           <p:cNvSpPr>
             <a:spLocks noGrp="1"/>
           </p:cNvSpPr>
@@ -2663,7 +2888,7 @@
         <p:spPr>
           <a:xfrm>
             <a:off x="31453560" y="29977560"/>
-            <a:ext cx="10241280" cy="2282760"/>
+            <a:ext cx="10240560" cy="2282040"/>
           </a:xfrm>
           <a:prstGeom prst="rect">
             <a:avLst/>
@@ -2705,7 +2930,7 @@
                 <a:tab algn="l" pos="0"/>
               </a:tabLst>
             </a:pPr>
-            <a:fld id="{B3062A53-665A-4330-BEA7-71614D7E3CA0}" type="slidenum">
+            <a:fld id="{8179F07A-FEAF-4408-9990-6252AB7FCD29}" type="slidenum">
               <a:rPr b="0" lang="en-US" sz="5030" spc="-1" strike="noStrike">
                 <a:solidFill>
                   <a:schemeClr val="dk1"/>
@@ -2726,7 +2951,7 @@
       </p:sp>
       <p:sp>
         <p:nvSpPr>
-          <p:cNvPr id="16" name="PlaceHolder 3"/>
+          <p:cNvPr id="17" name="PlaceHolder 3"/>
           <p:cNvSpPr>
             <a:spLocks noGrp="1"/>
           </p:cNvSpPr>
@@ -2737,7 +2962,7 @@
         <p:spPr>
           <a:xfrm>
             <a:off x="2192760" y="29977560"/>
-            <a:ext cx="10241280" cy="2282760"/>
+            <a:ext cx="10240560" cy="2282040"/>
           </a:xfrm>
           <a:prstGeom prst="rect">
             <a:avLst/>
@@ -2819,7 +3044,7 @@
       </p:grpSpPr>
       <p:pic>
         <p:nvPicPr>
-          <p:cNvPr id="17" name="New picture" descr=""/>
+          <p:cNvPr id="18" name="New picture" descr=""/>
           <p:cNvPicPr/>
           <p:nvPr/>
         </p:nvPicPr>
@@ -2829,31 +3054,8 @@
         </p:blipFill>
         <p:spPr>
           <a:xfrm rot="16200000">
-            <a:off x="-11071080" y="16462440"/>
-            <a:ext cx="14271480" cy="3933720"/>
-          </a:xfrm>
-          <a:prstGeom prst="rect">
-            <a:avLst/>
-          </a:prstGeom>
-          <a:ln w="0">
-            <a:noFill/>
-          </a:ln>
-        </p:spPr>
-      </p:pic>
-      <p:pic>
-        <p:nvPicPr>
-          <p:cNvPr id="18" name="New picture" descr=""/>
-          <p:cNvPicPr/>
-          <p:nvPr/>
-        </p:nvPicPr>
-        <p:blipFill>
-          <a:blip r:embed="rId3"/>
-          <a:stretch/>
-        </p:blipFill>
-        <p:spPr>
-          <a:xfrm rot="5400000">
-            <a:off x="40694040" y="16459200"/>
-            <a:ext cx="14271480" cy="3933720"/>
+            <a:off x="-11070360" y="16463160"/>
+            <a:ext cx="14270760" cy="3933000"/>
           </a:xfrm>
           <a:prstGeom prst="rect">
             <a:avLst/>
@@ -2870,13 +3072,36 @@
           <p:nvPr/>
         </p:nvPicPr>
         <p:blipFill>
+          <a:blip r:embed="rId3"/>
+          <a:stretch/>
+        </p:blipFill>
+        <p:spPr>
+          <a:xfrm rot="5400000">
+            <a:off x="40694760" y="16459200"/>
+            <a:ext cx="14270760" cy="3933000"/>
+          </a:xfrm>
+          <a:prstGeom prst="rect">
+            <a:avLst/>
+          </a:prstGeom>
+          <a:ln w="0">
+            <a:noFill/>
+          </a:ln>
+        </p:spPr>
+      </p:pic>
+      <p:pic>
+        <p:nvPicPr>
+          <p:cNvPr id="20" name="New picture" descr=""/>
+          <p:cNvPicPr/>
+          <p:nvPr/>
+        </p:nvPicPr>
+        <p:blipFill>
           <a:blip r:embed="rId4"/>
           <a:stretch/>
         </p:blipFill>
         <p:spPr>
           <a:xfrm>
             <a:off x="6946920" y="33426360"/>
-            <a:ext cx="29994120" cy="1444680"/>
+            <a:ext cx="29993400" cy="1443960"/>
           </a:xfrm>
           <a:prstGeom prst="rect">
             <a:avLst/>
@@ -2888,14 +3113,14 @@
       </p:pic>
       <p:sp>
         <p:nvSpPr>
-          <p:cNvPr id="20" name="New shape"/>
+          <p:cNvPr id="21" name="New shape"/>
           <p:cNvSpPr/>
           <p:nvPr/>
         </p:nvSpPr>
         <p:spPr>
           <a:xfrm>
             <a:off x="6946920" y="33998040"/>
-            <a:ext cx="21942360" cy="1266840"/>
+            <a:ext cx="21941640" cy="1266120"/>
           </a:xfrm>
           <a:prstGeom prst="rect">
             <a:avLst/>
@@ -2950,7 +3175,7 @@
       </p:sp>
       <p:sp>
         <p:nvSpPr>
-          <p:cNvPr id="21" name="PlaceHolder 1"/>
+          <p:cNvPr id="22" name="PlaceHolder 1"/>
           <p:cNvSpPr>
             <a:spLocks noGrp="1"/>
           </p:cNvSpPr>
@@ -2961,7 +3186,7 @@
         <p:spPr>
           <a:xfrm>
             <a:off x="14994360" y="29977560"/>
-            <a:ext cx="13898880" cy="2282760"/>
+            <a:ext cx="13898160" cy="2282040"/>
           </a:xfrm>
           <a:prstGeom prst="rect">
             <a:avLst/>
@@ -3022,7 +3247,7 @@
       </p:sp>
       <p:sp>
         <p:nvSpPr>
-          <p:cNvPr id="22" name="PlaceHolder 2"/>
+          <p:cNvPr id="23" name="PlaceHolder 2"/>
           <p:cNvSpPr>
             <a:spLocks noGrp="1"/>
           </p:cNvSpPr>
@@ -3033,7 +3258,7 @@
         <p:spPr>
           <a:xfrm>
             <a:off x="31453560" y="29977560"/>
-            <a:ext cx="10241280" cy="2282760"/>
+            <a:ext cx="10240560" cy="2282040"/>
           </a:xfrm>
           <a:prstGeom prst="rect">
             <a:avLst/>
@@ -3075,7 +3300,7 @@
                 <a:tab algn="l" pos="0"/>
               </a:tabLst>
             </a:pPr>
-            <a:fld id="{AF5845F3-39C3-4E99-B25B-ADBFA481C4DB}" type="slidenum">
+            <a:fld id="{B6E73E82-6E2E-4284-8AE5-21C82A8E78D5}" type="slidenum">
               <a:rPr b="0" lang="en-US" sz="5030" spc="-1" strike="noStrike">
                 <a:solidFill>
                   <a:schemeClr val="dk1"/>
@@ -3096,7 +3321,7 @@
       </p:sp>
       <p:sp>
         <p:nvSpPr>
-          <p:cNvPr id="23" name="PlaceHolder 3"/>
+          <p:cNvPr id="24" name="PlaceHolder 3"/>
           <p:cNvSpPr>
             <a:spLocks noGrp="1"/>
           </p:cNvSpPr>
@@ -3107,7 +3332,7 @@
         <p:spPr>
           <a:xfrm>
             <a:off x="2192760" y="29977560"/>
-            <a:ext cx="10241280" cy="2282760"/>
+            <a:ext cx="10240560" cy="2282040"/>
           </a:xfrm>
           <a:prstGeom prst="rect">
             <a:avLst/>
@@ -3189,7 +3414,7 @@
       </p:grpSpPr>
       <p:pic>
         <p:nvPicPr>
-          <p:cNvPr id="24" name="New picture" descr=""/>
+          <p:cNvPr id="25" name="New picture" descr=""/>
           <p:cNvPicPr/>
           <p:nvPr/>
         </p:nvPicPr>
@@ -3199,31 +3424,8 @@
         </p:blipFill>
         <p:spPr>
           <a:xfrm rot="16200000">
-            <a:off x="-11071080" y="16462440"/>
-            <a:ext cx="14271480" cy="3933720"/>
-          </a:xfrm>
-          <a:prstGeom prst="rect">
-            <a:avLst/>
-          </a:prstGeom>
-          <a:ln w="0">
-            <a:noFill/>
-          </a:ln>
-        </p:spPr>
-      </p:pic>
-      <p:pic>
-        <p:nvPicPr>
-          <p:cNvPr id="25" name="New picture" descr=""/>
-          <p:cNvPicPr/>
-          <p:nvPr/>
-        </p:nvPicPr>
-        <p:blipFill>
-          <a:blip r:embed="rId3"/>
-          <a:stretch/>
-        </p:blipFill>
-        <p:spPr>
-          <a:xfrm rot="5400000">
-            <a:off x="40694040" y="16459200"/>
-            <a:ext cx="14271480" cy="3933720"/>
+            <a:off x="-11070360" y="16463160"/>
+            <a:ext cx="14270760" cy="3933000"/>
           </a:xfrm>
           <a:prstGeom prst="rect">
             <a:avLst/>
@@ -3240,13 +3442,36 @@
           <p:nvPr/>
         </p:nvPicPr>
         <p:blipFill>
+          <a:blip r:embed="rId3"/>
+          <a:stretch/>
+        </p:blipFill>
+        <p:spPr>
+          <a:xfrm rot="5400000">
+            <a:off x="40694760" y="16459200"/>
+            <a:ext cx="14270760" cy="3933000"/>
+          </a:xfrm>
+          <a:prstGeom prst="rect">
+            <a:avLst/>
+          </a:prstGeom>
+          <a:ln w="0">
+            <a:noFill/>
+          </a:ln>
+        </p:spPr>
+      </p:pic>
+      <p:pic>
+        <p:nvPicPr>
+          <p:cNvPr id="27" name="New picture" descr=""/>
+          <p:cNvPicPr/>
+          <p:nvPr/>
+        </p:nvPicPr>
+        <p:blipFill>
           <a:blip r:embed="rId4"/>
           <a:stretch/>
         </p:blipFill>
         <p:spPr>
           <a:xfrm>
             <a:off x="6946920" y="33426360"/>
-            <a:ext cx="29994120" cy="1444680"/>
+            <a:ext cx="29993400" cy="1443960"/>
           </a:xfrm>
           <a:prstGeom prst="rect">
             <a:avLst/>
@@ -3258,14 +3483,14 @@
       </p:pic>
       <p:sp>
         <p:nvSpPr>
-          <p:cNvPr id="27" name="New shape"/>
+          <p:cNvPr id="28" name="New shape"/>
           <p:cNvSpPr/>
           <p:nvPr/>
         </p:nvSpPr>
         <p:spPr>
           <a:xfrm>
             <a:off x="6946920" y="33998040"/>
-            <a:ext cx="21942360" cy="1266840"/>
+            <a:ext cx="21941640" cy="1266120"/>
           </a:xfrm>
           <a:prstGeom prst="rect">
             <a:avLst/>
@@ -3320,7 +3545,7 @@
       </p:sp>
       <p:sp>
         <p:nvSpPr>
-          <p:cNvPr id="28" name="PlaceHolder 1"/>
+          <p:cNvPr id="29" name="PlaceHolder 1"/>
           <p:cNvSpPr>
             <a:spLocks noGrp="1"/>
           </p:cNvSpPr>
@@ -3331,7 +3556,7 @@
         <p:spPr>
           <a:xfrm>
             <a:off x="3291480" y="11003760"/>
-            <a:ext cx="37305000" cy="5496840"/>
+            <a:ext cx="37304280" cy="5496120"/>
           </a:xfrm>
           <a:prstGeom prst="rect">
             <a:avLst/>
@@ -3369,7 +3594,7 @@
       </p:sp>
       <p:sp>
         <p:nvSpPr>
-          <p:cNvPr id="29" name="PlaceHolder 2"/>
+          <p:cNvPr id="30" name="PlaceHolder 2"/>
           <p:cNvSpPr>
             <a:spLocks noGrp="1"/>
           </p:cNvSpPr>
@@ -3594,7 +3819,7 @@
       </p:sp>
       <p:sp>
         <p:nvSpPr>
-          <p:cNvPr id="30" name="PlaceHolder 3"/>
+          <p:cNvPr id="31" name="PlaceHolder 3"/>
           <p:cNvSpPr>
             <a:spLocks noGrp="1"/>
           </p:cNvSpPr>
@@ -3605,7 +3830,7 @@
         <p:spPr>
           <a:xfrm>
             <a:off x="14994360" y="29977560"/>
-            <a:ext cx="13898880" cy="2282760"/>
+            <a:ext cx="13898160" cy="2282040"/>
           </a:xfrm>
           <a:prstGeom prst="rect">
             <a:avLst/>
@@ -3666,7 +3891,7 @@
       </p:sp>
       <p:sp>
         <p:nvSpPr>
-          <p:cNvPr id="31" name="PlaceHolder 4"/>
+          <p:cNvPr id="32" name="PlaceHolder 4"/>
           <p:cNvSpPr>
             <a:spLocks noGrp="1"/>
           </p:cNvSpPr>
@@ -3677,7 +3902,7 @@
         <p:spPr>
           <a:xfrm>
             <a:off x="31453560" y="29977560"/>
-            <a:ext cx="10241280" cy="2282760"/>
+            <a:ext cx="10240560" cy="2282040"/>
           </a:xfrm>
           <a:prstGeom prst="rect">
             <a:avLst/>
@@ -3719,7 +3944,7 @@
                 <a:tab algn="l" pos="0"/>
               </a:tabLst>
             </a:pPr>
-            <a:fld id="{960A353C-AE08-4808-95D9-18FC154E9BAA}" type="slidenum">
+            <a:fld id="{B6967842-1D35-4E2D-B914-5E43DEC9735F}" type="slidenum">
               <a:rPr b="0" lang="en-US" sz="5030" spc="-1" strike="noStrike">
                 <a:solidFill>
                   <a:schemeClr val="dk1"/>
@@ -3740,7 +3965,7 @@
       </p:sp>
       <p:sp>
         <p:nvSpPr>
-          <p:cNvPr id="32" name="PlaceHolder 5"/>
+          <p:cNvPr id="33" name="PlaceHolder 5"/>
           <p:cNvSpPr>
             <a:spLocks noGrp="1"/>
           </p:cNvSpPr>
@@ -3751,7 +3976,7 @@
         <p:spPr>
           <a:xfrm>
             <a:off x="2192760" y="29977560"/>
-            <a:ext cx="10241280" cy="2282760"/>
+            <a:ext cx="10240560" cy="2282040"/>
           </a:xfrm>
           <a:prstGeom prst="rect">
             <a:avLst/>
@@ -3833,7 +4058,7 @@
       </p:grpSpPr>
       <p:pic>
         <p:nvPicPr>
-          <p:cNvPr id="35" name="New picture" descr=""/>
+          <p:cNvPr id="36" name="New picture" descr=""/>
           <p:cNvPicPr/>
           <p:nvPr/>
         </p:nvPicPr>
@@ -3843,31 +4068,8 @@
         </p:blipFill>
         <p:spPr>
           <a:xfrm rot="16200000">
-            <a:off x="-11071080" y="16462440"/>
-            <a:ext cx="14271480" cy="3933720"/>
-          </a:xfrm>
-          <a:prstGeom prst="rect">
-            <a:avLst/>
-          </a:prstGeom>
-          <a:ln w="0">
-            <a:noFill/>
-          </a:ln>
-        </p:spPr>
-      </p:pic>
-      <p:pic>
-        <p:nvPicPr>
-          <p:cNvPr id="36" name="New picture" descr=""/>
-          <p:cNvPicPr/>
-          <p:nvPr/>
-        </p:nvPicPr>
-        <p:blipFill>
-          <a:blip r:embed="rId3"/>
-          <a:stretch/>
-        </p:blipFill>
-        <p:spPr>
-          <a:xfrm rot="5400000">
-            <a:off x="40694040" y="16459200"/>
-            <a:ext cx="14271480" cy="3933720"/>
+            <a:off x="-11070360" y="16463160"/>
+            <a:ext cx="14270760" cy="3933000"/>
           </a:xfrm>
           <a:prstGeom prst="rect">
             <a:avLst/>
@@ -3884,13 +4086,36 @@
           <p:nvPr/>
         </p:nvPicPr>
         <p:blipFill>
+          <a:blip r:embed="rId3"/>
+          <a:stretch/>
+        </p:blipFill>
+        <p:spPr>
+          <a:xfrm rot="5400000">
+            <a:off x="40694760" y="16459200"/>
+            <a:ext cx="14270760" cy="3933000"/>
+          </a:xfrm>
+          <a:prstGeom prst="rect">
+            <a:avLst/>
+          </a:prstGeom>
+          <a:ln w="0">
+            <a:noFill/>
+          </a:ln>
+        </p:spPr>
+      </p:pic>
+      <p:pic>
+        <p:nvPicPr>
+          <p:cNvPr id="38" name="New picture" descr=""/>
+          <p:cNvPicPr/>
+          <p:nvPr/>
+        </p:nvPicPr>
+        <p:blipFill>
           <a:blip r:embed="rId4"/>
           <a:stretch/>
         </p:blipFill>
         <p:spPr>
           <a:xfrm>
             <a:off x="6946920" y="33426360"/>
-            <a:ext cx="29994120" cy="1444680"/>
+            <a:ext cx="29993400" cy="1443960"/>
           </a:xfrm>
           <a:prstGeom prst="rect">
             <a:avLst/>
@@ -3902,14 +4127,14 @@
       </p:pic>
       <p:sp>
         <p:nvSpPr>
-          <p:cNvPr id="38" name="New shape"/>
+          <p:cNvPr id="39" name="New shape"/>
           <p:cNvSpPr/>
           <p:nvPr/>
         </p:nvSpPr>
         <p:spPr>
           <a:xfrm>
             <a:off x="6946920" y="33998040"/>
-            <a:ext cx="21942360" cy="1266840"/>
+            <a:ext cx="21941640" cy="1266120"/>
           </a:xfrm>
           <a:prstGeom prst="rect">
             <a:avLst/>
@@ -3964,7 +4189,7 @@
       </p:sp>
       <p:sp>
         <p:nvSpPr>
-          <p:cNvPr id="39" name="PlaceHolder 1"/>
+          <p:cNvPr id="40" name="PlaceHolder 1"/>
           <p:cNvSpPr>
             <a:spLocks noGrp="1"/>
           </p:cNvSpPr>
@@ -3975,7 +4200,7 @@
         <p:spPr>
           <a:xfrm>
             <a:off x="14994360" y="29977560"/>
-            <a:ext cx="13898880" cy="2282760"/>
+            <a:ext cx="13898160" cy="2282040"/>
           </a:xfrm>
           <a:prstGeom prst="rect">
             <a:avLst/>
@@ -4036,7 +4261,7 @@
       </p:sp>
       <p:sp>
         <p:nvSpPr>
-          <p:cNvPr id="40" name="PlaceHolder 2"/>
+          <p:cNvPr id="41" name="PlaceHolder 2"/>
           <p:cNvSpPr>
             <a:spLocks noGrp="1"/>
           </p:cNvSpPr>
@@ -4047,7 +4272,7 @@
         <p:spPr>
           <a:xfrm>
             <a:off x="31453560" y="29977560"/>
-            <a:ext cx="10241280" cy="2282760"/>
+            <a:ext cx="10240560" cy="2282040"/>
           </a:xfrm>
           <a:prstGeom prst="rect">
             <a:avLst/>
@@ -4089,7 +4314,7 @@
                 <a:tab algn="l" pos="0"/>
               </a:tabLst>
             </a:pPr>
-            <a:fld id="{55A60139-FE0A-4D81-AC0B-7AD6390B4E76}" type="slidenum">
+            <a:fld id="{6617869C-9D35-4196-B098-D0E7A482BF94}" type="slidenum">
               <a:rPr b="0" lang="en-US" sz="5030" spc="-1" strike="noStrike">
                 <a:solidFill>
                   <a:schemeClr val="dk1"/>
@@ -4110,7 +4335,7 @@
       </p:sp>
       <p:sp>
         <p:nvSpPr>
-          <p:cNvPr id="41" name="PlaceHolder 3"/>
+          <p:cNvPr id="42" name="PlaceHolder 3"/>
           <p:cNvSpPr>
             <a:spLocks noGrp="1"/>
           </p:cNvSpPr>
@@ -4121,7 +4346,7 @@
         <p:spPr>
           <a:xfrm>
             <a:off x="2192760" y="29977560"/>
-            <a:ext cx="10241280" cy="2282760"/>
+            <a:ext cx="10240560" cy="2282040"/>
           </a:xfrm>
           <a:prstGeom prst="rect">
             <a:avLst/>
@@ -4203,7 +4428,7 @@
       </p:grpSpPr>
       <p:pic>
         <p:nvPicPr>
-          <p:cNvPr id="42" name="New picture" descr=""/>
+          <p:cNvPr id="43" name="New picture" descr=""/>
           <p:cNvPicPr/>
           <p:nvPr/>
         </p:nvPicPr>
@@ -4213,31 +4438,8 @@
         </p:blipFill>
         <p:spPr>
           <a:xfrm rot="16200000">
-            <a:off x="-11071080" y="16462440"/>
-            <a:ext cx="14271480" cy="3933720"/>
-          </a:xfrm>
-          <a:prstGeom prst="rect">
-            <a:avLst/>
-          </a:prstGeom>
-          <a:ln w="0">
-            <a:noFill/>
-          </a:ln>
-        </p:spPr>
-      </p:pic>
-      <p:pic>
-        <p:nvPicPr>
-          <p:cNvPr id="43" name="New picture" descr=""/>
-          <p:cNvPicPr/>
-          <p:nvPr/>
-        </p:nvPicPr>
-        <p:blipFill>
-          <a:blip r:embed="rId3"/>
-          <a:stretch/>
-        </p:blipFill>
-        <p:spPr>
-          <a:xfrm rot="5400000">
-            <a:off x="40694040" y="16459200"/>
-            <a:ext cx="14271480" cy="3933720"/>
+            <a:off x="-11070360" y="16463160"/>
+            <a:ext cx="14270760" cy="3933000"/>
           </a:xfrm>
           <a:prstGeom prst="rect">
             <a:avLst/>
@@ -4254,13 +4456,36 @@
           <p:nvPr/>
         </p:nvPicPr>
         <p:blipFill>
+          <a:blip r:embed="rId3"/>
+          <a:stretch/>
+        </p:blipFill>
+        <p:spPr>
+          <a:xfrm rot="5400000">
+            <a:off x="40694760" y="16459200"/>
+            <a:ext cx="14270760" cy="3933000"/>
+          </a:xfrm>
+          <a:prstGeom prst="rect">
+            <a:avLst/>
+          </a:prstGeom>
+          <a:ln w="0">
+            <a:noFill/>
+          </a:ln>
+        </p:spPr>
+      </p:pic>
+      <p:pic>
+        <p:nvPicPr>
+          <p:cNvPr id="45" name="New picture" descr=""/>
+          <p:cNvPicPr/>
+          <p:nvPr/>
+        </p:nvPicPr>
+        <p:blipFill>
           <a:blip r:embed="rId4"/>
           <a:stretch/>
         </p:blipFill>
         <p:spPr>
           <a:xfrm>
             <a:off x="6946920" y="33426360"/>
-            <a:ext cx="29994120" cy="1444680"/>
+            <a:ext cx="29993400" cy="1443960"/>
           </a:xfrm>
           <a:prstGeom prst="rect">
             <a:avLst/>
@@ -4272,14 +4497,14 @@
       </p:pic>
       <p:sp>
         <p:nvSpPr>
-          <p:cNvPr id="45" name="New shape"/>
+          <p:cNvPr id="46" name="New shape"/>
           <p:cNvSpPr/>
           <p:nvPr/>
         </p:nvSpPr>
         <p:spPr>
           <a:xfrm>
             <a:off x="6946920" y="33998040"/>
-            <a:ext cx="21942360" cy="1266840"/>
+            <a:ext cx="21941640" cy="1266120"/>
           </a:xfrm>
           <a:prstGeom prst="rect">
             <a:avLst/>
@@ -4334,7 +4559,7 @@
       </p:sp>
       <p:sp>
         <p:nvSpPr>
-          <p:cNvPr id="46" name="PlaceHolder 1"/>
+          <p:cNvPr id="47" name="PlaceHolder 1"/>
           <p:cNvSpPr>
             <a:spLocks noGrp="1"/>
           </p:cNvSpPr>
@@ -4345,7 +4570,7 @@
         <p:spPr>
           <a:xfrm>
             <a:off x="3291480" y="11003760"/>
-            <a:ext cx="37305000" cy="5496840"/>
+            <a:ext cx="37304280" cy="5496120"/>
           </a:xfrm>
           <a:prstGeom prst="rect">
             <a:avLst/>
@@ -4383,7 +4608,7 @@
       </p:sp>
       <p:sp>
         <p:nvSpPr>
-          <p:cNvPr id="47" name="PlaceHolder 2"/>
+          <p:cNvPr id="48" name="PlaceHolder 2"/>
           <p:cNvSpPr>
             <a:spLocks noGrp="1"/>
           </p:cNvSpPr>
@@ -4608,7 +4833,7 @@
       </p:sp>
       <p:sp>
         <p:nvSpPr>
-          <p:cNvPr id="48" name="PlaceHolder 3"/>
+          <p:cNvPr id="49" name="PlaceHolder 3"/>
           <p:cNvSpPr>
             <a:spLocks noGrp="1"/>
           </p:cNvSpPr>
@@ -4833,7 +5058,7 @@
       </p:sp>
       <p:sp>
         <p:nvSpPr>
-          <p:cNvPr id="49" name="PlaceHolder 4"/>
+          <p:cNvPr id="50" name="PlaceHolder 4"/>
           <p:cNvSpPr>
             <a:spLocks noGrp="1"/>
           </p:cNvSpPr>
@@ -4844,7 +5069,7 @@
         <p:spPr>
           <a:xfrm>
             <a:off x="14994360" y="29977560"/>
-            <a:ext cx="13898880" cy="2282760"/>
+            <a:ext cx="13898160" cy="2282040"/>
           </a:xfrm>
           <a:prstGeom prst="rect">
             <a:avLst/>
@@ -4905,7 +5130,7 @@
       </p:sp>
       <p:sp>
         <p:nvSpPr>
-          <p:cNvPr id="50" name="PlaceHolder 5"/>
+          <p:cNvPr id="51" name="PlaceHolder 5"/>
           <p:cNvSpPr>
             <a:spLocks noGrp="1"/>
           </p:cNvSpPr>
@@ -4916,7 +5141,7 @@
         <p:spPr>
           <a:xfrm>
             <a:off x="31453560" y="29977560"/>
-            <a:ext cx="10241280" cy="2282760"/>
+            <a:ext cx="10240560" cy="2282040"/>
           </a:xfrm>
           <a:prstGeom prst="rect">
             <a:avLst/>
@@ -4958,7 +5183,7 @@
                 <a:tab algn="l" pos="0"/>
               </a:tabLst>
             </a:pPr>
-            <a:fld id="{FDC27962-C259-4EEE-B8A2-BFDF7E4C4DFD}" type="slidenum">
+            <a:fld id="{164A55CF-61B7-478D-BE14-BB90A68FA5D4}" type="slidenum">
               <a:rPr b="0" lang="en-US" sz="5030" spc="-1" strike="noStrike">
                 <a:solidFill>
                   <a:schemeClr val="dk1"/>
@@ -4979,7 +5204,7 @@
       </p:sp>
       <p:sp>
         <p:nvSpPr>
-          <p:cNvPr id="51" name="PlaceHolder 6"/>
+          <p:cNvPr id="52" name="PlaceHolder 6"/>
           <p:cNvSpPr>
             <a:spLocks noGrp="1"/>
           </p:cNvSpPr>
@@ -4990,7 +5215,7 @@
         <p:spPr>
           <a:xfrm>
             <a:off x="2192760" y="29977560"/>
-            <a:ext cx="10241280" cy="2282760"/>
+            <a:ext cx="10240560" cy="2282040"/>
           </a:xfrm>
           <a:prstGeom prst="rect">
             <a:avLst/>
@@ -5072,7 +5297,7 @@
       </p:grpSpPr>
       <p:pic>
         <p:nvPicPr>
-          <p:cNvPr id="55" name="New picture" descr=""/>
+          <p:cNvPr id="56" name="New picture" descr=""/>
           <p:cNvPicPr/>
           <p:nvPr/>
         </p:nvPicPr>
@@ -5082,31 +5307,8 @@
         </p:blipFill>
         <p:spPr>
           <a:xfrm rot="16200000">
-            <a:off x="-11071080" y="16462440"/>
-            <a:ext cx="14271480" cy="3933720"/>
-          </a:xfrm>
-          <a:prstGeom prst="rect">
-            <a:avLst/>
-          </a:prstGeom>
-          <a:ln w="0">
-            <a:noFill/>
-          </a:ln>
-        </p:spPr>
-      </p:pic>
-      <p:pic>
-        <p:nvPicPr>
-          <p:cNvPr id="56" name="New picture" descr=""/>
-          <p:cNvPicPr/>
-          <p:nvPr/>
-        </p:nvPicPr>
-        <p:blipFill>
-          <a:blip r:embed="rId3"/>
-          <a:stretch/>
-        </p:blipFill>
-        <p:spPr>
-          <a:xfrm rot="5400000">
-            <a:off x="40694040" y="16459200"/>
-            <a:ext cx="14271480" cy="3933720"/>
+            <a:off x="-11070360" y="16463160"/>
+            <a:ext cx="14270760" cy="3933000"/>
           </a:xfrm>
           <a:prstGeom prst="rect">
             <a:avLst/>
@@ -5123,13 +5325,36 @@
           <p:nvPr/>
         </p:nvPicPr>
         <p:blipFill>
+          <a:blip r:embed="rId3"/>
+          <a:stretch/>
+        </p:blipFill>
+        <p:spPr>
+          <a:xfrm rot="5400000">
+            <a:off x="40694760" y="16459200"/>
+            <a:ext cx="14270760" cy="3933000"/>
+          </a:xfrm>
+          <a:prstGeom prst="rect">
+            <a:avLst/>
+          </a:prstGeom>
+          <a:ln w="0">
+            <a:noFill/>
+          </a:ln>
+        </p:spPr>
+      </p:pic>
+      <p:pic>
+        <p:nvPicPr>
+          <p:cNvPr id="58" name="New picture" descr=""/>
+          <p:cNvPicPr/>
+          <p:nvPr/>
+        </p:nvPicPr>
+        <p:blipFill>
           <a:blip r:embed="rId4"/>
           <a:stretch/>
         </p:blipFill>
         <p:spPr>
           <a:xfrm>
             <a:off x="6946920" y="33426360"/>
-            <a:ext cx="29994120" cy="1444680"/>
+            <a:ext cx="29993400" cy="1443960"/>
           </a:xfrm>
           <a:prstGeom prst="rect">
             <a:avLst/>
@@ -5141,14 +5366,14 @@
       </p:pic>
       <p:sp>
         <p:nvSpPr>
-          <p:cNvPr id="58" name="New shape"/>
+          <p:cNvPr id="59" name="New shape"/>
           <p:cNvSpPr/>
           <p:nvPr/>
         </p:nvSpPr>
         <p:spPr>
           <a:xfrm>
             <a:off x="6946920" y="33998040"/>
-            <a:ext cx="21942360" cy="1266840"/>
+            <a:ext cx="21941640" cy="1266120"/>
           </a:xfrm>
           <a:prstGeom prst="rect">
             <a:avLst/>
@@ -5203,7 +5428,7 @@
       </p:sp>
       <p:sp>
         <p:nvSpPr>
-          <p:cNvPr id="59" name="PlaceHolder 1"/>
+          <p:cNvPr id="60" name="PlaceHolder 1"/>
           <p:cNvSpPr>
             <a:spLocks noGrp="1"/>
           </p:cNvSpPr>
@@ -5214,7 +5439,7 @@
         <p:spPr>
           <a:xfrm>
             <a:off x="14994360" y="29977560"/>
-            <a:ext cx="13898880" cy="2282760"/>
+            <a:ext cx="13898160" cy="2282040"/>
           </a:xfrm>
           <a:prstGeom prst="rect">
             <a:avLst/>
@@ -5275,7 +5500,7 @@
       </p:sp>
       <p:sp>
         <p:nvSpPr>
-          <p:cNvPr id="60" name="PlaceHolder 2"/>
+          <p:cNvPr id="61" name="PlaceHolder 2"/>
           <p:cNvSpPr>
             <a:spLocks noGrp="1"/>
           </p:cNvSpPr>
@@ -5286,7 +5511,7 @@
         <p:spPr>
           <a:xfrm>
             <a:off x="31453560" y="29977560"/>
-            <a:ext cx="10241280" cy="2282760"/>
+            <a:ext cx="10240560" cy="2282040"/>
           </a:xfrm>
           <a:prstGeom prst="rect">
             <a:avLst/>
@@ -5328,7 +5553,7 @@
                 <a:tab algn="l" pos="0"/>
               </a:tabLst>
             </a:pPr>
-            <a:fld id="{D6EB4018-170F-4CF0-B29E-3381E38749FD}" type="slidenum">
+            <a:fld id="{5A054267-5D32-4518-A012-31F63AD9A6A4}" type="slidenum">
               <a:rPr b="0" lang="en-US" sz="5030" spc="-1" strike="noStrike">
                 <a:solidFill>
                   <a:schemeClr val="dk1"/>
@@ -5349,7 +5574,7 @@
       </p:sp>
       <p:sp>
         <p:nvSpPr>
-          <p:cNvPr id="61" name="PlaceHolder 3"/>
+          <p:cNvPr id="62" name="PlaceHolder 3"/>
           <p:cNvSpPr>
             <a:spLocks noGrp="1"/>
           </p:cNvSpPr>
@@ -5360,7 +5585,7 @@
         <p:spPr>
           <a:xfrm>
             <a:off x="2192760" y="29977560"/>
-            <a:ext cx="10241280" cy="2282760"/>
+            <a:ext cx="10240560" cy="2282040"/>
           </a:xfrm>
           <a:prstGeom prst="rect">
             <a:avLst/>
@@ -5442,7 +5667,7 @@
       </p:grpSpPr>
       <p:pic>
         <p:nvPicPr>
-          <p:cNvPr id="62" name="New picture" descr=""/>
+          <p:cNvPr id="63" name="New picture" descr=""/>
           <p:cNvPicPr/>
           <p:nvPr/>
         </p:nvPicPr>
@@ -5452,31 +5677,8 @@
         </p:blipFill>
         <p:spPr>
           <a:xfrm rot="16200000">
-            <a:off x="-11071080" y="16462440"/>
-            <a:ext cx="14271480" cy="3933720"/>
-          </a:xfrm>
-          <a:prstGeom prst="rect">
-            <a:avLst/>
-          </a:prstGeom>
-          <a:ln w="0">
-            <a:noFill/>
-          </a:ln>
-        </p:spPr>
-      </p:pic>
-      <p:pic>
-        <p:nvPicPr>
-          <p:cNvPr id="63" name="New picture" descr=""/>
-          <p:cNvPicPr/>
-          <p:nvPr/>
-        </p:nvPicPr>
-        <p:blipFill>
-          <a:blip r:embed="rId3"/>
-          <a:stretch/>
-        </p:blipFill>
-        <p:spPr>
-          <a:xfrm rot="5400000">
-            <a:off x="40694040" y="16459200"/>
-            <a:ext cx="14271480" cy="3933720"/>
+            <a:off x="-11070360" y="16463160"/>
+            <a:ext cx="14270760" cy="3933000"/>
           </a:xfrm>
           <a:prstGeom prst="rect">
             <a:avLst/>
@@ -5493,13 +5695,36 @@
           <p:nvPr/>
         </p:nvPicPr>
         <p:blipFill>
+          <a:blip r:embed="rId3"/>
+          <a:stretch/>
+        </p:blipFill>
+        <p:spPr>
+          <a:xfrm rot="5400000">
+            <a:off x="40694760" y="16459200"/>
+            <a:ext cx="14270760" cy="3933000"/>
+          </a:xfrm>
+          <a:prstGeom prst="rect">
+            <a:avLst/>
+          </a:prstGeom>
+          <a:ln w="0">
+            <a:noFill/>
+          </a:ln>
+        </p:spPr>
+      </p:pic>
+      <p:pic>
+        <p:nvPicPr>
+          <p:cNvPr id="65" name="New picture" descr=""/>
+          <p:cNvPicPr/>
+          <p:nvPr/>
+        </p:nvPicPr>
+        <p:blipFill>
           <a:blip r:embed="rId4"/>
           <a:stretch/>
         </p:blipFill>
         <p:spPr>
           <a:xfrm>
             <a:off x="6946920" y="33426360"/>
-            <a:ext cx="29994120" cy="1444680"/>
+            <a:ext cx="29993400" cy="1443960"/>
           </a:xfrm>
           <a:prstGeom prst="rect">
             <a:avLst/>
@@ -5511,14 +5736,14 @@
       </p:pic>
       <p:sp>
         <p:nvSpPr>
-          <p:cNvPr id="65" name="New shape"/>
+          <p:cNvPr id="66" name="New shape"/>
           <p:cNvSpPr/>
           <p:nvPr/>
         </p:nvSpPr>
         <p:spPr>
           <a:xfrm>
             <a:off x="6946920" y="33998040"/>
-            <a:ext cx="21942360" cy="1266840"/>
+            <a:ext cx="21941640" cy="1266120"/>
           </a:xfrm>
           <a:prstGeom prst="rect">
             <a:avLst/>
@@ -5573,7 +5798,7 @@
       </p:sp>
       <p:sp>
         <p:nvSpPr>
-          <p:cNvPr id="66" name="PlaceHolder 1"/>
+          <p:cNvPr id="67" name="PlaceHolder 1"/>
           <p:cNvSpPr>
             <a:spLocks noGrp="1"/>
           </p:cNvSpPr>
@@ -5584,7 +5809,7 @@
         <p:spPr>
           <a:xfrm>
             <a:off x="3291480" y="11003760"/>
-            <a:ext cx="37305000" cy="5496840"/>
+            <a:ext cx="37304280" cy="5496120"/>
           </a:xfrm>
           <a:prstGeom prst="rect">
             <a:avLst/>
@@ -5622,7 +5847,7 @@
       </p:sp>
       <p:sp>
         <p:nvSpPr>
-          <p:cNvPr id="67" name="PlaceHolder 2"/>
+          <p:cNvPr id="68" name="PlaceHolder 2"/>
           <p:cNvSpPr>
             <a:spLocks noGrp="1"/>
           </p:cNvSpPr>
@@ -5633,7 +5858,7 @@
         <p:spPr>
           <a:xfrm>
             <a:off x="14994360" y="29977560"/>
-            <a:ext cx="13898880" cy="2282760"/>
+            <a:ext cx="13898160" cy="2282040"/>
           </a:xfrm>
           <a:prstGeom prst="rect">
             <a:avLst/>
@@ -5694,7 +5919,7 @@
       </p:sp>
       <p:sp>
         <p:nvSpPr>
-          <p:cNvPr id="68" name="PlaceHolder 3"/>
+          <p:cNvPr id="69" name="PlaceHolder 3"/>
           <p:cNvSpPr>
             <a:spLocks noGrp="1"/>
           </p:cNvSpPr>
@@ -5705,7 +5930,7 @@
         <p:spPr>
           <a:xfrm>
             <a:off x="31453560" y="29977560"/>
-            <a:ext cx="10241280" cy="2282760"/>
+            <a:ext cx="10240560" cy="2282040"/>
           </a:xfrm>
           <a:prstGeom prst="rect">
             <a:avLst/>
@@ -5747,7 +5972,7 @@
                 <a:tab algn="l" pos="0"/>
               </a:tabLst>
             </a:pPr>
-            <a:fld id="{EABF28A0-E6F3-4236-8701-9BD18C411139}" type="slidenum">
+            <a:fld id="{B3631237-2D99-401B-8685-AAD786BC3D57}" type="slidenum">
               <a:rPr b="0" lang="en-US" sz="5030" spc="-1" strike="noStrike">
                 <a:solidFill>
                   <a:schemeClr val="dk1"/>
@@ -5768,7 +5993,7 @@
       </p:sp>
       <p:sp>
         <p:nvSpPr>
-          <p:cNvPr id="69" name="PlaceHolder 4"/>
+          <p:cNvPr id="70" name="PlaceHolder 4"/>
           <p:cNvSpPr>
             <a:spLocks noGrp="1"/>
           </p:cNvSpPr>
@@ -5779,7 +6004,7 @@
         <p:spPr>
           <a:xfrm>
             <a:off x="2192760" y="29977560"/>
-            <a:ext cx="10241280" cy="2282760"/>
+            <a:ext cx="10240560" cy="2282040"/>
           </a:xfrm>
           <a:prstGeom prst="rect">
             <a:avLst/>
@@ -5861,7 +6086,7 @@
       </p:grpSpPr>
       <p:pic>
         <p:nvPicPr>
-          <p:cNvPr id="71" name="New picture" descr=""/>
+          <p:cNvPr id="72" name="New picture" descr=""/>
           <p:cNvPicPr/>
           <p:nvPr/>
         </p:nvPicPr>
@@ -5871,31 +6096,8 @@
         </p:blipFill>
         <p:spPr>
           <a:xfrm rot="16200000">
-            <a:off x="-11071080" y="16462440"/>
-            <a:ext cx="14271480" cy="3933720"/>
-          </a:xfrm>
-          <a:prstGeom prst="rect">
-            <a:avLst/>
-          </a:prstGeom>
-          <a:ln w="0">
-            <a:noFill/>
-          </a:ln>
-        </p:spPr>
-      </p:pic>
-      <p:pic>
-        <p:nvPicPr>
-          <p:cNvPr id="72" name="New picture" descr=""/>
-          <p:cNvPicPr/>
-          <p:nvPr/>
-        </p:nvPicPr>
-        <p:blipFill>
-          <a:blip r:embed="rId3"/>
-          <a:stretch/>
-        </p:blipFill>
-        <p:spPr>
-          <a:xfrm rot="5400000">
-            <a:off x="40694040" y="16459200"/>
-            <a:ext cx="14271480" cy="3933720"/>
+            <a:off x="-11070360" y="16463160"/>
+            <a:ext cx="14270760" cy="3933000"/>
           </a:xfrm>
           <a:prstGeom prst="rect">
             <a:avLst/>
@@ -5912,13 +6114,36 @@
           <p:nvPr/>
         </p:nvPicPr>
         <p:blipFill>
+          <a:blip r:embed="rId3"/>
+          <a:stretch/>
+        </p:blipFill>
+        <p:spPr>
+          <a:xfrm rot="5400000">
+            <a:off x="40694760" y="16459200"/>
+            <a:ext cx="14270760" cy="3933000"/>
+          </a:xfrm>
+          <a:prstGeom prst="rect">
+            <a:avLst/>
+          </a:prstGeom>
+          <a:ln w="0">
+            <a:noFill/>
+          </a:ln>
+        </p:spPr>
+      </p:pic>
+      <p:pic>
+        <p:nvPicPr>
+          <p:cNvPr id="74" name="New picture" descr=""/>
+          <p:cNvPicPr/>
+          <p:nvPr/>
+        </p:nvPicPr>
+        <p:blipFill>
           <a:blip r:embed="rId4"/>
           <a:stretch/>
         </p:blipFill>
         <p:spPr>
           <a:xfrm>
             <a:off x="6946920" y="33426360"/>
-            <a:ext cx="29994120" cy="1444680"/>
+            <a:ext cx="29993400" cy="1443960"/>
           </a:xfrm>
           <a:prstGeom prst="rect">
             <a:avLst/>
@@ -5930,14 +6155,14 @@
       </p:pic>
       <p:sp>
         <p:nvSpPr>
-          <p:cNvPr id="74" name="New shape"/>
+          <p:cNvPr id="75" name="New shape"/>
           <p:cNvSpPr/>
           <p:nvPr/>
         </p:nvSpPr>
         <p:spPr>
           <a:xfrm>
             <a:off x="6946920" y="33998040"/>
-            <a:ext cx="21942360" cy="1266840"/>
+            <a:ext cx="21941640" cy="1266120"/>
           </a:xfrm>
           <a:prstGeom prst="rect">
             <a:avLst/>
@@ -5992,7 +6217,7 @@
       </p:sp>
       <p:sp>
         <p:nvSpPr>
-          <p:cNvPr id="75" name="PlaceHolder 1"/>
+          <p:cNvPr id="76" name="PlaceHolder 1"/>
           <p:cNvSpPr>
             <a:spLocks noGrp="1"/>
           </p:cNvSpPr>
@@ -6003,7 +6228,7 @@
         <p:spPr>
           <a:xfrm>
             <a:off x="14994360" y="29977560"/>
-            <a:ext cx="13898880" cy="2282760"/>
+            <a:ext cx="13898160" cy="2282040"/>
           </a:xfrm>
           <a:prstGeom prst="rect">
             <a:avLst/>
@@ -6064,7 +6289,7 @@
       </p:sp>
       <p:sp>
         <p:nvSpPr>
-          <p:cNvPr id="76" name="PlaceHolder 2"/>
+          <p:cNvPr id="77" name="PlaceHolder 2"/>
           <p:cNvSpPr>
             <a:spLocks noGrp="1"/>
           </p:cNvSpPr>
@@ -6075,7 +6300,7 @@
         <p:spPr>
           <a:xfrm>
             <a:off x="31453560" y="29977560"/>
-            <a:ext cx="10241280" cy="2282760"/>
+            <a:ext cx="10240560" cy="2282040"/>
           </a:xfrm>
           <a:prstGeom prst="rect">
             <a:avLst/>
@@ -6117,7 +6342,7 @@
                 <a:tab algn="l" pos="0"/>
               </a:tabLst>
             </a:pPr>
-            <a:fld id="{45699DAD-FE76-4642-9C50-91D2A1F55193}" type="slidenum">
+            <a:fld id="{CB4C2D23-67C0-42F7-840D-8E7EABAF7445}" type="slidenum">
               <a:rPr b="0" lang="en-US" sz="5030" spc="-1" strike="noStrike">
                 <a:solidFill>
                   <a:schemeClr val="dk1"/>
@@ -6138,7 +6363,7 @@
       </p:sp>
       <p:sp>
         <p:nvSpPr>
-          <p:cNvPr id="77" name="PlaceHolder 3"/>
+          <p:cNvPr id="78" name="PlaceHolder 3"/>
           <p:cNvSpPr>
             <a:spLocks noGrp="1"/>
           </p:cNvSpPr>
@@ -6149,7 +6374,7 @@
         <p:spPr>
           <a:xfrm>
             <a:off x="2192760" y="29977560"/>
-            <a:ext cx="10241280" cy="2282760"/>
+            <a:ext cx="10240560" cy="2282040"/>
           </a:xfrm>
           <a:prstGeom prst="rect">
             <a:avLst/>
@@ -6224,14 +6449,14 @@
       </p:grpSpPr>
       <p:sp>
         <p:nvSpPr>
-          <p:cNvPr id="92" name=""/>
+          <p:cNvPr id="93" name=""/>
           <p:cNvSpPr/>
           <p:nvPr/>
         </p:nvSpPr>
         <p:spPr>
           <a:xfrm>
             <a:off x="33147000" y="16651800"/>
-            <a:ext cx="10285200" cy="14785200"/>
+            <a:ext cx="10122480" cy="14895000"/>
           </a:xfrm>
           <a:prstGeom prst="rect">
             <a:avLst/>
@@ -6274,14 +6499,14 @@
       </p:sp>
       <p:sp>
         <p:nvSpPr>
-          <p:cNvPr id="93" name=""/>
+          <p:cNvPr id="94" name=""/>
           <p:cNvSpPr/>
           <p:nvPr/>
         </p:nvSpPr>
         <p:spPr>
           <a:xfrm>
             <a:off x="22174200" y="5558400"/>
-            <a:ext cx="10513800" cy="25986600"/>
+            <a:ext cx="10513080" cy="25985880"/>
           </a:xfrm>
           <a:prstGeom prst="rect">
             <a:avLst/>
@@ -6324,14 +6549,14 @@
       </p:sp>
       <p:sp>
         <p:nvSpPr>
-          <p:cNvPr id="94" name=""/>
+          <p:cNvPr id="95" name=""/>
           <p:cNvSpPr/>
           <p:nvPr/>
         </p:nvSpPr>
         <p:spPr>
           <a:xfrm>
             <a:off x="33147000" y="6413400"/>
-            <a:ext cx="10164600" cy="10200600"/>
+            <a:ext cx="10122480" cy="10199880"/>
           </a:xfrm>
           <a:prstGeom prst="rect">
             <a:avLst/>
@@ -6374,14 +6599,14 @@
       </p:sp>
       <p:sp>
         <p:nvSpPr>
-          <p:cNvPr id="95" name=""/>
+          <p:cNvPr id="96" name=""/>
           <p:cNvSpPr/>
           <p:nvPr/>
         </p:nvSpPr>
         <p:spPr>
           <a:xfrm>
             <a:off x="11201400" y="5558400"/>
-            <a:ext cx="10513800" cy="25986600"/>
+            <a:ext cx="10513080" cy="25985880"/>
           </a:xfrm>
           <a:prstGeom prst="rect">
             <a:avLst/>
@@ -6424,14 +6649,14 @@
       </p:sp>
       <p:sp>
         <p:nvSpPr>
-          <p:cNvPr id="96" name=""/>
+          <p:cNvPr id="97" name=""/>
           <p:cNvSpPr/>
           <p:nvPr/>
         </p:nvSpPr>
         <p:spPr>
           <a:xfrm>
             <a:off x="577800" y="5558400"/>
-            <a:ext cx="10164600" cy="11584800"/>
+            <a:ext cx="10163880" cy="11584080"/>
           </a:xfrm>
           <a:prstGeom prst="rect">
             <a:avLst/>
@@ -6474,14 +6699,14 @@
       </p:sp>
       <p:sp>
         <p:nvSpPr>
-          <p:cNvPr id="97" name="Rectangle 6"/>
+          <p:cNvPr id="98" name="Rectangle 6"/>
           <p:cNvSpPr/>
           <p:nvPr/>
         </p:nvSpPr>
         <p:spPr>
           <a:xfrm>
             <a:off x="0" y="3240"/>
-            <a:ext cx="43887960" cy="5251680"/>
+            <a:ext cx="43887240" cy="5250960"/>
           </a:xfrm>
           <a:prstGeom prst="rect">
             <a:avLst/>
@@ -6521,14 +6746,14 @@
       </p:sp>
       <p:sp>
         <p:nvSpPr>
-          <p:cNvPr id="98" name="TextBox 19"/>
+          <p:cNvPr id="99" name="TextBox 19"/>
           <p:cNvSpPr/>
           <p:nvPr/>
         </p:nvSpPr>
         <p:spPr>
           <a:xfrm>
             <a:off x="609480" y="6666480"/>
-            <a:ext cx="9597960" cy="10059840"/>
+            <a:ext cx="10132200" cy="10185120"/>
           </a:xfrm>
           <a:prstGeom prst="rect">
             <a:avLst/>
@@ -6673,7 +6898,7 @@
                 <a:spcPts val="1417"/>
               </a:spcBef>
             </a:pPr>
-            <a:endParaRPr b="0" lang="en-US" sz="4400" spc="-1" strike="noStrike">
+            <a:endParaRPr b="0" lang="en-US" sz="4000" spc="-1" strike="noStrike">
               <a:solidFill>
                 <a:srgbClr val="000000"/>
               </a:solidFill>
@@ -6689,7 +6914,7 @@
                 <a:spcPts val="1417"/>
               </a:spcBef>
             </a:pPr>
-            <a:endParaRPr b="0" lang="en-US" sz="4400" spc="-1" strike="noStrike">
+            <a:endParaRPr b="0" lang="en-US" sz="4000" spc="-1" strike="noStrike">
               <a:solidFill>
                 <a:srgbClr val="000000"/>
               </a:solidFill>
@@ -6705,51 +6930,35 @@
                 <a:spcPts val="1417"/>
               </a:spcBef>
             </a:pPr>
-            <a:endParaRPr b="0" lang="en-US" sz="4400" spc="-1" strike="noStrike">
-              <a:solidFill>
-                <a:srgbClr val="000000"/>
-              </a:solidFill>
-              <a:latin typeface="Arial"/>
-            </a:endParaRPr>
-          </a:p>
-          <a:p>
-            <a:pPr>
-              <a:lnSpc>
-                <a:spcPct val="100000"/>
-              </a:lnSpc>
-              <a:spcBef>
-                <a:spcPts val="1417"/>
-              </a:spcBef>
-            </a:pPr>
-            <a:r>
-              <a:rPr b="0" lang="en-US" sz="4400" spc="-1" strike="noStrike">
+            <a:r>
+              <a:rPr b="0" lang="en-US" sz="4000" spc="-1" strike="noStrike">
                 <a:solidFill>
                   <a:schemeClr val="dk1"/>
                 </a:solidFill>
                 <a:latin typeface="Open Sans"/>
                 <a:ea typeface="Open Sans"/>
               </a:rPr>
-              <a:t>This work proposes the use LLMs for quantum circuit generation.</a:t>
-            </a:r>
-            <a:endParaRPr b="0" lang="en-US" sz="4400" spc="-1" strike="noStrike">
-              <a:solidFill>
-                <a:srgbClr val="000000"/>
-              </a:solidFill>
-              <a:latin typeface="Arial"/>
-            </a:endParaRPr>
-          </a:p>
-        </p:txBody>
-      </p:sp>
-      <p:sp>
-        <p:nvSpPr>
-          <p:cNvPr id="99" name="Text Placeholder 5"/>
+              <a:t>This work proposes the use of LLMs for quantum circuit generation in hopes to better utilize complex quantum modeling techniques.</a:t>
+            </a:r>
+            <a:endParaRPr b="0" lang="en-US" sz="4000" spc="-1" strike="noStrike">
+              <a:solidFill>
+                <a:srgbClr val="000000"/>
+              </a:solidFill>
+              <a:latin typeface="Arial"/>
+            </a:endParaRPr>
+          </a:p>
+        </p:txBody>
+      </p:sp>
+      <p:sp>
+        <p:nvSpPr>
+          <p:cNvPr id="100" name="Text Placeholder 5"/>
           <p:cNvSpPr/>
           <p:nvPr/>
         </p:nvSpPr>
         <p:spPr>
           <a:xfrm>
             <a:off x="7543800" y="410400"/>
-            <a:ext cx="28800720" cy="2934360"/>
+            <a:ext cx="28800000" cy="2933640"/>
           </a:xfrm>
           <a:prstGeom prst="rect">
             <a:avLst/>
@@ -6802,14 +7011,14 @@
       </p:sp>
       <p:sp>
         <p:nvSpPr>
-          <p:cNvPr id="100" name="Text Placeholder 5"/>
+          <p:cNvPr id="101" name="Text Placeholder 5"/>
           <p:cNvSpPr/>
           <p:nvPr/>
         </p:nvSpPr>
         <p:spPr>
           <a:xfrm>
             <a:off x="1175040" y="3321000"/>
-            <a:ext cx="36572760" cy="2600640"/>
+            <a:ext cx="36572040" cy="2600640"/>
           </a:xfrm>
           <a:prstGeom prst="rect">
             <a:avLst/>
@@ -6920,14 +7129,14 @@
       </p:sp>
       <p:sp>
         <p:nvSpPr>
-          <p:cNvPr id="101" name="TextBox 19"/>
+          <p:cNvPr id="102" name="TextBox 19"/>
           <p:cNvSpPr/>
           <p:nvPr/>
         </p:nvSpPr>
         <p:spPr>
           <a:xfrm>
-            <a:off x="11633040" y="6666480"/>
-            <a:ext cx="9597960" cy="19400040"/>
+            <a:off x="11417040" y="6666480"/>
+            <a:ext cx="10071360" cy="15173640"/>
           </a:xfrm>
           <a:prstGeom prst="rect">
             <a:avLst/>
@@ -6948,27 +7157,42 @@
             <a:spAutoFit/>
           </a:bodyPr>
           <a:p>
-            <a:pPr marL="216000" indent="-216000" algn="just">
+            <a:pPr algn="just">
               <a:lnSpc>
                 <a:spcPct val="110000"/>
               </a:lnSpc>
-              <a:buClr>
-                <a:srgbClr val="000000"/>
-              </a:buClr>
-              <a:buFont typeface="Symbol" charset="2"/>
-              <a:buChar char=""/>
-            </a:pPr>
-            <a:r>
-              <a:rPr b="0" lang="en-US" sz="3200" spc="-1" strike="noStrike">
+            </a:pPr>
+            <a:r>
+              <a:rPr b="0" lang="en-US" sz="3600" spc="-1" strike="noStrike">
                 <a:solidFill>
                   <a:schemeClr val="dk1"/>
                 </a:solidFill>
                 <a:latin typeface="Open Sans"/>
                 <a:ea typeface="Open Sans"/>
               </a:rPr>
-              <a:t>Enclaves like Keystone provide hardware guarantees that data is safe from a malicious:</a:t>
-            </a:r>
-            <a:endParaRPr b="0" lang="en-US" sz="3200" spc="-1" strike="noStrike">
+              <a:t>Classical modeling methods are </a:t>
+            </a:r>
+            <a:r>
+              <a:rPr b="1" lang="en-US" sz="3600" spc="-1" strike="noStrike">
+                <a:solidFill>
+                  <a:schemeClr val="dk1"/>
+                </a:solidFill>
+                <a:latin typeface="Open Sans"/>
+                <a:ea typeface="Open Sans"/>
+              </a:rPr>
+              <a:t>expensive </a:t>
+            </a:r>
+            <a:r>
+              <a:rPr b="0" lang="en-US" sz="3600" spc="-1" strike="noStrike">
+                <a:solidFill>
+                  <a:schemeClr val="dk1"/>
+                </a:solidFill>
+                <a:latin typeface="Open Sans"/>
+                <a:ea typeface="Open Sans"/>
+              </a:rPr>
+              <a:t>due to an inability to scale for:</a:t>
+            </a:r>
+            <a:endParaRPr b="0" lang="en-US" sz="3600" spc="-1" strike="noStrike">
               <a:solidFill>
                 <a:srgbClr val="000000"/>
               </a:solidFill>
@@ -6984,20 +7208,20 @@
                 <a:srgbClr val="000000"/>
               </a:buClr>
               <a:buSzPct val="45000"/>
-              <a:buFont typeface="Symbol" charset="2"/>
-              <a:buChar char=""/>
-            </a:pPr>
-            <a:r>
-              <a:rPr b="0" lang="en-US" sz="3200" spc="-1" strike="noStrike">
+              <a:buFont typeface="Wingdings" charset="2"/>
+              <a:buChar char=""/>
+            </a:pPr>
+            <a:r>
+              <a:rPr b="0" lang="en-US" sz="3600" spc="-1" strike="noStrike">
                 <a:solidFill>
                   <a:schemeClr val="dk1"/>
                 </a:solidFill>
                 <a:latin typeface="Open Sans"/>
                 <a:ea typeface="Open Sans"/>
               </a:rPr>
-              <a:t>Application thread</a:t>
-            </a:r>
-            <a:endParaRPr b="0" lang="en-US" sz="3200" spc="-1" strike="noStrike">
+              <a:t>Large / dense domain sizes</a:t>
+            </a:r>
+            <a:endParaRPr b="0" lang="en-US" sz="3600" spc="-1" strike="noStrike">
               <a:solidFill>
                 <a:srgbClr val="000000"/>
               </a:solidFill>
@@ -7013,461 +7237,299 @@
                 <a:srgbClr val="000000"/>
               </a:buClr>
               <a:buSzPct val="45000"/>
-              <a:buFont typeface="Symbol" charset="2"/>
-              <a:buChar char=""/>
-            </a:pPr>
-            <a:r>
-              <a:rPr b="0" lang="en-US" sz="3200" spc="-1" strike="noStrike">
+              <a:buFont typeface="Wingdings" charset="2"/>
+              <a:buChar char=""/>
+            </a:pPr>
+            <a:r>
+              <a:rPr b="0" lang="en-US" sz="3600" spc="-1" strike="noStrike">
                 <a:solidFill>
                   <a:schemeClr val="dk1"/>
                 </a:solidFill>
                 <a:latin typeface="Open Sans"/>
                 <a:ea typeface="Open Sans"/>
               </a:rPr>
-              <a:t>Operating System</a:t>
-            </a:r>
-            <a:endParaRPr b="0" lang="en-US" sz="3200" spc="-1" strike="noStrike">
-              <a:solidFill>
-                <a:srgbClr val="000000"/>
-              </a:solidFill>
-              <a:latin typeface="Arial"/>
-            </a:endParaRPr>
-          </a:p>
-          <a:p>
-            <a:pPr lvl="1" marL="432000" indent="-216000" algn="just">
+              <a:t>Long-term model stability</a:t>
+            </a:r>
+            <a:endParaRPr b="0" lang="en-US" sz="3600" spc="-1" strike="noStrike">
+              <a:solidFill>
+                <a:srgbClr val="000000"/>
+              </a:solidFill>
+              <a:latin typeface="Arial"/>
+            </a:endParaRPr>
+          </a:p>
+          <a:p>
+            <a:pPr algn="just">
               <a:lnSpc>
                 <a:spcPct val="110000"/>
               </a:lnSpc>
-              <a:buClr>
-                <a:srgbClr val="000000"/>
-              </a:buClr>
-              <a:buSzPct val="45000"/>
-              <a:buFont typeface="Symbol" charset="2"/>
-              <a:buChar char=""/>
-            </a:pPr>
-            <a:r>
-              <a:rPr b="0" lang="en-US" sz="3200" spc="-1" strike="noStrike">
+            </a:pPr>
+            <a:endParaRPr b="0" lang="en-US" sz="3600" spc="-1" strike="noStrike">
+              <a:solidFill>
+                <a:srgbClr val="000000"/>
+              </a:solidFill>
+              <a:latin typeface="Arial"/>
+            </a:endParaRPr>
+          </a:p>
+          <a:p>
+            <a:pPr algn="just">
+              <a:lnSpc>
+                <a:spcPct val="110000"/>
+              </a:lnSpc>
+            </a:pPr>
+            <a:r>
+              <a:rPr b="0" lang="en-US" sz="3600" spc="-1" strike="noStrike">
                 <a:solidFill>
                   <a:schemeClr val="dk1"/>
                 </a:solidFill>
                 <a:latin typeface="Open Sans"/>
                 <a:ea typeface="Open Sans"/>
               </a:rPr>
-              <a:t>Remote User</a:t>
-            </a:r>
-            <a:endParaRPr b="0" lang="en-US" sz="3200" spc="-1" strike="noStrike">
-              <a:solidFill>
-                <a:srgbClr val="000000"/>
-              </a:solidFill>
-              <a:latin typeface="Arial"/>
-            </a:endParaRPr>
-          </a:p>
-          <a:p>
-            <a:pPr algn="just">
-              <a:lnSpc>
-                <a:spcPct val="110000"/>
-              </a:lnSpc>
-            </a:pPr>
-            <a:endParaRPr b="0" lang="en-US" sz="3200" spc="-1" strike="noStrike">
-              <a:solidFill>
-                <a:srgbClr val="000000"/>
-              </a:solidFill>
-              <a:latin typeface="Arial"/>
-            </a:endParaRPr>
-          </a:p>
-          <a:p>
-            <a:pPr algn="just">
-              <a:lnSpc>
-                <a:spcPct val="110000"/>
-              </a:lnSpc>
-            </a:pPr>
-            <a:endParaRPr b="0" lang="en-US" sz="3200" spc="-1" strike="noStrike">
-              <a:solidFill>
-                <a:srgbClr val="000000"/>
-              </a:solidFill>
-              <a:latin typeface="Arial"/>
-            </a:endParaRPr>
-          </a:p>
-          <a:p>
-            <a:pPr algn="just">
-              <a:lnSpc>
-                <a:spcPct val="110000"/>
-              </a:lnSpc>
-            </a:pPr>
-            <a:endParaRPr b="0" lang="en-US" sz="3200" spc="-1" strike="noStrike">
-              <a:solidFill>
-                <a:srgbClr val="000000"/>
-              </a:solidFill>
-              <a:latin typeface="Arial"/>
-            </a:endParaRPr>
-          </a:p>
-          <a:p>
-            <a:pPr algn="just">
-              <a:lnSpc>
-                <a:spcPct val="110000"/>
-              </a:lnSpc>
-            </a:pPr>
-            <a:endParaRPr b="0" lang="en-US" sz="3200" spc="-1" strike="noStrike">
-              <a:solidFill>
-                <a:srgbClr val="000000"/>
-              </a:solidFill>
-              <a:latin typeface="Arial"/>
-            </a:endParaRPr>
-          </a:p>
-          <a:p>
-            <a:pPr algn="just">
-              <a:lnSpc>
-                <a:spcPct val="110000"/>
-              </a:lnSpc>
-            </a:pPr>
-            <a:endParaRPr b="0" lang="en-US" sz="3200" spc="-1" strike="noStrike">
-              <a:solidFill>
-                <a:srgbClr val="000000"/>
-              </a:solidFill>
-              <a:latin typeface="Arial"/>
-            </a:endParaRPr>
-          </a:p>
-          <a:p>
-            <a:pPr algn="just">
-              <a:lnSpc>
-                <a:spcPct val="110000"/>
-              </a:lnSpc>
-            </a:pPr>
-            <a:endParaRPr b="0" lang="en-US" sz="3200" spc="-1" strike="noStrike">
-              <a:solidFill>
-                <a:srgbClr val="000000"/>
-              </a:solidFill>
-              <a:latin typeface="Arial"/>
-            </a:endParaRPr>
-          </a:p>
-          <a:p>
-            <a:pPr algn="just">
-              <a:lnSpc>
-                <a:spcPct val="110000"/>
-              </a:lnSpc>
-            </a:pPr>
-            <a:endParaRPr b="0" lang="en-US" sz="3200" spc="-1" strike="noStrike">
-              <a:solidFill>
-                <a:srgbClr val="000000"/>
-              </a:solidFill>
-              <a:latin typeface="Arial"/>
-            </a:endParaRPr>
-          </a:p>
-          <a:p>
-            <a:pPr algn="just">
-              <a:lnSpc>
-                <a:spcPct val="110000"/>
-              </a:lnSpc>
-            </a:pPr>
-            <a:endParaRPr b="0" lang="en-US" sz="3200" spc="-1" strike="noStrike">
-              <a:solidFill>
-                <a:srgbClr val="000000"/>
-              </a:solidFill>
-              <a:latin typeface="Arial"/>
-            </a:endParaRPr>
-          </a:p>
-          <a:p>
-            <a:pPr algn="just">
-              <a:lnSpc>
-                <a:spcPct val="110000"/>
-              </a:lnSpc>
-            </a:pPr>
-            <a:endParaRPr b="0" lang="en-US" sz="3200" spc="-1" strike="noStrike">
-              <a:solidFill>
-                <a:srgbClr val="000000"/>
-              </a:solidFill>
-              <a:latin typeface="Arial"/>
-            </a:endParaRPr>
-          </a:p>
-          <a:p>
-            <a:pPr algn="just">
-              <a:lnSpc>
-                <a:spcPct val="110000"/>
-              </a:lnSpc>
-            </a:pPr>
-            <a:endParaRPr b="0" lang="en-US" sz="3200" spc="-1" strike="noStrike">
-              <a:solidFill>
-                <a:srgbClr val="000000"/>
-              </a:solidFill>
-              <a:latin typeface="Arial"/>
-            </a:endParaRPr>
-          </a:p>
-          <a:p>
-            <a:pPr algn="just">
-              <a:lnSpc>
-                <a:spcPct val="110000"/>
-              </a:lnSpc>
-            </a:pPr>
-            <a:endParaRPr b="0" lang="en-US" sz="3200" spc="-1" strike="noStrike">
-              <a:solidFill>
-                <a:srgbClr val="000000"/>
-              </a:solidFill>
-              <a:latin typeface="Arial"/>
-            </a:endParaRPr>
-          </a:p>
-          <a:p>
-            <a:pPr marL="216000" indent="-216000" algn="just">
-              <a:lnSpc>
-                <a:spcPct val="110000"/>
-              </a:lnSpc>
-              <a:buClr>
-                <a:srgbClr val="000000"/>
-              </a:buClr>
-              <a:buFont typeface="Symbol" charset="2"/>
-              <a:buChar char=""/>
-            </a:pPr>
-            <a:r>
-              <a:rPr b="0" lang="en-US" sz="3200" spc="-1" strike="noStrike">
+              <a:t>We are interested in making quantum algorithms for modeling complex systems viable for </a:t>
+            </a:r>
+            <a:r>
+              <a:rPr b="1" lang="en-US" sz="3600" spc="-1" strike="noStrike">
                 <a:solidFill>
                   <a:schemeClr val="dk1"/>
                 </a:solidFill>
                 <a:latin typeface="Open Sans"/>
                 <a:ea typeface="Open Sans"/>
               </a:rPr>
-              <a:t>Keystone segments memory &amp; defines rules for different threads</a:t>
-            </a:r>
-            <a:endParaRPr b="0" lang="en-US" sz="3200" spc="-1" strike="noStrike">
-              <a:solidFill>
-                <a:srgbClr val="000000"/>
-              </a:solidFill>
-              <a:latin typeface="Arial"/>
-            </a:endParaRPr>
-          </a:p>
-          <a:p>
-            <a:pPr algn="just">
-              <a:lnSpc>
-                <a:spcPct val="110000"/>
-              </a:lnSpc>
-            </a:pPr>
-            <a:endParaRPr b="0" lang="en-US" sz="3200" spc="-1" strike="noStrike">
-              <a:solidFill>
-                <a:srgbClr val="000000"/>
-              </a:solidFill>
-              <a:latin typeface="Arial"/>
-            </a:endParaRPr>
-          </a:p>
-          <a:p>
-            <a:pPr algn="just">
-              <a:lnSpc>
-                <a:spcPct val="110000"/>
-              </a:lnSpc>
-            </a:pPr>
-            <a:endParaRPr b="0" lang="en-US" sz="3200" spc="-1" strike="noStrike">
-              <a:solidFill>
-                <a:srgbClr val="000000"/>
-              </a:solidFill>
-              <a:latin typeface="Arial"/>
-            </a:endParaRPr>
-          </a:p>
-          <a:p>
-            <a:pPr algn="just">
-              <a:lnSpc>
-                <a:spcPct val="110000"/>
-              </a:lnSpc>
-            </a:pPr>
-            <a:endParaRPr b="0" lang="en-US" sz="3200" spc="-1" strike="noStrike">
-              <a:solidFill>
-                <a:srgbClr val="000000"/>
-              </a:solidFill>
-              <a:latin typeface="Arial"/>
-            </a:endParaRPr>
-          </a:p>
-          <a:p>
-            <a:pPr algn="just">
-              <a:lnSpc>
-                <a:spcPct val="110000"/>
-              </a:lnSpc>
-            </a:pPr>
-            <a:endParaRPr b="0" lang="en-US" sz="3200" spc="-1" strike="noStrike">
-              <a:solidFill>
-                <a:srgbClr val="000000"/>
-              </a:solidFill>
-              <a:latin typeface="Arial"/>
-            </a:endParaRPr>
-          </a:p>
-          <a:p>
-            <a:pPr algn="just">
-              <a:lnSpc>
-                <a:spcPct val="110000"/>
-              </a:lnSpc>
-            </a:pPr>
-            <a:endParaRPr b="0" lang="en-US" sz="3200" spc="-1" strike="noStrike">
-              <a:solidFill>
-                <a:srgbClr val="000000"/>
-              </a:solidFill>
-              <a:latin typeface="Arial"/>
-            </a:endParaRPr>
-          </a:p>
-          <a:p>
-            <a:pPr algn="just">
-              <a:lnSpc>
-                <a:spcPct val="110000"/>
-              </a:lnSpc>
-            </a:pPr>
-            <a:endParaRPr b="0" lang="en-US" sz="3200" spc="-1" strike="noStrike">
-              <a:solidFill>
-                <a:srgbClr val="000000"/>
-              </a:solidFill>
-              <a:latin typeface="Arial"/>
-            </a:endParaRPr>
-          </a:p>
-          <a:p>
-            <a:pPr algn="just">
-              <a:lnSpc>
-                <a:spcPct val="110000"/>
-              </a:lnSpc>
-            </a:pPr>
-            <a:endParaRPr b="0" lang="en-US" sz="3200" spc="-1" strike="noStrike">
-              <a:solidFill>
-                <a:srgbClr val="000000"/>
-              </a:solidFill>
-              <a:latin typeface="Arial"/>
-            </a:endParaRPr>
-          </a:p>
-          <a:p>
-            <a:pPr algn="just">
-              <a:lnSpc>
-                <a:spcPct val="110000"/>
-              </a:lnSpc>
-            </a:pPr>
-            <a:endParaRPr b="0" lang="en-US" sz="3200" spc="-1" strike="noStrike">
-              <a:solidFill>
-                <a:srgbClr val="000000"/>
-              </a:solidFill>
-              <a:latin typeface="Arial"/>
-            </a:endParaRPr>
-          </a:p>
-          <a:p>
-            <a:pPr algn="just">
-              <a:lnSpc>
-                <a:spcPct val="110000"/>
-              </a:lnSpc>
-            </a:pPr>
-            <a:endParaRPr b="0" lang="en-US" sz="3200" spc="-1" strike="noStrike">
-              <a:solidFill>
-                <a:srgbClr val="000000"/>
-              </a:solidFill>
-              <a:latin typeface="Arial"/>
-            </a:endParaRPr>
-          </a:p>
-          <a:p>
-            <a:pPr algn="just">
-              <a:lnSpc>
-                <a:spcPct val="110000"/>
-              </a:lnSpc>
-            </a:pPr>
-            <a:endParaRPr b="0" lang="en-US" sz="3200" spc="-1" strike="noStrike">
-              <a:solidFill>
-                <a:srgbClr val="000000"/>
-              </a:solidFill>
-              <a:latin typeface="Arial"/>
-            </a:endParaRPr>
-          </a:p>
-          <a:p>
-            <a:pPr algn="just">
-              <a:lnSpc>
-                <a:spcPct val="110000"/>
-              </a:lnSpc>
-            </a:pPr>
-            <a:endParaRPr b="0" lang="en-US" sz="3200" spc="-1" strike="noStrike">
-              <a:solidFill>
-                <a:srgbClr val="000000"/>
-              </a:solidFill>
-              <a:latin typeface="Arial"/>
-            </a:endParaRPr>
-          </a:p>
-          <a:p>
-            <a:pPr algn="just">
-              <a:lnSpc>
-                <a:spcPct val="110000"/>
-              </a:lnSpc>
-            </a:pPr>
-            <a:endParaRPr b="0" lang="en-US" sz="3200" spc="-1" strike="noStrike">
-              <a:solidFill>
-                <a:srgbClr val="000000"/>
-              </a:solidFill>
-              <a:latin typeface="Arial"/>
-            </a:endParaRPr>
-          </a:p>
-          <a:p>
-            <a:pPr algn="just">
-              <a:lnSpc>
-                <a:spcPct val="110000"/>
-              </a:lnSpc>
-            </a:pPr>
-            <a:endParaRPr b="0" lang="en-US" sz="3200" spc="-1" strike="noStrike">
-              <a:solidFill>
-                <a:srgbClr val="000000"/>
-              </a:solidFill>
-              <a:latin typeface="Arial"/>
-            </a:endParaRPr>
-          </a:p>
-          <a:p>
-            <a:pPr algn="just">
-              <a:lnSpc>
-                <a:spcPct val="110000"/>
-              </a:lnSpc>
-            </a:pPr>
-            <a:endParaRPr b="0" lang="en-US" sz="3200" spc="-1" strike="noStrike">
-              <a:solidFill>
-                <a:srgbClr val="000000"/>
-              </a:solidFill>
-              <a:latin typeface="Arial"/>
-            </a:endParaRPr>
-          </a:p>
-          <a:p>
-            <a:pPr algn="just">
-              <a:lnSpc>
-                <a:spcPct val="110000"/>
-              </a:lnSpc>
-            </a:pPr>
-            <a:endParaRPr b="0" lang="en-US" sz="3200" spc="-1" strike="noStrike">
-              <a:solidFill>
-                <a:srgbClr val="000000"/>
-              </a:solidFill>
-              <a:latin typeface="Arial"/>
-            </a:endParaRPr>
-          </a:p>
-          <a:p>
-            <a:pPr marL="216000" indent="-216000" algn="just">
-              <a:lnSpc>
-                <a:spcPct val="110000"/>
-              </a:lnSpc>
-              <a:buClr>
-                <a:srgbClr val="000000"/>
-              </a:buClr>
-              <a:buFont typeface="Symbol" charset="2"/>
-              <a:buChar char=""/>
-            </a:pPr>
-            <a:r>
-              <a:rPr b="0" lang="en-US" sz="3200" spc="-1" strike="noStrike">
+              <a:t>execution on real quantum hardware</a:t>
+            </a:r>
+            <a:r>
+              <a:rPr b="0" lang="en-US" sz="3600" spc="-1" strike="noStrike">
                 <a:solidFill>
                   <a:schemeClr val="dk1"/>
                 </a:solidFill>
                 <a:latin typeface="Open Sans"/>
                 <a:ea typeface="Open Sans"/>
               </a:rPr>
-              <a:t>Contributions have been proposed to extend the security of Keystone by providing secure memory protocols</a:t>
-            </a:r>
-            <a:endParaRPr b="0" lang="en-US" sz="3200" spc="-1" strike="noStrike">
-              <a:solidFill>
-                <a:srgbClr val="000000"/>
-              </a:solidFill>
-              <a:latin typeface="Arial"/>
-            </a:endParaRPr>
-          </a:p>
-        </p:txBody>
-      </p:sp>
-      <p:sp>
-        <p:nvSpPr>
-          <p:cNvPr id="102" name="TextBox 19"/>
+              <a:t>.</a:t>
+            </a:r>
+            <a:endParaRPr b="0" lang="en-US" sz="3600" spc="-1" strike="noStrike">
+              <a:solidFill>
+                <a:srgbClr val="000000"/>
+              </a:solidFill>
+              <a:latin typeface="Arial"/>
+            </a:endParaRPr>
+          </a:p>
+          <a:p>
+            <a:pPr algn="just">
+              <a:lnSpc>
+                <a:spcPct val="110000"/>
+              </a:lnSpc>
+            </a:pPr>
+            <a:endParaRPr b="0" lang="en-US" sz="3600" spc="-1" strike="noStrike">
+              <a:solidFill>
+                <a:srgbClr val="000000"/>
+              </a:solidFill>
+              <a:latin typeface="Arial"/>
+            </a:endParaRPr>
+          </a:p>
+          <a:p>
+            <a:pPr algn="just">
+              <a:lnSpc>
+                <a:spcPct val="110000"/>
+              </a:lnSpc>
+            </a:pPr>
+            <a:endParaRPr b="0" lang="en-US" sz="3600" spc="-1" strike="noStrike">
+              <a:solidFill>
+                <a:srgbClr val="000000"/>
+              </a:solidFill>
+              <a:latin typeface="Arial"/>
+            </a:endParaRPr>
+          </a:p>
+          <a:p>
+            <a:pPr algn="just">
+              <a:lnSpc>
+                <a:spcPct val="110000"/>
+              </a:lnSpc>
+            </a:pPr>
+            <a:endParaRPr b="0" lang="en-US" sz="3600" spc="-1" strike="noStrike">
+              <a:solidFill>
+                <a:srgbClr val="000000"/>
+              </a:solidFill>
+              <a:latin typeface="Arial"/>
+            </a:endParaRPr>
+          </a:p>
+          <a:p>
+            <a:pPr algn="just">
+              <a:lnSpc>
+                <a:spcPct val="110000"/>
+              </a:lnSpc>
+            </a:pPr>
+            <a:endParaRPr b="0" lang="en-US" sz="3600" spc="-1" strike="noStrike">
+              <a:solidFill>
+                <a:srgbClr val="000000"/>
+              </a:solidFill>
+              <a:latin typeface="Arial"/>
+            </a:endParaRPr>
+          </a:p>
+          <a:p>
+            <a:pPr algn="just">
+              <a:lnSpc>
+                <a:spcPct val="110000"/>
+              </a:lnSpc>
+            </a:pPr>
+            <a:endParaRPr b="0" lang="en-US" sz="3600" spc="-1" strike="noStrike">
+              <a:solidFill>
+                <a:srgbClr val="000000"/>
+              </a:solidFill>
+              <a:latin typeface="Arial"/>
+            </a:endParaRPr>
+          </a:p>
+          <a:p>
+            <a:pPr algn="just">
+              <a:lnSpc>
+                <a:spcPct val="110000"/>
+              </a:lnSpc>
+            </a:pPr>
+            <a:endParaRPr b="0" lang="en-US" sz="3600" spc="-1" strike="noStrike">
+              <a:solidFill>
+                <a:srgbClr val="000000"/>
+              </a:solidFill>
+              <a:latin typeface="Arial"/>
+            </a:endParaRPr>
+          </a:p>
+          <a:p>
+            <a:pPr algn="just">
+              <a:lnSpc>
+                <a:spcPct val="110000"/>
+              </a:lnSpc>
+            </a:pPr>
+            <a:endParaRPr b="0" lang="en-US" sz="3600" spc="-1" strike="noStrike">
+              <a:solidFill>
+                <a:srgbClr val="000000"/>
+              </a:solidFill>
+              <a:latin typeface="Arial"/>
+            </a:endParaRPr>
+          </a:p>
+          <a:p>
+            <a:pPr algn="just">
+              <a:lnSpc>
+                <a:spcPct val="110000"/>
+              </a:lnSpc>
+            </a:pPr>
+            <a:endParaRPr b="0" lang="en-US" sz="3600" spc="-1" strike="noStrike">
+              <a:solidFill>
+                <a:srgbClr val="000000"/>
+              </a:solidFill>
+              <a:latin typeface="Arial"/>
+            </a:endParaRPr>
+          </a:p>
+          <a:p>
+            <a:pPr algn="just">
+              <a:lnSpc>
+                <a:spcPct val="110000"/>
+              </a:lnSpc>
+            </a:pPr>
+            <a:endParaRPr b="0" lang="en-US" sz="3600" spc="-1" strike="noStrike">
+              <a:solidFill>
+                <a:srgbClr val="000000"/>
+              </a:solidFill>
+              <a:latin typeface="Arial"/>
+            </a:endParaRPr>
+          </a:p>
+          <a:p>
+            <a:pPr algn="just">
+              <a:lnSpc>
+                <a:spcPct val="110000"/>
+              </a:lnSpc>
+            </a:pPr>
+            <a:endParaRPr b="0" lang="en-US" sz="3600" spc="-1" strike="noStrike">
+              <a:solidFill>
+                <a:srgbClr val="000000"/>
+              </a:solidFill>
+              <a:latin typeface="Arial"/>
+            </a:endParaRPr>
+          </a:p>
+          <a:p>
+            <a:pPr algn="just">
+              <a:lnSpc>
+                <a:spcPct val="110000"/>
+              </a:lnSpc>
+            </a:pPr>
+            <a:endParaRPr b="0" lang="en-US" sz="3600" spc="-1" strike="noStrike">
+              <a:solidFill>
+                <a:srgbClr val="000000"/>
+              </a:solidFill>
+              <a:latin typeface="Arial"/>
+            </a:endParaRPr>
+          </a:p>
+          <a:p>
+            <a:pPr algn="just">
+              <a:lnSpc>
+                <a:spcPct val="110000"/>
+              </a:lnSpc>
+            </a:pPr>
+            <a:endParaRPr b="0" lang="en-US" sz="3600" spc="-1" strike="noStrike">
+              <a:solidFill>
+                <a:srgbClr val="000000"/>
+              </a:solidFill>
+              <a:latin typeface="Arial"/>
+            </a:endParaRPr>
+          </a:p>
+          <a:p>
+            <a:pPr algn="just">
+              <a:lnSpc>
+                <a:spcPct val="110000"/>
+              </a:lnSpc>
+            </a:pPr>
+            <a:endParaRPr b="0" lang="en-US" sz="3600" spc="-1" strike="noStrike">
+              <a:solidFill>
+                <a:srgbClr val="000000"/>
+              </a:solidFill>
+              <a:latin typeface="Arial"/>
+            </a:endParaRPr>
+          </a:p>
+          <a:p>
+            <a:pPr algn="just">
+              <a:lnSpc>
+                <a:spcPct val="110000"/>
+              </a:lnSpc>
+            </a:pPr>
+            <a:endParaRPr b="0" lang="en-US" sz="3600" spc="-1" strike="noStrike">
+              <a:solidFill>
+                <a:srgbClr val="000000"/>
+              </a:solidFill>
+              <a:latin typeface="Arial"/>
+            </a:endParaRPr>
+          </a:p>
+          <a:p>
+            <a:pPr algn="just">
+              <a:lnSpc>
+                <a:spcPct val="110000"/>
+              </a:lnSpc>
+            </a:pPr>
+            <a:r>
+              <a:rPr b="0" lang="en-US" sz="3600" spc="-1" strike="noStrike">
+                <a:solidFill>
+                  <a:schemeClr val="dk1"/>
+                </a:solidFill>
+                <a:latin typeface="Open Sans"/>
+                <a:ea typeface="Open Sans"/>
+              </a:rPr>
+              <a:t>The target application dictates all other aspects of this framework.</a:t>
+            </a:r>
+            <a:endParaRPr b="0" lang="en-US" sz="3600" spc="-1" strike="noStrike">
+              <a:solidFill>
+                <a:srgbClr val="000000"/>
+              </a:solidFill>
+              <a:latin typeface="Arial"/>
+            </a:endParaRPr>
+          </a:p>
+        </p:txBody>
+      </p:sp>
+      <p:sp>
+        <p:nvSpPr>
+          <p:cNvPr id="103" name="TextBox 19"/>
           <p:cNvSpPr/>
           <p:nvPr/>
         </p:nvSpPr>
         <p:spPr>
           <a:xfrm>
-            <a:off x="22656960" y="6666480"/>
-            <a:ext cx="9597960" cy="23777640"/>
+            <a:off x="22368960" y="6666480"/>
+            <a:ext cx="10128240" cy="22548600"/>
           </a:xfrm>
           <a:prstGeom prst="rect">
             <a:avLst/>
@@ -7488,7 +7550,36 @@
             <a:spAutoFit/>
           </a:bodyPr>
           <a:p>
-            <a:pPr marL="216000" indent="-216000" algn="just">
+            <a:pPr algn="just">
+              <a:lnSpc>
+                <a:spcPct val="110000"/>
+              </a:lnSpc>
+              <a:spcBef>
+                <a:spcPts val="283"/>
+              </a:spcBef>
+              <a:spcAft>
+                <a:spcPts val="283"/>
+              </a:spcAft>
+            </a:pPr>
+            <a:r>
+              <a:rPr b="0" lang="en-US" sz="3600" spc="-1" strike="noStrike">
+                <a:solidFill>
+                  <a:schemeClr val="dk1"/>
+                </a:solidFill>
+                <a:latin typeface="Open Sans"/>
+                <a:ea typeface="Open Sans"/>
+              </a:rPr>
+              <a:t>NVIDIAs quantum SDK, CUDA-Q enables:</a:t>
+            </a:r>
+            <a:endParaRPr b="0" lang="en-US" sz="3600" spc="-1" strike="noStrike">
+              <a:solidFill>
+                <a:srgbClr val="000000"/>
+              </a:solidFill>
+              <a:latin typeface="Arial"/>
+            </a:endParaRPr>
+          </a:p>
+          <a:p>
+            <a:pPr lvl="1" marL="432000" indent="-216000" algn="just">
               <a:lnSpc>
                 <a:spcPct val="110000"/>
               </a:lnSpc>
@@ -7501,47 +7592,29 @@
               <a:buClr>
                 <a:srgbClr val="000000"/>
               </a:buClr>
-              <a:buFont typeface="Symbol" charset="2"/>
-              <a:buChar char=""/>
-            </a:pPr>
-            <a:r>
-              <a:rPr b="0" lang="en-US" sz="3200" spc="-1" strike="noStrike">
+              <a:buSzPct val="45000"/>
+              <a:buFont typeface="Wingdings" charset="2"/>
+              <a:buChar char=""/>
+            </a:pPr>
+            <a:r>
+              <a:rPr b="0" lang="en-US" sz="3600" spc="-1" strike="noStrike">
                 <a:solidFill>
                   <a:schemeClr val="dk1"/>
                 </a:solidFill>
                 <a:latin typeface="Open Sans"/>
                 <a:ea typeface="Open Sans"/>
               </a:rPr>
-              <a:t>gem5 presents architectural design as typical class structures with attributes based on the behavior of the real world component</a:t>
-            </a:r>
-            <a:endParaRPr b="0" lang="en-US" sz="3200" spc="-1" strike="noStrike">
-              <a:solidFill>
-                <a:srgbClr val="000000"/>
-              </a:solidFill>
-              <a:latin typeface="Arial"/>
-            </a:endParaRPr>
-          </a:p>
-          <a:p>
-            <a:pPr algn="just">
-              <a:lnSpc>
-                <a:spcPct val="110000"/>
-              </a:lnSpc>
-              <a:spcBef>
-                <a:spcPts val="283"/>
-              </a:spcBef>
-              <a:spcAft>
-                <a:spcPts val="283"/>
-              </a:spcAft>
-            </a:pPr>
-            <a:endParaRPr b="0" lang="en-US" sz="3200" spc="-1" strike="noStrike">
-              <a:solidFill>
-                <a:srgbClr val="000000"/>
-              </a:solidFill>
-              <a:latin typeface="Arial"/>
-            </a:endParaRPr>
-          </a:p>
-          <a:p>
-            <a:pPr marL="216000" indent="-216000" algn="just">
+              <a:t>Parallelization</a:t>
+            </a:r>
+            <a:endParaRPr b="0" lang="en-US" sz="3600" spc="-1" strike="noStrike">
+              <a:solidFill>
+                <a:srgbClr val="000000"/>
+              </a:solidFill>
+              <a:latin typeface="Arial"/>
+            </a:endParaRPr>
+          </a:p>
+          <a:p>
+            <a:pPr lvl="1" marL="432000" indent="-216000" algn="just">
               <a:lnSpc>
                 <a:spcPct val="110000"/>
               </a:lnSpc>
@@ -7554,572 +7627,29 @@
               <a:buClr>
                 <a:srgbClr val="000000"/>
               </a:buClr>
-              <a:buFont typeface="Symbol" charset="2"/>
-              <a:buChar char=""/>
-            </a:pPr>
-            <a:r>
-              <a:rPr b="0" lang="en-US" sz="3200" spc="-1" strike="noStrike">
+              <a:buSzPct val="45000"/>
+              <a:buFont typeface="Wingdings" charset="2"/>
+              <a:buChar char=""/>
+            </a:pPr>
+            <a:r>
+              <a:rPr b="0" lang="en-US" sz="3600" spc="-1" strike="noStrike">
                 <a:solidFill>
                   <a:schemeClr val="dk1"/>
                 </a:solidFill>
                 <a:latin typeface="Open Sans"/>
                 <a:ea typeface="Open Sans"/>
               </a:rPr>
-              <a:t>For example, to properly connect the PMP to the proposed ePMP, it is either necessary to write a new:</a:t>
-            </a:r>
-            <a:endParaRPr b="0" lang="en-US" sz="3200" spc="-1" strike="noStrike">
-              <a:solidFill>
-                <a:srgbClr val="000000"/>
-              </a:solidFill>
-              <a:latin typeface="Arial"/>
-            </a:endParaRPr>
-          </a:p>
-          <a:p>
-            <a:pPr algn="just">
-              <a:lnSpc>
-                <a:spcPct val="110000"/>
-              </a:lnSpc>
-              <a:spcBef>
-                <a:spcPts val="283"/>
-              </a:spcBef>
-              <a:spcAft>
-                <a:spcPts val="283"/>
-              </a:spcAft>
-            </a:pPr>
-            <a:r>
-              <a:rPr b="0" lang="en-US" sz="3200" spc="-1" strike="noStrike">
-                <a:solidFill>
-                  <a:schemeClr val="dk1"/>
-                </a:solidFill>
-                <a:latin typeface="Open Sans"/>
-                <a:ea typeface="Open Sans"/>
-              </a:rPr>
-              <a:t>	</a:t>
-            </a:r>
-            <a:r>
-              <a:rPr b="0" lang="en-US" sz="3200" spc="-1" strike="noStrike">
-                <a:solidFill>
-                  <a:schemeClr val="dk1"/>
-                </a:solidFill>
-                <a:latin typeface="Open Sans"/>
-                <a:ea typeface="Open Sans"/>
-              </a:rPr>
-              <a:t>- Packet type, bypassing the cache hierarchy</a:t>
-            </a:r>
-            <a:endParaRPr b="0" lang="en-US" sz="3200" spc="-1" strike="noStrike">
-              <a:solidFill>
-                <a:srgbClr val="000000"/>
-              </a:solidFill>
-              <a:latin typeface="Arial"/>
-            </a:endParaRPr>
-          </a:p>
-          <a:p>
-            <a:pPr algn="just">
-              <a:lnSpc>
-                <a:spcPct val="110000"/>
-              </a:lnSpc>
-              <a:spcBef>
-                <a:spcPts val="283"/>
-              </a:spcBef>
-              <a:spcAft>
-                <a:spcPts val="283"/>
-              </a:spcAft>
-            </a:pPr>
-            <a:r>
-              <a:rPr b="0" lang="en-US" sz="3200" spc="-1" strike="noStrike">
-                <a:solidFill>
-                  <a:schemeClr val="dk1"/>
-                </a:solidFill>
-                <a:latin typeface="Open Sans"/>
-                <a:ea typeface="Open Sans"/>
-              </a:rPr>
-              <a:t>Or</a:t>
-            </a:r>
-            <a:endParaRPr b="0" lang="en-US" sz="3200" spc="-1" strike="noStrike">
-              <a:solidFill>
-                <a:srgbClr val="000000"/>
-              </a:solidFill>
-              <a:latin typeface="Arial"/>
-            </a:endParaRPr>
-          </a:p>
-          <a:p>
-            <a:pPr algn="just">
-              <a:lnSpc>
-                <a:spcPct val="110000"/>
-              </a:lnSpc>
-              <a:spcBef>
-                <a:spcPts val="283"/>
-              </a:spcBef>
-              <a:spcAft>
-                <a:spcPts val="283"/>
-              </a:spcAft>
-            </a:pPr>
-            <a:r>
-              <a:rPr b="0" lang="en-US" sz="3200" spc="-1" strike="noStrike">
-                <a:solidFill>
-                  <a:schemeClr val="dk1"/>
-                </a:solidFill>
-                <a:latin typeface="Open Sans"/>
-                <a:ea typeface="Open Sans"/>
-              </a:rPr>
-              <a:t>	</a:t>
-            </a:r>
-            <a:r>
-              <a:rPr b="0" lang="en-US" sz="3200" spc="-1" strike="noStrike">
-                <a:solidFill>
-                  <a:schemeClr val="dk1"/>
-                </a:solidFill>
-                <a:latin typeface="Open Sans"/>
-                <a:ea typeface="Open Sans"/>
-              </a:rPr>
-              <a:t>- Port type directly connecting the core(s) to the Memory Encryption Engine </a:t>
-            </a:r>
-            <a:endParaRPr b="0" lang="en-US" sz="3200" spc="-1" strike="noStrike">
-              <a:solidFill>
-                <a:srgbClr val="000000"/>
-              </a:solidFill>
-              <a:latin typeface="Arial"/>
-            </a:endParaRPr>
-          </a:p>
-          <a:p>
-            <a:pPr algn="just">
-              <a:lnSpc>
-                <a:spcPct val="110000"/>
-              </a:lnSpc>
-              <a:spcBef>
-                <a:spcPts val="283"/>
-              </a:spcBef>
-              <a:spcAft>
-                <a:spcPts val="283"/>
-              </a:spcAft>
-            </a:pPr>
-            <a:endParaRPr b="0" lang="en-US" sz="3200" spc="-1" strike="noStrike">
-              <a:solidFill>
-                <a:srgbClr val="000000"/>
-              </a:solidFill>
-              <a:latin typeface="Arial"/>
-            </a:endParaRPr>
-          </a:p>
-          <a:p>
-            <a:pPr algn="just">
-              <a:lnSpc>
-                <a:spcPct val="110000"/>
-              </a:lnSpc>
-              <a:spcBef>
-                <a:spcPts val="283"/>
-              </a:spcBef>
-              <a:spcAft>
-                <a:spcPts val="283"/>
-              </a:spcAft>
-            </a:pPr>
-            <a:endParaRPr b="0" lang="en-US" sz="3200" spc="-1" strike="noStrike">
-              <a:solidFill>
-                <a:srgbClr val="000000"/>
-              </a:solidFill>
-              <a:latin typeface="Arial"/>
-            </a:endParaRPr>
-          </a:p>
-          <a:p>
-            <a:pPr algn="just">
-              <a:lnSpc>
-                <a:spcPct val="110000"/>
-              </a:lnSpc>
-              <a:spcBef>
-                <a:spcPts val="283"/>
-              </a:spcBef>
-              <a:spcAft>
-                <a:spcPts val="283"/>
-              </a:spcAft>
-            </a:pPr>
-            <a:endParaRPr b="0" lang="en-US" sz="3200" spc="-1" strike="noStrike">
-              <a:solidFill>
-                <a:srgbClr val="000000"/>
-              </a:solidFill>
-              <a:latin typeface="Arial"/>
-            </a:endParaRPr>
-          </a:p>
-          <a:p>
-            <a:pPr algn="just">
-              <a:lnSpc>
-                <a:spcPct val="110000"/>
-              </a:lnSpc>
-              <a:spcBef>
-                <a:spcPts val="283"/>
-              </a:spcBef>
-              <a:spcAft>
-                <a:spcPts val="283"/>
-              </a:spcAft>
-            </a:pPr>
-            <a:endParaRPr b="0" lang="en-US" sz="3200" spc="-1" strike="noStrike">
-              <a:solidFill>
-                <a:srgbClr val="000000"/>
-              </a:solidFill>
-              <a:latin typeface="Arial"/>
-            </a:endParaRPr>
-          </a:p>
-          <a:p>
-            <a:pPr algn="just">
-              <a:lnSpc>
-                <a:spcPct val="110000"/>
-              </a:lnSpc>
-              <a:spcBef>
-                <a:spcPts val="283"/>
-              </a:spcBef>
-              <a:spcAft>
-                <a:spcPts val="283"/>
-              </a:spcAft>
-            </a:pPr>
-            <a:endParaRPr b="0" lang="en-US" sz="3200" spc="-1" strike="noStrike">
-              <a:solidFill>
-                <a:srgbClr val="000000"/>
-              </a:solidFill>
-              <a:latin typeface="Arial"/>
-            </a:endParaRPr>
-          </a:p>
-          <a:p>
-            <a:pPr algn="just">
-              <a:lnSpc>
-                <a:spcPct val="110000"/>
-              </a:lnSpc>
-              <a:spcBef>
-                <a:spcPts val="283"/>
-              </a:spcBef>
-              <a:spcAft>
-                <a:spcPts val="283"/>
-              </a:spcAft>
-            </a:pPr>
-            <a:endParaRPr b="0" lang="en-US" sz="3200" spc="-1" strike="noStrike">
-              <a:solidFill>
-                <a:srgbClr val="000000"/>
-              </a:solidFill>
-              <a:latin typeface="Arial"/>
-            </a:endParaRPr>
-          </a:p>
-          <a:p>
-            <a:pPr algn="just">
-              <a:lnSpc>
-                <a:spcPct val="110000"/>
-              </a:lnSpc>
-              <a:spcBef>
-                <a:spcPts val="283"/>
-              </a:spcBef>
-              <a:spcAft>
-                <a:spcPts val="283"/>
-              </a:spcAft>
-            </a:pPr>
-            <a:endParaRPr b="0" lang="en-US" sz="3200" spc="-1" strike="noStrike">
-              <a:solidFill>
-                <a:srgbClr val="000000"/>
-              </a:solidFill>
-              <a:latin typeface="Arial"/>
-            </a:endParaRPr>
-          </a:p>
-          <a:p>
-            <a:pPr algn="just">
-              <a:lnSpc>
-                <a:spcPct val="110000"/>
-              </a:lnSpc>
-              <a:spcBef>
-                <a:spcPts val="283"/>
-              </a:spcBef>
-              <a:spcAft>
-                <a:spcPts val="283"/>
-              </a:spcAft>
-            </a:pPr>
-            <a:endParaRPr b="0" lang="en-US" sz="3200" spc="-1" strike="noStrike">
-              <a:solidFill>
-                <a:srgbClr val="000000"/>
-              </a:solidFill>
-              <a:latin typeface="Arial"/>
-            </a:endParaRPr>
-          </a:p>
-          <a:p>
-            <a:pPr algn="just">
-              <a:lnSpc>
-                <a:spcPct val="110000"/>
-              </a:lnSpc>
-              <a:spcBef>
-                <a:spcPts val="283"/>
-              </a:spcBef>
-              <a:spcAft>
-                <a:spcPts val="283"/>
-              </a:spcAft>
-            </a:pPr>
-            <a:endParaRPr b="0" lang="en-US" sz="3200" spc="-1" strike="noStrike">
-              <a:solidFill>
-                <a:srgbClr val="000000"/>
-              </a:solidFill>
-              <a:latin typeface="Arial"/>
-            </a:endParaRPr>
-          </a:p>
-          <a:p>
-            <a:pPr algn="just">
-              <a:lnSpc>
-                <a:spcPct val="110000"/>
-              </a:lnSpc>
-              <a:spcBef>
-                <a:spcPts val="283"/>
-              </a:spcBef>
-              <a:spcAft>
-                <a:spcPts val="283"/>
-              </a:spcAft>
-            </a:pPr>
-            <a:endParaRPr b="0" lang="en-US" sz="3200" spc="-1" strike="noStrike">
-              <a:solidFill>
-                <a:srgbClr val="000000"/>
-              </a:solidFill>
-              <a:latin typeface="Arial"/>
-            </a:endParaRPr>
-          </a:p>
-          <a:p>
-            <a:pPr algn="just">
-              <a:lnSpc>
-                <a:spcPct val="110000"/>
-              </a:lnSpc>
-              <a:spcBef>
-                <a:spcPts val="283"/>
-              </a:spcBef>
-              <a:spcAft>
-                <a:spcPts val="283"/>
-              </a:spcAft>
-            </a:pPr>
-            <a:endParaRPr b="0" lang="en-US" sz="3200" spc="-1" strike="noStrike">
-              <a:solidFill>
-                <a:srgbClr val="000000"/>
-              </a:solidFill>
-              <a:latin typeface="Arial"/>
-            </a:endParaRPr>
-          </a:p>
-          <a:p>
-            <a:pPr algn="just">
-              <a:lnSpc>
-                <a:spcPct val="110000"/>
-              </a:lnSpc>
-              <a:spcBef>
-                <a:spcPts val="283"/>
-              </a:spcBef>
-              <a:spcAft>
-                <a:spcPts val="283"/>
-              </a:spcAft>
-            </a:pPr>
-            <a:endParaRPr b="0" lang="en-US" sz="3200" spc="-1" strike="noStrike">
-              <a:solidFill>
-                <a:srgbClr val="000000"/>
-              </a:solidFill>
-              <a:latin typeface="Arial"/>
-            </a:endParaRPr>
-          </a:p>
-          <a:p>
-            <a:pPr algn="just">
-              <a:lnSpc>
-                <a:spcPct val="110000"/>
-              </a:lnSpc>
-              <a:spcBef>
-                <a:spcPts val="283"/>
-              </a:spcBef>
-              <a:spcAft>
-                <a:spcPts val="283"/>
-              </a:spcAft>
-            </a:pPr>
-            <a:endParaRPr b="0" lang="en-US" sz="3200" spc="-1" strike="noStrike">
-              <a:solidFill>
-                <a:srgbClr val="000000"/>
-              </a:solidFill>
-              <a:latin typeface="Arial"/>
-            </a:endParaRPr>
-          </a:p>
-          <a:p>
-            <a:pPr algn="just">
-              <a:lnSpc>
-                <a:spcPct val="110000"/>
-              </a:lnSpc>
-              <a:spcBef>
-                <a:spcPts val="283"/>
-              </a:spcBef>
-              <a:spcAft>
-                <a:spcPts val="283"/>
-              </a:spcAft>
-            </a:pPr>
-            <a:endParaRPr b="0" lang="en-US" sz="3200" spc="-1" strike="noStrike">
-              <a:solidFill>
-                <a:srgbClr val="000000"/>
-              </a:solidFill>
-              <a:latin typeface="Arial"/>
-            </a:endParaRPr>
-          </a:p>
-          <a:p>
-            <a:pPr algn="just">
-              <a:lnSpc>
-                <a:spcPct val="110000"/>
-              </a:lnSpc>
-              <a:spcBef>
-                <a:spcPts val="283"/>
-              </a:spcBef>
-              <a:spcAft>
-                <a:spcPts val="283"/>
-              </a:spcAft>
-            </a:pPr>
-            <a:endParaRPr b="0" lang="en-US" sz="3200" spc="-1" strike="noStrike">
-              <a:solidFill>
-                <a:srgbClr val="000000"/>
-              </a:solidFill>
-              <a:latin typeface="Arial"/>
-            </a:endParaRPr>
-          </a:p>
-          <a:p>
-            <a:pPr algn="just">
-              <a:lnSpc>
-                <a:spcPct val="110000"/>
-              </a:lnSpc>
-              <a:spcBef>
-                <a:spcPts val="283"/>
-              </a:spcBef>
-              <a:spcAft>
-                <a:spcPts val="283"/>
-              </a:spcAft>
-            </a:pPr>
-            <a:endParaRPr b="0" lang="en-US" sz="3200" spc="-1" strike="noStrike">
-              <a:solidFill>
-                <a:srgbClr val="000000"/>
-              </a:solidFill>
-              <a:latin typeface="Arial"/>
-            </a:endParaRPr>
-          </a:p>
-          <a:p>
-            <a:pPr algn="just">
-              <a:lnSpc>
-                <a:spcPct val="110000"/>
-              </a:lnSpc>
-              <a:spcBef>
-                <a:spcPts val="283"/>
-              </a:spcBef>
-              <a:spcAft>
-                <a:spcPts val="283"/>
-              </a:spcAft>
-            </a:pPr>
-            <a:endParaRPr b="0" lang="en-US" sz="3200" spc="-1" strike="noStrike">
-              <a:solidFill>
-                <a:srgbClr val="000000"/>
-              </a:solidFill>
-              <a:latin typeface="Arial"/>
-            </a:endParaRPr>
-          </a:p>
-          <a:p>
-            <a:pPr algn="just">
-              <a:lnSpc>
-                <a:spcPct val="110000"/>
-              </a:lnSpc>
-              <a:spcBef>
-                <a:spcPts val="283"/>
-              </a:spcBef>
-              <a:spcAft>
-                <a:spcPts val="283"/>
-              </a:spcAft>
-            </a:pPr>
-            <a:endParaRPr b="0" lang="en-US" sz="3200" spc="-1" strike="noStrike">
-              <a:solidFill>
-                <a:srgbClr val="000000"/>
-              </a:solidFill>
-              <a:latin typeface="Arial"/>
-            </a:endParaRPr>
-          </a:p>
-          <a:p>
-            <a:pPr algn="just">
-              <a:lnSpc>
-                <a:spcPct val="110000"/>
-              </a:lnSpc>
-              <a:spcBef>
-                <a:spcPts val="283"/>
-              </a:spcBef>
-              <a:spcAft>
-                <a:spcPts val="283"/>
-              </a:spcAft>
-            </a:pPr>
-            <a:endParaRPr b="0" lang="en-US" sz="3200" spc="-1" strike="noStrike">
-              <a:solidFill>
-                <a:srgbClr val="000000"/>
-              </a:solidFill>
-              <a:latin typeface="Arial"/>
-            </a:endParaRPr>
-          </a:p>
-          <a:p>
-            <a:pPr algn="just">
-              <a:lnSpc>
-                <a:spcPct val="110000"/>
-              </a:lnSpc>
-              <a:spcBef>
-                <a:spcPts val="283"/>
-              </a:spcBef>
-              <a:spcAft>
-                <a:spcPts val="283"/>
-              </a:spcAft>
-            </a:pPr>
-            <a:endParaRPr b="0" lang="en-US" sz="3200" spc="-1" strike="noStrike">
-              <a:solidFill>
-                <a:srgbClr val="000000"/>
-              </a:solidFill>
-              <a:latin typeface="Arial"/>
-            </a:endParaRPr>
-          </a:p>
-          <a:p>
-            <a:pPr algn="just">
-              <a:lnSpc>
-                <a:spcPct val="110000"/>
-              </a:lnSpc>
-              <a:spcBef>
-                <a:spcPts val="283"/>
-              </a:spcBef>
-              <a:spcAft>
-                <a:spcPts val="283"/>
-              </a:spcAft>
-            </a:pPr>
-            <a:endParaRPr b="0" lang="en-US" sz="3200" spc="-1" strike="noStrike">
-              <a:solidFill>
-                <a:srgbClr val="000000"/>
-              </a:solidFill>
-              <a:latin typeface="Arial"/>
-            </a:endParaRPr>
-          </a:p>
-          <a:p>
-            <a:pPr algn="just">
-              <a:lnSpc>
-                <a:spcPct val="110000"/>
-              </a:lnSpc>
-              <a:spcBef>
-                <a:spcPts val="283"/>
-              </a:spcBef>
-              <a:spcAft>
-                <a:spcPts val="283"/>
-              </a:spcAft>
-            </a:pPr>
-            <a:endParaRPr b="0" lang="en-US" sz="3200" spc="-1" strike="noStrike">
-              <a:solidFill>
-                <a:srgbClr val="000000"/>
-              </a:solidFill>
-              <a:latin typeface="Arial"/>
-            </a:endParaRPr>
-          </a:p>
-          <a:p>
-            <a:pPr algn="just">
-              <a:lnSpc>
-                <a:spcPct val="110000"/>
-              </a:lnSpc>
-              <a:spcBef>
-                <a:spcPts val="283"/>
-              </a:spcBef>
-              <a:spcAft>
-                <a:spcPts val="283"/>
-              </a:spcAft>
-            </a:pPr>
-            <a:endParaRPr b="0" lang="en-US" sz="3200" spc="-1" strike="noStrike">
-              <a:solidFill>
-                <a:srgbClr val="000000"/>
-              </a:solidFill>
-              <a:latin typeface="Arial"/>
-            </a:endParaRPr>
-          </a:p>
-          <a:p>
-            <a:pPr marL="216000" indent="-216000" algn="just">
+              <a:t>Hamiltonian Simulation</a:t>
+            </a:r>
+            <a:endParaRPr b="0" lang="en-US" sz="3600" spc="-1" strike="noStrike">
+              <a:solidFill>
+                <a:srgbClr val="000000"/>
+              </a:solidFill>
+              <a:latin typeface="Arial"/>
+            </a:endParaRPr>
+          </a:p>
+          <a:p>
+            <a:pPr lvl="1" marL="432000" indent="-216000" algn="just">
               <a:lnSpc>
                 <a:spcPct val="110000"/>
               </a:lnSpc>
@@ -8132,20 +7662,21 @@
               <a:buClr>
                 <a:srgbClr val="000000"/>
               </a:buClr>
-              <a:buFont typeface="Symbol" charset="2"/>
-              <a:buChar char=""/>
-            </a:pPr>
-            <a:r>
-              <a:rPr b="0" lang="en-US" sz="3200" spc="-1" strike="noStrike">
+              <a:buSzPct val="45000"/>
+              <a:buFont typeface="Wingdings" charset="2"/>
+              <a:buChar char=""/>
+            </a:pPr>
+            <a:r>
+              <a:rPr b="0" lang="en-US" sz="3600" spc="-1" strike="noStrike">
                 <a:solidFill>
                   <a:schemeClr val="dk1"/>
                 </a:solidFill>
                 <a:latin typeface="Open Sans"/>
                 <a:ea typeface="Open Sans"/>
               </a:rPr>
-              <a:t>Developers wishing to extend Keystone components can create their own version of the desired component’s class structure, often requiring close attention to:</a:t>
-            </a:r>
-            <a:endParaRPr b="0" lang="en-US" sz="3200" spc="-1" strike="noStrike">
+              <a:t>Multi-GPU acceleration</a:t>
+            </a:r>
+            <a:endParaRPr b="0" lang="en-US" sz="3600" spc="-1" strike="noStrike">
               <a:solidFill>
                 <a:srgbClr val="000000"/>
               </a:solidFill>
@@ -8164,27 +7695,7 @@
                 <a:spcPts val="283"/>
               </a:spcAft>
             </a:pPr>
-            <a:r>
-              <a:rPr b="0" lang="en-US" sz="3200" spc="-1" strike="noStrike">
-                <a:solidFill>
-                  <a:schemeClr val="dk1"/>
-                </a:solidFill>
-                <a:latin typeface="Open Sans"/>
-                <a:ea typeface="Open Sans"/>
-              </a:rPr>
-              <a:t>	</a:t>
-            </a:r>
-            <a:r>
-              <a:rPr b="0" lang="en-US" sz="3200" spc="-1" strike="noStrike">
-                <a:solidFill>
-                  <a:schemeClr val="dk1"/>
-                </a:solidFill>
-                <a:latin typeface="Open Sans"/>
-                <a:ea typeface="Open Sans"/>
-              </a:rPr>
-              <a:t>- Port connections</a:t>
-            </a:r>
-            <a:endParaRPr b="0" lang="en-US" sz="3200" spc="-1" strike="noStrike">
+            <a:endParaRPr b="0" lang="en-US" sz="3600" spc="-1" strike="noStrike">
               <a:solidFill>
                 <a:srgbClr val="000000"/>
               </a:solidFill>
@@ -8203,45 +7714,511 @@
                 <a:spcPts val="283"/>
               </a:spcAft>
             </a:pPr>
-            <a:r>
-              <a:rPr b="0" lang="en-US" sz="3200" spc="-1" strike="noStrike">
+            <a:endParaRPr b="0" lang="en-US" sz="3600" spc="-1" strike="noStrike">
+              <a:solidFill>
+                <a:srgbClr val="000000"/>
+              </a:solidFill>
+              <a:latin typeface="Arial"/>
+            </a:endParaRPr>
+          </a:p>
+          <a:p>
+            <a:pPr algn="just">
+              <a:lnSpc>
+                <a:spcPct val="110000"/>
+              </a:lnSpc>
+              <a:spcBef>
+                <a:spcPts val="283"/>
+              </a:spcBef>
+              <a:spcAft>
+                <a:spcPts val="283"/>
+              </a:spcAft>
+            </a:pPr>
+            <a:endParaRPr b="0" lang="en-US" sz="3600" spc="-1" strike="noStrike">
+              <a:solidFill>
+                <a:srgbClr val="000000"/>
+              </a:solidFill>
+              <a:latin typeface="Arial"/>
+            </a:endParaRPr>
+          </a:p>
+          <a:p>
+            <a:pPr algn="just">
+              <a:lnSpc>
+                <a:spcPct val="110000"/>
+              </a:lnSpc>
+              <a:spcBef>
+                <a:spcPts val="283"/>
+              </a:spcBef>
+              <a:spcAft>
+                <a:spcPts val="283"/>
+              </a:spcAft>
+            </a:pPr>
+            <a:endParaRPr b="0" lang="en-US" sz="3600" spc="-1" strike="noStrike">
+              <a:solidFill>
+                <a:srgbClr val="000000"/>
+              </a:solidFill>
+              <a:latin typeface="Arial"/>
+            </a:endParaRPr>
+          </a:p>
+          <a:p>
+            <a:pPr algn="just">
+              <a:lnSpc>
+                <a:spcPct val="110000"/>
+              </a:lnSpc>
+              <a:spcBef>
+                <a:spcPts val="283"/>
+              </a:spcBef>
+              <a:spcAft>
+                <a:spcPts val="283"/>
+              </a:spcAft>
+            </a:pPr>
+            <a:endParaRPr b="0" lang="en-US" sz="3600" spc="-1" strike="noStrike">
+              <a:solidFill>
+                <a:srgbClr val="000000"/>
+              </a:solidFill>
+              <a:latin typeface="Arial"/>
+            </a:endParaRPr>
+          </a:p>
+          <a:p>
+            <a:pPr algn="just">
+              <a:lnSpc>
+                <a:spcPct val="110000"/>
+              </a:lnSpc>
+              <a:spcBef>
+                <a:spcPts val="283"/>
+              </a:spcBef>
+              <a:spcAft>
+                <a:spcPts val="283"/>
+              </a:spcAft>
+            </a:pPr>
+            <a:endParaRPr b="0" lang="en-US" sz="3600" spc="-1" strike="noStrike">
+              <a:solidFill>
+                <a:srgbClr val="000000"/>
+              </a:solidFill>
+              <a:latin typeface="Arial"/>
+            </a:endParaRPr>
+          </a:p>
+          <a:p>
+            <a:pPr algn="just">
+              <a:lnSpc>
+                <a:spcPct val="110000"/>
+              </a:lnSpc>
+              <a:spcBef>
+                <a:spcPts val="283"/>
+              </a:spcBef>
+              <a:spcAft>
+                <a:spcPts val="283"/>
+              </a:spcAft>
+            </a:pPr>
+            <a:endParaRPr b="0" lang="en-US" sz="3600" spc="-1" strike="noStrike">
+              <a:solidFill>
+                <a:srgbClr val="000000"/>
+              </a:solidFill>
+              <a:latin typeface="Arial"/>
+            </a:endParaRPr>
+          </a:p>
+          <a:p>
+            <a:pPr algn="just">
+              <a:lnSpc>
+                <a:spcPct val="110000"/>
+              </a:lnSpc>
+              <a:spcBef>
+                <a:spcPts val="283"/>
+              </a:spcBef>
+              <a:spcAft>
+                <a:spcPts val="283"/>
+              </a:spcAft>
+            </a:pPr>
+            <a:r>
+              <a:rPr b="0" lang="en-US" sz="3600" spc="-1" strike="noStrike">
                 <a:solidFill>
                   <a:schemeClr val="dk1"/>
                 </a:solidFill>
                 <a:latin typeface="Open Sans"/>
                 <a:ea typeface="Open Sans"/>
               </a:rPr>
-              <a:t>	</a:t>
-            </a:r>
-            <a:r>
-              <a:rPr b="0" lang="en-US" sz="3200" spc="-1" strike="noStrike">
+              <a:t>CUDA-Q wraps NVIDIAs backend development kits, targeting high performance applications:</a:t>
+            </a:r>
+            <a:endParaRPr b="0" lang="en-US" sz="3600" spc="-1" strike="noStrike">
+              <a:solidFill>
+                <a:srgbClr val="000000"/>
+              </a:solidFill>
+              <a:latin typeface="Arial"/>
+            </a:endParaRPr>
+          </a:p>
+          <a:p>
+            <a:pPr lvl="1" marL="432000" indent="-216000" algn="just">
+              <a:lnSpc>
+                <a:spcPct val="110000"/>
+              </a:lnSpc>
+              <a:spcBef>
+                <a:spcPts val="283"/>
+              </a:spcBef>
+              <a:spcAft>
+                <a:spcPts val="283"/>
+              </a:spcAft>
+              <a:buClr>
+                <a:srgbClr val="000000"/>
+              </a:buClr>
+              <a:buSzPct val="45000"/>
+              <a:buFont typeface="Wingdings" charset="2"/>
+              <a:buChar char=""/>
+            </a:pPr>
+            <a:r>
+              <a:rPr b="0" lang="en-US" sz="3600" spc="-1" strike="noStrike">
                 <a:solidFill>
                   <a:schemeClr val="dk1"/>
                 </a:solidFill>
                 <a:latin typeface="Open Sans"/>
                 <a:ea typeface="Open Sans"/>
               </a:rPr>
-              <a:t>- Packet handling</a:t>
-            </a:r>
-            <a:endParaRPr b="0" lang="en-US" sz="3200" spc="-1" strike="noStrike">
-              <a:solidFill>
-                <a:srgbClr val="000000"/>
-              </a:solidFill>
-              <a:latin typeface="Arial"/>
-            </a:endParaRPr>
-          </a:p>
-        </p:txBody>
-      </p:sp>
-      <p:sp>
-        <p:nvSpPr>
-          <p:cNvPr id="103" name="TextBox 19"/>
+              <a:t>cuQuantum: Library that accelerates quantum simulations on a circuit &amp; device-level.</a:t>
+            </a:r>
+            <a:endParaRPr b="0" lang="en-US" sz="3600" spc="-1" strike="noStrike">
+              <a:solidFill>
+                <a:srgbClr val="000000"/>
+              </a:solidFill>
+              <a:latin typeface="Arial"/>
+            </a:endParaRPr>
+          </a:p>
+          <a:p>
+            <a:pPr lvl="1" marL="432000" indent="-216000" algn="just">
+              <a:lnSpc>
+                <a:spcPct val="110000"/>
+              </a:lnSpc>
+              <a:spcBef>
+                <a:spcPts val="283"/>
+              </a:spcBef>
+              <a:spcAft>
+                <a:spcPts val="283"/>
+              </a:spcAft>
+              <a:buClr>
+                <a:srgbClr val="000000"/>
+              </a:buClr>
+              <a:buSzPct val="45000"/>
+              <a:buFont typeface="Wingdings" charset="2"/>
+              <a:buChar char=""/>
+            </a:pPr>
+            <a:r>
+              <a:rPr b="0" lang="en-US" sz="3600" spc="-1" strike="noStrike">
+                <a:solidFill>
+                  <a:schemeClr val="dk1"/>
+                </a:solidFill>
+                <a:latin typeface="Open Sans"/>
+                <a:ea typeface="Open Sans"/>
+              </a:rPr>
+              <a:t>CUDA:  GPU development SDK </a:t>
+            </a:r>
+            <a:endParaRPr b="0" lang="en-US" sz="3600" spc="-1" strike="noStrike">
+              <a:solidFill>
+                <a:srgbClr val="000000"/>
+              </a:solidFill>
+              <a:latin typeface="Arial"/>
+            </a:endParaRPr>
+          </a:p>
+          <a:p>
+            <a:pPr lvl="1" marL="432000" indent="-216000" algn="just">
+              <a:lnSpc>
+                <a:spcPct val="110000"/>
+              </a:lnSpc>
+              <a:spcBef>
+                <a:spcPts val="283"/>
+              </a:spcBef>
+              <a:spcAft>
+                <a:spcPts val="283"/>
+              </a:spcAft>
+              <a:buClr>
+                <a:srgbClr val="000000"/>
+              </a:buClr>
+              <a:buSzPct val="45000"/>
+              <a:buFont typeface="Wingdings" charset="2"/>
+              <a:buChar char=""/>
+            </a:pPr>
+            <a:endParaRPr b="0" lang="en-US" sz="3600" spc="-1" strike="noStrike">
+              <a:solidFill>
+                <a:srgbClr val="000000"/>
+              </a:solidFill>
+              <a:latin typeface="Arial"/>
+            </a:endParaRPr>
+          </a:p>
+          <a:p>
+            <a:pPr algn="just">
+              <a:lnSpc>
+                <a:spcPct val="110000"/>
+              </a:lnSpc>
+              <a:spcBef>
+                <a:spcPts val="283"/>
+              </a:spcBef>
+              <a:spcAft>
+                <a:spcPts val="283"/>
+              </a:spcAft>
+            </a:pPr>
+            <a:r>
+              <a:rPr b="0" lang="en-US" sz="3600" spc="-1" strike="noStrike">
+                <a:solidFill>
+                  <a:schemeClr val="dk1"/>
+                </a:solidFill>
+                <a:latin typeface="Open Sans"/>
+                <a:ea typeface="Open Sans"/>
+              </a:rPr>
+              <a:t>Ideal for hybrid quantum-classical procesing and HPC applications.</a:t>
+            </a:r>
+            <a:endParaRPr b="0" lang="en-US" sz="3600" spc="-1" strike="noStrike">
+              <a:solidFill>
+                <a:srgbClr val="000000"/>
+              </a:solidFill>
+              <a:latin typeface="Arial"/>
+            </a:endParaRPr>
+          </a:p>
+          <a:p>
+            <a:pPr algn="just">
+              <a:lnSpc>
+                <a:spcPct val="110000"/>
+              </a:lnSpc>
+              <a:spcBef>
+                <a:spcPts val="283"/>
+              </a:spcBef>
+              <a:spcAft>
+                <a:spcPts val="283"/>
+              </a:spcAft>
+            </a:pPr>
+            <a:endParaRPr b="0" lang="en-US" sz="3600" spc="-1" strike="noStrike">
+              <a:solidFill>
+                <a:srgbClr val="000000"/>
+              </a:solidFill>
+              <a:latin typeface="Arial"/>
+            </a:endParaRPr>
+          </a:p>
+          <a:p>
+            <a:pPr algn="just">
+              <a:lnSpc>
+                <a:spcPct val="110000"/>
+              </a:lnSpc>
+              <a:spcBef>
+                <a:spcPts val="283"/>
+              </a:spcBef>
+              <a:spcAft>
+                <a:spcPts val="283"/>
+              </a:spcAft>
+            </a:pPr>
+            <a:endParaRPr b="0" lang="en-US" sz="3600" spc="-1" strike="noStrike">
+              <a:solidFill>
+                <a:srgbClr val="000000"/>
+              </a:solidFill>
+              <a:latin typeface="Arial"/>
+            </a:endParaRPr>
+          </a:p>
+          <a:p>
+            <a:pPr algn="just">
+              <a:lnSpc>
+                <a:spcPct val="110000"/>
+              </a:lnSpc>
+              <a:spcBef>
+                <a:spcPts val="283"/>
+              </a:spcBef>
+              <a:spcAft>
+                <a:spcPts val="283"/>
+              </a:spcAft>
+            </a:pPr>
+            <a:endParaRPr b="0" lang="en-US" sz="3600" spc="-1" strike="noStrike">
+              <a:solidFill>
+                <a:srgbClr val="000000"/>
+              </a:solidFill>
+              <a:latin typeface="Arial"/>
+            </a:endParaRPr>
+          </a:p>
+          <a:p>
+            <a:pPr algn="just">
+              <a:lnSpc>
+                <a:spcPct val="110000"/>
+              </a:lnSpc>
+              <a:spcBef>
+                <a:spcPts val="283"/>
+              </a:spcBef>
+              <a:spcAft>
+                <a:spcPts val="283"/>
+              </a:spcAft>
+            </a:pPr>
+            <a:endParaRPr b="0" lang="en-US" sz="3600" spc="-1" strike="noStrike">
+              <a:solidFill>
+                <a:srgbClr val="000000"/>
+              </a:solidFill>
+              <a:latin typeface="Arial"/>
+            </a:endParaRPr>
+          </a:p>
+          <a:p>
+            <a:pPr algn="just">
+              <a:lnSpc>
+                <a:spcPct val="110000"/>
+              </a:lnSpc>
+              <a:spcBef>
+                <a:spcPts val="283"/>
+              </a:spcBef>
+              <a:spcAft>
+                <a:spcPts val="283"/>
+              </a:spcAft>
+            </a:pPr>
+            <a:endParaRPr b="0" lang="en-US" sz="3600" spc="-1" strike="noStrike">
+              <a:solidFill>
+                <a:srgbClr val="000000"/>
+              </a:solidFill>
+              <a:latin typeface="Arial"/>
+            </a:endParaRPr>
+          </a:p>
+          <a:p>
+            <a:pPr algn="just">
+              <a:lnSpc>
+                <a:spcPct val="110000"/>
+              </a:lnSpc>
+              <a:spcBef>
+                <a:spcPts val="283"/>
+              </a:spcBef>
+              <a:spcAft>
+                <a:spcPts val="283"/>
+              </a:spcAft>
+            </a:pPr>
+            <a:endParaRPr b="0" lang="en-US" sz="3600" spc="-1" strike="noStrike">
+              <a:solidFill>
+                <a:srgbClr val="000000"/>
+              </a:solidFill>
+              <a:latin typeface="Arial"/>
+            </a:endParaRPr>
+          </a:p>
+          <a:p>
+            <a:pPr algn="just">
+              <a:lnSpc>
+                <a:spcPct val="110000"/>
+              </a:lnSpc>
+              <a:spcBef>
+                <a:spcPts val="283"/>
+              </a:spcBef>
+              <a:spcAft>
+                <a:spcPts val="283"/>
+              </a:spcAft>
+            </a:pPr>
+            <a:endParaRPr b="0" lang="en-US" sz="3600" spc="-1" strike="noStrike">
+              <a:solidFill>
+                <a:srgbClr val="000000"/>
+              </a:solidFill>
+              <a:latin typeface="Arial"/>
+            </a:endParaRPr>
+          </a:p>
+          <a:p>
+            <a:pPr algn="just">
+              <a:lnSpc>
+                <a:spcPct val="110000"/>
+              </a:lnSpc>
+              <a:spcBef>
+                <a:spcPts val="283"/>
+              </a:spcBef>
+              <a:spcAft>
+                <a:spcPts val="283"/>
+              </a:spcAft>
+            </a:pPr>
+            <a:endParaRPr b="0" lang="en-US" sz="3600" spc="-1" strike="noStrike">
+              <a:solidFill>
+                <a:srgbClr val="000000"/>
+              </a:solidFill>
+              <a:latin typeface="Arial"/>
+            </a:endParaRPr>
+          </a:p>
+          <a:p>
+            <a:pPr algn="just">
+              <a:lnSpc>
+                <a:spcPct val="110000"/>
+              </a:lnSpc>
+              <a:spcBef>
+                <a:spcPts val="283"/>
+              </a:spcBef>
+              <a:spcAft>
+                <a:spcPts val="283"/>
+              </a:spcAft>
+            </a:pPr>
+            <a:endParaRPr b="0" lang="en-US" sz="3600" spc="-1" strike="noStrike">
+              <a:solidFill>
+                <a:srgbClr val="000000"/>
+              </a:solidFill>
+              <a:latin typeface="Arial"/>
+            </a:endParaRPr>
+          </a:p>
+          <a:p>
+            <a:pPr algn="just">
+              <a:lnSpc>
+                <a:spcPct val="110000"/>
+              </a:lnSpc>
+              <a:spcBef>
+                <a:spcPts val="283"/>
+              </a:spcBef>
+              <a:spcAft>
+                <a:spcPts val="283"/>
+              </a:spcAft>
+            </a:pPr>
+            <a:endParaRPr b="0" lang="en-US" sz="3600" spc="-1" strike="noStrike">
+              <a:solidFill>
+                <a:srgbClr val="000000"/>
+              </a:solidFill>
+              <a:latin typeface="Arial"/>
+            </a:endParaRPr>
+          </a:p>
+          <a:p>
+            <a:pPr algn="just">
+              <a:lnSpc>
+                <a:spcPct val="110000"/>
+              </a:lnSpc>
+              <a:spcBef>
+                <a:spcPts val="283"/>
+              </a:spcBef>
+              <a:spcAft>
+                <a:spcPts val="283"/>
+              </a:spcAft>
+            </a:pPr>
+            <a:endParaRPr b="0" lang="en-US" sz="3600" spc="-1" strike="noStrike">
+              <a:solidFill>
+                <a:srgbClr val="000000"/>
+              </a:solidFill>
+              <a:latin typeface="Arial"/>
+            </a:endParaRPr>
+          </a:p>
+          <a:p>
+            <a:pPr algn="just">
+              <a:lnSpc>
+                <a:spcPct val="110000"/>
+              </a:lnSpc>
+              <a:spcBef>
+                <a:spcPts val="283"/>
+              </a:spcBef>
+              <a:spcAft>
+                <a:spcPts val="283"/>
+              </a:spcAft>
+            </a:pPr>
+            <a:r>
+              <a:rPr b="0" lang="en-US" sz="3600" spc="-1" strike="noStrike">
+                <a:solidFill>
+                  <a:schemeClr val="dk1"/>
+                </a:solidFill>
+                <a:latin typeface="Open Sans"/>
+                <a:ea typeface="Open Sans"/>
+              </a:rPr>
+              <a:t>By placing CUDA-Q at the center of this framework indicates the full utilization of hardware acceleration at every step.</a:t>
+            </a:r>
+            <a:endParaRPr b="0" lang="en-US" sz="3600" spc="-1" strike="noStrike">
+              <a:solidFill>
+                <a:srgbClr val="000000"/>
+              </a:solidFill>
+              <a:latin typeface="Arial"/>
+            </a:endParaRPr>
+          </a:p>
+        </p:txBody>
+      </p:sp>
+      <p:sp>
+        <p:nvSpPr>
+          <p:cNvPr id="104" name="TextBox 19"/>
           <p:cNvSpPr/>
           <p:nvPr/>
         </p:nvSpPr>
         <p:spPr>
           <a:xfrm>
-            <a:off x="33604200" y="21673440"/>
-            <a:ext cx="9597960" cy="1698840"/>
+            <a:off x="33256440" y="6746760"/>
+            <a:ext cx="9597240" cy="1187640"/>
           </a:xfrm>
           <a:prstGeom prst="rect">
             <a:avLst/>
@@ -8262,45 +8239,51 @@
             <a:spAutoFit/>
           </a:bodyPr>
           <a:p>
-            <a:pPr marL="216000" indent="-216000" algn="just">
-              <a:lnSpc>
-                <a:spcPct val="110000"/>
-              </a:lnSpc>
+            <a:pPr marL="216000" indent="-216000">
+              <a:lnSpc>
+                <a:spcPct val="100000"/>
+              </a:lnSpc>
+              <a:spcBef>
+                <a:spcPts val="1417"/>
+              </a:spcBef>
               <a:buClr>
                 <a:srgbClr val="000000"/>
               </a:buClr>
               <a:buFont typeface="Symbol" charset="2"/>
               <a:buChar char=""/>
-            </a:pPr>
-            <a:r>
-              <a:rPr b="0" lang="en-US" sz="3200" spc="-1" strike="noStrike">
+              <a:tabLst>
+                <a:tab algn="l" pos="0"/>
+              </a:tabLst>
+            </a:pPr>
+            <a:r>
+              <a:rPr b="0" lang="en-US" sz="3600" spc="-1" strike="noStrike">
                 <a:solidFill>
                   <a:schemeClr val="dk1"/>
                 </a:solidFill>
                 <a:latin typeface="Open Sans"/>
                 <a:ea typeface="Open Sans"/>
               </a:rPr>
-              <a:t>Designs in simulation can be tested on real workloads and state-of-the-art or custom benchmarks.</a:t>
-            </a:r>
-            <a:endParaRPr b="0" lang="en-US" sz="3200" spc="-1" strike="noStrike">
-              <a:solidFill>
-                <a:srgbClr val="000000"/>
-              </a:solidFill>
-              <a:latin typeface="Arial"/>
-            </a:endParaRPr>
-          </a:p>
-        </p:txBody>
-      </p:sp>
-      <p:sp>
-        <p:nvSpPr>
-          <p:cNvPr id="104" name="TextBox 19"/>
+              <a:t>Quantum circuit generation with diffusion models resembles image generation.</a:t>
+            </a:r>
+            <a:endParaRPr b="0" lang="en-US" sz="3600" spc="-1" strike="noStrike">
+              <a:solidFill>
+                <a:srgbClr val="000000"/>
+              </a:solidFill>
+              <a:latin typeface="Arial"/>
+            </a:endParaRPr>
+          </a:p>
+        </p:txBody>
+      </p:sp>
+      <p:sp>
+        <p:nvSpPr>
+          <p:cNvPr id="105" name="TextBox 19"/>
           <p:cNvSpPr/>
           <p:nvPr/>
         </p:nvSpPr>
         <p:spPr>
           <a:xfrm>
-            <a:off x="33256440" y="6746760"/>
-            <a:ext cx="9597960" cy="1065240"/>
+            <a:off x="-4036320" y="9446400"/>
+            <a:ext cx="9597240" cy="6916320"/>
           </a:xfrm>
           <a:prstGeom prst="rect">
             <a:avLst/>
@@ -8321,57 +8304,42 @@
             <a:spAutoFit/>
           </a:bodyPr>
           <a:p>
-            <a:pPr marL="216000" indent="-216000">
+            <a:pPr>
               <a:lnSpc>
                 <a:spcPct val="100000"/>
               </a:lnSpc>
-              <a:spcBef>
-                <a:spcPts val="1417"/>
-              </a:spcBef>
-              <a:buClr>
-                <a:srgbClr val="000000"/>
-              </a:buClr>
-              <a:buFont typeface="Symbol" charset="2"/>
-              <a:buChar char=""/>
               <a:tabLst>
                 <a:tab algn="l" pos="0"/>
               </a:tabLst>
             </a:pPr>
-            <a:r>
-              <a:rPr b="0" lang="en-US" sz="3200" spc="-1" strike="noStrike">
-                <a:solidFill>
-                  <a:schemeClr val="dk1"/>
-                </a:solidFill>
-                <a:latin typeface="Open Sans"/>
-                <a:ea typeface="Open Sans"/>
-              </a:rPr>
-              <a:t>Quantum circuit generation with diffusion models resembles image generation</a:t>
-            </a:r>
-            <a:endParaRPr b="0" lang="en-US" sz="3200" spc="-1" strike="noStrike">
-              <a:solidFill>
-                <a:srgbClr val="000000"/>
-              </a:solidFill>
-              <a:latin typeface="Arial"/>
-            </a:endParaRPr>
-          </a:p>
-        </p:txBody>
-      </p:sp>
-      <p:sp>
-        <p:nvSpPr>
-          <p:cNvPr id="105" name="TextBox 19"/>
+            <a:endParaRPr b="0" lang="en-US" sz="1800" spc="-1" strike="noStrike">
+              <a:solidFill>
+                <a:srgbClr val="000000"/>
+              </a:solidFill>
+              <a:latin typeface="Arial"/>
+              <a:ea typeface="Arial"/>
+            </a:endParaRPr>
+          </a:p>
+        </p:txBody>
+      </p:sp>
+      <p:sp>
+        <p:nvSpPr>
+          <p:cNvPr id="106" name="Rectangle 6"/>
           <p:cNvSpPr/>
           <p:nvPr/>
         </p:nvSpPr>
         <p:spPr>
           <a:xfrm>
-            <a:off x="-4036320" y="9446400"/>
-            <a:ext cx="9597960" cy="6917040"/>
-          </a:xfrm>
-          <a:prstGeom prst="rect">
-            <a:avLst/>
-          </a:prstGeom>
-          <a:noFill/>
-          <a:ln w="0">
+            <a:off x="0" y="32004000"/>
+            <a:ext cx="43887240" cy="910440"/>
+          </a:xfrm>
+          <a:prstGeom prst="rect">
+            <a:avLst/>
+          </a:prstGeom>
+          <a:solidFill>
+            <a:srgbClr val="c8c8c8"/>
+          </a:solidFill>
+          <a:ln w="38100">
             <a:noFill/>
           </a:ln>
         </p:spPr>
@@ -8382,56 +8350,6 @@
           <a:fontRef idx="minor"/>
         </p:style>
         <p:txBody>
-          <a:bodyPr lIns="90000" rIns="90000" tIns="45000" bIns="45000" anchor="t">
-            <a:spAutoFit/>
-          </a:bodyPr>
-          <a:p>
-            <a:pPr>
-              <a:lnSpc>
-                <a:spcPct val="100000"/>
-              </a:lnSpc>
-              <a:tabLst>
-                <a:tab algn="l" pos="0"/>
-              </a:tabLst>
-            </a:pPr>
-            <a:endParaRPr b="0" lang="en-US" sz="1800" spc="-1" strike="noStrike">
-              <a:solidFill>
-                <a:srgbClr val="000000"/>
-              </a:solidFill>
-              <a:latin typeface="Arial"/>
-              <a:ea typeface="Arial"/>
-            </a:endParaRPr>
-          </a:p>
-        </p:txBody>
-      </p:sp>
-      <p:sp>
-        <p:nvSpPr>
-          <p:cNvPr id="106" name="Rectangle 6"/>
-          <p:cNvSpPr/>
-          <p:nvPr/>
-        </p:nvSpPr>
-        <p:spPr>
-          <a:xfrm>
-            <a:off x="0" y="32004000"/>
-            <a:ext cx="43887960" cy="911160"/>
-          </a:xfrm>
-          <a:prstGeom prst="rect">
-            <a:avLst/>
-          </a:prstGeom>
-          <a:solidFill>
-            <a:srgbClr val="c8c8c8"/>
-          </a:solidFill>
-          <a:ln w="38100">
-            <a:noFill/>
-          </a:ln>
-        </p:spPr>
-        <p:style>
-          <a:lnRef idx="0"/>
-          <a:fillRef idx="0"/>
-          <a:effectRef idx="0"/>
-          <a:fontRef idx="minor"/>
-        </p:style>
-        <p:txBody>
           <a:bodyPr lIns="137160" rIns="137160" tIns="68760" bIns="68760" anchor="ctr">
             <a:noAutofit/>
           </a:bodyPr>
@@ -8451,2809 +8369,16 @@
           </a:p>
         </p:txBody>
       </p:sp>
-      <p:pic>
-        <p:nvPicPr>
-          <p:cNvPr id="107" name="" descr=""/>
-          <p:cNvPicPr/>
-          <p:nvPr/>
-        </p:nvPicPr>
-        <p:blipFill>
-          <a:blip r:embed="rId1"/>
-          <a:srcRect l="0" t="2114" r="0" b="4111"/>
-          <a:stretch/>
-        </p:blipFill>
-        <p:spPr>
-          <a:xfrm>
-            <a:off x="12141000" y="16847640"/>
-            <a:ext cx="9142200" cy="7068600"/>
-          </a:xfrm>
-          <a:prstGeom prst="rect">
-            <a:avLst/>
-          </a:prstGeom>
-          <a:ln w="0">
-            <a:noFill/>
-          </a:ln>
-        </p:spPr>
-      </p:pic>
-      <p:sp>
-        <p:nvSpPr>
-          <p:cNvPr id="108" name=""/>
+      <p:sp>
+        <p:nvSpPr>
+          <p:cNvPr id="107" name=""/>
           <p:cNvSpPr/>
           <p:nvPr/>
         </p:nvSpPr>
         <p:spPr>
           <a:xfrm>
-            <a:off x="34829280" y="18384120"/>
-            <a:ext cx="2602800" cy="2776320"/>
-          </a:xfrm>
-          <a:prstGeom prst="rect">
-            <a:avLst/>
-          </a:prstGeom>
-          <a:solidFill>
-            <a:srgbClr val="77bc65"/>
-          </a:solidFill>
-          <a:ln w="0">
-            <a:solidFill>
-              <a:srgbClr val="3465a4"/>
-            </a:solidFill>
-          </a:ln>
-        </p:spPr>
-        <p:style>
-          <a:lnRef idx="0"/>
-          <a:fillRef idx="0"/>
-          <a:effectRef idx="0"/>
-          <a:fontRef idx="minor"/>
-        </p:style>
-        <p:txBody>
-          <a:bodyPr lIns="90000" rIns="90000" tIns="45000" bIns="45000" anchor="ctr">
-            <a:noAutofit/>
-          </a:bodyPr>
-          <a:p>
-            <a:pPr algn="ctr">
-              <a:lnSpc>
-                <a:spcPct val="100000"/>
-              </a:lnSpc>
-            </a:pPr>
-            <a:r>
-              <a:rPr b="0" lang="en-US" sz="2800" spc="-1" strike="noStrike">
-                <a:solidFill>
-                  <a:srgbClr val="000000"/>
-                </a:solidFill>
-                <a:latin typeface="Arial"/>
-                <a:ea typeface="Arial"/>
-              </a:rPr>
-              <a:t>Development in Syscall-Emulation</a:t>
-            </a:r>
-            <a:endParaRPr b="0" lang="en-US" sz="2800" spc="-1" strike="noStrike">
-              <a:solidFill>
-                <a:srgbClr val="000000"/>
-              </a:solidFill>
-              <a:latin typeface="Arial"/>
-            </a:endParaRPr>
-          </a:p>
-        </p:txBody>
-      </p:sp>
-      <p:sp>
-        <p:nvSpPr>
-          <p:cNvPr id="109" name=""/>
-          <p:cNvSpPr/>
-          <p:nvPr/>
-        </p:nvSpPr>
-        <p:spPr>
-          <a:xfrm>
-            <a:off x="39151080" y="18384120"/>
-            <a:ext cx="2602800" cy="2776320"/>
-          </a:xfrm>
-          <a:prstGeom prst="rect">
-            <a:avLst/>
-          </a:prstGeom>
-          <a:solidFill>
-            <a:srgbClr val="ffe994"/>
-          </a:solidFill>
-          <a:ln w="0">
-            <a:solidFill>
-              <a:srgbClr val="3465a4"/>
-            </a:solidFill>
-          </a:ln>
-        </p:spPr>
-        <p:style>
-          <a:lnRef idx="0"/>
-          <a:fillRef idx="0"/>
-          <a:effectRef idx="0"/>
-          <a:fontRef idx="minor"/>
-        </p:style>
-        <p:txBody>
-          <a:bodyPr lIns="90000" rIns="90000" tIns="45000" bIns="45000" anchor="ctr">
-            <a:noAutofit/>
-          </a:bodyPr>
-          <a:p>
-            <a:pPr algn="ctr">
-              <a:lnSpc>
-                <a:spcPct val="100000"/>
-              </a:lnSpc>
-            </a:pPr>
-            <a:r>
-              <a:rPr b="0" lang="en-US" sz="2800" spc="-1" strike="noStrike">
-                <a:solidFill>
-                  <a:srgbClr val="000000"/>
-                </a:solidFill>
-                <a:latin typeface="Arial"/>
-                <a:ea typeface="Arial"/>
-              </a:rPr>
-              <a:t>Full-system Testing</a:t>
-            </a:r>
-            <a:endParaRPr b="0" lang="en-US" sz="2800" spc="-1" strike="noStrike">
-              <a:solidFill>
-                <a:srgbClr val="000000"/>
-              </a:solidFill>
-              <a:latin typeface="Arial"/>
-            </a:endParaRPr>
-          </a:p>
-        </p:txBody>
-      </p:sp>
-      <p:sp>
-        <p:nvSpPr>
-          <p:cNvPr id="110" name=""/>
-          <p:cNvSpPr/>
-          <p:nvPr/>
-        </p:nvSpPr>
-        <p:spPr>
-          <a:xfrm>
-            <a:off x="37785240" y="18685800"/>
-            <a:ext cx="1205640" cy="514800"/>
-          </a:xfrm>
-          <a:prstGeom prst="rightArrow">
-            <a:avLst>
-              <a:gd name="adj1" fmla="val 50000"/>
-              <a:gd name="adj2" fmla="val 58333"/>
-            </a:avLst>
-          </a:prstGeom>
-          <a:noFill/>
-          <a:ln w="38160">
-            <a:solidFill>
-              <a:srgbClr val="000000"/>
-            </a:solidFill>
-            <a:round/>
-          </a:ln>
-        </p:spPr>
-        <p:style>
-          <a:lnRef idx="0"/>
-          <a:fillRef idx="0"/>
-          <a:effectRef idx="0"/>
-          <a:fontRef idx="minor"/>
-        </p:style>
-        <p:txBody>
-          <a:bodyPr lIns="109080" rIns="109080" tIns="64080" bIns="64080" anchor="ctr">
-            <a:noAutofit/>
-          </a:bodyPr>
-          <a:p>
-            <a:pPr>
-              <a:lnSpc>
-                <a:spcPct val="100000"/>
-              </a:lnSpc>
-            </a:pPr>
-            <a:endParaRPr b="0" lang="en-US" sz="1800" spc="-1" strike="noStrike">
-              <a:solidFill>
-                <a:srgbClr val="000000"/>
-              </a:solidFill>
-              <a:latin typeface="Arial"/>
-              <a:ea typeface="Arial"/>
-            </a:endParaRPr>
-          </a:p>
-        </p:txBody>
-      </p:sp>
-      <p:sp>
-        <p:nvSpPr>
-          <p:cNvPr id="111" name=""/>
-          <p:cNvSpPr/>
-          <p:nvPr/>
-        </p:nvSpPr>
-        <p:spPr>
-          <a:xfrm rot="10800000">
-            <a:off x="37675080" y="20156040"/>
-            <a:ext cx="1213200" cy="518760"/>
-          </a:xfrm>
-          <a:prstGeom prst="rightArrow">
-            <a:avLst>
-              <a:gd name="adj1" fmla="val 50000"/>
-              <a:gd name="adj2" fmla="val 58333"/>
-            </a:avLst>
-          </a:prstGeom>
-          <a:noFill/>
-          <a:ln w="38160">
-            <a:solidFill>
-              <a:srgbClr val="000000"/>
-            </a:solidFill>
-            <a:round/>
-          </a:ln>
-        </p:spPr>
-        <p:style>
-          <a:lnRef idx="0"/>
-          <a:fillRef idx="0"/>
-          <a:effectRef idx="0"/>
-          <a:fontRef idx="minor"/>
-        </p:style>
-        <p:txBody>
-          <a:bodyPr lIns="109080" rIns="109080" tIns="64080" bIns="64080" anchor="ctr">
-            <a:noAutofit/>
-          </a:bodyPr>
-          <a:p>
-            <a:pPr>
-              <a:lnSpc>
-                <a:spcPct val="100000"/>
-              </a:lnSpc>
-            </a:pPr>
-            <a:endParaRPr b="0" lang="en-US" sz="1800" spc="-1" strike="noStrike">
-              <a:solidFill>
-                <a:srgbClr val="000000"/>
-              </a:solidFill>
-              <a:latin typeface="Arial"/>
-              <a:ea typeface="Arial"/>
-            </a:endParaRPr>
-          </a:p>
-        </p:txBody>
-      </p:sp>
-      <p:sp>
-        <p:nvSpPr>
-          <p:cNvPr id="112" name=""/>
-          <p:cNvSpPr/>
-          <p:nvPr/>
-        </p:nvSpPr>
-        <p:spPr>
-          <a:xfrm>
-            <a:off x="11765160" y="26814960"/>
-            <a:ext cx="1754280" cy="749880"/>
-          </a:xfrm>
-          <a:prstGeom prst="rect">
-            <a:avLst/>
-          </a:prstGeom>
-          <a:noFill/>
-          <a:ln w="0">
-            <a:noFill/>
-          </a:ln>
-        </p:spPr>
-        <p:style>
-          <a:lnRef idx="0"/>
-          <a:fillRef idx="0"/>
-          <a:effectRef idx="0"/>
-          <a:fontRef idx="minor"/>
-        </p:style>
-        <p:txBody>
-          <a:bodyPr lIns="90000" rIns="90000" tIns="45000" bIns="45000" anchor="t">
-            <a:noAutofit/>
-          </a:bodyPr>
-          <a:p>
-            <a:pPr algn="r">
-              <a:lnSpc>
-                <a:spcPct val="100000"/>
-              </a:lnSpc>
-            </a:pPr>
-            <a:r>
-              <a:rPr b="0" lang="en-US" sz="2200" spc="-1" strike="noStrike">
-                <a:solidFill>
-                  <a:srgbClr val="000000"/>
-                </a:solidFill>
-                <a:latin typeface="Open Sans"/>
-                <a:ea typeface="Arial"/>
-              </a:rPr>
-              <a:t>User </a:t>
-            </a:r>
-            <a:endParaRPr b="0" lang="en-US" sz="2200" spc="-1" strike="noStrike">
-              <a:solidFill>
-                <a:srgbClr val="000000"/>
-              </a:solidFill>
-              <a:latin typeface="Arial"/>
-            </a:endParaRPr>
-          </a:p>
-          <a:p>
-            <a:pPr algn="r">
-              <a:lnSpc>
-                <a:spcPct val="100000"/>
-              </a:lnSpc>
-            </a:pPr>
-            <a:r>
-              <a:rPr b="0" lang="en-US" sz="2200" spc="-1" strike="noStrike">
-                <a:solidFill>
-                  <a:srgbClr val="000000"/>
-                </a:solidFill>
-                <a:latin typeface="Open Sans"/>
-                <a:ea typeface="Arial"/>
-              </a:rPr>
-              <a:t>(U-Mode)</a:t>
-            </a:r>
-            <a:endParaRPr b="0" lang="en-US" sz="2200" spc="-1" strike="noStrike">
-              <a:solidFill>
-                <a:srgbClr val="000000"/>
-              </a:solidFill>
-              <a:latin typeface="Arial"/>
-            </a:endParaRPr>
-          </a:p>
-        </p:txBody>
-      </p:sp>
-      <p:sp>
-        <p:nvSpPr>
-          <p:cNvPr id="113" name=""/>
-          <p:cNvSpPr/>
-          <p:nvPr/>
-        </p:nvSpPr>
-        <p:spPr>
-          <a:xfrm>
-            <a:off x="13557600" y="26263800"/>
-            <a:ext cx="2632320" cy="2133000"/>
-          </a:xfrm>
-          <a:prstGeom prst="rect">
-            <a:avLst/>
-          </a:prstGeom>
-          <a:solidFill>
-            <a:srgbClr val="ffd7d7"/>
-          </a:solidFill>
-          <a:ln w="0">
-            <a:solidFill>
-              <a:srgbClr val="ffffff"/>
-            </a:solidFill>
-          </a:ln>
-        </p:spPr>
-        <p:style>
-          <a:lnRef idx="0"/>
-          <a:fillRef idx="0"/>
-          <a:effectRef idx="0"/>
-          <a:fontRef idx="minor"/>
-        </p:style>
-        <p:txBody>
-          <a:bodyPr lIns="90000" rIns="90000" tIns="45000" bIns="45000" anchor="t">
-            <a:noAutofit/>
-          </a:bodyPr>
-          <a:p>
-            <a:pPr algn="ctr">
-              <a:lnSpc>
-                <a:spcPct val="100000"/>
-              </a:lnSpc>
-            </a:pPr>
-            <a:r>
-              <a:rPr b="0" lang="en-US" sz="1800" spc="-1" strike="noStrike">
-                <a:solidFill>
-                  <a:srgbClr val="000000"/>
-                </a:solidFill>
-                <a:latin typeface="Arial"/>
-                <a:ea typeface="Arial"/>
-              </a:rPr>
-              <a:t>Untrusted</a:t>
-            </a:r>
-            <a:endParaRPr b="0" lang="en-US" sz="1800" spc="-1" strike="noStrike">
-              <a:solidFill>
-                <a:srgbClr val="000000"/>
-              </a:solidFill>
-              <a:latin typeface="Arial"/>
-            </a:endParaRPr>
-          </a:p>
-        </p:txBody>
-      </p:sp>
-      <p:sp>
-        <p:nvSpPr>
-          <p:cNvPr id="114" name=""/>
-          <p:cNvSpPr/>
-          <p:nvPr/>
-        </p:nvSpPr>
-        <p:spPr>
-          <a:xfrm>
-            <a:off x="13649400" y="26832240"/>
-            <a:ext cx="876240" cy="642960"/>
-          </a:xfrm>
-          <a:prstGeom prst="rect">
-            <a:avLst/>
-          </a:prstGeom>
-          <a:solidFill>
-            <a:srgbClr val="ffffff"/>
-          </a:solidFill>
-          <a:ln w="0">
-            <a:solidFill>
-              <a:srgbClr val="000000"/>
-            </a:solidFill>
-          </a:ln>
-        </p:spPr>
-        <p:style>
-          <a:lnRef idx="0"/>
-          <a:fillRef idx="0"/>
-          <a:effectRef idx="0"/>
-          <a:fontRef idx="minor"/>
-        </p:style>
-        <p:txBody>
-          <a:bodyPr lIns="90000" rIns="90000" tIns="45000" bIns="45000" anchor="ctr">
-            <a:noAutofit/>
-          </a:bodyPr>
-          <a:p>
-            <a:pPr algn="ctr">
-              <a:lnSpc>
-                <a:spcPct val="100000"/>
-              </a:lnSpc>
-            </a:pPr>
-            <a:r>
-              <a:rPr b="0" lang="en-US" sz="2000" spc="-1" strike="noStrike">
-                <a:solidFill>
-                  <a:srgbClr val="000000"/>
-                </a:solidFill>
-                <a:latin typeface="Arial"/>
-                <a:ea typeface="Arial"/>
-              </a:rPr>
-              <a:t>App</a:t>
-            </a:r>
-            <a:endParaRPr b="0" lang="en-US" sz="2000" spc="-1" strike="noStrike">
-              <a:solidFill>
-                <a:srgbClr val="000000"/>
-              </a:solidFill>
-              <a:latin typeface="Arial"/>
-            </a:endParaRPr>
-          </a:p>
-        </p:txBody>
-      </p:sp>
-      <p:sp>
-        <p:nvSpPr>
-          <p:cNvPr id="115" name=""/>
-          <p:cNvSpPr/>
-          <p:nvPr/>
-        </p:nvSpPr>
-        <p:spPr>
-          <a:xfrm>
-            <a:off x="15216840" y="26832240"/>
-            <a:ext cx="875880" cy="642960"/>
-          </a:xfrm>
-          <a:prstGeom prst="rect">
-            <a:avLst/>
-          </a:prstGeom>
-          <a:solidFill>
-            <a:srgbClr val="ffffff"/>
-          </a:solidFill>
-          <a:ln w="0">
-            <a:solidFill>
-              <a:srgbClr val="000000"/>
-            </a:solidFill>
-          </a:ln>
-        </p:spPr>
-        <p:style>
-          <a:lnRef idx="0"/>
-          <a:fillRef idx="0"/>
-          <a:effectRef idx="0"/>
-          <a:fontRef idx="minor"/>
-        </p:style>
-        <p:txBody>
-          <a:bodyPr lIns="90000" rIns="90000" tIns="45000" bIns="45000" anchor="ctr">
-            <a:noAutofit/>
-          </a:bodyPr>
-          <a:p>
-            <a:pPr algn="ctr">
-              <a:lnSpc>
-                <a:spcPct val="100000"/>
-              </a:lnSpc>
-            </a:pPr>
-            <a:r>
-              <a:rPr b="0" lang="en-US" sz="2000" spc="-1" strike="noStrike">
-                <a:solidFill>
-                  <a:srgbClr val="000000"/>
-                </a:solidFill>
-                <a:latin typeface="Arial"/>
-                <a:ea typeface="Arial"/>
-              </a:rPr>
-              <a:t>App</a:t>
-            </a:r>
-            <a:endParaRPr b="0" lang="en-US" sz="2000" spc="-1" strike="noStrike">
-              <a:solidFill>
-                <a:srgbClr val="000000"/>
-              </a:solidFill>
-              <a:latin typeface="Arial"/>
-            </a:endParaRPr>
-          </a:p>
-        </p:txBody>
-      </p:sp>
-      <p:sp>
-        <p:nvSpPr>
-          <p:cNvPr id="116" name=""/>
-          <p:cNvSpPr/>
-          <p:nvPr/>
-        </p:nvSpPr>
-        <p:spPr>
-          <a:xfrm>
-            <a:off x="11981160" y="27756000"/>
-            <a:ext cx="1506240" cy="749160"/>
-          </a:xfrm>
-          <a:prstGeom prst="rect">
-            <a:avLst/>
-          </a:prstGeom>
-          <a:noFill/>
-          <a:ln w="0">
-            <a:noFill/>
-          </a:ln>
-        </p:spPr>
-        <p:style>
-          <a:lnRef idx="0"/>
-          <a:fillRef idx="0"/>
-          <a:effectRef idx="0"/>
-          <a:fontRef idx="minor"/>
-        </p:style>
-        <p:txBody>
-          <a:bodyPr lIns="90000" rIns="90000" tIns="45000" bIns="45000" anchor="t">
-            <a:noAutofit/>
-          </a:bodyPr>
-          <a:p>
-            <a:pPr algn="r">
-              <a:lnSpc>
-                <a:spcPct val="100000"/>
-              </a:lnSpc>
-            </a:pPr>
-            <a:r>
-              <a:rPr b="0" lang="en-US" sz="2100" spc="-1" strike="noStrike">
-                <a:solidFill>
-                  <a:srgbClr val="000000"/>
-                </a:solidFill>
-                <a:latin typeface="Open Sans"/>
-                <a:ea typeface="Arial"/>
-              </a:rPr>
-              <a:t>Supervisor </a:t>
-            </a:r>
-            <a:endParaRPr b="0" lang="en-US" sz="2100" spc="-1" strike="noStrike">
-              <a:solidFill>
-                <a:srgbClr val="000000"/>
-              </a:solidFill>
-              <a:latin typeface="Arial"/>
-            </a:endParaRPr>
-          </a:p>
-          <a:p>
-            <a:pPr algn="r">
-              <a:lnSpc>
-                <a:spcPct val="100000"/>
-              </a:lnSpc>
-            </a:pPr>
-            <a:r>
-              <a:rPr b="0" lang="en-US" sz="2100" spc="-1" strike="noStrike">
-                <a:solidFill>
-                  <a:srgbClr val="000000"/>
-                </a:solidFill>
-                <a:latin typeface="Open Sans"/>
-                <a:ea typeface="Arial"/>
-              </a:rPr>
-              <a:t>(S-Mode)</a:t>
-            </a:r>
-            <a:endParaRPr b="0" lang="en-US" sz="2100" spc="-1" strike="noStrike">
-              <a:solidFill>
-                <a:srgbClr val="000000"/>
-              </a:solidFill>
-              <a:latin typeface="Arial"/>
-            </a:endParaRPr>
-          </a:p>
-        </p:txBody>
-      </p:sp>
-      <p:sp>
-        <p:nvSpPr>
-          <p:cNvPr id="117" name=""/>
-          <p:cNvSpPr/>
-          <p:nvPr/>
-        </p:nvSpPr>
-        <p:spPr>
-          <a:xfrm>
-            <a:off x="11729160" y="28591920"/>
-            <a:ext cx="1748880" cy="749880"/>
-          </a:xfrm>
-          <a:prstGeom prst="rect">
-            <a:avLst/>
-          </a:prstGeom>
-          <a:noFill/>
-          <a:ln w="0">
-            <a:noFill/>
-          </a:ln>
-        </p:spPr>
-        <p:style>
-          <a:lnRef idx="0"/>
-          <a:fillRef idx="0"/>
-          <a:effectRef idx="0"/>
-          <a:fontRef idx="minor"/>
-        </p:style>
-        <p:txBody>
-          <a:bodyPr lIns="90000" rIns="90000" tIns="45000" bIns="45000" anchor="t">
-            <a:noAutofit/>
-          </a:bodyPr>
-          <a:p>
-            <a:pPr algn="r">
-              <a:lnSpc>
-                <a:spcPct val="100000"/>
-              </a:lnSpc>
-            </a:pPr>
-            <a:r>
-              <a:rPr b="0" lang="en-US" sz="2200" spc="-1" strike="noStrike">
-                <a:solidFill>
-                  <a:srgbClr val="000000"/>
-                </a:solidFill>
-                <a:latin typeface="Open Sans"/>
-                <a:ea typeface="Arial"/>
-              </a:rPr>
-              <a:t>Machine </a:t>
-            </a:r>
-            <a:endParaRPr b="0" lang="en-US" sz="2200" spc="-1" strike="noStrike">
-              <a:solidFill>
-                <a:srgbClr val="000000"/>
-              </a:solidFill>
-              <a:latin typeface="Arial"/>
-            </a:endParaRPr>
-          </a:p>
-          <a:p>
-            <a:pPr algn="r">
-              <a:lnSpc>
-                <a:spcPct val="100000"/>
-              </a:lnSpc>
-            </a:pPr>
-            <a:r>
-              <a:rPr b="0" lang="en-US" sz="2200" spc="-1" strike="noStrike">
-                <a:solidFill>
-                  <a:srgbClr val="000000"/>
-                </a:solidFill>
-                <a:latin typeface="Open Sans"/>
-                <a:ea typeface="Arial"/>
-              </a:rPr>
-              <a:t>(M-Mode)</a:t>
-            </a:r>
-            <a:endParaRPr b="0" lang="en-US" sz="2200" spc="-1" strike="noStrike">
-              <a:solidFill>
-                <a:srgbClr val="000000"/>
-              </a:solidFill>
-              <a:latin typeface="Arial"/>
-            </a:endParaRPr>
-          </a:p>
-        </p:txBody>
-      </p:sp>
-      <p:sp>
-        <p:nvSpPr>
-          <p:cNvPr id="118" name=""/>
-          <p:cNvSpPr/>
-          <p:nvPr/>
-        </p:nvSpPr>
-        <p:spPr>
-          <a:xfrm>
-            <a:off x="13741560" y="27700560"/>
-            <a:ext cx="2248200" cy="642960"/>
-          </a:xfrm>
-          <a:prstGeom prst="rect">
-            <a:avLst/>
-          </a:prstGeom>
-          <a:solidFill>
-            <a:srgbClr val="ffffff"/>
-          </a:solidFill>
-          <a:ln w="0">
-            <a:solidFill>
-              <a:srgbClr val="000000"/>
-            </a:solidFill>
-          </a:ln>
-        </p:spPr>
-        <p:style>
-          <a:lnRef idx="0"/>
-          <a:fillRef idx="0"/>
-          <a:effectRef idx="0"/>
-          <a:fontRef idx="minor"/>
-        </p:style>
-        <p:txBody>
-          <a:bodyPr lIns="90000" rIns="90000" tIns="45000" bIns="45000" anchor="ctr">
-            <a:noAutofit/>
-          </a:bodyPr>
-          <a:p>
-            <a:pPr algn="ctr">
-              <a:lnSpc>
-                <a:spcPct val="115000"/>
-              </a:lnSpc>
-            </a:pPr>
-            <a:r>
-              <a:rPr b="0" lang="en-US" sz="2000" spc="-1" strike="noStrike">
-                <a:solidFill>
-                  <a:srgbClr val="000000"/>
-                </a:solidFill>
-                <a:latin typeface="Arial"/>
-                <a:ea typeface="Arial"/>
-              </a:rPr>
-              <a:t>Operating System</a:t>
-            </a:r>
-            <a:endParaRPr b="0" lang="en-US" sz="2000" spc="-1" strike="noStrike">
-              <a:solidFill>
-                <a:srgbClr val="000000"/>
-              </a:solidFill>
-              <a:latin typeface="Arial"/>
-            </a:endParaRPr>
-          </a:p>
-          <a:p>
-            <a:pPr algn="ctr">
-              <a:lnSpc>
-                <a:spcPct val="115000"/>
-              </a:lnSpc>
-            </a:pPr>
-            <a:r>
-              <a:rPr b="0" lang="en-US" sz="2000" spc="-1" strike="noStrike">
-                <a:solidFill>
-                  <a:srgbClr val="000000"/>
-                </a:solidFill>
-                <a:latin typeface="Arial"/>
-                <a:ea typeface="Arial"/>
-              </a:rPr>
-              <a:t> </a:t>
-            </a:r>
-            <a:r>
-              <a:rPr b="0" lang="en-US" sz="2000" spc="-1" strike="noStrike">
-                <a:solidFill>
-                  <a:srgbClr val="000000"/>
-                </a:solidFill>
-                <a:latin typeface="Arial"/>
-                <a:ea typeface="Arial"/>
-              </a:rPr>
-              <a:t>(OS)</a:t>
-            </a:r>
-            <a:endParaRPr b="0" lang="en-US" sz="2000" spc="-1" strike="noStrike">
-              <a:solidFill>
-                <a:srgbClr val="000000"/>
-              </a:solidFill>
-              <a:latin typeface="Arial"/>
-            </a:endParaRPr>
-          </a:p>
-        </p:txBody>
-      </p:sp>
-      <p:sp>
-        <p:nvSpPr>
-          <p:cNvPr id="119" name=""/>
-          <p:cNvSpPr/>
-          <p:nvPr/>
-        </p:nvSpPr>
-        <p:spPr>
-          <a:xfrm>
-            <a:off x="16418520" y="26263800"/>
-            <a:ext cx="2339280" cy="2133000"/>
-          </a:xfrm>
-          <a:custGeom>
-            <a:avLst/>
-            <a:gdLst>
-              <a:gd name="textAreaLeft" fmla="*/ 113760 w 2339280"/>
-              <a:gd name="textAreaRight" fmla="*/ 2226960 w 2339280"/>
-              <a:gd name="textAreaTop" fmla="*/ 97560 h 2133000"/>
-              <a:gd name="textAreaBottom" fmla="*/ 2036880 h 2133000"/>
-            </a:gdLst>
-            <a:ahLst/>
-            <a:rect l="textAreaLeft" t="textAreaTop" r="textAreaRight" b="textAreaBottom"/>
-            <a:pathLst>
-              <a:path w="21600" h="23005">
-                <a:moveTo>
-                  <a:pt x="3600" y="0"/>
-                </a:moveTo>
-                <a:arcTo wR="3600" hR="3600" stAng="16200000" swAng="-5400000"/>
-                <a:lnTo>
-                  <a:pt x="0" y="19405"/>
-                </a:lnTo>
-                <a:arcTo wR="3600" hR="3600" stAng="10800000" swAng="-5400000"/>
-                <a:lnTo>
-                  <a:pt x="18000" y="23005"/>
-                </a:lnTo>
-                <a:arcTo wR="3600" hR="3600" stAng="5400000" swAng="-5400000"/>
-                <a:lnTo>
-                  <a:pt x="21600" y="3600"/>
-                </a:lnTo>
-                <a:arcTo wR="3600" hR="3600" stAng="0" swAng="-5400000"/>
-                <a:close/>
-              </a:path>
-            </a:pathLst>
-          </a:custGeom>
-          <a:solidFill>
-            <a:srgbClr val="b4c7dc"/>
-          </a:solidFill>
-          <a:ln w="0">
-            <a:solidFill>
-              <a:srgbClr val="000000"/>
-            </a:solidFill>
-          </a:ln>
-        </p:spPr>
-        <p:style>
-          <a:lnRef idx="0"/>
-          <a:fillRef idx="0"/>
-          <a:effectRef idx="0"/>
-          <a:fontRef idx="minor"/>
-        </p:style>
-        <p:txBody>
-          <a:bodyPr lIns="90000" rIns="90000" tIns="45000" bIns="45000" anchor="t">
-            <a:noAutofit/>
-          </a:bodyPr>
-          <a:p>
-            <a:pPr algn="ctr">
-              <a:lnSpc>
-                <a:spcPct val="100000"/>
-              </a:lnSpc>
-            </a:pPr>
-            <a:r>
-              <a:rPr b="0" lang="en-US" sz="1800" spc="-1" strike="noStrike">
-                <a:solidFill>
-                  <a:srgbClr val="000000"/>
-                </a:solidFill>
-                <a:latin typeface="Arial"/>
-                <a:ea typeface="Arial"/>
-              </a:rPr>
-              <a:t>Enclave 1</a:t>
-            </a:r>
-            <a:endParaRPr b="0" lang="en-US" sz="1800" spc="-1" strike="noStrike">
-              <a:solidFill>
-                <a:srgbClr val="000000"/>
-              </a:solidFill>
-              <a:latin typeface="Arial"/>
-            </a:endParaRPr>
-          </a:p>
-        </p:txBody>
-      </p:sp>
-      <p:sp>
-        <p:nvSpPr>
-          <p:cNvPr id="120" name=""/>
-          <p:cNvSpPr/>
-          <p:nvPr/>
-        </p:nvSpPr>
-        <p:spPr>
-          <a:xfrm>
-            <a:off x="16641360" y="26832240"/>
-            <a:ext cx="1915560" cy="642960"/>
-          </a:xfrm>
-          <a:prstGeom prst="rect">
-            <a:avLst/>
-          </a:prstGeom>
-          <a:solidFill>
-            <a:srgbClr val="ffffff"/>
-          </a:solidFill>
-          <a:ln w="0">
-            <a:solidFill>
-              <a:srgbClr val="000000"/>
-            </a:solidFill>
-          </a:ln>
-        </p:spPr>
-        <p:style>
-          <a:lnRef idx="0"/>
-          <a:fillRef idx="0"/>
-          <a:effectRef idx="0"/>
-          <a:fontRef idx="minor"/>
-        </p:style>
-        <p:txBody>
-          <a:bodyPr lIns="90000" rIns="90000" tIns="45000" bIns="45000" anchor="ctr">
-            <a:noAutofit/>
-          </a:bodyPr>
-          <a:p>
-            <a:pPr algn="ctr">
-              <a:lnSpc>
-                <a:spcPct val="115000"/>
-              </a:lnSpc>
-            </a:pPr>
-            <a:r>
-              <a:rPr b="0" lang="en-US" sz="2000" spc="-1" strike="noStrike">
-                <a:solidFill>
-                  <a:srgbClr val="000000"/>
-                </a:solidFill>
-                <a:latin typeface="Arial"/>
-                <a:ea typeface="Arial"/>
-              </a:rPr>
-              <a:t>Enclave App 1 (Eapp)</a:t>
-            </a:r>
-            <a:endParaRPr b="0" lang="en-US" sz="2000" spc="-1" strike="noStrike">
-              <a:solidFill>
-                <a:srgbClr val="000000"/>
-              </a:solidFill>
-              <a:latin typeface="Arial"/>
-            </a:endParaRPr>
-          </a:p>
-        </p:txBody>
-      </p:sp>
-      <p:sp>
-        <p:nvSpPr>
-          <p:cNvPr id="121" name=""/>
-          <p:cNvSpPr/>
-          <p:nvPr/>
-        </p:nvSpPr>
-        <p:spPr>
-          <a:xfrm>
-            <a:off x="16549560" y="27688320"/>
-            <a:ext cx="2116080" cy="536760"/>
-          </a:xfrm>
-          <a:prstGeom prst="rect">
-            <a:avLst/>
-          </a:prstGeom>
-          <a:solidFill>
-            <a:srgbClr val="ffffff"/>
-          </a:solidFill>
-          <a:ln w="0">
-            <a:solidFill>
-              <a:srgbClr val="000000"/>
-            </a:solidFill>
-          </a:ln>
-        </p:spPr>
-        <p:style>
-          <a:lnRef idx="0"/>
-          <a:fillRef idx="0"/>
-          <a:effectRef idx="0"/>
-          <a:fontRef idx="minor"/>
-        </p:style>
-        <p:txBody>
-          <a:bodyPr lIns="90000" rIns="90000" tIns="45000" bIns="45000" anchor="ctr">
-            <a:noAutofit/>
-          </a:bodyPr>
-          <a:p>
-            <a:pPr algn="ctr">
-              <a:lnSpc>
-                <a:spcPct val="115000"/>
-              </a:lnSpc>
-            </a:pPr>
-            <a:r>
-              <a:rPr b="0" lang="en-US" sz="2000" spc="-1" strike="noStrike">
-                <a:solidFill>
-                  <a:srgbClr val="000000"/>
-                </a:solidFill>
-                <a:latin typeface="Arial"/>
-                <a:ea typeface="Arial"/>
-              </a:rPr>
-              <a:t>Runtime (RT) 1</a:t>
-            </a:r>
-            <a:endParaRPr b="0" lang="en-US" sz="2000" spc="-1" strike="noStrike">
-              <a:solidFill>
-                <a:srgbClr val="000000"/>
-              </a:solidFill>
-              <a:latin typeface="Arial"/>
-            </a:endParaRPr>
-          </a:p>
-        </p:txBody>
-      </p:sp>
-      <p:sp>
-        <p:nvSpPr>
-          <p:cNvPr id="122" name=""/>
-          <p:cNvSpPr/>
-          <p:nvPr/>
-        </p:nvSpPr>
-        <p:spPr>
-          <a:xfrm>
-            <a:off x="19004400" y="26264160"/>
-            <a:ext cx="1788840" cy="2132640"/>
-          </a:xfrm>
-          <a:custGeom>
-            <a:avLst/>
-            <a:gdLst>
-              <a:gd name="textAreaLeft" fmla="*/ 86760 w 1788840"/>
-              <a:gd name="textAreaRight" fmla="*/ 1703520 w 1788840"/>
-              <a:gd name="textAreaTop" fmla="*/ 74520 h 2132640"/>
-              <a:gd name="textAreaBottom" fmla="*/ 2059560 h 2132640"/>
-            </a:gdLst>
-            <a:ahLst/>
-            <a:rect l="textAreaLeft" t="textAreaTop" r="textAreaRight" b="textAreaBottom"/>
-            <a:pathLst>
-              <a:path w="21600" h="30074">
-                <a:moveTo>
-                  <a:pt x="3600" y="0"/>
-                </a:moveTo>
-                <a:arcTo wR="3600" hR="3600" stAng="16200000" swAng="-5400000"/>
-                <a:lnTo>
-                  <a:pt x="0" y="26474"/>
-                </a:lnTo>
-                <a:arcTo wR="3600" hR="3600" stAng="10800000" swAng="-5400000"/>
-                <a:lnTo>
-                  <a:pt x="18000" y="30074"/>
-                </a:lnTo>
-                <a:arcTo wR="3600" hR="3600" stAng="5400000" swAng="-5400000"/>
-                <a:lnTo>
-                  <a:pt x="21600" y="3600"/>
-                </a:lnTo>
-                <a:arcTo wR="3600" hR="3600" stAng="0" swAng="-5400000"/>
-                <a:close/>
-              </a:path>
-            </a:pathLst>
-          </a:custGeom>
-          <a:solidFill>
-            <a:srgbClr val="b4c7dc"/>
-          </a:solidFill>
-          <a:ln w="0">
-            <a:solidFill>
-              <a:srgbClr val="000000"/>
-            </a:solidFill>
-          </a:ln>
-        </p:spPr>
-        <p:style>
-          <a:lnRef idx="0"/>
-          <a:fillRef idx="0"/>
-          <a:effectRef idx="0"/>
-          <a:fontRef idx="minor"/>
-        </p:style>
-        <p:txBody>
-          <a:bodyPr lIns="90000" rIns="90000" tIns="45000" bIns="45000" anchor="t">
-            <a:noAutofit/>
-          </a:bodyPr>
-          <a:p>
-            <a:pPr algn="ctr">
-              <a:lnSpc>
-                <a:spcPct val="100000"/>
-              </a:lnSpc>
-            </a:pPr>
-            <a:r>
-              <a:rPr b="0" lang="en-US" sz="1800" spc="-1" strike="noStrike">
-                <a:solidFill>
-                  <a:srgbClr val="000000"/>
-                </a:solidFill>
-                <a:latin typeface="Arial"/>
-                <a:ea typeface="Arial"/>
-              </a:rPr>
-              <a:t>Enclave 2</a:t>
-            </a:r>
-            <a:endParaRPr b="0" lang="en-US" sz="1800" spc="-1" strike="noStrike">
-              <a:solidFill>
-                <a:srgbClr val="000000"/>
-              </a:solidFill>
-              <a:latin typeface="Arial"/>
-            </a:endParaRPr>
-          </a:p>
-        </p:txBody>
-      </p:sp>
-      <p:sp>
-        <p:nvSpPr>
-          <p:cNvPr id="123" name=""/>
-          <p:cNvSpPr/>
-          <p:nvPr/>
-        </p:nvSpPr>
-        <p:spPr>
-          <a:xfrm>
-            <a:off x="19196280" y="26832960"/>
-            <a:ext cx="1345320" cy="642600"/>
-          </a:xfrm>
-          <a:prstGeom prst="rect">
-            <a:avLst/>
-          </a:prstGeom>
-          <a:solidFill>
-            <a:srgbClr val="ffffff"/>
-          </a:solidFill>
-          <a:ln w="0">
-            <a:solidFill>
-              <a:srgbClr val="000000"/>
-            </a:solidFill>
-          </a:ln>
-        </p:spPr>
-        <p:style>
-          <a:lnRef idx="0"/>
-          <a:fillRef idx="0"/>
-          <a:effectRef idx="0"/>
-          <a:fontRef idx="minor"/>
-        </p:style>
-        <p:txBody>
-          <a:bodyPr lIns="90000" rIns="90000" tIns="45000" bIns="45000" anchor="ctr">
-            <a:noAutofit/>
-          </a:bodyPr>
-          <a:p>
-            <a:pPr algn="ctr">
-              <a:lnSpc>
-                <a:spcPct val="115000"/>
-              </a:lnSpc>
-            </a:pPr>
-            <a:r>
-              <a:rPr b="0" lang="en-US" sz="2000" spc="-1" strike="noStrike">
-                <a:solidFill>
-                  <a:srgbClr val="000000"/>
-                </a:solidFill>
-                <a:latin typeface="Arial"/>
-                <a:ea typeface="Arial"/>
-              </a:rPr>
-              <a:t>Eapp 2</a:t>
-            </a:r>
-            <a:endParaRPr b="0" lang="en-US" sz="2000" spc="-1" strike="noStrike">
-              <a:solidFill>
-                <a:srgbClr val="000000"/>
-              </a:solidFill>
-              <a:latin typeface="Arial"/>
-            </a:endParaRPr>
-          </a:p>
-        </p:txBody>
-      </p:sp>
-      <p:sp>
-        <p:nvSpPr>
-          <p:cNvPr id="124" name=""/>
-          <p:cNvSpPr/>
-          <p:nvPr/>
-        </p:nvSpPr>
-        <p:spPr>
-          <a:xfrm>
-            <a:off x="19117440" y="27688680"/>
-            <a:ext cx="1424160" cy="536760"/>
-          </a:xfrm>
-          <a:prstGeom prst="rect">
-            <a:avLst/>
-          </a:prstGeom>
-          <a:solidFill>
-            <a:srgbClr val="ffffff"/>
-          </a:solidFill>
-          <a:ln w="0">
-            <a:solidFill>
-              <a:srgbClr val="000000"/>
-            </a:solidFill>
-          </a:ln>
-        </p:spPr>
-        <p:style>
-          <a:lnRef idx="0"/>
-          <a:fillRef idx="0"/>
-          <a:effectRef idx="0"/>
-          <a:fontRef idx="minor"/>
-        </p:style>
-        <p:txBody>
-          <a:bodyPr lIns="90000" rIns="90000" tIns="45000" bIns="45000" anchor="ctr">
-            <a:noAutofit/>
-          </a:bodyPr>
-          <a:p>
-            <a:pPr algn="ctr">
-              <a:lnSpc>
-                <a:spcPct val="115000"/>
-              </a:lnSpc>
-            </a:pPr>
-            <a:r>
-              <a:rPr b="0" lang="en-US" sz="2000" spc="-1" strike="noStrike">
-                <a:solidFill>
-                  <a:srgbClr val="000000"/>
-                </a:solidFill>
-                <a:latin typeface="Arial"/>
-                <a:ea typeface="Arial"/>
-              </a:rPr>
-              <a:t>RT 2</a:t>
-            </a:r>
-            <a:endParaRPr b="0" lang="en-US" sz="2000" spc="-1" strike="noStrike">
-              <a:solidFill>
-                <a:srgbClr val="000000"/>
-              </a:solidFill>
-              <a:latin typeface="Arial"/>
-            </a:endParaRPr>
-          </a:p>
-        </p:txBody>
-      </p:sp>
-      <p:sp>
-        <p:nvSpPr>
-          <p:cNvPr id="125" name=""/>
-          <p:cNvSpPr/>
-          <p:nvPr/>
-        </p:nvSpPr>
-        <p:spPr>
-          <a:xfrm flipV="1">
-            <a:off x="11988000" y="27516600"/>
-            <a:ext cx="8887680" cy="53640"/>
-          </a:xfrm>
-          <a:prstGeom prst="line">
-            <a:avLst/>
-          </a:prstGeom>
-          <a:ln cap="rnd" w="29160">
-            <a:solidFill>
-              <a:srgbClr val="3465a4"/>
-            </a:solidFill>
-            <a:prstDash val="sysDot"/>
-            <a:round/>
-          </a:ln>
-        </p:spPr>
-        <p:style>
-          <a:lnRef idx="0"/>
-          <a:fillRef idx="0"/>
-          <a:effectRef idx="0"/>
-          <a:fontRef idx="minor"/>
-        </p:style>
-        <p:txBody>
-          <a:bodyPr lIns="104760" rIns="104760" tIns="23040" bIns="23040" anchor="ctr">
-            <a:noAutofit/>
-          </a:bodyPr>
-          <a:p>
-            <a:endParaRPr b="0" lang="en-US" sz="1800" spc="-1" strike="noStrike">
-              <a:solidFill>
-                <a:srgbClr val="000000"/>
-              </a:solidFill>
-              <a:latin typeface="Arial"/>
-              <a:ea typeface="Arial"/>
-            </a:endParaRPr>
-          </a:p>
-        </p:txBody>
-      </p:sp>
-      <p:sp>
-        <p:nvSpPr>
-          <p:cNvPr id="126" name=""/>
-          <p:cNvSpPr/>
-          <p:nvPr/>
-        </p:nvSpPr>
-        <p:spPr>
-          <a:xfrm flipV="1">
-            <a:off x="11988360" y="28384920"/>
-            <a:ext cx="8888040" cy="53640"/>
-          </a:xfrm>
-          <a:prstGeom prst="line">
-            <a:avLst/>
-          </a:prstGeom>
-          <a:ln cap="rnd" w="29160">
-            <a:solidFill>
-              <a:srgbClr val="3465a4"/>
-            </a:solidFill>
-            <a:prstDash val="sysDot"/>
-            <a:round/>
-          </a:ln>
-        </p:spPr>
-        <p:style>
-          <a:lnRef idx="0"/>
-          <a:fillRef idx="0"/>
-          <a:effectRef idx="0"/>
-          <a:fontRef idx="minor"/>
-        </p:style>
-        <p:txBody>
-          <a:bodyPr lIns="104760" rIns="104760" tIns="22680" bIns="22680" anchor="ctr">
-            <a:noAutofit/>
-          </a:bodyPr>
-          <a:p>
-            <a:endParaRPr b="0" lang="en-US" sz="1800" spc="-1" strike="noStrike">
-              <a:solidFill>
-                <a:srgbClr val="000000"/>
-              </a:solidFill>
-              <a:latin typeface="Arial"/>
-              <a:ea typeface="Arial"/>
-            </a:endParaRPr>
-          </a:p>
-        </p:txBody>
-      </p:sp>
-      <p:sp>
-        <p:nvSpPr>
-          <p:cNvPr id="127" name=""/>
-          <p:cNvSpPr/>
-          <p:nvPr/>
-        </p:nvSpPr>
-        <p:spPr>
-          <a:xfrm>
-            <a:off x="13472280" y="28638360"/>
-            <a:ext cx="7477200" cy="1469160"/>
-          </a:xfrm>
-          <a:prstGeom prst="roundRect">
-            <a:avLst>
-              <a:gd name="adj" fmla="val 16667"/>
-            </a:avLst>
-          </a:prstGeom>
-          <a:solidFill>
-            <a:srgbClr val="ffffff"/>
-          </a:solidFill>
-          <a:ln w="38160">
-            <a:solidFill>
-              <a:srgbClr val="ff0000"/>
-            </a:solidFill>
-            <a:round/>
-          </a:ln>
-        </p:spPr>
-        <p:style>
-          <a:lnRef idx="0"/>
-          <a:fillRef idx="0"/>
-          <a:effectRef idx="0"/>
-          <a:fontRef idx="minor"/>
-        </p:style>
-        <p:txBody>
-          <a:bodyPr lIns="109080" rIns="109080" tIns="64080" bIns="64080" anchor="ctr">
-            <a:noAutofit/>
-          </a:bodyPr>
-          <a:p>
-            <a:pPr>
-              <a:lnSpc>
-                <a:spcPct val="100000"/>
-              </a:lnSpc>
-            </a:pPr>
-            <a:endParaRPr b="0" lang="en-US" sz="1800" spc="-1" strike="noStrike">
-              <a:solidFill>
-                <a:srgbClr val="000000"/>
-              </a:solidFill>
-              <a:latin typeface="Arial"/>
-              <a:ea typeface="Arial"/>
-            </a:endParaRPr>
-          </a:p>
-        </p:txBody>
-      </p:sp>
-      <p:sp>
-        <p:nvSpPr>
-          <p:cNvPr id="128" name=""/>
-          <p:cNvSpPr/>
-          <p:nvPr/>
-        </p:nvSpPr>
-        <p:spPr>
-          <a:xfrm>
-            <a:off x="13557960" y="28752840"/>
-            <a:ext cx="7269480" cy="498600"/>
-          </a:xfrm>
-          <a:prstGeom prst="rect">
-            <a:avLst/>
-          </a:prstGeom>
-          <a:solidFill>
-            <a:srgbClr val="729fcf"/>
-          </a:solidFill>
-          <a:ln w="0">
-            <a:solidFill>
-              <a:srgbClr val="3465a4"/>
-            </a:solidFill>
-          </a:ln>
-        </p:spPr>
-        <p:style>
-          <a:lnRef idx="0"/>
-          <a:fillRef idx="0"/>
-          <a:effectRef idx="0"/>
-          <a:fontRef idx="minor"/>
-        </p:style>
-        <p:txBody>
-          <a:bodyPr lIns="90000" rIns="90000" tIns="45000" bIns="45000" anchor="ctr">
-            <a:noAutofit/>
-          </a:bodyPr>
-          <a:p>
-            <a:pPr algn="ctr">
-              <a:lnSpc>
-                <a:spcPct val="100000"/>
-              </a:lnSpc>
-            </a:pPr>
-            <a:r>
-              <a:rPr b="0" lang="en-US" sz="2200" spc="-1" strike="noStrike">
-                <a:solidFill>
-                  <a:srgbClr val="000000"/>
-                </a:solidFill>
-                <a:latin typeface="Arial"/>
-                <a:ea typeface="Arial"/>
-              </a:rPr>
-              <a:t>Security Monitor</a:t>
-            </a:r>
-            <a:endParaRPr b="0" lang="en-US" sz="2200" spc="-1" strike="noStrike">
-              <a:solidFill>
-                <a:srgbClr val="000000"/>
-              </a:solidFill>
-              <a:latin typeface="Arial"/>
-            </a:endParaRPr>
-          </a:p>
-        </p:txBody>
-      </p:sp>
-      <p:sp>
-        <p:nvSpPr>
-          <p:cNvPr id="129" name=""/>
-          <p:cNvSpPr/>
-          <p:nvPr/>
-        </p:nvSpPr>
-        <p:spPr>
-          <a:xfrm>
-            <a:off x="11981160" y="29352240"/>
-            <a:ext cx="1501920" cy="749520"/>
-          </a:xfrm>
-          <a:prstGeom prst="rect">
-            <a:avLst/>
-          </a:prstGeom>
-          <a:noFill/>
-          <a:ln w="0">
-            <a:noFill/>
-          </a:ln>
-        </p:spPr>
-        <p:style>
-          <a:lnRef idx="0"/>
-          <a:fillRef idx="0"/>
-          <a:effectRef idx="0"/>
-          <a:fontRef idx="minor"/>
-        </p:style>
-        <p:txBody>
-          <a:bodyPr lIns="90000" rIns="90000" tIns="45000" bIns="45000" anchor="t">
-            <a:noAutofit/>
-          </a:bodyPr>
-          <a:p>
-            <a:pPr algn="r">
-              <a:lnSpc>
-                <a:spcPct val="100000"/>
-              </a:lnSpc>
-            </a:pPr>
-            <a:r>
-              <a:rPr b="0" lang="en-US" sz="2200" spc="-1" strike="noStrike">
-                <a:solidFill>
-                  <a:srgbClr val="000000"/>
-                </a:solidFill>
-                <a:latin typeface="Open Sans"/>
-                <a:ea typeface="Arial"/>
-              </a:rPr>
-              <a:t>Trusted Hardware</a:t>
-            </a:r>
-            <a:endParaRPr b="0" lang="en-US" sz="2200" spc="-1" strike="noStrike">
-              <a:solidFill>
-                <a:srgbClr val="000000"/>
-              </a:solidFill>
-              <a:latin typeface="Arial"/>
-            </a:endParaRPr>
-          </a:p>
-        </p:txBody>
-      </p:sp>
-      <p:sp>
-        <p:nvSpPr>
-          <p:cNvPr id="130" name=""/>
-          <p:cNvSpPr/>
-          <p:nvPr/>
-        </p:nvSpPr>
-        <p:spPr>
-          <a:xfrm>
-            <a:off x="13552200" y="29386080"/>
-            <a:ext cx="7246080" cy="615600"/>
-          </a:xfrm>
-          <a:prstGeom prst="rect">
-            <a:avLst/>
-          </a:prstGeom>
-          <a:solidFill>
-            <a:srgbClr val="b2b2b2"/>
-          </a:solidFill>
-          <a:ln w="0">
-            <a:solidFill>
-              <a:srgbClr val="3465a4"/>
-            </a:solidFill>
-          </a:ln>
-        </p:spPr>
-        <p:style>
-          <a:lnRef idx="0"/>
-          <a:fillRef idx="0"/>
-          <a:effectRef idx="0"/>
-          <a:fontRef idx="minor"/>
-        </p:style>
-        <p:txBody>
-          <a:bodyPr lIns="90000" rIns="90000" tIns="45000" bIns="45000" anchor="ctr">
-            <a:noAutofit/>
-          </a:bodyPr>
-          <a:p>
-            <a:pPr>
-              <a:lnSpc>
-                <a:spcPct val="100000"/>
-              </a:lnSpc>
-            </a:pPr>
-            <a:endParaRPr b="0" lang="en-US" sz="1800" spc="-1" strike="noStrike">
-              <a:solidFill>
-                <a:srgbClr val="000000"/>
-              </a:solidFill>
-              <a:latin typeface="Arial"/>
-              <a:ea typeface="Arial"/>
-            </a:endParaRPr>
-          </a:p>
-        </p:txBody>
-      </p:sp>
-      <p:sp>
-        <p:nvSpPr>
-          <p:cNvPr id="131" name=""/>
-          <p:cNvSpPr/>
-          <p:nvPr/>
-        </p:nvSpPr>
-        <p:spPr>
-          <a:xfrm>
-            <a:off x="13633200" y="29481120"/>
-            <a:ext cx="1932120" cy="441000"/>
-          </a:xfrm>
-          <a:prstGeom prst="rect">
-            <a:avLst/>
-          </a:prstGeom>
-          <a:solidFill>
-            <a:srgbClr val="729fcf"/>
-          </a:solidFill>
-          <a:ln w="0">
-            <a:solidFill>
-              <a:srgbClr val="3465a4"/>
-            </a:solidFill>
-          </a:ln>
-        </p:spPr>
-        <p:style>
-          <a:lnRef idx="0"/>
-          <a:fillRef idx="0"/>
-          <a:effectRef idx="0"/>
-          <a:fontRef idx="minor"/>
-        </p:style>
-        <p:txBody>
-          <a:bodyPr lIns="90000" rIns="90000" tIns="45000" bIns="45000" anchor="ctr">
-            <a:noAutofit/>
-          </a:bodyPr>
-          <a:p>
-            <a:pPr algn="ctr">
-              <a:lnSpc>
-                <a:spcPct val="100000"/>
-              </a:lnSpc>
-            </a:pPr>
-            <a:r>
-              <a:rPr b="0" lang="en-US" sz="2100" spc="-1" strike="noStrike">
-                <a:solidFill>
-                  <a:srgbClr val="000000"/>
-                </a:solidFill>
-                <a:latin typeface="Arial"/>
-                <a:ea typeface="Arial"/>
-              </a:rPr>
-              <a:t>RISC-V Cores</a:t>
-            </a:r>
-            <a:endParaRPr b="0" lang="en-US" sz="2100" spc="-1" strike="noStrike">
-              <a:solidFill>
-                <a:srgbClr val="000000"/>
-              </a:solidFill>
-              <a:latin typeface="Arial"/>
-            </a:endParaRPr>
-          </a:p>
-        </p:txBody>
-      </p:sp>
-      <p:sp>
-        <p:nvSpPr>
-          <p:cNvPr id="132" name=""/>
-          <p:cNvSpPr/>
-          <p:nvPr/>
-        </p:nvSpPr>
-        <p:spPr>
-          <a:xfrm>
-            <a:off x="15697440" y="29481120"/>
-            <a:ext cx="2982600" cy="441000"/>
-          </a:xfrm>
-          <a:prstGeom prst="rect">
-            <a:avLst/>
-          </a:prstGeom>
-          <a:solidFill>
-            <a:srgbClr val="729fcf"/>
-          </a:solidFill>
-          <a:ln w="0">
-            <a:solidFill>
-              <a:srgbClr val="3465a4"/>
-            </a:solidFill>
-          </a:ln>
-        </p:spPr>
-        <p:style>
-          <a:lnRef idx="0"/>
-          <a:fillRef idx="0"/>
-          <a:effectRef idx="0"/>
-          <a:fontRef idx="minor"/>
-        </p:style>
-        <p:txBody>
-          <a:bodyPr lIns="90000" rIns="90000" tIns="45000" bIns="45000" anchor="ctr">
-            <a:noAutofit/>
-          </a:bodyPr>
-          <a:p>
-            <a:pPr algn="ctr">
-              <a:lnSpc>
-                <a:spcPct val="100000"/>
-              </a:lnSpc>
-            </a:pPr>
-            <a:r>
-              <a:rPr b="0" lang="en-US" sz="2100" spc="-1" strike="noStrike">
-                <a:solidFill>
-                  <a:srgbClr val="000000"/>
-                </a:solidFill>
-                <a:latin typeface="Arial"/>
-                <a:ea typeface="Arial"/>
-              </a:rPr>
-              <a:t>Optional H/W Features</a:t>
-            </a:r>
-            <a:endParaRPr b="0" lang="en-US" sz="2100" spc="-1" strike="noStrike">
-              <a:solidFill>
-                <a:srgbClr val="000000"/>
-              </a:solidFill>
-              <a:latin typeface="Arial"/>
-            </a:endParaRPr>
-          </a:p>
-        </p:txBody>
-      </p:sp>
-      <p:sp>
-        <p:nvSpPr>
-          <p:cNvPr id="133" name=""/>
-          <p:cNvSpPr/>
-          <p:nvPr/>
-        </p:nvSpPr>
-        <p:spPr>
-          <a:xfrm>
-            <a:off x="18806400" y="29482200"/>
-            <a:ext cx="1932840" cy="440640"/>
-          </a:xfrm>
-          <a:prstGeom prst="rect">
-            <a:avLst/>
-          </a:prstGeom>
-          <a:solidFill>
-            <a:srgbClr val="729fcf"/>
-          </a:solidFill>
-          <a:ln w="0">
-            <a:solidFill>
-              <a:srgbClr val="3465a4"/>
-            </a:solidFill>
-          </a:ln>
-        </p:spPr>
-        <p:style>
-          <a:lnRef idx="0"/>
-          <a:fillRef idx="0"/>
-          <a:effectRef idx="0"/>
-          <a:fontRef idx="minor"/>
-        </p:style>
-        <p:txBody>
-          <a:bodyPr lIns="90000" rIns="90000" tIns="45000" bIns="45000" anchor="ctr">
-            <a:noAutofit/>
-          </a:bodyPr>
-          <a:p>
-            <a:pPr algn="ctr">
-              <a:lnSpc>
-                <a:spcPct val="100000"/>
-              </a:lnSpc>
-            </a:pPr>
-            <a:r>
-              <a:rPr b="0" lang="en-US" sz="2100" spc="-1" strike="noStrike">
-                <a:solidFill>
-                  <a:srgbClr val="000000"/>
-                </a:solidFill>
-                <a:latin typeface="Arial"/>
-                <a:ea typeface="Arial"/>
-              </a:rPr>
-              <a:t>Root of Trust</a:t>
-            </a:r>
-            <a:endParaRPr b="0" lang="en-US" sz="2100" spc="-1" strike="noStrike">
-              <a:solidFill>
-                <a:srgbClr val="000000"/>
-              </a:solidFill>
-              <a:latin typeface="Arial"/>
-            </a:endParaRPr>
-          </a:p>
-        </p:txBody>
-      </p:sp>
-      <p:sp>
-        <p:nvSpPr>
-          <p:cNvPr id="134" name=""/>
-          <p:cNvSpPr/>
-          <p:nvPr/>
-        </p:nvSpPr>
-        <p:spPr>
-          <a:xfrm>
-            <a:off x="33809400" y="23801400"/>
-            <a:ext cx="5255640" cy="2512440"/>
-          </a:xfrm>
-          <a:prstGeom prst="roundRect">
-            <a:avLst>
-              <a:gd name="adj" fmla="val 16667"/>
-            </a:avLst>
-          </a:prstGeom>
-          <a:solidFill>
-            <a:srgbClr val="729fcf"/>
-          </a:solidFill>
-          <a:ln w="0">
-            <a:solidFill>
-              <a:srgbClr val="3465a4"/>
-            </a:solidFill>
-          </a:ln>
-        </p:spPr>
-        <p:style>
-          <a:lnRef idx="0"/>
-          <a:fillRef idx="0"/>
-          <a:effectRef idx="0"/>
-          <a:fontRef idx="minor"/>
-        </p:style>
-        <p:txBody>
-          <a:bodyPr lIns="90000" rIns="90000" tIns="45000" bIns="45000" anchor="t">
-            <a:noAutofit/>
-          </a:bodyPr>
-          <a:p>
-            <a:pPr algn="ctr">
-              <a:lnSpc>
-                <a:spcPct val="100000"/>
-              </a:lnSpc>
-            </a:pPr>
-            <a:r>
-              <a:rPr b="0" lang="en-US" sz="2800" spc="-1" strike="noStrike">
-                <a:solidFill>
-                  <a:srgbClr val="000000"/>
-                </a:solidFill>
-                <a:latin typeface="Arial"/>
-                <a:ea typeface="Arial"/>
-              </a:rPr>
-              <a:t>Real Benchmarks</a:t>
-            </a:r>
-            <a:endParaRPr b="0" lang="en-US" sz="2800" spc="-1" strike="noStrike">
-              <a:solidFill>
-                <a:srgbClr val="000000"/>
-              </a:solidFill>
-              <a:latin typeface="Arial"/>
-            </a:endParaRPr>
-          </a:p>
-        </p:txBody>
-      </p:sp>
-      <p:sp>
-        <p:nvSpPr>
-          <p:cNvPr id="135" name=""/>
-          <p:cNvSpPr/>
-          <p:nvPr/>
-        </p:nvSpPr>
-        <p:spPr>
-          <a:xfrm>
-            <a:off x="39421080" y="23801400"/>
-            <a:ext cx="3655440" cy="2512440"/>
-          </a:xfrm>
-          <a:prstGeom prst="roundRect">
-            <a:avLst>
-              <a:gd name="adj" fmla="val 16667"/>
-            </a:avLst>
-          </a:prstGeom>
-          <a:solidFill>
-            <a:srgbClr val="b2b2b2"/>
-          </a:solidFill>
-          <a:ln w="0">
-            <a:solidFill>
-              <a:srgbClr val="3465a4"/>
-            </a:solidFill>
-          </a:ln>
-        </p:spPr>
-        <p:style>
-          <a:lnRef idx="0"/>
-          <a:fillRef idx="0"/>
-          <a:effectRef idx="0"/>
-          <a:fontRef idx="minor"/>
-        </p:style>
-        <p:txBody>
-          <a:bodyPr lIns="90000" rIns="90000" tIns="45000" bIns="45000" anchor="t">
-            <a:noAutofit/>
-          </a:bodyPr>
-          <a:p>
-            <a:pPr algn="ctr">
-              <a:lnSpc>
-                <a:spcPct val="100000"/>
-              </a:lnSpc>
-            </a:pPr>
-            <a:r>
-              <a:rPr b="0" lang="en-US" sz="2800" spc="-1" strike="noStrike">
-                <a:solidFill>
-                  <a:srgbClr val="000000"/>
-                </a:solidFill>
-                <a:latin typeface="Arial"/>
-                <a:ea typeface="Arial"/>
-              </a:rPr>
-              <a:t>Tailored Benchmarks</a:t>
-            </a:r>
-            <a:endParaRPr b="0" lang="en-US" sz="2800" spc="-1" strike="noStrike">
-              <a:solidFill>
-                <a:srgbClr val="000000"/>
-              </a:solidFill>
-              <a:latin typeface="Arial"/>
-            </a:endParaRPr>
-          </a:p>
-        </p:txBody>
-      </p:sp>
-      <p:sp>
-        <p:nvSpPr>
-          <p:cNvPr id="136" name=""/>
-          <p:cNvSpPr/>
-          <p:nvPr/>
-        </p:nvSpPr>
-        <p:spPr>
-          <a:xfrm>
-            <a:off x="34302600" y="24859800"/>
-            <a:ext cx="2055240" cy="1140840"/>
-          </a:xfrm>
-          <a:prstGeom prst="rect">
-            <a:avLst/>
-          </a:prstGeom>
-          <a:solidFill>
-            <a:srgbClr val="ffffff"/>
-          </a:solidFill>
-          <a:ln w="0">
-            <a:solidFill>
-              <a:srgbClr val="3465a4"/>
-            </a:solidFill>
-          </a:ln>
-        </p:spPr>
-        <p:style>
-          <a:lnRef idx="0"/>
-          <a:fillRef idx="0"/>
-          <a:effectRef idx="0"/>
-          <a:fontRef idx="minor"/>
-        </p:style>
-        <p:txBody>
-          <a:bodyPr lIns="90000" rIns="90000" tIns="45000" bIns="45000" anchor="ctr">
-            <a:noAutofit/>
-          </a:bodyPr>
-          <a:p>
-            <a:pPr algn="ctr">
-              <a:lnSpc>
-                <a:spcPct val="100000"/>
-              </a:lnSpc>
-            </a:pPr>
-            <a:r>
-              <a:rPr b="0" lang="en-US" sz="2800" spc="-1" strike="noStrike">
-                <a:solidFill>
-                  <a:srgbClr val="000000"/>
-                </a:solidFill>
-                <a:latin typeface="Open Sans"/>
-                <a:ea typeface="Arial"/>
-              </a:rPr>
-              <a:t>Simulation</a:t>
-            </a:r>
-            <a:endParaRPr b="0" lang="en-US" sz="2800" spc="-1" strike="noStrike">
-              <a:solidFill>
-                <a:srgbClr val="000000"/>
-              </a:solidFill>
-              <a:latin typeface="Arial"/>
-            </a:endParaRPr>
-          </a:p>
-        </p:txBody>
-      </p:sp>
-      <p:sp>
-        <p:nvSpPr>
-          <p:cNvPr id="137" name=""/>
-          <p:cNvSpPr/>
-          <p:nvPr/>
-        </p:nvSpPr>
-        <p:spPr>
-          <a:xfrm>
-            <a:off x="36750600" y="24859800"/>
-            <a:ext cx="2055240" cy="1140840"/>
-          </a:xfrm>
-          <a:prstGeom prst="rect">
-            <a:avLst/>
-          </a:prstGeom>
-          <a:solidFill>
-            <a:srgbClr val="ffffff"/>
-          </a:solidFill>
-          <a:ln w="0">
-            <a:solidFill>
-              <a:srgbClr val="3465a4"/>
-            </a:solidFill>
-          </a:ln>
-        </p:spPr>
-        <p:style>
-          <a:lnRef idx="0"/>
-          <a:fillRef idx="0"/>
-          <a:effectRef idx="0"/>
-          <a:fontRef idx="minor"/>
-        </p:style>
-        <p:txBody>
-          <a:bodyPr lIns="90000" rIns="90000" tIns="45000" bIns="45000" anchor="ctr">
-            <a:noAutofit/>
-          </a:bodyPr>
-          <a:p>
-            <a:pPr algn="ctr">
-              <a:lnSpc>
-                <a:spcPct val="100000"/>
-              </a:lnSpc>
-            </a:pPr>
-            <a:r>
-              <a:rPr b="0" lang="en-US" sz="2800" spc="-1" strike="noStrike">
-                <a:solidFill>
-                  <a:srgbClr val="000000"/>
-                </a:solidFill>
-                <a:latin typeface="Open Sans"/>
-                <a:ea typeface="Arial"/>
-              </a:rPr>
-              <a:t>Fabrication</a:t>
-            </a:r>
-            <a:endParaRPr b="0" lang="en-US" sz="2800" spc="-1" strike="noStrike">
-              <a:solidFill>
-                <a:srgbClr val="000000"/>
-              </a:solidFill>
-              <a:latin typeface="Arial"/>
-            </a:endParaRPr>
-          </a:p>
-        </p:txBody>
-      </p:sp>
-      <p:sp>
-        <p:nvSpPr>
-          <p:cNvPr id="138" name=""/>
-          <p:cNvSpPr/>
-          <p:nvPr/>
-        </p:nvSpPr>
-        <p:spPr>
-          <a:xfrm>
-            <a:off x="40242600" y="24859800"/>
-            <a:ext cx="2055240" cy="1140840"/>
-          </a:xfrm>
-          <a:prstGeom prst="rect">
-            <a:avLst/>
-          </a:prstGeom>
-          <a:solidFill>
-            <a:srgbClr val="ffffff"/>
-          </a:solidFill>
-          <a:ln w="0">
-            <a:solidFill>
-              <a:srgbClr val="3465a4"/>
-            </a:solidFill>
-          </a:ln>
-        </p:spPr>
-        <p:style>
-          <a:lnRef idx="0"/>
-          <a:fillRef idx="0"/>
-          <a:effectRef idx="0"/>
-          <a:fontRef idx="minor"/>
-        </p:style>
-        <p:txBody>
-          <a:bodyPr lIns="90000" rIns="90000" tIns="45000" bIns="45000" anchor="ctr">
-            <a:noAutofit/>
-          </a:bodyPr>
-          <a:p>
-            <a:pPr algn="ctr">
-              <a:lnSpc>
-                <a:spcPct val="100000"/>
-              </a:lnSpc>
-            </a:pPr>
-            <a:r>
-              <a:rPr b="0" lang="en-US" sz="2800" spc="-1" strike="noStrike">
-                <a:solidFill>
-                  <a:srgbClr val="000000"/>
-                </a:solidFill>
-                <a:latin typeface="Open Sans"/>
-                <a:ea typeface="Arial"/>
-              </a:rPr>
-              <a:t>FPGA</a:t>
-            </a:r>
-            <a:endParaRPr b="0" lang="en-US" sz="2800" spc="-1" strike="noStrike">
-              <a:solidFill>
-                <a:srgbClr val="000000"/>
-              </a:solidFill>
-              <a:latin typeface="Arial"/>
-            </a:endParaRPr>
-          </a:p>
-        </p:txBody>
-      </p:sp>
-      <p:sp>
-        <p:nvSpPr>
-          <p:cNvPr id="139" name=""/>
-          <p:cNvSpPr/>
-          <p:nvPr/>
-        </p:nvSpPr>
-        <p:spPr>
-          <a:xfrm rot="5382000">
-            <a:off x="33725160" y="27770400"/>
-            <a:ext cx="3306600" cy="1770120"/>
-          </a:xfrm>
-          <a:prstGeom prst="rightArrow">
-            <a:avLst>
-              <a:gd name="adj1" fmla="val 50000"/>
-              <a:gd name="adj2" fmla="val 46674"/>
-            </a:avLst>
-          </a:prstGeom>
-          <a:solidFill>
-            <a:srgbClr val="729fcf"/>
-          </a:solidFill>
-          <a:ln w="0">
-            <a:solidFill>
-              <a:srgbClr val="3465a4"/>
-            </a:solidFill>
-          </a:ln>
-        </p:spPr>
-        <p:style>
-          <a:lnRef idx="0"/>
-          <a:fillRef idx="0"/>
-          <a:effectRef idx="0"/>
-          <a:fontRef idx="minor"/>
-        </p:style>
-        <p:txBody>
-          <a:bodyPr lIns="90000" rIns="90000" tIns="45000" bIns="45000" anchor="ctr">
-            <a:noAutofit/>
-          </a:bodyPr>
-          <a:p>
-            <a:pPr algn="ctr">
-              <a:lnSpc>
-                <a:spcPct val="100000"/>
-              </a:lnSpc>
-            </a:pPr>
-            <a:r>
-              <a:rPr b="0" lang="en-US" sz="2800" spc="-1" strike="noStrike">
-                <a:solidFill>
-                  <a:srgbClr val="000000"/>
-                </a:solidFill>
-                <a:latin typeface="Open Sans"/>
-                <a:ea typeface="Arial"/>
-              </a:rPr>
-              <a:t>Development Time</a:t>
-            </a:r>
-            <a:endParaRPr b="0" lang="en-US" sz="2800" spc="-1" strike="noStrike">
-              <a:solidFill>
-                <a:srgbClr val="000000"/>
-              </a:solidFill>
-              <a:latin typeface="Arial"/>
-            </a:endParaRPr>
-          </a:p>
-        </p:txBody>
-      </p:sp>
-      <p:sp>
-        <p:nvSpPr>
-          <p:cNvPr id="140" name=""/>
-          <p:cNvSpPr/>
-          <p:nvPr/>
-        </p:nvSpPr>
-        <p:spPr>
-          <a:xfrm>
-            <a:off x="36311400" y="27685080"/>
-            <a:ext cx="6400080" cy="360"/>
-          </a:xfrm>
-          <a:prstGeom prst="line">
-            <a:avLst/>
-          </a:prstGeom>
-          <a:ln w="0">
-            <a:solidFill>
-              <a:srgbClr val="3465a4"/>
-            </a:solidFill>
-          </a:ln>
-        </p:spPr>
-        <p:style>
-          <a:lnRef idx="0"/>
-          <a:fillRef idx="0"/>
-          <a:effectRef idx="0"/>
-          <a:fontRef idx="minor"/>
-        </p:style>
-        <p:txBody>
-          <a:bodyPr lIns="90000" rIns="90000" tIns="-45000" bIns="-45000" anchor="ctr">
-            <a:noAutofit/>
-          </a:bodyPr>
-          <a:p>
-            <a:endParaRPr b="0" lang="en-US" sz="1800" spc="-1" strike="noStrike">
-              <a:solidFill>
-                <a:srgbClr val="000000"/>
-              </a:solidFill>
-              <a:latin typeface="Arial"/>
-              <a:ea typeface="Arial"/>
-            </a:endParaRPr>
-          </a:p>
-        </p:txBody>
-      </p:sp>
-      <p:sp>
-        <p:nvSpPr>
-          <p:cNvPr id="141" name=""/>
-          <p:cNvSpPr/>
-          <p:nvPr/>
-        </p:nvSpPr>
-        <p:spPr>
-          <a:xfrm>
-            <a:off x="37132200" y="26928000"/>
-            <a:ext cx="4494240" cy="749880"/>
-          </a:xfrm>
-          <a:prstGeom prst="rect">
-            <a:avLst/>
-          </a:prstGeom>
-          <a:solidFill>
-            <a:srgbClr val="ffa6a6"/>
-          </a:solidFill>
-          <a:ln w="0">
-            <a:solidFill>
-              <a:srgbClr val="3465a4"/>
-            </a:solidFill>
-          </a:ln>
-        </p:spPr>
-        <p:style>
-          <a:lnRef idx="0"/>
-          <a:fillRef idx="0"/>
-          <a:effectRef idx="0"/>
-          <a:fontRef idx="minor"/>
-        </p:style>
-        <p:txBody>
-          <a:bodyPr lIns="90000" rIns="90000" tIns="45000" bIns="45000" anchor="ctr">
-            <a:noAutofit/>
-          </a:bodyPr>
-          <a:p>
-            <a:pPr algn="ctr">
-              <a:lnSpc>
-                <a:spcPct val="100000"/>
-              </a:lnSpc>
-            </a:pPr>
-            <a:r>
-              <a:rPr b="0" lang="en-US" sz="3200" spc="-1" strike="noStrike">
-                <a:solidFill>
-                  <a:srgbClr val="000000"/>
-                </a:solidFill>
-                <a:latin typeface="Arial"/>
-                <a:ea typeface="Arial"/>
-              </a:rPr>
-              <a:t>Fabrication</a:t>
-            </a:r>
-            <a:endParaRPr b="0" lang="en-US" sz="3200" spc="-1" strike="noStrike">
-              <a:solidFill>
-                <a:srgbClr val="000000"/>
-              </a:solidFill>
-              <a:latin typeface="Arial"/>
-            </a:endParaRPr>
-          </a:p>
-        </p:txBody>
-      </p:sp>
-      <p:sp>
-        <p:nvSpPr>
-          <p:cNvPr id="142" name=""/>
-          <p:cNvSpPr/>
-          <p:nvPr/>
-        </p:nvSpPr>
-        <p:spPr>
-          <a:xfrm>
-            <a:off x="36311400" y="28909080"/>
-            <a:ext cx="6400080" cy="360"/>
-          </a:xfrm>
-          <a:prstGeom prst="line">
-            <a:avLst/>
-          </a:prstGeom>
-          <a:ln w="0">
-            <a:solidFill>
-              <a:srgbClr val="3465a4"/>
-            </a:solidFill>
-          </a:ln>
-        </p:spPr>
-        <p:style>
-          <a:lnRef idx="0"/>
-          <a:fillRef idx="0"/>
-          <a:effectRef idx="0"/>
-          <a:fontRef idx="minor"/>
-        </p:style>
-        <p:txBody>
-          <a:bodyPr lIns="90000" rIns="90000" tIns="-45000" bIns="-45000" anchor="ctr">
-            <a:noAutofit/>
-          </a:bodyPr>
-          <a:p>
-            <a:endParaRPr b="0" lang="en-US" sz="1800" spc="-1" strike="noStrike">
-              <a:solidFill>
-                <a:srgbClr val="000000"/>
-              </a:solidFill>
-              <a:latin typeface="Arial"/>
-              <a:ea typeface="Arial"/>
-            </a:endParaRPr>
-          </a:p>
-        </p:txBody>
-      </p:sp>
-      <p:sp>
-        <p:nvSpPr>
-          <p:cNvPr id="143" name=""/>
-          <p:cNvSpPr/>
-          <p:nvPr/>
-        </p:nvSpPr>
-        <p:spPr>
-          <a:xfrm>
-            <a:off x="37132200" y="28152000"/>
-            <a:ext cx="4494240" cy="749880"/>
-          </a:xfrm>
-          <a:prstGeom prst="rect">
-            <a:avLst/>
-          </a:prstGeom>
-          <a:solidFill>
-            <a:srgbClr val="ffe994"/>
-          </a:solidFill>
-          <a:ln w="0">
-            <a:solidFill>
-              <a:srgbClr val="3465a4"/>
-            </a:solidFill>
-          </a:ln>
-        </p:spPr>
-        <p:style>
-          <a:lnRef idx="0"/>
-          <a:fillRef idx="0"/>
-          <a:effectRef idx="0"/>
-          <a:fontRef idx="minor"/>
-        </p:style>
-        <p:txBody>
-          <a:bodyPr lIns="90000" rIns="90000" tIns="45000" bIns="45000" anchor="ctr">
-            <a:noAutofit/>
-          </a:bodyPr>
-          <a:p>
-            <a:pPr algn="ctr">
-              <a:lnSpc>
-                <a:spcPct val="100000"/>
-              </a:lnSpc>
-            </a:pPr>
-            <a:r>
-              <a:rPr b="0" lang="en-US" sz="3200" spc="-1" strike="noStrike">
-                <a:solidFill>
-                  <a:srgbClr val="000000"/>
-                </a:solidFill>
-                <a:latin typeface="Arial"/>
-                <a:ea typeface="Arial"/>
-              </a:rPr>
-              <a:t>FPGA</a:t>
-            </a:r>
-            <a:endParaRPr b="0" lang="en-US" sz="3200" spc="-1" strike="noStrike">
-              <a:solidFill>
-                <a:srgbClr val="000000"/>
-              </a:solidFill>
-              <a:latin typeface="Arial"/>
-            </a:endParaRPr>
-          </a:p>
-        </p:txBody>
-      </p:sp>
-      <p:sp>
-        <p:nvSpPr>
-          <p:cNvPr id="144" name=""/>
-          <p:cNvSpPr/>
-          <p:nvPr/>
-        </p:nvSpPr>
-        <p:spPr>
-          <a:xfrm>
-            <a:off x="36311400" y="30241080"/>
-            <a:ext cx="6400080" cy="360"/>
-          </a:xfrm>
-          <a:prstGeom prst="line">
-            <a:avLst/>
-          </a:prstGeom>
-          <a:ln w="0">
-            <a:solidFill>
-              <a:srgbClr val="3465a4"/>
-            </a:solidFill>
-          </a:ln>
-        </p:spPr>
-        <p:style>
-          <a:lnRef idx="0"/>
-          <a:fillRef idx="0"/>
-          <a:effectRef idx="0"/>
-          <a:fontRef idx="minor"/>
-        </p:style>
-        <p:txBody>
-          <a:bodyPr lIns="90000" rIns="90000" tIns="-45000" bIns="-45000" anchor="ctr">
-            <a:noAutofit/>
-          </a:bodyPr>
-          <a:p>
-            <a:endParaRPr b="0" lang="en-US" sz="1800" spc="-1" strike="noStrike">
-              <a:solidFill>
-                <a:srgbClr val="000000"/>
-              </a:solidFill>
-              <a:latin typeface="Arial"/>
-              <a:ea typeface="Arial"/>
-            </a:endParaRPr>
-          </a:p>
-        </p:txBody>
-      </p:sp>
-      <p:sp>
-        <p:nvSpPr>
-          <p:cNvPr id="145" name=""/>
-          <p:cNvSpPr/>
-          <p:nvPr/>
-        </p:nvSpPr>
-        <p:spPr>
-          <a:xfrm>
-            <a:off x="37132200" y="29484000"/>
-            <a:ext cx="4494240" cy="749880"/>
-          </a:xfrm>
-          <a:prstGeom prst="rect">
-            <a:avLst/>
-          </a:prstGeom>
-          <a:solidFill>
-            <a:srgbClr val="afd095"/>
-          </a:solidFill>
-          <a:ln w="0">
-            <a:solidFill>
-              <a:srgbClr val="3465a4"/>
-            </a:solidFill>
-          </a:ln>
-        </p:spPr>
-        <p:style>
-          <a:lnRef idx="0"/>
-          <a:fillRef idx="0"/>
-          <a:effectRef idx="0"/>
-          <a:fontRef idx="minor"/>
-        </p:style>
-        <p:txBody>
-          <a:bodyPr lIns="90000" rIns="90000" tIns="45000" bIns="45000" anchor="ctr">
-            <a:noAutofit/>
-          </a:bodyPr>
-          <a:p>
-            <a:pPr algn="ctr">
-              <a:lnSpc>
-                <a:spcPct val="100000"/>
-              </a:lnSpc>
-            </a:pPr>
-            <a:r>
-              <a:rPr b="0" lang="en-US" sz="3200" spc="-1" strike="noStrike">
-                <a:solidFill>
-                  <a:srgbClr val="000000"/>
-                </a:solidFill>
-                <a:latin typeface="Arial"/>
-                <a:ea typeface="Arial"/>
-              </a:rPr>
-              <a:t>Simulation</a:t>
-            </a:r>
-            <a:endParaRPr b="0" lang="en-US" sz="3200" spc="-1" strike="noStrike">
-              <a:solidFill>
-                <a:srgbClr val="000000"/>
-              </a:solidFill>
-              <a:latin typeface="Arial"/>
-            </a:endParaRPr>
-          </a:p>
-        </p:txBody>
-      </p:sp>
-      <p:sp>
-        <p:nvSpPr>
-          <p:cNvPr id="146" name=""/>
-          <p:cNvSpPr/>
-          <p:nvPr/>
-        </p:nvSpPr>
-        <p:spPr>
-          <a:xfrm>
-            <a:off x="12115800" y="9637200"/>
-            <a:ext cx="8456040" cy="1906920"/>
-          </a:xfrm>
-          <a:prstGeom prst="roundRect">
-            <a:avLst>
-              <a:gd name="adj" fmla="val 16667"/>
-            </a:avLst>
-          </a:prstGeom>
-          <a:solidFill>
-            <a:srgbClr val="b2b2b2"/>
-          </a:solidFill>
-          <a:ln w="0">
-            <a:solidFill>
-              <a:srgbClr val="3465a4"/>
-            </a:solidFill>
-          </a:ln>
-        </p:spPr>
-        <p:style>
-          <a:lnRef idx="0"/>
-          <a:fillRef idx="0"/>
-          <a:effectRef idx="0"/>
-          <a:fontRef idx="minor"/>
-        </p:style>
-        <p:txBody>
-          <a:bodyPr lIns="90000" rIns="90000" tIns="45000" bIns="45000" anchor="t">
-            <a:noAutofit/>
-          </a:bodyPr>
-          <a:p>
-            <a:pPr algn="ctr">
-              <a:lnSpc>
-                <a:spcPct val="100000"/>
-              </a:lnSpc>
-            </a:pPr>
-            <a:r>
-              <a:rPr b="0" lang="en-US" sz="2800" spc="-1" strike="noStrike">
-                <a:solidFill>
-                  <a:srgbClr val="000000"/>
-                </a:solidFill>
-                <a:latin typeface="Arial"/>
-                <a:ea typeface="Arial"/>
-              </a:rPr>
-              <a:t>Potentially Malicious</a:t>
-            </a:r>
-            <a:endParaRPr b="0" lang="en-US" sz="2800" spc="-1" strike="noStrike">
-              <a:solidFill>
-                <a:srgbClr val="000000"/>
-              </a:solidFill>
-              <a:latin typeface="Arial"/>
-            </a:endParaRPr>
-          </a:p>
-        </p:txBody>
-      </p:sp>
-      <p:sp>
-        <p:nvSpPr>
-          <p:cNvPr id="147" name=""/>
-          <p:cNvSpPr/>
-          <p:nvPr/>
-        </p:nvSpPr>
-        <p:spPr>
-          <a:xfrm>
-            <a:off x="12585600" y="10290960"/>
-            <a:ext cx="1877400" cy="952560"/>
-          </a:xfrm>
-          <a:prstGeom prst="rect">
-            <a:avLst/>
-          </a:prstGeom>
-          <a:solidFill>
-            <a:srgbClr val="ffffff"/>
-          </a:solidFill>
-          <a:ln w="0">
-            <a:solidFill>
-              <a:srgbClr val="3465a4"/>
-            </a:solidFill>
-          </a:ln>
-        </p:spPr>
-        <p:style>
-          <a:lnRef idx="0"/>
-          <a:fillRef idx="0"/>
-          <a:effectRef idx="0"/>
-          <a:fontRef idx="minor"/>
-        </p:style>
-        <p:txBody>
-          <a:bodyPr lIns="90000" rIns="90000" tIns="45000" bIns="45000" anchor="ctr">
-            <a:noAutofit/>
-          </a:bodyPr>
-          <a:p>
-            <a:pPr algn="ctr">
-              <a:lnSpc>
-                <a:spcPct val="100000"/>
-              </a:lnSpc>
-            </a:pPr>
-            <a:r>
-              <a:rPr b="0" lang="en-US" sz="2600" spc="-1" strike="noStrike">
-                <a:solidFill>
-                  <a:srgbClr val="000000"/>
-                </a:solidFill>
-                <a:latin typeface="Arial"/>
-                <a:ea typeface="Arial"/>
-              </a:rPr>
-              <a:t>Application Thread</a:t>
-            </a:r>
-            <a:endParaRPr b="0" lang="en-US" sz="2600" spc="-1" strike="noStrike">
-              <a:solidFill>
-                <a:srgbClr val="000000"/>
-              </a:solidFill>
-              <a:latin typeface="Arial"/>
-            </a:endParaRPr>
-          </a:p>
-        </p:txBody>
-      </p:sp>
-      <p:sp>
-        <p:nvSpPr>
-          <p:cNvPr id="148" name=""/>
-          <p:cNvSpPr/>
-          <p:nvPr/>
-        </p:nvSpPr>
-        <p:spPr>
-          <a:xfrm>
-            <a:off x="15434640" y="10290960"/>
-            <a:ext cx="1877400" cy="952560"/>
-          </a:xfrm>
-          <a:prstGeom prst="rect">
-            <a:avLst/>
-          </a:prstGeom>
-          <a:solidFill>
-            <a:srgbClr val="ffffff"/>
-          </a:solidFill>
-          <a:ln w="0">
-            <a:solidFill>
-              <a:srgbClr val="3465a4"/>
-            </a:solidFill>
-          </a:ln>
-        </p:spPr>
-        <p:style>
-          <a:lnRef idx="0"/>
-          <a:fillRef idx="0"/>
-          <a:effectRef idx="0"/>
-          <a:fontRef idx="minor"/>
-        </p:style>
-        <p:txBody>
-          <a:bodyPr lIns="90000" rIns="90000" tIns="45000" bIns="45000" anchor="ctr">
-            <a:noAutofit/>
-          </a:bodyPr>
-          <a:p>
-            <a:pPr algn="ctr">
-              <a:lnSpc>
-                <a:spcPct val="100000"/>
-              </a:lnSpc>
-            </a:pPr>
-            <a:r>
-              <a:rPr b="0" lang="en-US" sz="2800" spc="-1" strike="noStrike">
-                <a:solidFill>
-                  <a:srgbClr val="000000"/>
-                </a:solidFill>
-                <a:latin typeface="Arial"/>
-                <a:ea typeface="Arial"/>
-              </a:rPr>
-              <a:t>Operating System</a:t>
-            </a:r>
-            <a:endParaRPr b="0" lang="en-US" sz="2800" spc="-1" strike="noStrike">
-              <a:solidFill>
-                <a:srgbClr val="000000"/>
-              </a:solidFill>
-              <a:latin typeface="Arial"/>
-            </a:endParaRPr>
-          </a:p>
-        </p:txBody>
-      </p:sp>
-      <p:sp>
-        <p:nvSpPr>
-          <p:cNvPr id="149" name=""/>
-          <p:cNvSpPr/>
-          <p:nvPr/>
-        </p:nvSpPr>
-        <p:spPr>
-          <a:xfrm>
-            <a:off x="18357840" y="10290960"/>
-            <a:ext cx="1877400" cy="952560"/>
-          </a:xfrm>
-          <a:prstGeom prst="rect">
-            <a:avLst/>
-          </a:prstGeom>
-          <a:solidFill>
-            <a:srgbClr val="ffffff"/>
-          </a:solidFill>
-          <a:ln w="0">
-            <a:solidFill>
-              <a:srgbClr val="3465a4"/>
-            </a:solidFill>
-          </a:ln>
-        </p:spPr>
-        <p:style>
-          <a:lnRef idx="0"/>
-          <a:fillRef idx="0"/>
-          <a:effectRef idx="0"/>
-          <a:fontRef idx="minor"/>
-        </p:style>
-        <p:txBody>
-          <a:bodyPr lIns="90000" rIns="90000" tIns="45000" bIns="45000" anchor="ctr">
-            <a:noAutofit/>
-          </a:bodyPr>
-          <a:p>
-            <a:pPr algn="ctr">
-              <a:lnSpc>
-                <a:spcPct val="100000"/>
-              </a:lnSpc>
-            </a:pPr>
-            <a:r>
-              <a:rPr b="0" lang="en-US" sz="2600" spc="-1" strike="noStrike">
-                <a:solidFill>
-                  <a:srgbClr val="000000"/>
-                </a:solidFill>
-                <a:latin typeface="Arial"/>
-                <a:ea typeface="Arial"/>
-              </a:rPr>
-              <a:t>Remote or Cloud User</a:t>
-            </a:r>
-            <a:endParaRPr b="0" lang="en-US" sz="2600" spc="-1" strike="noStrike">
-              <a:solidFill>
-                <a:srgbClr val="000000"/>
-              </a:solidFill>
-              <a:latin typeface="Arial"/>
-            </a:endParaRPr>
-          </a:p>
-        </p:txBody>
-      </p:sp>
-      <p:sp>
-        <p:nvSpPr>
-          <p:cNvPr id="150" name=""/>
-          <p:cNvSpPr/>
-          <p:nvPr/>
-        </p:nvSpPr>
-        <p:spPr>
-          <a:xfrm>
-            <a:off x="14317200" y="13941720"/>
-            <a:ext cx="4227480" cy="1135080"/>
-          </a:xfrm>
-          <a:prstGeom prst="roundRect">
-            <a:avLst>
-              <a:gd name="adj" fmla="val 16667"/>
-            </a:avLst>
-          </a:prstGeom>
-          <a:solidFill>
-            <a:srgbClr val="b4c7dc"/>
-          </a:solidFill>
-          <a:ln w="0">
-            <a:solidFill>
-              <a:srgbClr val="3465a4"/>
-            </a:solidFill>
-          </a:ln>
-        </p:spPr>
-        <p:style>
-          <a:lnRef idx="0"/>
-          <a:fillRef idx="0"/>
-          <a:effectRef idx="0"/>
-          <a:fontRef idx="minor"/>
-        </p:style>
-        <p:txBody>
-          <a:bodyPr lIns="90000" rIns="90000" tIns="45000" bIns="45000" anchor="ctr">
-            <a:noAutofit/>
-          </a:bodyPr>
-          <a:p>
-            <a:pPr algn="ctr">
-              <a:lnSpc>
-                <a:spcPct val="100000"/>
-              </a:lnSpc>
-            </a:pPr>
-            <a:r>
-              <a:rPr b="0" lang="en-US" sz="2800" spc="-1" strike="noStrike">
-                <a:solidFill>
-                  <a:srgbClr val="000000"/>
-                </a:solidFill>
-                <a:latin typeface="Arial"/>
-                <a:ea typeface="Arial"/>
-              </a:rPr>
-              <a:t>Main Memory</a:t>
-            </a:r>
-            <a:endParaRPr b="0" lang="en-US" sz="2800" spc="-1" strike="noStrike">
-              <a:solidFill>
-                <a:srgbClr val="000000"/>
-              </a:solidFill>
-              <a:latin typeface="Arial"/>
-            </a:endParaRPr>
-          </a:p>
-        </p:txBody>
-      </p:sp>
-      <p:sp>
-        <p:nvSpPr>
-          <p:cNvPr id="151" name=""/>
-          <p:cNvSpPr/>
-          <p:nvPr/>
-        </p:nvSpPr>
-        <p:spPr>
-          <a:xfrm>
-            <a:off x="13760280" y="11546280"/>
-            <a:ext cx="1533960" cy="715680"/>
-          </a:xfrm>
-          <a:prstGeom prst="line">
-            <a:avLst/>
-          </a:prstGeom>
-          <a:ln w="38160">
-            <a:solidFill>
-              <a:srgbClr val="3465a4"/>
-            </a:solidFill>
-            <a:round/>
-            <a:tailEnd len="med" type="triangle" w="med"/>
-          </a:ln>
-        </p:spPr>
-        <p:style>
-          <a:lnRef idx="0"/>
-          <a:fillRef idx="0"/>
-          <a:effectRef idx="0"/>
-          <a:fontRef idx="minor"/>
-        </p:style>
-        <p:txBody>
-          <a:bodyPr lIns="109080" rIns="109080" tIns="64080" bIns="64080" anchor="ctr">
-            <a:noAutofit/>
-          </a:bodyPr>
-          <a:p>
-            <a:endParaRPr b="0" lang="en-US" sz="1800" spc="-1" strike="noStrike">
-              <a:solidFill>
-                <a:srgbClr val="000000"/>
-              </a:solidFill>
-              <a:latin typeface="Arial"/>
-              <a:ea typeface="Arial"/>
-            </a:endParaRPr>
-          </a:p>
-        </p:txBody>
-      </p:sp>
-      <p:sp>
-        <p:nvSpPr>
-          <p:cNvPr id="152" name=""/>
-          <p:cNvSpPr/>
-          <p:nvPr/>
-        </p:nvSpPr>
-        <p:spPr>
-          <a:xfrm>
-            <a:off x="15294240" y="12261960"/>
-            <a:ext cx="2099160" cy="952560"/>
-          </a:xfrm>
-          <a:prstGeom prst="rect">
-            <a:avLst/>
-          </a:prstGeom>
-          <a:solidFill>
-            <a:srgbClr val="afd095"/>
-          </a:solidFill>
-          <a:ln w="0">
-            <a:solidFill>
-              <a:srgbClr val="3465a4"/>
-            </a:solidFill>
-          </a:ln>
-        </p:spPr>
-        <p:style>
-          <a:lnRef idx="0"/>
-          <a:fillRef idx="0"/>
-          <a:effectRef idx="0"/>
-          <a:fontRef idx="minor"/>
-        </p:style>
-        <p:txBody>
-          <a:bodyPr lIns="90000" rIns="90000" tIns="45000" bIns="45000" anchor="ctr">
-            <a:noAutofit/>
-          </a:bodyPr>
-          <a:p>
-            <a:pPr algn="ctr">
-              <a:lnSpc>
-                <a:spcPct val="100000"/>
-              </a:lnSpc>
-            </a:pPr>
-            <a:r>
-              <a:rPr b="0" lang="en-US" sz="2800" spc="-1" strike="noStrike">
-                <a:solidFill>
-                  <a:srgbClr val="000000"/>
-                </a:solidFill>
-                <a:latin typeface="Arial"/>
-                <a:ea typeface="Arial"/>
-              </a:rPr>
-              <a:t>Keystone</a:t>
-            </a:r>
-            <a:endParaRPr b="0" lang="en-US" sz="2800" spc="-1" strike="noStrike">
-              <a:solidFill>
-                <a:srgbClr val="000000"/>
-              </a:solidFill>
-              <a:latin typeface="Arial"/>
-            </a:endParaRPr>
-          </a:p>
-        </p:txBody>
-      </p:sp>
-      <p:sp>
-        <p:nvSpPr>
-          <p:cNvPr id="153" name=""/>
-          <p:cNvSpPr/>
-          <p:nvPr/>
-        </p:nvSpPr>
-        <p:spPr>
-          <a:xfrm>
-            <a:off x="16332120" y="11546280"/>
-            <a:ext cx="360" cy="715680"/>
-          </a:xfrm>
-          <a:prstGeom prst="line">
-            <a:avLst/>
-          </a:prstGeom>
-          <a:ln w="38160">
-            <a:solidFill>
-              <a:srgbClr val="3465a4"/>
-            </a:solidFill>
-            <a:round/>
-            <a:tailEnd len="med" type="triangle" w="med"/>
-          </a:ln>
-        </p:spPr>
-        <p:style>
-          <a:lnRef idx="0"/>
-          <a:fillRef idx="0"/>
-          <a:effectRef idx="0"/>
-          <a:fontRef idx="minor"/>
-        </p:style>
-        <p:txBody>
-          <a:bodyPr lIns="109080" rIns="109080" tIns="64080" bIns="64080" anchor="ctr">
-            <a:noAutofit/>
-          </a:bodyPr>
-          <a:p>
-            <a:endParaRPr b="0" lang="en-US" sz="1800" spc="-1" strike="noStrike">
-              <a:solidFill>
-                <a:srgbClr val="000000"/>
-              </a:solidFill>
-              <a:latin typeface="Arial"/>
-              <a:ea typeface="Arial"/>
-            </a:endParaRPr>
-          </a:p>
-        </p:txBody>
-      </p:sp>
-      <p:sp>
-        <p:nvSpPr>
-          <p:cNvPr id="154" name=""/>
-          <p:cNvSpPr/>
-          <p:nvPr/>
-        </p:nvSpPr>
-        <p:spPr>
-          <a:xfrm flipH="1">
-            <a:off x="17395560" y="11546280"/>
-            <a:ext cx="1768680" cy="715680"/>
-          </a:xfrm>
-          <a:prstGeom prst="line">
-            <a:avLst/>
-          </a:prstGeom>
-          <a:ln w="38160">
-            <a:solidFill>
-              <a:srgbClr val="3465a4"/>
-            </a:solidFill>
-            <a:round/>
-            <a:tailEnd len="med" type="triangle" w="med"/>
-          </a:ln>
-        </p:spPr>
-        <p:style>
-          <a:lnRef idx="0"/>
-          <a:fillRef idx="0"/>
-          <a:effectRef idx="0"/>
-          <a:fontRef idx="minor"/>
-        </p:style>
-        <p:txBody>
-          <a:bodyPr lIns="109080" rIns="109080" tIns="64080" bIns="64080" anchor="ctr">
-            <a:noAutofit/>
-          </a:bodyPr>
-          <a:p>
-            <a:endParaRPr b="0" lang="en-US" sz="1800" spc="-1" strike="noStrike">
-              <a:solidFill>
-                <a:srgbClr val="000000"/>
-              </a:solidFill>
-              <a:latin typeface="Arial"/>
-              <a:ea typeface="Arial"/>
-            </a:endParaRPr>
-          </a:p>
-        </p:txBody>
-      </p:sp>
-      <p:sp>
-        <p:nvSpPr>
-          <p:cNvPr id="155" name=""/>
-          <p:cNvSpPr/>
-          <p:nvPr/>
-        </p:nvSpPr>
-        <p:spPr>
-          <a:xfrm>
-            <a:off x="16345080" y="13226040"/>
-            <a:ext cx="360" cy="715680"/>
-          </a:xfrm>
-          <a:prstGeom prst="line">
-            <a:avLst/>
-          </a:prstGeom>
-          <a:ln w="38160">
-            <a:solidFill>
-              <a:srgbClr val="3465a4"/>
-            </a:solidFill>
-            <a:round/>
-            <a:tailEnd len="med" type="triangle" w="med"/>
-          </a:ln>
-        </p:spPr>
-        <p:style>
-          <a:lnRef idx="0"/>
-          <a:fillRef idx="0"/>
-          <a:effectRef idx="0"/>
-          <a:fontRef idx="minor"/>
-        </p:style>
-        <p:txBody>
-          <a:bodyPr lIns="109080" rIns="109080" tIns="64080" bIns="64080" anchor="ctr">
-            <a:noAutofit/>
-          </a:bodyPr>
-          <a:p>
-            <a:endParaRPr b="0" lang="en-US" sz="1800" spc="-1" strike="noStrike">
-              <a:solidFill>
-                <a:srgbClr val="000000"/>
-              </a:solidFill>
-              <a:latin typeface="Arial"/>
-              <a:ea typeface="Arial"/>
-            </a:endParaRPr>
-          </a:p>
-        </p:txBody>
-      </p:sp>
-      <p:sp>
-        <p:nvSpPr>
-          <p:cNvPr id="156" name=""/>
-          <p:cNvSpPr/>
-          <p:nvPr/>
-        </p:nvSpPr>
-        <p:spPr>
-          <a:xfrm>
-            <a:off x="615960" y="5558400"/>
-            <a:ext cx="10126440" cy="840600"/>
+            <a:off x="579960" y="5558400"/>
+            <a:ext cx="10131480" cy="839880"/>
           </a:xfrm>
           <a:prstGeom prst="rect">
             <a:avLst/>
@@ -11304,14 +8429,14 @@
       </p:sp>
       <p:sp>
         <p:nvSpPr>
-          <p:cNvPr id="157" name=""/>
+          <p:cNvPr id="108" name=""/>
           <p:cNvSpPr/>
           <p:nvPr/>
         </p:nvSpPr>
         <p:spPr>
           <a:xfrm>
             <a:off x="11230920" y="5558400"/>
-            <a:ext cx="10484280" cy="840600"/>
+            <a:ext cx="10483560" cy="839880"/>
           </a:xfrm>
           <a:prstGeom prst="rect">
             <a:avLst/>
@@ -11362,14 +8487,14 @@
       </p:sp>
       <p:sp>
         <p:nvSpPr>
-          <p:cNvPr id="158" name=""/>
+          <p:cNvPr id="109" name=""/>
           <p:cNvSpPr/>
           <p:nvPr/>
         </p:nvSpPr>
         <p:spPr>
           <a:xfrm>
             <a:off x="33147000" y="5571000"/>
-            <a:ext cx="10126440" cy="840600"/>
+            <a:ext cx="10125720" cy="839880"/>
           </a:xfrm>
           <a:prstGeom prst="rect">
             <a:avLst/>
@@ -11420,14 +8545,14 @@
       </p:sp>
       <p:sp>
         <p:nvSpPr>
-          <p:cNvPr id="159" name=""/>
+          <p:cNvPr id="110" name=""/>
           <p:cNvSpPr/>
           <p:nvPr/>
         </p:nvSpPr>
         <p:spPr>
           <a:xfrm>
-            <a:off x="22213440" y="5558400"/>
-            <a:ext cx="10474560" cy="840600"/>
+            <a:off x="22177440" y="5558400"/>
+            <a:ext cx="10515600" cy="839880"/>
           </a:xfrm>
           <a:prstGeom prst="rect">
             <a:avLst/>
@@ -11478,14 +8603,14 @@
       </p:sp>
       <p:sp>
         <p:nvSpPr>
-          <p:cNvPr id="160" name=""/>
+          <p:cNvPr id="111" name=""/>
           <p:cNvSpPr/>
           <p:nvPr/>
         </p:nvSpPr>
         <p:spPr>
           <a:xfrm>
-            <a:off x="33187320" y="16618320"/>
-            <a:ext cx="10182600" cy="835560"/>
+            <a:off x="33151320" y="16618320"/>
+            <a:ext cx="10122480" cy="834840"/>
           </a:xfrm>
           <a:prstGeom prst="rect">
             <a:avLst/>
@@ -11536,18 +8661,18 @@
       </p:sp>
       <p:pic>
         <p:nvPicPr>
-          <p:cNvPr id="161" name="" descr=""/>
+          <p:cNvPr id="112" name="" descr=""/>
           <p:cNvPicPr/>
           <p:nvPr/>
         </p:nvPicPr>
         <p:blipFill>
-          <a:blip r:embed="rId2"/>
+          <a:blip r:embed="rId1"/>
           <a:stretch/>
         </p:blipFill>
         <p:spPr>
           <a:xfrm>
             <a:off x="196560" y="4114800"/>
-            <a:ext cx="6815520" cy="1171080"/>
+            <a:ext cx="6814800" cy="1170360"/>
           </a:xfrm>
           <a:prstGeom prst="rect">
             <a:avLst/>
@@ -11557,39 +8682,16 @@
           </a:ln>
         </p:spPr>
       </p:pic>
-      <p:pic>
-        <p:nvPicPr>
-          <p:cNvPr id="162" name="" descr=""/>
-          <p:cNvPicPr/>
-          <p:nvPr/>
-        </p:nvPicPr>
-        <p:blipFill>
-          <a:blip r:embed="rId3"/>
-          <a:stretch/>
-        </p:blipFill>
-        <p:spPr>
-          <a:xfrm>
-            <a:off x="23545800" y="12994200"/>
-            <a:ext cx="8227800" cy="13980960"/>
-          </a:xfrm>
-          <a:prstGeom prst="rect">
-            <a:avLst/>
-          </a:prstGeom>
-          <a:ln w="0">
-            <a:noFill/>
-          </a:ln>
-        </p:spPr>
-      </p:pic>
-      <p:sp>
-        <p:nvSpPr>
-          <p:cNvPr id="163" name=""/>
+      <p:sp>
+        <p:nvSpPr>
+          <p:cNvPr id="113" name=""/>
           <p:cNvSpPr/>
           <p:nvPr/>
         </p:nvSpPr>
         <p:spPr>
           <a:xfrm>
-            <a:off x="577800" y="17602200"/>
-            <a:ext cx="10164600" cy="13942800"/>
+            <a:off x="577800" y="17242200"/>
+            <a:ext cx="10163880" cy="14304240"/>
           </a:xfrm>
           <a:prstGeom prst="rect">
             <a:avLst/>
@@ -11663,7 +8765,7 @@
                 <a:latin typeface="Open Sans"/>
                 <a:ea typeface="Open Sans"/>
               </a:rPr>
-              <a:t>Quantum Hardware is noisy &amp; reliable algorithm design is non-trivial.</a:t>
+              <a:t>Quantum-inspired CFD Algorithms have shown to be atleast as efficient as classical Navier-Stokes simulations.</a:t>
             </a:r>
             <a:endParaRPr b="0" lang="en-US" sz="3600" spc="-1" strike="noStrike">
               <a:solidFill>
@@ -11695,7 +8797,7 @@
                 <a:latin typeface="Open Sans"/>
                 <a:ea typeface="Open Sans"/>
               </a:rPr>
-              <a:t>Quantum-inspired CFD Algorithms have shown to be atleast as efficient as classical Navier-Stokes simulations.</a:t>
+              <a:t>Quantum Architecture methods such as gate cutting can further improve the fidelity of a quantum circuit and reduce depth.</a:t>
             </a:r>
             <a:endParaRPr b="0" lang="en-US" sz="3600" spc="-1" strike="noStrike">
               <a:solidFill>
@@ -11727,7 +8829,7 @@
                 <a:latin typeface="Open Sans"/>
                 <a:ea typeface="Open Sans"/>
               </a:rPr>
-              <a:t>Reliable execution on quantum hardware is directly related to quantum circuit properties.</a:t>
+              <a:t>An ML workflow with CUDA-Q at the center enables us to completely utilize the entire hardware stack for hybrid quantum-classical processing. </a:t>
             </a:r>
             <a:endParaRPr b="0" lang="en-US" sz="3600" spc="-1" strike="noStrike">
               <a:solidFill>
@@ -11759,7 +8861,7 @@
                 <a:latin typeface="Open Sans"/>
                 <a:ea typeface="Open Sans"/>
               </a:rPr>
-              <a:t>Quantum Architecture methods such as gate cutting can further improve the fidelity of a quantum circuit.</a:t>
+              <a:t>Quantum circuit generation mitigates the need for high-level algorithm expertise.</a:t>
             </a:r>
             <a:endParaRPr b="0" lang="en-US" sz="3600" spc="-1" strike="noStrike">
               <a:solidFill>
@@ -11768,144 +8870,18 @@
               <a:latin typeface="Arial"/>
             </a:endParaRPr>
           </a:p>
-          <a:p>
-            <a:pPr>
-              <a:lnSpc>
-                <a:spcPct val="100000"/>
-              </a:lnSpc>
-            </a:pPr>
-            <a:endParaRPr b="0" lang="en-US" sz="3200" spc="-1" strike="noStrike">
-              <a:solidFill>
-                <a:srgbClr val="000000"/>
-              </a:solidFill>
-              <a:latin typeface="Arial"/>
-            </a:endParaRPr>
-          </a:p>
-          <a:p>
-            <a:pPr>
-              <a:lnSpc>
-                <a:spcPct val="100000"/>
-              </a:lnSpc>
-            </a:pPr>
-            <a:endParaRPr b="0" lang="en-US" sz="3200" spc="-1" strike="noStrike">
-              <a:solidFill>
-                <a:srgbClr val="000000"/>
-              </a:solidFill>
-              <a:latin typeface="Arial"/>
-            </a:endParaRPr>
-          </a:p>
-          <a:p>
-            <a:pPr>
-              <a:lnSpc>
-                <a:spcPct val="100000"/>
-              </a:lnSpc>
-            </a:pPr>
-            <a:endParaRPr b="0" lang="en-US" sz="3200" spc="-1" strike="noStrike">
-              <a:solidFill>
-                <a:srgbClr val="000000"/>
-              </a:solidFill>
-              <a:latin typeface="Arial"/>
-            </a:endParaRPr>
-          </a:p>
-          <a:p>
-            <a:pPr marL="216000" indent="-216000">
-              <a:lnSpc>
-                <a:spcPct val="100000"/>
-              </a:lnSpc>
-              <a:buClr>
-                <a:srgbClr val="000000"/>
-              </a:buClr>
-              <a:buSzPct val="45000"/>
-              <a:buFont typeface="Wingdings" charset="2"/>
-              <a:buChar char=""/>
-            </a:pPr>
-            <a:r>
-              <a:rPr b="0" lang="en-US" sz="3200" spc="-1" strike="noStrike">
-                <a:solidFill>
-                  <a:srgbClr val="000000"/>
-                </a:solidFill>
-                <a:latin typeface="Open Sans"/>
-                <a:ea typeface="Arial"/>
-              </a:rPr>
-              <a:t>Keystone components are included, but require configuration by the designer</a:t>
-            </a:r>
-            <a:endParaRPr b="0" lang="en-US" sz="3200" spc="-1" strike="noStrike">
-              <a:solidFill>
-                <a:srgbClr val="000000"/>
-              </a:solidFill>
-              <a:latin typeface="Arial"/>
-            </a:endParaRPr>
-          </a:p>
-          <a:p>
-            <a:pPr marL="216000" indent="-216000">
-              <a:lnSpc>
-                <a:spcPct val="100000"/>
-              </a:lnSpc>
-              <a:buClr>
-                <a:srgbClr val="000000"/>
-              </a:buClr>
-              <a:buSzPct val="45000"/>
-              <a:buFont typeface="Wingdings" charset="2"/>
-              <a:buChar char=""/>
-            </a:pPr>
-            <a:r>
-              <a:rPr b="0" lang="en-US" sz="3200" spc="-1" strike="noStrike">
-                <a:solidFill>
-                  <a:srgbClr val="000000"/>
-                </a:solidFill>
-                <a:latin typeface="Open Sans"/>
-                <a:ea typeface="Arial"/>
-              </a:rPr>
-              <a:t>Extending Keystone in simulation requires some re-configuration of gem5 class structures</a:t>
-            </a:r>
-            <a:endParaRPr b="0" lang="en-US" sz="3200" spc="-1" strike="noStrike">
-              <a:solidFill>
-                <a:srgbClr val="000000"/>
-              </a:solidFill>
-              <a:latin typeface="Arial"/>
-            </a:endParaRPr>
-          </a:p>
-          <a:p>
-            <a:pPr marL="216000" indent="-216000">
-              <a:lnSpc>
-                <a:spcPct val="100000"/>
-              </a:lnSpc>
-              <a:buClr>
-                <a:srgbClr val="000000"/>
-              </a:buClr>
-              <a:buSzPct val="45000"/>
-              <a:buFont typeface="Wingdings" charset="2"/>
-              <a:buChar char=""/>
-            </a:pPr>
-            <a:r>
-              <a:rPr b="0" lang="en-US" sz="3200" spc="-1" strike="noStrike">
-                <a:solidFill>
-                  <a:srgbClr val="000000"/>
-                </a:solidFill>
-                <a:latin typeface="Open Sans"/>
-                <a:ea typeface="Arial"/>
-              </a:rPr>
-              <a:t>For this work, communication between each core and the Memory Encryption Engine requires defining either a new packet type or port</a:t>
-            </a:r>
-            <a:endParaRPr b="0" lang="en-US" sz="3200" spc="-1" strike="noStrike">
-              <a:solidFill>
-                <a:srgbClr val="000000"/>
-              </a:solidFill>
-              <a:latin typeface="Arial"/>
-            </a:endParaRPr>
-          </a:p>
-        </p:txBody>
-      </p:sp>
-      <p:sp>
-        <p:nvSpPr>
-          <p:cNvPr id="164" name=""/>
+        </p:txBody>
+      </p:sp>
+      <p:sp>
+        <p:nvSpPr>
+          <p:cNvPr id="114" name=""/>
           <p:cNvSpPr/>
           <p:nvPr/>
         </p:nvSpPr>
         <p:spPr>
           <a:xfrm>
             <a:off x="579960" y="17087400"/>
-            <a:ext cx="10162440" cy="840600"/>
+            <a:ext cx="10161720" cy="839880"/>
           </a:xfrm>
           <a:prstGeom prst="rect">
             <a:avLst/>
@@ -11957,14 +8933,14 @@
       </p:sp>
       <p:sp>
         <p:nvSpPr>
-          <p:cNvPr id="165" name=""/>
+          <p:cNvPr id="115" name=""/>
           <p:cNvSpPr/>
           <p:nvPr/>
         </p:nvSpPr>
         <p:spPr>
           <a:xfrm>
             <a:off x="615960" y="25367400"/>
-            <a:ext cx="10126440" cy="840600"/>
+            <a:ext cx="10125720" cy="839880"/>
           </a:xfrm>
           <a:prstGeom prst="rect">
             <a:avLst/>
@@ -12015,23 +8991,21 @@
       </p:sp>
       <p:sp>
         <p:nvSpPr>
-          <p:cNvPr id="166" name=""/>
+          <p:cNvPr id="116" name=""/>
           <p:cNvSpPr/>
           <p:nvPr/>
         </p:nvSpPr>
         <p:spPr>
           <a:xfrm>
-            <a:off x="17146800" y="30108960"/>
-            <a:ext cx="360" cy="523440"/>
-          </a:xfrm>
-          <a:prstGeom prst="line">
-            <a:avLst/>
-          </a:prstGeom>
-          <a:ln w="38160">
-            <a:solidFill>
-              <a:srgbClr val="ff0000"/>
-            </a:solidFill>
-            <a:round/>
+            <a:off x="27781200" y="2971800"/>
+            <a:ext cx="4799520" cy="1827720"/>
+          </a:xfrm>
+          <a:prstGeom prst="rect">
+            <a:avLst/>
+          </a:prstGeom>
+          <a:noFill/>
+          <a:ln w="0">
+            <a:noFill/>
           </a:ln>
         </p:spPr>
         <p:style>
@@ -12041,42 +9015,57 @@
           <a:fontRef idx="minor"/>
         </p:style>
         <p:txBody>
-          <a:bodyPr lIns="109080" rIns="109080" tIns="64080" bIns="64080" anchor="ctr">
+          <a:bodyPr lIns="90000" rIns="90000" tIns="45000" bIns="45000" anchor="t">
             <a:noAutofit/>
           </a:bodyPr>
           <a:p>
-            <a:endParaRPr b="0" lang="en-US" sz="1800" spc="-1" strike="noStrike">
-              <a:solidFill>
-                <a:srgbClr val="000000"/>
-              </a:solidFill>
-              <a:latin typeface="Arial"/>
-              <a:ea typeface="Arial"/>
-            </a:endParaRPr>
-          </a:p>
-        </p:txBody>
-      </p:sp>
-      <p:sp>
-        <p:nvSpPr>
-          <p:cNvPr id="167" name=""/>
+            <a:pPr algn="ctr" defTabSz="3760920">
+              <a:lnSpc>
+                <a:spcPct val="100000"/>
+              </a:lnSpc>
+              <a:spcBef>
+                <a:spcPts val="1120"/>
+              </a:spcBef>
+              <a:tabLst>
+                <a:tab algn="l" pos="0"/>
+              </a:tabLst>
+            </a:pPr>
+            <a:r>
+              <a:rPr b="0" lang="en-US" sz="5600" spc="-1" strike="noStrike">
+                <a:solidFill>
+                  <a:srgbClr val="ffffff"/>
+                </a:solidFill>
+                <a:latin typeface="Open Sans"/>
+                <a:ea typeface="Open Sans"/>
+              </a:rPr>
+              <a:t>Pooja Rao</a:t>
+            </a:r>
+            <a:endParaRPr b="0" lang="en-US" sz="5600" spc="-1" strike="noStrike">
+              <a:solidFill>
+                <a:srgbClr val="000000"/>
+              </a:solidFill>
+              <a:latin typeface="Arial"/>
+            </a:endParaRPr>
+          </a:p>
+        </p:txBody>
+      </p:sp>
+      <p:sp>
+        <p:nvSpPr>
+          <p:cNvPr id="117" name=""/>
           <p:cNvSpPr/>
           <p:nvPr/>
         </p:nvSpPr>
         <p:spPr>
           <a:xfrm>
-            <a:off x="16232400" y="30632400"/>
-            <a:ext cx="1827360" cy="684360"/>
-          </a:xfrm>
-          <a:prstGeom prst="roundRect">
-            <a:avLst>
-              <a:gd name="adj" fmla="val 16667"/>
-            </a:avLst>
+            <a:off x="19905480" y="2971800"/>
+            <a:ext cx="4799520" cy="1827720"/>
+          </a:xfrm>
+          <a:prstGeom prst="rect">
+            <a:avLst/>
           </a:prstGeom>
           <a:noFill/>
-          <a:ln w="38160">
-            <a:solidFill>
-              <a:srgbClr val="ff0000"/>
-            </a:solidFill>
-            <a:round/>
+          <a:ln w="0">
+            <a:noFill/>
           </a:ln>
         </p:spPr>
         <p:style>
@@ -12086,54 +9075,57 @@
           <a:fontRef idx="minor"/>
         </p:style>
         <p:txBody>
-          <a:bodyPr lIns="109080" rIns="109080" tIns="64080" bIns="64080" anchor="ctr">
+          <a:bodyPr lIns="90000" rIns="90000" tIns="45000" bIns="45000" anchor="t">
             <a:noAutofit/>
           </a:bodyPr>
           <a:p>
-            <a:pPr algn="ctr">
+            <a:pPr algn="ctr" defTabSz="3760920">
               <a:lnSpc>
                 <a:spcPct val="100000"/>
               </a:lnSpc>
-            </a:pPr>
-            <a:r>
-              <a:rPr b="0" lang="en-US" sz="1800" spc="-1" strike="noStrike">
-                <a:solidFill>
-                  <a:srgbClr val="000000"/>
-                </a:solidFill>
-                <a:latin typeface="Arial"/>
-                <a:ea typeface="Arial"/>
-              </a:rPr>
-              <a:t>Tools for Extension</a:t>
-            </a:r>
-            <a:endParaRPr b="0" lang="en-US" sz="1800" spc="-1" strike="noStrike">
-              <a:solidFill>
-                <a:srgbClr val="000000"/>
-              </a:solidFill>
-              <a:latin typeface="Arial"/>
-            </a:endParaRPr>
-          </a:p>
-        </p:txBody>
-      </p:sp>
-      <p:sp>
-        <p:nvSpPr>
-          <p:cNvPr id="168" name=""/>
+              <a:spcBef>
+                <a:spcPts val="1120"/>
+              </a:spcBef>
+              <a:tabLst>
+                <a:tab algn="l" pos="0"/>
+              </a:tabLst>
+            </a:pPr>
+            <a:r>
+              <a:rPr b="0" lang="en-US" sz="5600" spc="-1" strike="noStrike">
+                <a:solidFill>
+                  <a:srgbClr val="ffffff"/>
+                </a:solidFill>
+                <a:latin typeface="Open Sans"/>
+                <a:ea typeface="Open Sans"/>
+              </a:rPr>
+              <a:t>Iris Bahar</a:t>
+            </a:r>
+            <a:endParaRPr b="0" lang="en-US" sz="5600" spc="-1" strike="noStrike">
+              <a:solidFill>
+                <a:srgbClr val="000000"/>
+              </a:solidFill>
+              <a:latin typeface="Arial"/>
+            </a:endParaRPr>
+          </a:p>
+        </p:txBody>
+      </p:sp>
+      <p:sp>
+        <p:nvSpPr>
+          <p:cNvPr id="118" name=""/>
           <p:cNvSpPr/>
           <p:nvPr/>
         </p:nvSpPr>
         <p:spPr>
-          <a:xfrm flipV="1">
-            <a:off x="11988720" y="29293200"/>
-            <a:ext cx="8887680" cy="53280"/>
-          </a:xfrm>
-          <a:prstGeom prst="line">
-            <a:avLst/>
-          </a:prstGeom>
-          <a:ln cap="rnd" w="29160">
-            <a:solidFill>
-              <a:srgbClr val="3465a4"/>
-            </a:solidFill>
-            <a:prstDash val="sysDot"/>
-            <a:round/>
+          <a:xfrm>
+            <a:off x="9781920" y="2971800"/>
+            <a:ext cx="4799520" cy="1827720"/>
+          </a:xfrm>
+          <a:prstGeom prst="rect">
+            <a:avLst/>
+          </a:prstGeom>
+          <a:noFill/>
+          <a:ln w="0">
+            <a:noFill/>
           </a:ln>
         </p:spPr>
         <p:style>
@@ -12143,30 +9135,73 @@
           <a:fontRef idx="minor"/>
         </p:style>
         <p:txBody>
-          <a:bodyPr lIns="104760" rIns="104760" tIns="22320" bIns="22320" anchor="ctr">
+          <a:bodyPr lIns="90000" rIns="90000" tIns="45000" bIns="45000" anchor="t">
             <a:noAutofit/>
           </a:bodyPr>
           <a:p>
-            <a:endParaRPr b="0" lang="en-US" sz="1800" spc="-1" strike="noStrike">
-              <a:solidFill>
-                <a:srgbClr val="000000"/>
-              </a:solidFill>
-              <a:latin typeface="Arial"/>
-              <a:ea typeface="Arial"/>
-            </a:endParaRPr>
-          </a:p>
-        </p:txBody>
-      </p:sp>
-      <p:sp>
-        <p:nvSpPr>
-          <p:cNvPr id="169" name=""/>
+            <a:pPr algn="ctr" defTabSz="3760920">
+              <a:lnSpc>
+                <a:spcPct val="100000"/>
+              </a:lnSpc>
+              <a:spcBef>
+                <a:spcPts val="1120"/>
+              </a:spcBef>
+              <a:tabLst>
+                <a:tab algn="l" pos="0"/>
+              </a:tabLst>
+            </a:pPr>
+            <a:r>
+              <a:rPr b="0" lang="en-US" sz="5600" spc="-1" strike="noStrike">
+                <a:solidFill>
+                  <a:srgbClr val="ffffff"/>
+                </a:solidFill>
+                <a:latin typeface="Open Sans"/>
+                <a:ea typeface="Open Sans"/>
+              </a:rPr>
+              <a:t>Will Buziak</a:t>
+            </a:r>
+            <a:endParaRPr b="0" lang="en-US" sz="5600" spc="-1" strike="noStrike">
+              <a:solidFill>
+                <a:srgbClr val="000000"/>
+              </a:solidFill>
+              <a:latin typeface="Arial"/>
+            </a:endParaRPr>
+          </a:p>
+        </p:txBody>
+      </p:sp>
+      <p:pic>
+        <p:nvPicPr>
+          <p:cNvPr id="119" name="" descr=""/>
+          <p:cNvPicPr/>
+          <p:nvPr/>
+        </p:nvPicPr>
+        <p:blipFill>
+          <a:blip r:embed="rId2"/>
+          <a:stretch/>
+        </p:blipFill>
+        <p:spPr>
+          <a:xfrm>
+            <a:off x="38032200" y="3559320"/>
+            <a:ext cx="4951800" cy="1534320"/>
+          </a:xfrm>
+          <a:prstGeom prst="rect">
+            <a:avLst/>
+          </a:prstGeom>
+          <a:ln w="0">
+            <a:noFill/>
+          </a:ln>
+        </p:spPr>
+      </p:pic>
+      <p:sp>
+        <p:nvSpPr>
+          <p:cNvPr id="120" name="TextBox 1"/>
           <p:cNvSpPr/>
           <p:nvPr/>
         </p:nvSpPr>
         <p:spPr>
           <a:xfrm>
-            <a:off x="27781200" y="2971800"/>
-            <a:ext cx="4800240" cy="1828440"/>
+            <a:off x="33256440" y="17618760"/>
+            <a:ext cx="9597240" cy="5974920"/>
           </a:xfrm>
           <a:prstGeom prst="rect">
             <a:avLst/>
@@ -12184,151 +9219,101 @@
         </p:style>
         <p:txBody>
           <a:bodyPr lIns="90000" rIns="90000" tIns="45000" bIns="45000" anchor="t">
-            <a:noAutofit/>
+            <a:spAutoFit/>
           </a:bodyPr>
           <a:p>
-            <a:pPr algn="ctr" defTabSz="3760920">
+            <a:pPr marL="216000" indent="-216000">
               <a:lnSpc>
                 <a:spcPct val="100000"/>
               </a:lnSpc>
               <a:spcBef>
-                <a:spcPts val="1120"/>
+                <a:spcPts val="1417"/>
               </a:spcBef>
+              <a:buClr>
+                <a:srgbClr val="000000"/>
+              </a:buClr>
+              <a:buFont typeface="Symbol" charset="2"/>
+              <a:buChar char=""/>
               <a:tabLst>
                 <a:tab algn="l" pos="0"/>
               </a:tabLst>
             </a:pPr>
             <a:r>
-              <a:rPr b="0" lang="en-US" sz="5600" spc="-1" strike="noStrike">
-                <a:solidFill>
-                  <a:srgbClr val="ffffff"/>
+              <a:rPr b="0" lang="en-US" sz="3600" spc="-1" strike="noStrike">
+                <a:solidFill>
+                  <a:schemeClr val="dk1"/>
                 </a:solidFill>
                 <a:latin typeface="Open Sans"/>
                 <a:ea typeface="Open Sans"/>
               </a:rPr>
-              <a:t>Pooja Rao</a:t>
-            </a:r>
-            <a:endParaRPr b="0" lang="en-US" sz="5600" spc="-1" strike="noStrike">
-              <a:solidFill>
-                <a:srgbClr val="000000"/>
-              </a:solidFill>
-              <a:latin typeface="Arial"/>
-            </a:endParaRPr>
-          </a:p>
-        </p:txBody>
-      </p:sp>
-      <p:sp>
-        <p:nvSpPr>
-          <p:cNvPr id="170" name=""/>
-          <p:cNvSpPr/>
-          <p:nvPr/>
-        </p:nvSpPr>
-        <p:spPr>
-          <a:xfrm>
-            <a:off x="19905480" y="2971800"/>
-            <a:ext cx="4800240" cy="1828440"/>
-          </a:xfrm>
-          <a:prstGeom prst="rect">
-            <a:avLst/>
-          </a:prstGeom>
-          <a:noFill/>
-          <a:ln w="0">
-            <a:noFill/>
-          </a:ln>
-        </p:spPr>
-        <p:style>
-          <a:lnRef idx="0"/>
-          <a:fillRef idx="0"/>
-          <a:effectRef idx="0"/>
-          <a:fontRef idx="minor"/>
-        </p:style>
-        <p:txBody>
-          <a:bodyPr lIns="90000" rIns="90000" tIns="45000" bIns="45000" anchor="t">
-            <a:noAutofit/>
-          </a:bodyPr>
-          <a:p>
-            <a:pPr algn="ctr" defTabSz="3760920">
+              <a:t>The Evaluation metric can prune circuits with low fidelity, or inability to solve the target application.</a:t>
+            </a:r>
+            <a:endParaRPr b="0" lang="en-US" sz="3600" spc="-1" strike="noStrike">
+              <a:solidFill>
+                <a:srgbClr val="000000"/>
+              </a:solidFill>
+              <a:latin typeface="Arial"/>
+            </a:endParaRPr>
+          </a:p>
+          <a:p>
+            <a:pPr marL="216000" indent="-216000">
               <a:lnSpc>
                 <a:spcPct val="100000"/>
               </a:lnSpc>
               <a:spcBef>
-                <a:spcPts val="1120"/>
+                <a:spcPts val="1417"/>
               </a:spcBef>
+              <a:buClr>
+                <a:srgbClr val="000000"/>
+              </a:buClr>
+              <a:buFont typeface="Symbol" charset="2"/>
+              <a:buChar char=""/>
               <a:tabLst>
                 <a:tab algn="l" pos="0"/>
               </a:tabLst>
             </a:pPr>
             <a:r>
-              <a:rPr b="0" lang="en-US" sz="5600" spc="-1" strike="noStrike">
-                <a:solidFill>
-                  <a:srgbClr val="ffffff"/>
+              <a:rPr b="0" lang="en-US" sz="3600" spc="-1" strike="noStrike">
+                <a:solidFill>
+                  <a:schemeClr val="dk1"/>
                 </a:solidFill>
                 <a:latin typeface="Open Sans"/>
                 <a:ea typeface="Open Sans"/>
               </a:rPr>
-              <a:t>Iris Bahar</a:t>
-            </a:r>
-            <a:endParaRPr b="0" lang="en-US" sz="5600" spc="-1" strike="noStrike">
-              <a:solidFill>
-                <a:srgbClr val="000000"/>
-              </a:solidFill>
-              <a:latin typeface="Arial"/>
-            </a:endParaRPr>
-          </a:p>
-        </p:txBody>
-      </p:sp>
-      <p:sp>
-        <p:nvSpPr>
-          <p:cNvPr id="171" name=""/>
-          <p:cNvSpPr/>
-          <p:nvPr/>
-        </p:nvSpPr>
-        <p:spPr>
-          <a:xfrm>
-            <a:off x="9781920" y="2971800"/>
-            <a:ext cx="4800240" cy="1828440"/>
-          </a:xfrm>
-          <a:prstGeom prst="rect">
-            <a:avLst/>
-          </a:prstGeom>
-          <a:noFill/>
-          <a:ln w="0">
-            <a:noFill/>
-          </a:ln>
-        </p:spPr>
-        <p:style>
-          <a:lnRef idx="0"/>
-          <a:fillRef idx="0"/>
-          <a:effectRef idx="0"/>
-          <a:fontRef idx="minor"/>
-        </p:style>
-        <p:txBody>
-          <a:bodyPr lIns="90000" rIns="90000" tIns="45000" bIns="45000" anchor="t">
-            <a:noAutofit/>
-          </a:bodyPr>
-          <a:p>
-            <a:pPr algn="ctr" defTabSz="3760920">
-              <a:lnSpc>
-                <a:spcPct val="100000"/>
-              </a:lnSpc>
-              <a:spcBef>
-                <a:spcPts val="1120"/>
-              </a:spcBef>
+              <a:t>Each major component of this paradigm is intended to be interchangeable, opening the door for a larger swath of applications.</a:t>
+            </a:r>
+            <a:endParaRPr b="0" lang="en-US" sz="3600" spc="-1" strike="noStrike">
+              <a:solidFill>
+                <a:srgbClr val="000000"/>
+              </a:solidFill>
+              <a:latin typeface="Arial"/>
+            </a:endParaRPr>
+          </a:p>
+          <a:p>
+            <a:pPr marL="216000" indent="-216000" algn="just">
+              <a:lnSpc>
+                <a:spcPct val="110000"/>
+              </a:lnSpc>
+              <a:buClr>
+                <a:srgbClr val="000000"/>
+              </a:buClr>
+              <a:buFont typeface="Symbol" charset="2"/>
+              <a:buChar char=""/>
               <a:tabLst>
                 <a:tab algn="l" pos="0"/>
               </a:tabLst>
             </a:pPr>
             <a:r>
-              <a:rPr b="0" lang="en-US" sz="5600" spc="-1" strike="noStrike">
-                <a:solidFill>
-                  <a:srgbClr val="ffffff"/>
+              <a:rPr b="0" lang="en-US" sz="3600" spc="-1" strike="noStrike">
+                <a:solidFill>
+                  <a:schemeClr val="dk1"/>
                 </a:solidFill>
                 <a:latin typeface="Open Sans"/>
                 <a:ea typeface="Open Sans"/>
               </a:rPr>
-              <a:t>Will Buziak</a:t>
-            </a:r>
-            <a:endParaRPr b="0" lang="en-US" sz="5600" spc="-1" strike="noStrike">
+              <a:t>Quantum computing provides speedups over classical solutions when algorithms can map to an algorithm that takes advantage of entanglement similarities.</a:t>
+            </a:r>
+            <a:endParaRPr b="0" lang="en-US" sz="3600" spc="-1" strike="noStrike">
               <a:solidFill>
                 <a:srgbClr val="000000"/>
               </a:solidFill>
@@ -12339,7 +9324,30 @@
       </p:sp>
       <p:pic>
         <p:nvPicPr>
-          <p:cNvPr id="172" name="" descr=""/>
+          <p:cNvPr id="121" name="" descr=""/>
+          <p:cNvPicPr/>
+          <p:nvPr/>
+        </p:nvPicPr>
+        <p:blipFill>
+          <a:blip r:embed="rId3"/>
+          <a:stretch/>
+        </p:blipFill>
+        <p:spPr>
+          <a:xfrm>
+            <a:off x="990000" y="11163600"/>
+            <a:ext cx="9460080" cy="2057400"/>
+          </a:xfrm>
+          <a:prstGeom prst="rect">
+            <a:avLst/>
+          </a:prstGeom>
+          <a:ln w="0">
+            <a:noFill/>
+          </a:ln>
+        </p:spPr>
+      </p:pic>
+      <p:pic>
+        <p:nvPicPr>
+          <p:cNvPr id="122" name="" descr=""/>
           <p:cNvPicPr/>
           <p:nvPr/>
         </p:nvPicPr>
@@ -12349,8 +9357,8 @@
         </p:blipFill>
         <p:spPr>
           <a:xfrm>
-            <a:off x="38032200" y="3559320"/>
-            <a:ext cx="4952520" cy="1535040"/>
+            <a:off x="22366800" y="21355560"/>
+            <a:ext cx="10287000" cy="4895640"/>
           </a:xfrm>
           <a:prstGeom prst="rect">
             <a:avLst/>
@@ -12360,6 +9368,417 @@
           </a:ln>
         </p:spPr>
       </p:pic>
+      <p:sp>
+        <p:nvSpPr>
+          <p:cNvPr id="123" name=""/>
+          <p:cNvSpPr txBox="1"/>
+          <p:nvPr/>
+        </p:nvSpPr>
+        <p:spPr>
+          <a:xfrm>
+            <a:off x="577800" y="26289000"/>
+            <a:ext cx="10163880" cy="5257440"/>
+          </a:xfrm>
+          <a:prstGeom prst="rect">
+            <a:avLst/>
+          </a:prstGeom>
+          <a:noFill/>
+          <a:ln w="0">
+            <a:noFill/>
+          </a:ln>
+        </p:spPr>
+        <p:txBody>
+          <a:bodyPr lIns="90000" rIns="90000" tIns="45000" bIns="45000" anchor="t">
+            <a:noAutofit/>
+          </a:bodyPr>
+          <a:p>
+            <a:pPr marL="216000" indent="-216000">
+              <a:lnSpc>
+                <a:spcPct val="100000"/>
+              </a:lnSpc>
+              <a:spcBef>
+                <a:spcPts val="1417"/>
+              </a:spcBef>
+              <a:buClr>
+                <a:srgbClr val="000000"/>
+              </a:buClr>
+              <a:buSzPct val="45000"/>
+              <a:buFont typeface="Wingdings" charset="2"/>
+              <a:buChar char=""/>
+            </a:pPr>
+            <a:r>
+              <a:rPr b="0" lang="en-US" sz="3600" spc="-1" strike="noStrike">
+                <a:solidFill>
+                  <a:schemeClr val="dk1"/>
+                </a:solidFill>
+                <a:latin typeface="Open Sans"/>
+                <a:ea typeface="Open Sans"/>
+              </a:rPr>
+              <a:t>Quantum Hardware is noisy &amp; reliable algorithm design is non-trivial.</a:t>
+            </a:r>
+            <a:endParaRPr b="0" lang="en-US" sz="3600" spc="-1" strike="noStrike">
+              <a:solidFill>
+                <a:srgbClr val="000000"/>
+              </a:solidFill>
+              <a:latin typeface="Arial"/>
+            </a:endParaRPr>
+          </a:p>
+          <a:p>
+            <a:pPr marL="216000" indent="-216000">
+              <a:lnSpc>
+                <a:spcPct val="100000"/>
+              </a:lnSpc>
+              <a:spcBef>
+                <a:spcPts val="1417"/>
+              </a:spcBef>
+              <a:buClr>
+                <a:srgbClr val="000000"/>
+              </a:buClr>
+              <a:buSzPct val="45000"/>
+              <a:buFont typeface="Wingdings" charset="2"/>
+              <a:buChar char=""/>
+            </a:pPr>
+            <a:r>
+              <a:rPr b="0" lang="en-US" sz="3600" spc="-1" strike="noStrike">
+                <a:solidFill>
+                  <a:schemeClr val="dk1"/>
+                </a:solidFill>
+                <a:latin typeface="Open Sans"/>
+                <a:ea typeface="Open Sans"/>
+              </a:rPr>
+              <a:t>Classical models experience exponential blowup when scaling to real-world systems.</a:t>
+            </a:r>
+            <a:endParaRPr b="0" lang="en-US" sz="3600" spc="-1" strike="noStrike">
+              <a:solidFill>
+                <a:srgbClr val="000000"/>
+              </a:solidFill>
+              <a:latin typeface="Arial"/>
+            </a:endParaRPr>
+          </a:p>
+          <a:p>
+            <a:pPr marL="216000" indent="-216000">
+              <a:lnSpc>
+                <a:spcPct val="100000"/>
+              </a:lnSpc>
+              <a:spcBef>
+                <a:spcPts val="1417"/>
+              </a:spcBef>
+              <a:buClr>
+                <a:srgbClr val="000000"/>
+              </a:buClr>
+              <a:buSzPct val="45000"/>
+              <a:buFont typeface="Wingdings" charset="2"/>
+              <a:buChar char=""/>
+            </a:pPr>
+            <a:r>
+              <a:rPr b="0" lang="en-US" sz="3600" spc="-1" strike="noStrike">
+                <a:solidFill>
+                  <a:schemeClr val="dk1"/>
+                </a:solidFill>
+                <a:latin typeface="Open Sans"/>
+                <a:ea typeface="Open Sans"/>
+              </a:rPr>
+              <a:t>Each component is intended to be an interchangeable piece to target a large swath of applications</a:t>
+            </a:r>
+            <a:endParaRPr b="0" lang="en-US" sz="3600" spc="-1" strike="noStrike">
+              <a:solidFill>
+                <a:srgbClr val="000000"/>
+              </a:solidFill>
+              <a:latin typeface="Arial"/>
+            </a:endParaRPr>
+          </a:p>
+        </p:txBody>
+      </p:sp>
+      <p:pic>
+        <p:nvPicPr>
+          <p:cNvPr id="124" name="" descr=""/>
+          <p:cNvPicPr/>
+          <p:nvPr/>
+        </p:nvPicPr>
+        <p:blipFill>
+          <a:blip r:embed="rId5"/>
+          <a:stretch/>
+        </p:blipFill>
+        <p:spPr>
+          <a:xfrm>
+            <a:off x="23088600" y="9744480"/>
+            <a:ext cx="8831160" cy="3971520"/>
+          </a:xfrm>
+          <a:prstGeom prst="rect">
+            <a:avLst/>
+          </a:prstGeom>
+          <a:ln w="0">
+            <a:noFill/>
+          </a:ln>
+        </p:spPr>
+      </p:pic>
+      <p:pic>
+        <p:nvPicPr>
+          <p:cNvPr id="125" name="" descr=""/>
+          <p:cNvPicPr/>
+          <p:nvPr/>
+        </p:nvPicPr>
+        <p:blipFill>
+          <a:blip r:embed="rId6"/>
+          <a:stretch/>
+        </p:blipFill>
+        <p:spPr>
+          <a:xfrm>
+            <a:off x="11671560" y="22585320"/>
+            <a:ext cx="9696240" cy="8640360"/>
+          </a:xfrm>
+          <a:prstGeom prst="rect">
+            <a:avLst/>
+          </a:prstGeom>
+          <a:ln w="0">
+            <a:noFill/>
+          </a:ln>
+        </p:spPr>
+      </p:pic>
+      <p:pic>
+        <p:nvPicPr>
+          <p:cNvPr id="126" name="" descr=""/>
+          <p:cNvPicPr/>
+          <p:nvPr/>
+        </p:nvPicPr>
+        <p:blipFill>
+          <a:blip r:embed="rId7"/>
+          <a:srcRect l="0" t="18239" r="7" b="0"/>
+          <a:stretch/>
+        </p:blipFill>
+        <p:spPr>
+          <a:xfrm>
+            <a:off x="11887200" y="13043160"/>
+            <a:ext cx="5257800" cy="2941920"/>
+          </a:xfrm>
+          <a:prstGeom prst="rect">
+            <a:avLst/>
+          </a:prstGeom>
+          <a:ln w="0">
+            <a:noFill/>
+          </a:ln>
+        </p:spPr>
+      </p:pic>
+      <p:sp>
+        <p:nvSpPr>
+          <p:cNvPr id="127" name=""/>
+          <p:cNvSpPr/>
+          <p:nvPr/>
+        </p:nvSpPr>
+        <p:spPr>
+          <a:xfrm>
+            <a:off x="15777360" y="17705520"/>
+            <a:ext cx="1943280" cy="1943280"/>
+          </a:xfrm>
+          <a:prstGeom prst="ellipse">
+            <a:avLst/>
+          </a:prstGeom>
+          <a:noFill/>
+          <a:ln w="29160">
+            <a:solidFill>
+              <a:srgbClr val="000000"/>
+            </a:solidFill>
+            <a:round/>
+          </a:ln>
+        </p:spPr>
+        <p:style>
+          <a:lnRef idx="0"/>
+          <a:fillRef idx="0"/>
+          <a:effectRef idx="0"/>
+          <a:fontRef idx="minor"/>
+        </p:style>
+        <p:txBody>
+          <a:bodyPr lIns="104400" rIns="104400" tIns="59400" bIns="59400" anchor="ctr">
+            <a:noAutofit/>
+          </a:bodyPr>
+          <a:p>
+            <a:endParaRPr b="0" lang="en-US" sz="1800" spc="-1" strike="noStrike">
+              <a:solidFill>
+                <a:srgbClr val="000000"/>
+              </a:solidFill>
+              <a:latin typeface="Arial"/>
+            </a:endParaRPr>
+          </a:p>
+        </p:txBody>
+      </p:sp>
+      <p:sp>
+        <p:nvSpPr>
+          <p:cNvPr id="128" name=""/>
+          <p:cNvSpPr/>
+          <p:nvPr/>
+        </p:nvSpPr>
+        <p:spPr>
+          <a:xfrm rot="1183200">
+            <a:off x="16258680" y="18145080"/>
+            <a:ext cx="1963080" cy="1316880"/>
+          </a:xfrm>
+          <a:prstGeom prst="ellipse">
+            <a:avLst/>
+          </a:prstGeom>
+          <a:noFill/>
+          <a:ln cap="rnd" w="29160">
+            <a:solidFill>
+              <a:srgbClr val="000000"/>
+            </a:solidFill>
+            <a:prstDash val="sysDash"/>
+            <a:round/>
+          </a:ln>
+        </p:spPr>
+        <p:style>
+          <a:lnRef idx="0"/>
+          <a:fillRef idx="0"/>
+          <a:effectRef idx="0"/>
+          <a:fontRef idx="minor"/>
+        </p:style>
+        <p:txBody>
+          <a:bodyPr lIns="104400" rIns="104400" tIns="59400" bIns="59400" anchor="ctr">
+            <a:noAutofit/>
+          </a:bodyPr>
+          <a:p>
+            <a:endParaRPr b="0" lang="en-US" sz="1800" spc="-1" strike="noStrike">
+              <a:solidFill>
+                <a:srgbClr val="000000"/>
+              </a:solidFill>
+              <a:latin typeface="Arial"/>
+            </a:endParaRPr>
+          </a:p>
+        </p:txBody>
+      </p:sp>
+      <p:cxnSp>
+        <p:nvCxnSpPr>
+          <p:cNvPr id="129" name=""/>
+          <p:cNvCxnSpPr>
+            <a:endCxn id="127" idx="7"/>
+          </p:cNvCxnSpPr>
+          <p:nvPr/>
+        </p:nvCxnSpPr>
+        <p:spPr>
+          <a:xfrm flipV="1">
+            <a:off x="16805880" y="17989920"/>
+            <a:ext cx="630720" cy="630360"/>
+          </a:xfrm>
+          <a:prstGeom prst="straightConnector1">
+            <a:avLst/>
+          </a:prstGeom>
+          <a:ln w="29160">
+            <a:solidFill>
+              <a:srgbClr val="000000"/>
+            </a:solidFill>
+            <a:round/>
+            <a:tailEnd len="med" type="triangle" w="med"/>
+          </a:ln>
+        </p:spPr>
+      </p:cxnSp>
+      <p:sp>
+        <p:nvSpPr>
+          <p:cNvPr id="130" name=""/>
+          <p:cNvSpPr/>
+          <p:nvPr/>
+        </p:nvSpPr>
+        <p:spPr>
+          <a:xfrm>
+            <a:off x="16727760" y="18564120"/>
+            <a:ext cx="114480" cy="114480"/>
+          </a:xfrm>
+          <a:prstGeom prst="ellipse">
+            <a:avLst/>
+          </a:prstGeom>
+          <a:solidFill>
+            <a:srgbClr val="000000"/>
+          </a:solidFill>
+          <a:ln w="0">
+            <a:solidFill>
+              <a:srgbClr val="000000"/>
+            </a:solidFill>
+          </a:ln>
+        </p:spPr>
+        <p:style>
+          <a:lnRef idx="0"/>
+          <a:fillRef idx="0"/>
+          <a:effectRef idx="0"/>
+          <a:fontRef idx="minor"/>
+        </p:style>
+        <p:txBody>
+          <a:bodyPr lIns="90000" rIns="90000" tIns="36360" bIns="36360" anchor="ctr">
+            <a:noAutofit/>
+          </a:bodyPr>
+          <a:p>
+            <a:endParaRPr b="0" lang="en-US" sz="1800" spc="-1" strike="noStrike">
+              <a:solidFill>
+                <a:srgbClr val="ffffff"/>
+              </a:solidFill>
+              <a:latin typeface="Arial"/>
+            </a:endParaRPr>
+          </a:p>
+        </p:txBody>
+      </p:sp>
+      <p:pic>
+        <p:nvPicPr>
+          <p:cNvPr id="131" name="" descr=""/>
+          <p:cNvPicPr/>
+          <p:nvPr/>
+        </p:nvPicPr>
+        <p:blipFill>
+          <a:blip r:embed="rId8"/>
+          <a:stretch/>
+        </p:blipFill>
+        <p:spPr>
+          <a:xfrm>
+            <a:off x="18262800" y="13114800"/>
+            <a:ext cx="2539800" cy="2971800"/>
+          </a:xfrm>
+          <a:prstGeom prst="rect">
+            <a:avLst/>
+          </a:prstGeom>
+          <a:ln w="0">
+            <a:noFill/>
+          </a:ln>
+        </p:spPr>
+      </p:pic>
+      <p:sp>
+        <p:nvSpPr>
+          <p:cNvPr id="132" name=""/>
+          <p:cNvSpPr/>
+          <p:nvPr/>
+        </p:nvSpPr>
+        <p:spPr>
+          <a:xfrm>
+            <a:off x="11417040" y="12801600"/>
+            <a:ext cx="9842760" cy="3429000"/>
+          </a:xfrm>
+          <a:prstGeom prst="roundRect">
+            <a:avLst>
+              <a:gd name="adj" fmla="val 16667"/>
+            </a:avLst>
+          </a:prstGeom>
+          <a:noFill/>
+          <a:ln w="38160">
+            <a:solidFill>
+              <a:srgbClr val="3465a4"/>
+            </a:solidFill>
+            <a:round/>
+          </a:ln>
+        </p:spPr>
+        <p:style>
+          <a:lnRef idx="0"/>
+          <a:fillRef idx="0"/>
+          <a:effectRef idx="0"/>
+          <a:fontRef idx="minor"/>
+        </p:style>
+        <p:txBody>
+          <a:bodyPr lIns="108720" rIns="108720" tIns="63720" bIns="63720" anchor="ctr">
+            <a:noAutofit/>
+          </a:bodyPr>
+          <a:p>
+            <a:endParaRPr b="0" lang="en-US" sz="1800" spc="-1" strike="noStrike">
+              <a:solidFill>
+                <a:srgbClr val="000000"/>
+              </a:solidFill>
+              <a:latin typeface="Arial"/>
+            </a:endParaRPr>
+          </a:p>
+        </p:txBody>
+      </p:sp>
     </p:spTree>
   </p:cSld>
   <mc:AlternateContent>
